--- a/CourseMaterials/Best Practices for Software Development using MATLAB.pptx
+++ b/CourseMaterials/Best Practices for Software Development using MATLAB.pptx
@@ -7,7 +7,7 @@
     <p:sldMasterId id="2147483711" r:id="rId3"/>
   </p:sldMasterIdLst>
   <p:notesMasterIdLst>
-    <p:notesMasterId r:id="rId45"/>
+    <p:notesMasterId r:id="rId47"/>
   </p:notesMasterIdLst>
   <p:sldIdLst>
     <p:sldId id="257" r:id="rId4"/>
@@ -41,16 +41,18 @@
     <p:sldId id="265" r:id="rId32"/>
     <p:sldId id="282" r:id="rId33"/>
     <p:sldId id="418" r:id="rId34"/>
-    <p:sldId id="419" r:id="rId35"/>
-    <p:sldId id="420" r:id="rId36"/>
-    <p:sldId id="421" r:id="rId37"/>
-    <p:sldId id="283" r:id="rId38"/>
-    <p:sldId id="284" r:id="rId39"/>
-    <p:sldId id="266" r:id="rId40"/>
-    <p:sldId id="267" r:id="rId41"/>
-    <p:sldId id="268" r:id="rId42"/>
-    <p:sldId id="270" r:id="rId43"/>
-    <p:sldId id="415" r:id="rId44"/>
+    <p:sldId id="266" r:id="rId35"/>
+    <p:sldId id="267" r:id="rId36"/>
+    <p:sldId id="268" r:id="rId37"/>
+    <p:sldId id="270" r:id="rId38"/>
+    <p:sldId id="415" r:id="rId39"/>
+    <p:sldId id="422" r:id="rId40"/>
+    <p:sldId id="419" r:id="rId41"/>
+    <p:sldId id="420" r:id="rId42"/>
+    <p:sldId id="421" r:id="rId43"/>
+    <p:sldId id="283" r:id="rId44"/>
+    <p:sldId id="284" r:id="rId45"/>
+    <p:sldId id="423" r:id="rId46"/>
   </p:sldIdLst>
   <p:sldSz cx="12192000" cy="6858000"/>
   <p:notesSz cx="6858000" cy="9144000"/>
@@ -157,6 +159,102 @@
 </p:presentation>
 </file>
 
+<file path=ppt/revisionInfo.xml><?xml version="1.0" encoding="utf-8"?>
+<p1510:revInfo xmlns:a="http://schemas.openxmlformats.org/drawingml/2006/main" xmlns:r="http://schemas.openxmlformats.org/officeDocument/2006/relationships" xmlns:p1510="http://schemas.microsoft.com/office/powerpoint/2015/10/main">
+  <p1510:revLst>
+    <p1510:client id="{6A0AEAFE-45F1-4F78-BF24-2A99E964B86F}" v="17" dt="2024-05-29T10:49:55.288"/>
+  </p1510:revLst>
+</p1510:revInfo>
+</file>
+
+<file path=ppt/changesInfos/changesInfo1.xml><?xml version="1.0" encoding="utf-8"?>
+<pc:chgInfo xmlns:a="http://schemas.openxmlformats.org/drawingml/2006/main" xmlns:r="http://schemas.openxmlformats.org/officeDocument/2006/relationships" xmlns:ac="http://schemas.microsoft.com/office/drawing/2013/main/command" xmlns:pc="http://schemas.microsoft.com/office/powerpoint/2013/main/command">
+  <pc:docChgLst>
+    <pc:chgData name="Louise Brown (staff)" userId="de8b7712-bd89-438d-bea6-a54e5199a8bd" providerId="ADAL" clId="{6A0AEAFE-45F1-4F78-BF24-2A99E964B86F}"/>
+    <pc:docChg chg="addSld delSld modSld">
+      <pc:chgData name="Louise Brown (staff)" userId="de8b7712-bd89-438d-bea6-a54e5199a8bd" providerId="ADAL" clId="{6A0AEAFE-45F1-4F78-BF24-2A99E964B86F}" dt="2024-05-29T10:48:21.869" v="50" actId="20577"/>
+      <pc:docMkLst>
+        <pc:docMk/>
+      </pc:docMkLst>
+      <pc:sldChg chg="del">
+        <pc:chgData name="Louise Brown (staff)" userId="de8b7712-bd89-438d-bea6-a54e5199a8bd" providerId="ADAL" clId="{6A0AEAFE-45F1-4F78-BF24-2A99E964B86F}" dt="2024-05-28T14:20:06.318" v="0" actId="2696"/>
+        <pc:sldMkLst>
+          <pc:docMk/>
+          <pc:sldMk cId="3630683270" sldId="266"/>
+        </pc:sldMkLst>
+      </pc:sldChg>
+      <pc:sldChg chg="del">
+        <pc:chgData name="Louise Brown (staff)" userId="de8b7712-bd89-438d-bea6-a54e5199a8bd" providerId="ADAL" clId="{6A0AEAFE-45F1-4F78-BF24-2A99E964B86F}" dt="2024-05-28T14:20:06.318" v="0" actId="2696"/>
+        <pc:sldMkLst>
+          <pc:docMk/>
+          <pc:sldMk cId="1971529063" sldId="267"/>
+        </pc:sldMkLst>
+      </pc:sldChg>
+      <pc:sldChg chg="del">
+        <pc:chgData name="Louise Brown (staff)" userId="de8b7712-bd89-438d-bea6-a54e5199a8bd" providerId="ADAL" clId="{6A0AEAFE-45F1-4F78-BF24-2A99E964B86F}" dt="2024-05-28T14:20:06.318" v="0" actId="2696"/>
+        <pc:sldMkLst>
+          <pc:docMk/>
+          <pc:sldMk cId="3205070806" sldId="268"/>
+        </pc:sldMkLst>
+      </pc:sldChg>
+      <pc:sldChg chg="del">
+        <pc:chgData name="Louise Brown (staff)" userId="de8b7712-bd89-438d-bea6-a54e5199a8bd" providerId="ADAL" clId="{6A0AEAFE-45F1-4F78-BF24-2A99E964B86F}" dt="2024-05-28T14:20:06.318" v="0" actId="2696"/>
+        <pc:sldMkLst>
+          <pc:docMk/>
+          <pc:sldMk cId="3821784183" sldId="270"/>
+        </pc:sldMkLst>
+      </pc:sldChg>
+      <pc:sldChg chg="del">
+        <pc:chgData name="Louise Brown (staff)" userId="de8b7712-bd89-438d-bea6-a54e5199a8bd" providerId="ADAL" clId="{6A0AEAFE-45F1-4F78-BF24-2A99E964B86F}" dt="2024-05-28T14:20:06.318" v="0" actId="2696"/>
+        <pc:sldMkLst>
+          <pc:docMk/>
+          <pc:sldMk cId="1882544856" sldId="415"/>
+        </pc:sldMkLst>
+      </pc:sldChg>
+      <pc:sldChg chg="addSp delSp modSp new mod">
+        <pc:chgData name="Louise Brown (staff)" userId="de8b7712-bd89-438d-bea6-a54e5199a8bd" providerId="ADAL" clId="{6A0AEAFE-45F1-4F78-BF24-2A99E964B86F}" dt="2024-05-29T10:48:21.869" v="50" actId="20577"/>
+        <pc:sldMkLst>
+          <pc:docMk/>
+          <pc:sldMk cId="3318838063" sldId="422"/>
+        </pc:sldMkLst>
+        <pc:spChg chg="mod">
+          <ac:chgData name="Louise Brown (staff)" userId="de8b7712-bd89-438d-bea6-a54e5199a8bd" providerId="ADAL" clId="{6A0AEAFE-45F1-4F78-BF24-2A99E964B86F}" dt="2024-05-29T10:45:26.268" v="9" actId="20577"/>
+          <ac:spMkLst>
+            <pc:docMk/>
+            <pc:sldMk cId="3318838063" sldId="422"/>
+            <ac:spMk id="2" creationId="{560D67BB-BEB3-56BB-E427-B6D531AC5938}"/>
+          </ac:spMkLst>
+        </pc:spChg>
+        <pc:spChg chg="add del mod topLvl">
+          <ac:chgData name="Louise Brown (staff)" userId="de8b7712-bd89-438d-bea6-a54e5199a8bd" providerId="ADAL" clId="{6A0AEAFE-45F1-4F78-BF24-2A99E964B86F}" dt="2024-05-29T10:48:21.869" v="50" actId="20577"/>
+          <ac:spMkLst>
+            <pc:docMk/>
+            <pc:sldMk cId="3318838063" sldId="422"/>
+            <ac:spMk id="4" creationId="{4B524BC7-4D1C-E796-DE2E-50EA3EB0875A}"/>
+          </ac:spMkLst>
+        </pc:spChg>
+        <pc:grpChg chg="add del mod">
+          <ac:chgData name="Louise Brown (staff)" userId="de8b7712-bd89-438d-bea6-a54e5199a8bd" providerId="ADAL" clId="{6A0AEAFE-45F1-4F78-BF24-2A99E964B86F}" dt="2024-05-29T10:45:55.303" v="14" actId="165"/>
+          <ac:grpSpMkLst>
+            <pc:docMk/>
+            <pc:sldMk cId="3318838063" sldId="422"/>
+            <ac:grpSpMk id="5" creationId="{DE0A0D34-A4C8-E169-EB07-D67EAA23E40E}"/>
+          </ac:grpSpMkLst>
+        </pc:grpChg>
+        <pc:picChg chg="add mod topLvl">
+          <ac:chgData name="Louise Brown (staff)" userId="de8b7712-bd89-438d-bea6-a54e5199a8bd" providerId="ADAL" clId="{6A0AEAFE-45F1-4F78-BF24-2A99E964B86F}" dt="2024-05-29T10:47:22.927" v="34" actId="1076"/>
+          <ac:picMkLst>
+            <pc:docMk/>
+            <pc:sldMk cId="3318838063" sldId="422"/>
+            <ac:picMk id="1026" creationId="{51D3B38B-0B82-6E51-79FF-118D25B1255F}"/>
+          </ac:picMkLst>
+        </pc:picChg>
+      </pc:sldChg>
+    </pc:docChg>
+  </pc:docChgLst>
+</pc:chgInfo>
+</file>
+
 <file path=ppt/notesMasters/notesMaster1.xml><?xml version="1.0" encoding="utf-8"?>
 <p:notesMaster xmlns:a="http://schemas.openxmlformats.org/drawingml/2006/main" xmlns:r="http://schemas.openxmlformats.org/officeDocument/2006/relationships" xmlns:p="http://schemas.openxmlformats.org/presentationml/2006/main">
   <p:cSld>
@@ -239,7 +337,7 @@
           <a:p>
             <a:fld id="{6C06565E-6C9B-4A06-A09A-D231B01EEF1C}" type="datetimeFigureOut">
               <a:rPr lang="en-GB" smtClean="0"/>
-              <a:t>06/06/2023</a:t>
+              <a:t>29/05/2024</a:t>
             </a:fld>
             <a:endParaRPr lang="en-GB"/>
           </a:p>
@@ -2423,7 +2521,7 @@
                 </a:solidFill>
               </a:rPr>
               <a:pPr/>
-              <a:t>06/06/2023</a:t>
+              <a:t>29/05/2024</a:t>
             </a:fld>
             <a:endParaRPr lang="en-GB">
               <a:solidFill>
@@ -2625,7 +2723,7 @@
                 </a:solidFill>
               </a:rPr>
               <a:pPr/>
-              <a:t>06/06/2023</a:t>
+              <a:t>29/05/2024</a:t>
             </a:fld>
             <a:endParaRPr lang="en-GB">
               <a:solidFill>
@@ -2837,7 +2935,7 @@
                 </a:solidFill>
               </a:rPr>
               <a:pPr/>
-              <a:t>06/06/2023</a:t>
+              <a:t>29/05/2024</a:t>
             </a:fld>
             <a:endParaRPr lang="en-GB">
               <a:solidFill>
@@ -4549,7 +4647,7 @@
                 </a:solidFill>
               </a:rPr>
               <a:pPr/>
-              <a:t>06/06/2023</a:t>
+              <a:t>29/05/2024</a:t>
             </a:fld>
             <a:endParaRPr lang="en-GB">
               <a:solidFill>
@@ -5331,7 +5429,7 @@
           <a:p>
             <a:fld id="{F4D14FF6-3E0D-407D-982E-9B686EE47223}" type="datetimeFigureOut">
               <a:rPr lang="en-GB" smtClean="0"/>
-              <a:t>06/06/2023</a:t>
+              <a:t>29/05/2024</a:t>
             </a:fld>
             <a:endParaRPr lang="en-GB"/>
           </a:p>
@@ -5501,7 +5599,7 @@
           <a:p>
             <a:fld id="{F4D14FF6-3E0D-407D-982E-9B686EE47223}" type="datetimeFigureOut">
               <a:rPr lang="en-GB" smtClean="0"/>
-              <a:t>06/06/2023</a:t>
+              <a:t>29/05/2024</a:t>
             </a:fld>
             <a:endParaRPr lang="en-GB"/>
           </a:p>
@@ -5747,7 +5845,7 @@
           <a:p>
             <a:fld id="{F4D14FF6-3E0D-407D-982E-9B686EE47223}" type="datetimeFigureOut">
               <a:rPr lang="en-GB" smtClean="0"/>
-              <a:t>06/06/2023</a:t>
+              <a:t>29/05/2024</a:t>
             </a:fld>
             <a:endParaRPr lang="en-GB"/>
           </a:p>
@@ -5979,7 +6077,7 @@
           <a:p>
             <a:fld id="{F4D14FF6-3E0D-407D-982E-9B686EE47223}" type="datetimeFigureOut">
               <a:rPr lang="en-GB" smtClean="0"/>
-              <a:t>06/06/2023</a:t>
+              <a:t>29/05/2024</a:t>
             </a:fld>
             <a:endParaRPr lang="en-GB"/>
           </a:p>
@@ -6346,7 +6444,7 @@
           <a:p>
             <a:fld id="{F4D14FF6-3E0D-407D-982E-9B686EE47223}" type="datetimeFigureOut">
               <a:rPr lang="en-GB" smtClean="0"/>
-              <a:t>06/06/2023</a:t>
+              <a:t>29/05/2024</a:t>
             </a:fld>
             <a:endParaRPr lang="en-GB"/>
           </a:p>
@@ -6464,7 +6562,7 @@
           <a:p>
             <a:fld id="{F4D14FF6-3E0D-407D-982E-9B686EE47223}" type="datetimeFigureOut">
               <a:rPr lang="en-GB" smtClean="0"/>
-              <a:t>06/06/2023</a:t>
+              <a:t>29/05/2024</a:t>
             </a:fld>
             <a:endParaRPr lang="en-GB"/>
           </a:p>
@@ -6559,7 +6657,7 @@
           <a:p>
             <a:fld id="{F4D14FF6-3E0D-407D-982E-9B686EE47223}" type="datetimeFigureOut">
               <a:rPr lang="en-GB" smtClean="0"/>
-              <a:t>06/06/2023</a:t>
+              <a:t>29/05/2024</a:t>
             </a:fld>
             <a:endParaRPr lang="en-GB"/>
           </a:p>
@@ -6812,7 +6910,7 @@
                 </a:solidFill>
               </a:rPr>
               <a:pPr/>
-              <a:t>06/06/2023</a:t>
+              <a:t>29/05/2024</a:t>
             </a:fld>
             <a:endParaRPr lang="en-GB">
               <a:solidFill>
@@ -7114,7 +7212,7 @@
           <a:p>
             <a:fld id="{F4D14FF6-3E0D-407D-982E-9B686EE47223}" type="datetimeFigureOut">
               <a:rPr lang="en-GB" smtClean="0"/>
-              <a:t>06/06/2023</a:t>
+              <a:t>29/05/2024</a:t>
             </a:fld>
             <a:endParaRPr lang="en-GB"/>
           </a:p>
@@ -7371,7 +7469,7 @@
           <a:p>
             <a:fld id="{F4D14FF6-3E0D-407D-982E-9B686EE47223}" type="datetimeFigureOut">
               <a:rPr lang="en-GB" smtClean="0"/>
-              <a:t>06/06/2023</a:t>
+              <a:t>29/05/2024</a:t>
             </a:fld>
             <a:endParaRPr lang="en-GB"/>
           </a:p>
@@ -7541,7 +7639,7 @@
           <a:p>
             <a:fld id="{F4D14FF6-3E0D-407D-982E-9B686EE47223}" type="datetimeFigureOut">
               <a:rPr lang="en-GB" smtClean="0"/>
-              <a:t>06/06/2023</a:t>
+              <a:t>29/05/2024</a:t>
             </a:fld>
             <a:endParaRPr lang="en-GB"/>
           </a:p>
@@ -7721,7 +7819,7 @@
           <a:p>
             <a:fld id="{F4D14FF6-3E0D-407D-982E-9B686EE47223}" type="datetimeFigureOut">
               <a:rPr lang="en-GB" smtClean="0"/>
-              <a:t>06/06/2023</a:t>
+              <a:t>29/05/2024</a:t>
             </a:fld>
             <a:endParaRPr lang="en-GB"/>
           </a:p>
@@ -8296,7 +8394,7 @@
                 </a:solidFill>
               </a:rPr>
               <a:pPr/>
-              <a:t>06/06/2023</a:t>
+              <a:t>29/05/2024</a:t>
             </a:fld>
             <a:endParaRPr lang="en-GB">
               <a:solidFill>
@@ -8750,7 +8848,7 @@
                 </a:solidFill>
               </a:rPr>
               <a:pPr/>
-              <a:t>06/06/2023</a:t>
+              <a:t>29/05/2024</a:t>
             </a:fld>
             <a:endParaRPr lang="en-GB">
               <a:solidFill>
@@ -8900,7 +8998,7 @@
                 </a:solidFill>
               </a:rPr>
               <a:pPr/>
-              <a:t>06/06/2023</a:t>
+              <a:t>29/05/2024</a:t>
             </a:fld>
             <a:endParaRPr lang="en-GB">
               <a:solidFill>
@@ -9027,7 +9125,7 @@
                 </a:solidFill>
               </a:rPr>
               <a:pPr/>
-              <a:t>06/06/2023</a:t>
+              <a:t>29/05/2024</a:t>
             </a:fld>
             <a:endParaRPr lang="en-GB">
               <a:solidFill>
@@ -9336,7 +9434,7 @@
                 </a:solidFill>
               </a:rPr>
               <a:pPr/>
-              <a:t>06/06/2023</a:t>
+              <a:t>29/05/2024</a:t>
             </a:fld>
             <a:endParaRPr lang="en-GB">
               <a:solidFill>
@@ -9621,7 +9719,7 @@
                 </a:solidFill>
               </a:rPr>
               <a:pPr/>
-              <a:t>06/06/2023</a:t>
+              <a:t>29/05/2024</a:t>
             </a:fld>
             <a:endParaRPr lang="en-GB">
               <a:solidFill>
@@ -9866,7 +9964,7 @@
                 </a:solidFill>
               </a:rPr>
               <a:pPr/>
-              <a:t>06/06/2023</a:t>
+              <a:t>29/05/2024</a:t>
             </a:fld>
             <a:endParaRPr lang="en-GB">
               <a:solidFill>
@@ -10863,7 +10961,7 @@
           <a:p>
             <a:fld id="{F4D14FF6-3E0D-407D-982E-9B686EE47223}" type="datetimeFigureOut">
               <a:rPr lang="en-GB" smtClean="0"/>
-              <a:t>06/06/2023</a:t>
+              <a:t>29/05/2024</a:t>
             </a:fld>
             <a:endParaRPr lang="en-GB"/>
           </a:p>
@@ -24416,13 +24514,7 @@
       </p:grpSpPr>
       <p:sp>
         <p:nvSpPr>
-          <p:cNvPr id="2" name="Title 1">
-            <a:extLst>
-              <a:ext uri="{FF2B5EF4-FFF2-40B4-BE49-F238E27FC236}">
-                <a16:creationId xmlns:a16="http://schemas.microsoft.com/office/drawing/2014/main" id="{745EDC30-381B-D32C-34A6-349302CE2999}"/>
-              </a:ext>
-            </a:extLst>
-          </p:cNvPr>
+          <p:cNvPr id="2" name="Title 1"/>
           <p:cNvSpPr>
             <a:spLocks noGrp="1"/>
           </p:cNvSpPr>
@@ -24432,25 +24524,81 @@
         </p:nvSpPr>
         <p:spPr/>
         <p:txBody>
-          <a:bodyPr/>
+          <a:bodyPr>
+            <a:normAutofit/>
+          </a:bodyPr>
           <a:lstStyle/>
           <a:p>
             <a:r>
-              <a:rPr lang="en-GB" dirty="0"/>
-              <a:t>Different levels of software testing</a:t>
-            </a:r>
-          </a:p>
-        </p:txBody>
-      </p:sp>
-      <p:sp>
-        <p:nvSpPr>
-          <p:cNvPr id="3" name="Slide Number Placeholder 2">
-            <a:extLst>
-              <a:ext uri="{FF2B5EF4-FFF2-40B4-BE49-F238E27FC236}">
-                <a16:creationId xmlns:a16="http://schemas.microsoft.com/office/drawing/2014/main" id="{540D4DCD-83EC-E39D-9422-978C74FCEC94}"/>
-              </a:ext>
-            </a:extLst>
-          </p:cNvPr>
+              <a:rPr lang="en-GB" sz="3600" dirty="0"/>
+              <a:t>Debugging and Improving Performance</a:t>
+            </a:r>
+          </a:p>
+        </p:txBody>
+      </p:sp>
+      <p:sp>
+        <p:nvSpPr>
+          <p:cNvPr id="3" name="Content Placeholder 2"/>
+          <p:cNvSpPr>
+            <a:spLocks noGrp="1"/>
+          </p:cNvSpPr>
+          <p:nvPr>
+            <p:ph idx="1"/>
+          </p:nvPr>
+        </p:nvSpPr>
+        <p:spPr/>
+        <p:txBody>
+          <a:bodyPr>
+            <a:normAutofit/>
+          </a:bodyPr>
+          <a:lstStyle/>
+          <a:p>
+            <a:pPr marL="0" indent="0">
+              <a:buNone/>
+            </a:pPr>
+            <a:endParaRPr lang="en-GB" sz="2800" dirty="0"/>
+          </a:p>
+          <a:p>
+            <a:r>
+              <a:rPr lang="en-GB" sz="2800" dirty="0"/>
+              <a:t>Diagnosing problems</a:t>
+            </a:r>
+          </a:p>
+          <a:p>
+            <a:r>
+              <a:rPr lang="en-GB" sz="2800" dirty="0"/>
+              <a:t>Identifying common errors</a:t>
+            </a:r>
+          </a:p>
+          <a:p>
+            <a:r>
+              <a:rPr lang="en-GB" sz="2800" dirty="0"/>
+              <a:t>Evaluation of code performance</a:t>
+            </a:r>
+          </a:p>
+          <a:p>
+            <a:r>
+              <a:rPr lang="en-GB" sz="2800" dirty="0"/>
+              <a:t>Vectorisation techniques</a:t>
+            </a:r>
+          </a:p>
+          <a:p>
+            <a:r>
+              <a:rPr lang="en-GB" sz="2800" dirty="0"/>
+              <a:t>Managing memory effectively</a:t>
+            </a:r>
+          </a:p>
+          <a:p>
+            <a:endParaRPr lang="en-GB" sz="2800" dirty="0"/>
+          </a:p>
+          <a:p>
+            <a:endParaRPr lang="en-GB" sz="2800" dirty="0"/>
+          </a:p>
+        </p:txBody>
+      </p:sp>
+      <p:sp>
+        <p:nvSpPr>
+          <p:cNvPr id="4" name="Slide Number Placeholder 3"/>
           <p:cNvSpPr>
             <a:spLocks noGrp="1"/>
           </p:cNvSpPr>
@@ -24484,93 +24632,10 @@
           </a:p>
         </p:txBody>
       </p:sp>
-      <p:pic>
-        <p:nvPicPr>
-          <p:cNvPr id="5" name="Picture 4">
-            <a:extLst>
-              <a:ext uri="{FF2B5EF4-FFF2-40B4-BE49-F238E27FC236}">
-                <a16:creationId xmlns:a16="http://schemas.microsoft.com/office/drawing/2014/main" id="{B47FCB85-0614-83C5-0393-D05D5A5963C0}"/>
-              </a:ext>
-            </a:extLst>
-          </p:cNvPr>
-          <p:cNvPicPr>
-            <a:picLocks noChangeAspect="1"/>
-          </p:cNvPicPr>
-          <p:nvPr/>
-        </p:nvPicPr>
-        <p:blipFill>
-          <a:blip r:embed="rId2"/>
-          <a:stretch>
-            <a:fillRect/>
-          </a:stretch>
-        </p:blipFill>
-        <p:spPr>
-          <a:xfrm>
-            <a:off x="3085680" y="1662597"/>
-            <a:ext cx="6020640" cy="4448796"/>
-          </a:xfrm>
-          <a:prstGeom prst="rect">
-            <a:avLst/>
-          </a:prstGeom>
-        </p:spPr>
-      </p:pic>
-      <p:sp>
-        <p:nvSpPr>
-          <p:cNvPr id="6" name="TextBox 5">
-            <a:extLst>
-              <a:ext uri="{FF2B5EF4-FFF2-40B4-BE49-F238E27FC236}">
-                <a16:creationId xmlns:a16="http://schemas.microsoft.com/office/drawing/2014/main" id="{076E7FAD-070A-ABCE-2A19-218796418839}"/>
-              </a:ext>
-            </a:extLst>
-          </p:cNvPr>
-          <p:cNvSpPr txBox="1"/>
-          <p:nvPr/>
-        </p:nvSpPr>
-        <p:spPr>
-          <a:xfrm>
-            <a:off x="539086" y="6301761"/>
-            <a:ext cx="11113827" cy="369332"/>
-          </a:xfrm>
-          <a:prstGeom prst="rect">
-            <a:avLst/>
-          </a:prstGeom>
-          <a:noFill/>
-        </p:spPr>
-        <p:txBody>
-          <a:bodyPr wrap="square" rtlCol="0">
-            <a:spAutoFit/>
-          </a:bodyPr>
-          <a:lstStyle/>
-          <a:p>
-            <a:r>
-              <a:rPr lang="en-GB" dirty="0"/>
-              <a:t>Figure source: Lawrence Tan </a:t>
-            </a:r>
-            <a:r>
-              <a:rPr lang="en-GB" dirty="0">
-                <a:hlinkClick r:id="rId3"/>
-              </a:rPr>
-              <a:t>“Unit Tests, UI Tests, Integration Tests &amp; End-To-End Tests”</a:t>
-            </a:r>
-            <a:r>
-              <a:rPr lang="en-GB" dirty="0"/>
-              <a:t> </a:t>
-            </a:r>
-            <a:r>
-              <a:rPr lang="en-GB" i="1" dirty="0"/>
-              <a:t>Medium, </a:t>
-            </a:r>
-            <a:r>
-              <a:rPr lang="en-GB" dirty="0"/>
-              <a:t>September 19, 2019</a:t>
-            </a:r>
-          </a:p>
-        </p:txBody>
-      </p:sp>
     </p:spTree>
     <p:extLst>
       <p:ext uri="{BB962C8B-B14F-4D97-AF65-F5344CB8AC3E}">
-        <p14:creationId xmlns:p14="http://schemas.microsoft.com/office/powerpoint/2010/main" val="1349887822"/>
+        <p14:creationId xmlns:p14="http://schemas.microsoft.com/office/powerpoint/2010/main" val="2777187757"/>
       </p:ext>
     </p:extLst>
   </p:cSld>
@@ -24599,41 +24664,146 @@
       </p:grpSpPr>
       <p:sp>
         <p:nvSpPr>
-          <p:cNvPr id="2" name="Title 1">
-            <a:extLst>
-              <a:ext uri="{FF2B5EF4-FFF2-40B4-BE49-F238E27FC236}">
-                <a16:creationId xmlns:a16="http://schemas.microsoft.com/office/drawing/2014/main" id="{4A182505-E502-A4E2-76D4-D4B433C8265C}"/>
-              </a:ext>
-            </a:extLst>
-          </p:cNvPr>
+          <p:cNvPr id="3" name="Content Placeholder 2"/>
           <p:cNvSpPr>
             <a:spLocks noGrp="1"/>
           </p:cNvSpPr>
           <p:nvPr>
-            <p:ph type="title"/>
+            <p:ph idx="1"/>
           </p:nvPr>
         </p:nvSpPr>
-        <p:spPr/>
-        <p:txBody>
-          <a:bodyPr/>
+        <p:spPr>
+          <a:xfrm>
+            <a:off x="1310185" y="1166018"/>
+            <a:ext cx="9298675" cy="4525963"/>
+          </a:xfrm>
+        </p:spPr>
+        <p:txBody>
+          <a:bodyPr>
+            <a:noAutofit/>
+          </a:bodyPr>
           <a:lstStyle/>
           <a:p>
-            <a:r>
-              <a:rPr lang="en-GB" dirty="0"/>
-              <a:t>Unit Testing</a:t>
-            </a:r>
-          </a:p>
-        </p:txBody>
-      </p:sp>
-      <p:sp>
-        <p:nvSpPr>
-          <p:cNvPr id="3" name="Slide Number Placeholder 2">
-            <a:extLst>
-              <a:ext uri="{FF2B5EF4-FFF2-40B4-BE49-F238E27FC236}">
-                <a16:creationId xmlns:a16="http://schemas.microsoft.com/office/drawing/2014/main" id="{6BA9A200-8AFE-8838-E7EF-A71E987259E0}"/>
-              </a:ext>
-            </a:extLst>
-          </p:cNvPr>
+            <a:pPr marL="0" indent="0">
+              <a:buNone/>
+            </a:pPr>
+            <a:r>
+              <a:rPr lang="en-GB" sz="2400" dirty="0"/>
+              <a:t>Efficient matrix and array operations rely on data being located together in a contiguous block of memory addresses</a:t>
+            </a:r>
+          </a:p>
+          <a:p>
+            <a:pPr marL="0" indent="0">
+              <a:buNone/>
+            </a:pPr>
+            <a:endParaRPr lang="en-GB" sz="2400" dirty="0"/>
+          </a:p>
+          <a:p>
+            <a:pPr marL="0" indent="0">
+              <a:buNone/>
+            </a:pPr>
+            <a:r>
+              <a:rPr lang="en-GB" sz="2400" dirty="0"/>
+              <a:t>Create a dummy version of a variable of appropriate size</a:t>
+            </a:r>
+          </a:p>
+          <a:p>
+            <a:pPr marL="0" indent="0">
+              <a:buNone/>
+            </a:pPr>
+            <a:r>
+              <a:rPr lang="en-GB" sz="2400" dirty="0">
+                <a:latin typeface="Courier New" panose="02070309020205020404" pitchFamily="49" charset="0"/>
+                <a:cs typeface="Courier New" panose="02070309020205020404" pitchFamily="49" charset="0"/>
+              </a:rPr>
+              <a:t>&gt;&gt; A = zeros(</a:t>
+            </a:r>
+            <a:r>
+              <a:rPr lang="en-GB" sz="2400" dirty="0" err="1">
+                <a:latin typeface="Courier New" panose="02070309020205020404" pitchFamily="49" charset="0"/>
+                <a:cs typeface="Courier New" panose="02070309020205020404" pitchFamily="49" charset="0"/>
+              </a:rPr>
+              <a:t>m,n</a:t>
+            </a:r>
+            <a:r>
+              <a:rPr lang="en-GB" sz="2400" dirty="0">
+                <a:latin typeface="Courier New" panose="02070309020205020404" pitchFamily="49" charset="0"/>
+                <a:cs typeface="Courier New" panose="02070309020205020404" pitchFamily="49" charset="0"/>
+              </a:rPr>
+              <a:t>)</a:t>
+            </a:r>
+          </a:p>
+          <a:p>
+            <a:pPr marL="0" indent="0">
+              <a:buNone/>
+            </a:pPr>
+            <a:r>
+              <a:rPr lang="en-GB" sz="2400" dirty="0">
+                <a:cs typeface="Courier New" panose="02070309020205020404" pitchFamily="49" charset="0"/>
+              </a:rPr>
+              <a:t>Subsequent operations then overwrite the zeros with the required values</a:t>
+            </a:r>
+          </a:p>
+          <a:p>
+            <a:pPr marL="0" indent="0">
+              <a:buNone/>
+            </a:pPr>
+            <a:endParaRPr lang="en-GB" sz="2400" dirty="0">
+              <a:cs typeface="Courier New" panose="02070309020205020404" pitchFamily="49" charset="0"/>
+            </a:endParaRPr>
+          </a:p>
+          <a:p>
+            <a:pPr marL="0" indent="0">
+              <a:buNone/>
+            </a:pPr>
+            <a:r>
+              <a:rPr lang="en-GB" sz="2400" dirty="0">
+                <a:cs typeface="Courier New" panose="02070309020205020404" pitchFamily="49" charset="0"/>
+              </a:rPr>
+              <a:t>Assigning the last element of an array first creates an array of the appropriate size</a:t>
+            </a:r>
+          </a:p>
+          <a:p>
+            <a:pPr marL="0" indent="0">
+              <a:buNone/>
+            </a:pPr>
+            <a:r>
+              <a:rPr lang="en-GB" sz="2400" dirty="0">
+                <a:latin typeface="Courier New" panose="02070309020205020404" pitchFamily="49" charset="0"/>
+                <a:cs typeface="Courier New" panose="02070309020205020404" pitchFamily="49" charset="0"/>
+              </a:rPr>
+              <a:t>&gt;&gt; x(8) = 3</a:t>
+            </a:r>
+          </a:p>
+          <a:p>
+            <a:pPr marL="0" indent="0">
+              <a:buNone/>
+            </a:pPr>
+            <a:r>
+              <a:rPr lang="en-GB" sz="2400" dirty="0">
+                <a:latin typeface="Courier New" panose="02070309020205020404" pitchFamily="49" charset="0"/>
+                <a:cs typeface="Courier New" panose="02070309020205020404" pitchFamily="49" charset="0"/>
+              </a:rPr>
+              <a:t>x =</a:t>
+            </a:r>
+          </a:p>
+          <a:p>
+            <a:pPr marL="0" indent="0">
+              <a:buNone/>
+            </a:pPr>
+            <a:r>
+              <a:rPr lang="en-GB" sz="2400" dirty="0">
+                <a:latin typeface="Courier New" panose="02070309020205020404" pitchFamily="49" charset="0"/>
+                <a:cs typeface="Courier New" panose="02070309020205020404" pitchFamily="49" charset="0"/>
+              </a:rPr>
+              <a:t>     0     0     0     0     0     0     0     3</a:t>
+            </a:r>
+          </a:p>
+        </p:txBody>
+      </p:sp>
+      <p:sp>
+        <p:nvSpPr>
+          <p:cNvPr id="4" name="Slide Number Placeholder 3"/>
           <p:cNvSpPr>
             <a:spLocks noGrp="1"/>
           </p:cNvSpPr>
@@ -24669,106 +24839,33 @@
       </p:sp>
       <p:sp>
         <p:nvSpPr>
-          <p:cNvPr id="4" name="TextBox 3">
-            <a:extLst>
-              <a:ext uri="{FF2B5EF4-FFF2-40B4-BE49-F238E27FC236}">
-                <a16:creationId xmlns:a16="http://schemas.microsoft.com/office/drawing/2014/main" id="{F6CEAD4A-E738-F34F-DA2B-D5AB1D678134}"/>
-              </a:ext>
-            </a:extLst>
-          </p:cNvPr>
-          <p:cNvSpPr txBox="1"/>
-          <p:nvPr/>
+          <p:cNvPr id="5" name="Title 1"/>
+          <p:cNvSpPr>
+            <a:spLocks noGrp="1"/>
+          </p:cNvSpPr>
+          <p:nvPr>
+            <p:ph type="title"/>
+          </p:nvPr>
         </p:nvSpPr>
         <p:spPr>
           <a:xfrm>
-            <a:off x="1132764" y="1787857"/>
-            <a:ext cx="10672549" cy="3539430"/>
+            <a:off x="1981199" y="136522"/>
+            <a:ext cx="8229600" cy="744537"/>
           </a:xfrm>
-          <a:prstGeom prst="rect">
-            <a:avLst/>
-          </a:prstGeom>
-          <a:noFill/>
         </p:spPr>
         <p:txBody>
-          <a:bodyPr wrap="square" rtlCol="0">
-            <a:spAutoFit/>
+          <a:bodyPr>
+            <a:normAutofit/>
           </a:bodyPr>
           <a:lstStyle/>
           <a:p>
-            <a:pPr marL="342900" indent="-342900">
-              <a:buFont typeface="Arial" panose="020B0604020202020204" pitchFamily="34" charset="0"/>
-              <a:buChar char="•"/>
-            </a:pPr>
-            <a:r>
-              <a:rPr lang="en-GB" sz="2800" dirty="0"/>
-              <a:t>Test individual code units in isolation from the rest of the system</a:t>
-            </a:r>
-          </a:p>
-          <a:p>
-            <a:pPr marL="342900" indent="-342900">
-              <a:buFont typeface="Arial" panose="020B0604020202020204" pitchFamily="34" charset="0"/>
-              <a:buChar char="•"/>
-            </a:pPr>
-            <a:r>
-              <a:rPr lang="en-GB" sz="2800" dirty="0"/>
-              <a:t>Test that each unit works as intended</a:t>
-            </a:r>
-          </a:p>
-          <a:p>
-            <a:pPr marL="342900" indent="-342900">
-              <a:buFont typeface="Arial" panose="020B0604020202020204" pitchFamily="34" charset="0"/>
-              <a:buChar char="•"/>
-            </a:pPr>
-            <a:r>
-              <a:rPr lang="en-GB" sz="2800" dirty="0"/>
-              <a:t>Identify bugs early  in the development process</a:t>
-            </a:r>
-          </a:p>
-          <a:p>
-            <a:pPr marL="342900" indent="-342900">
-              <a:buFont typeface="Arial" panose="020B0604020202020204" pitchFamily="34" charset="0"/>
-              <a:buChar char="•"/>
-            </a:pPr>
-            <a:r>
-              <a:rPr lang="en-GB" sz="2800" dirty="0"/>
-              <a:t>Makes it easier to refactor code</a:t>
-            </a:r>
-          </a:p>
-          <a:p>
-            <a:pPr marL="342900" indent="-342900">
-              <a:buFont typeface="Arial" panose="020B0604020202020204" pitchFamily="34" charset="0"/>
-              <a:buChar char="•"/>
-            </a:pPr>
-            <a:r>
-              <a:rPr lang="en-GB" sz="2800" dirty="0"/>
-              <a:t>Facilitates collaboration</a:t>
-            </a:r>
-          </a:p>
-          <a:p>
-            <a:pPr marL="342900" indent="-342900">
-              <a:buFont typeface="Arial" panose="020B0604020202020204" pitchFamily="34" charset="0"/>
-              <a:buChar char="•"/>
-            </a:pPr>
-            <a:endParaRPr lang="en-GB" sz="2800" dirty="0"/>
-          </a:p>
-          <a:p>
-            <a:pPr marL="342900" indent="-342900">
-              <a:buFont typeface="Arial" panose="020B0604020202020204" pitchFamily="34" charset="0"/>
-              <a:buChar char="•"/>
-            </a:pPr>
-            <a:r>
-              <a:rPr lang="en-GB" sz="2800" dirty="0"/>
-              <a:t>May be manual or automated</a:t>
-            </a:r>
-          </a:p>
-          <a:p>
-            <a:pPr marL="800100" lvl="1" indent="-342900">
-              <a:buFont typeface="Arial" panose="020B0604020202020204" pitchFamily="34" charset="0"/>
-              <a:buChar char="•"/>
-            </a:pPr>
-            <a:r>
-              <a:rPr lang="en-GB" sz="2800" dirty="0"/>
-              <a:t>Automation frameworks are used to perform multiple tests.</a:t>
+            <a:r>
+              <a:rPr lang="en-GB" sz="3600" dirty="0" err="1"/>
+              <a:t>Preallocation</a:t>
+            </a:r>
+            <a:r>
+              <a:rPr lang="en-GB" sz="3600" dirty="0"/>
+              <a:t> of Memory</a:t>
             </a:r>
           </a:p>
         </p:txBody>
@@ -24776,7 +24873,7 @@
     </p:spTree>
     <p:extLst>
       <p:ext uri="{BB962C8B-B14F-4D97-AF65-F5344CB8AC3E}">
-        <p14:creationId xmlns:p14="http://schemas.microsoft.com/office/powerpoint/2010/main" val="3378945875"/>
+        <p14:creationId xmlns:p14="http://schemas.microsoft.com/office/powerpoint/2010/main" val="72538050"/>
       </p:ext>
     </p:extLst>
   </p:cSld>
@@ -24805,43 +24902,7 @@
       </p:grpSpPr>
       <p:sp>
         <p:nvSpPr>
-          <p:cNvPr id="2" name="Title 1">
-            <a:extLst>
-              <a:ext uri="{FF2B5EF4-FFF2-40B4-BE49-F238E27FC236}">
-                <a16:creationId xmlns:a16="http://schemas.microsoft.com/office/drawing/2014/main" id="{9B2B0004-8618-434B-98EE-DEF9BECB01A0}"/>
-              </a:ext>
-            </a:extLst>
-          </p:cNvPr>
-          <p:cNvSpPr>
-            <a:spLocks noGrp="1"/>
-          </p:cNvSpPr>
-          <p:nvPr>
-            <p:ph type="title"/>
-          </p:nvPr>
-        </p:nvSpPr>
-        <p:spPr/>
-        <p:txBody>
-          <a:bodyPr>
-            <a:normAutofit fontScale="90000"/>
-          </a:bodyPr>
-          <a:lstStyle/>
-          <a:p>
-            <a:r>
-              <a:rPr lang="en-GB" dirty="0"/>
-              <a:t>How would we test this function works correctly?</a:t>
-            </a:r>
-          </a:p>
-        </p:txBody>
-      </p:sp>
-      <p:sp>
-        <p:nvSpPr>
-          <p:cNvPr id="3" name="Slide Number Placeholder 2">
-            <a:extLst>
-              <a:ext uri="{FF2B5EF4-FFF2-40B4-BE49-F238E27FC236}">
-                <a16:creationId xmlns:a16="http://schemas.microsoft.com/office/drawing/2014/main" id="{A8333C6C-3656-8F15-C6BD-1F9F5F358424}"/>
-              </a:ext>
-            </a:extLst>
-          </p:cNvPr>
+          <p:cNvPr id="2" name="Slide Number Placeholder 1"/>
           <p:cNvSpPr>
             <a:spLocks noGrp="1"/>
           </p:cNvSpPr>
@@ -24864,1224 +24925,6 @@
               </a:rPr>
               <a:pPr/>
               <a:t>34</a:t>
-            </a:fld>
-            <a:endParaRPr lang="en-GB">
-              <a:solidFill>
-                <a:prstClr val="black">
-                  <a:tint val="75000"/>
-                </a:prstClr>
-              </a:solidFill>
-            </a:endParaRPr>
-          </a:p>
-        </p:txBody>
-      </p:sp>
-      <p:sp>
-        <p:nvSpPr>
-          <p:cNvPr id="5" name="TextBox 4">
-            <a:extLst>
-              <a:ext uri="{FF2B5EF4-FFF2-40B4-BE49-F238E27FC236}">
-                <a16:creationId xmlns:a16="http://schemas.microsoft.com/office/drawing/2014/main" id="{A11F7696-6390-20AC-022C-FE2786CB4472}"/>
-              </a:ext>
-            </a:extLst>
-          </p:cNvPr>
-          <p:cNvSpPr txBox="1"/>
-          <p:nvPr/>
-        </p:nvSpPr>
-        <p:spPr>
-          <a:xfrm>
-            <a:off x="979795" y="1524261"/>
-            <a:ext cx="10232409" cy="4832092"/>
-          </a:xfrm>
-          <a:prstGeom prst="rect">
-            <a:avLst/>
-          </a:prstGeom>
-          <a:noFill/>
-        </p:spPr>
-        <p:txBody>
-          <a:bodyPr wrap="square">
-            <a:spAutoFit/>
-          </a:bodyPr>
-          <a:lstStyle/>
-          <a:p>
-            <a:r>
-              <a:rPr lang="en-GB" sz="2800" b="0" i="0" dirty="0">
-                <a:solidFill>
-                  <a:srgbClr val="0E00FF"/>
-                </a:solidFill>
-                <a:effectLst/>
-                <a:latin typeface="Menlo"/>
-              </a:rPr>
-              <a:t>function </a:t>
-            </a:r>
-            <a:r>
-              <a:rPr lang="en-GB" sz="2800" b="0" i="0" dirty="0">
-                <a:effectLst/>
-                <a:latin typeface="Menlo"/>
-              </a:rPr>
-              <a:t>[distance] = </a:t>
-            </a:r>
-            <a:r>
-              <a:rPr lang="en-GB" sz="2800" b="0" i="0" dirty="0" err="1">
-                <a:effectLst/>
-                <a:latin typeface="Menlo"/>
-              </a:rPr>
-              <a:t>DistBetweenPoints</a:t>
-            </a:r>
-            <a:r>
-              <a:rPr lang="en-GB" sz="2800" b="0" i="0" dirty="0">
-                <a:effectLst/>
-                <a:latin typeface="Menlo"/>
-              </a:rPr>
-              <a:t>(p1x, p1y, p2x, p2y)</a:t>
-            </a:r>
-          </a:p>
-          <a:p>
-            <a:r>
-              <a:rPr lang="en-GB" sz="2800" b="0" i="0" dirty="0">
-                <a:solidFill>
-                  <a:srgbClr val="008013"/>
-                </a:solidFill>
-                <a:effectLst/>
-                <a:latin typeface="Menlo"/>
-              </a:rPr>
-              <a:t>% Function to calculate distance between 2 points</a:t>
-            </a:r>
-            <a:endParaRPr lang="en-GB" sz="2800" b="0" i="0" dirty="0">
-              <a:effectLst/>
-              <a:latin typeface="Menlo"/>
-            </a:endParaRPr>
-          </a:p>
-          <a:p>
-            <a:r>
-              <a:rPr lang="en-GB" sz="2800" b="0" i="0" dirty="0">
-                <a:solidFill>
-                  <a:srgbClr val="008013"/>
-                </a:solidFill>
-                <a:effectLst/>
-                <a:latin typeface="Menlo"/>
-              </a:rPr>
-              <a:t>% Input: x and y coordinates of two points - can be integer or floating</a:t>
-            </a:r>
-            <a:endParaRPr lang="en-GB" sz="2800" b="0" i="0" dirty="0">
-              <a:effectLst/>
-              <a:latin typeface="Menlo"/>
-            </a:endParaRPr>
-          </a:p>
-          <a:p>
-            <a:r>
-              <a:rPr lang="en-GB" sz="2800" b="0" i="0" dirty="0">
-                <a:solidFill>
-                  <a:srgbClr val="008013"/>
-                </a:solidFill>
-                <a:effectLst/>
-                <a:latin typeface="Menlo"/>
-              </a:rPr>
-              <a:t>% point. Can be vectors of points</a:t>
-            </a:r>
-            <a:endParaRPr lang="en-GB" sz="2800" b="0" i="0" dirty="0">
-              <a:effectLst/>
-              <a:latin typeface="Menlo"/>
-            </a:endParaRPr>
-          </a:p>
-          <a:p>
-            <a:r>
-              <a:rPr lang="en-GB" sz="2800" b="0" i="0" dirty="0">
-                <a:solidFill>
-                  <a:srgbClr val="008013"/>
-                </a:solidFill>
-                <a:effectLst/>
-                <a:latin typeface="Menlo"/>
-              </a:rPr>
-              <a:t>% Output: The distance between the points</a:t>
-            </a:r>
-            <a:endParaRPr lang="en-GB" sz="2800" b="0" i="0" dirty="0">
-              <a:effectLst/>
-              <a:latin typeface="Menlo"/>
-            </a:endParaRPr>
-          </a:p>
-          <a:p>
-            <a:pPr lvl="1"/>
-            <a:br>
-              <a:rPr lang="en-GB" sz="2800" b="0" i="0" dirty="0">
-                <a:effectLst/>
-                <a:latin typeface="Menlo"/>
-              </a:rPr>
-            </a:br>
-            <a:r>
-              <a:rPr lang="en-GB" sz="2800" b="0" i="0" dirty="0">
-                <a:solidFill>
-                  <a:srgbClr val="0E00FF"/>
-                </a:solidFill>
-                <a:effectLst/>
-                <a:latin typeface="Menlo"/>
-              </a:rPr>
-              <a:t>if </a:t>
-            </a:r>
-            <a:r>
-              <a:rPr lang="en-GB" sz="2800" b="0" i="0" dirty="0">
-                <a:effectLst/>
-                <a:latin typeface="Menlo"/>
-              </a:rPr>
-              <a:t>( (p2x-p1x) == 0 &amp;&amp; (p2y-p1y) == 0)</a:t>
-            </a:r>
-          </a:p>
-          <a:p>
-            <a:pPr lvl="1"/>
-            <a:r>
-              <a:rPr lang="en-GB" sz="2800" b="0" i="0" dirty="0">
-                <a:effectLst/>
-                <a:latin typeface="Menlo"/>
-              </a:rPr>
-              <a:t>	error(</a:t>
-            </a:r>
-            <a:r>
-              <a:rPr lang="en-GB" sz="2800" b="0" i="0" dirty="0">
-                <a:solidFill>
-                  <a:srgbClr val="A709F5"/>
-                </a:solidFill>
-                <a:effectLst/>
-                <a:latin typeface="Menlo"/>
-              </a:rPr>
-              <a:t>"Single point"</a:t>
-            </a:r>
-            <a:r>
-              <a:rPr lang="en-GB" sz="2800" b="0" i="0" dirty="0">
-                <a:effectLst/>
-                <a:latin typeface="Menlo"/>
-              </a:rPr>
-              <a:t>);</a:t>
-            </a:r>
-          </a:p>
-          <a:p>
-            <a:pPr lvl="1"/>
-            <a:r>
-              <a:rPr lang="en-GB" sz="2800" b="0" i="0" dirty="0">
-                <a:solidFill>
-                  <a:srgbClr val="0E00FF"/>
-                </a:solidFill>
-                <a:effectLst/>
-                <a:latin typeface="Menlo"/>
-              </a:rPr>
-              <a:t>end</a:t>
-            </a:r>
-            <a:endParaRPr lang="en-GB" sz="2800" b="0" i="0" dirty="0">
-              <a:effectLst/>
-              <a:latin typeface="Menlo"/>
-            </a:endParaRPr>
-          </a:p>
-          <a:p>
-            <a:pPr lvl="1"/>
-            <a:r>
-              <a:rPr lang="en-GB" sz="2800" b="0" i="0" dirty="0">
-                <a:effectLst/>
-                <a:latin typeface="Menlo"/>
-              </a:rPr>
-              <a:t>distance = sqrt( (p2x -p1x).^2 + (p2y-p1y).^2);</a:t>
-            </a:r>
-          </a:p>
-          <a:p>
-            <a:r>
-              <a:rPr lang="en-GB" sz="2800" b="0" i="0" dirty="0">
-                <a:solidFill>
-                  <a:srgbClr val="0E00FF"/>
-                </a:solidFill>
-                <a:effectLst/>
-                <a:latin typeface="Menlo"/>
-              </a:rPr>
-              <a:t>end</a:t>
-            </a:r>
-            <a:endParaRPr lang="en-GB" sz="2800" b="0" i="0" dirty="0">
-              <a:effectLst/>
-              <a:latin typeface="Menlo"/>
-            </a:endParaRPr>
-          </a:p>
-        </p:txBody>
-      </p:sp>
-    </p:spTree>
-    <p:extLst>
-      <p:ext uri="{BB962C8B-B14F-4D97-AF65-F5344CB8AC3E}">
-        <p14:creationId xmlns:p14="http://schemas.microsoft.com/office/powerpoint/2010/main" val="2632589654"/>
-      </p:ext>
-    </p:extLst>
-  </p:cSld>
-  <p:clrMapOvr>
-    <a:masterClrMapping/>
-  </p:clrMapOvr>
-</p:sld>
-</file>
-
-<file path=ppt/slides/slide35.xml><?xml version="1.0" encoding="utf-8"?>
-<p:sld xmlns:a="http://schemas.openxmlformats.org/drawingml/2006/main" xmlns:r="http://schemas.openxmlformats.org/officeDocument/2006/relationships" xmlns:p="http://schemas.openxmlformats.org/presentationml/2006/main">
-  <p:cSld>
-    <p:spTree>
-      <p:nvGrpSpPr>
-        <p:cNvPr id="1" name=""/>
-        <p:cNvGrpSpPr/>
-        <p:nvPr/>
-      </p:nvGrpSpPr>
-      <p:grpSpPr>
-        <a:xfrm>
-          <a:off x="0" y="0"/>
-          <a:ext cx="0" cy="0"/>
-          <a:chOff x="0" y="0"/>
-          <a:chExt cx="0" cy="0"/>
-        </a:xfrm>
-      </p:grpSpPr>
-      <p:sp>
-        <p:nvSpPr>
-          <p:cNvPr id="2" name="Title 1">
-            <a:extLst>
-              <a:ext uri="{FF2B5EF4-FFF2-40B4-BE49-F238E27FC236}">
-                <a16:creationId xmlns:a16="http://schemas.microsoft.com/office/drawing/2014/main" id="{9ED89C86-0967-904D-1155-4FA16E169322}"/>
-              </a:ext>
-            </a:extLst>
-          </p:cNvPr>
-          <p:cNvSpPr>
-            <a:spLocks noGrp="1"/>
-          </p:cNvSpPr>
-          <p:nvPr>
-            <p:ph type="title"/>
-          </p:nvPr>
-        </p:nvSpPr>
-        <p:spPr/>
-        <p:txBody>
-          <a:bodyPr/>
-          <a:lstStyle/>
-          <a:p>
-            <a:r>
-              <a:rPr lang="en-GB" dirty="0"/>
-              <a:t>Task Execution</a:t>
-            </a:r>
-          </a:p>
-        </p:txBody>
-      </p:sp>
-      <p:pic>
-        <p:nvPicPr>
-          <p:cNvPr id="6" name="Content Placeholder 5" descr="Diagram&#10;&#10;Description automatically generated">
-            <a:extLst>
-              <a:ext uri="{FF2B5EF4-FFF2-40B4-BE49-F238E27FC236}">
-                <a16:creationId xmlns:a16="http://schemas.microsoft.com/office/drawing/2014/main" id="{F27DCC23-4D6C-3103-B111-94450368BDB5}"/>
-              </a:ext>
-            </a:extLst>
-          </p:cNvPr>
-          <p:cNvPicPr>
-            <a:picLocks noGrp="1" noChangeAspect="1"/>
-          </p:cNvPicPr>
-          <p:nvPr>
-            <p:ph idx="1"/>
-          </p:nvPr>
-        </p:nvPicPr>
-        <p:blipFill>
-          <a:blip r:embed="rId2">
-            <a:extLst>
-              <a:ext uri="{28A0092B-C50C-407E-A947-70E740481C1C}">
-                <a14:useLocalDpi xmlns:a14="http://schemas.microsoft.com/office/drawing/2010/main" val="0"/>
-              </a:ext>
-            </a:extLst>
-          </a:blip>
-          <a:stretch>
-            <a:fillRect/>
-          </a:stretch>
-        </p:blipFill>
-        <p:spPr>
-          <a:xfrm>
-            <a:off x="927772" y="1731144"/>
-            <a:ext cx="10336456" cy="3960355"/>
-          </a:xfrm>
-        </p:spPr>
-      </p:pic>
-      <p:sp>
-        <p:nvSpPr>
-          <p:cNvPr id="4" name="Slide Number Placeholder 3">
-            <a:extLst>
-              <a:ext uri="{FF2B5EF4-FFF2-40B4-BE49-F238E27FC236}">
-                <a16:creationId xmlns:a16="http://schemas.microsoft.com/office/drawing/2014/main" id="{894B110F-FFA2-A062-1185-AF41F7668D65}"/>
-              </a:ext>
-            </a:extLst>
-          </p:cNvPr>
-          <p:cNvSpPr>
-            <a:spLocks noGrp="1"/>
-          </p:cNvSpPr>
-          <p:nvPr>
-            <p:ph type="sldNum" sz="quarter" idx="12"/>
-          </p:nvPr>
-        </p:nvSpPr>
-        <p:spPr/>
-        <p:txBody>
-          <a:bodyPr/>
-          <a:lstStyle/>
-          <a:p>
-            <a:fld id="{83730267-60C2-4514-997F-6A8804439442}" type="slidenum">
-              <a:rPr lang="en-GB" smtClean="0">
-                <a:solidFill>
-                  <a:prstClr val="black">
-                    <a:tint val="75000"/>
-                  </a:prstClr>
-                </a:solidFill>
-              </a:rPr>
-              <a:pPr/>
-              <a:t>35</a:t>
-            </a:fld>
-            <a:endParaRPr lang="en-GB">
-              <a:solidFill>
-                <a:prstClr val="black">
-                  <a:tint val="75000"/>
-                </a:prstClr>
-              </a:solidFill>
-            </a:endParaRPr>
-          </a:p>
-        </p:txBody>
-      </p:sp>
-    </p:spTree>
-    <p:extLst>
-      <p:ext uri="{BB962C8B-B14F-4D97-AF65-F5344CB8AC3E}">
-        <p14:creationId xmlns:p14="http://schemas.microsoft.com/office/powerpoint/2010/main" val="2564862246"/>
-      </p:ext>
-    </p:extLst>
-  </p:cSld>
-  <p:clrMapOvr>
-    <a:masterClrMapping/>
-  </p:clrMapOvr>
-</p:sld>
-</file>
-
-<file path=ppt/slides/slide36.xml><?xml version="1.0" encoding="utf-8"?>
-<p:sld xmlns:a="http://schemas.openxmlformats.org/drawingml/2006/main" xmlns:r="http://schemas.openxmlformats.org/officeDocument/2006/relationships" xmlns:p="http://schemas.openxmlformats.org/presentationml/2006/main">
-  <p:cSld>
-    <p:spTree>
-      <p:nvGrpSpPr>
-        <p:cNvPr id="1" name=""/>
-        <p:cNvGrpSpPr/>
-        <p:nvPr/>
-      </p:nvGrpSpPr>
-      <p:grpSpPr>
-        <a:xfrm>
-          <a:off x="0" y="0"/>
-          <a:ext cx="0" cy="0"/>
-          <a:chOff x="0" y="0"/>
-          <a:chExt cx="0" cy="0"/>
-        </a:xfrm>
-      </p:grpSpPr>
-      <p:sp>
-        <p:nvSpPr>
-          <p:cNvPr id="2" name="Title 1">
-            <a:extLst>
-              <a:ext uri="{FF2B5EF4-FFF2-40B4-BE49-F238E27FC236}">
-                <a16:creationId xmlns:a16="http://schemas.microsoft.com/office/drawing/2014/main" id="{31633C75-3577-AFEF-F7BA-3EEBB07F1061}"/>
-              </a:ext>
-            </a:extLst>
-          </p:cNvPr>
-          <p:cNvSpPr>
-            <a:spLocks noGrp="1"/>
-          </p:cNvSpPr>
-          <p:nvPr>
-            <p:ph type="title"/>
-          </p:nvPr>
-        </p:nvSpPr>
-        <p:spPr/>
-        <p:txBody>
-          <a:bodyPr/>
-          <a:lstStyle/>
-          <a:p>
-            <a:r>
-              <a:rPr lang="en-GB" dirty="0"/>
-              <a:t>Main test function</a:t>
-            </a:r>
-          </a:p>
-        </p:txBody>
-      </p:sp>
-      <p:sp>
-        <p:nvSpPr>
-          <p:cNvPr id="3" name="Content Placeholder 2">
-            <a:extLst>
-              <a:ext uri="{FF2B5EF4-FFF2-40B4-BE49-F238E27FC236}">
-                <a16:creationId xmlns:a16="http://schemas.microsoft.com/office/drawing/2014/main" id="{6FC1259D-3174-B7BC-5C3E-9C3493803D9B}"/>
-              </a:ext>
-            </a:extLst>
-          </p:cNvPr>
-          <p:cNvSpPr>
-            <a:spLocks noGrp="1"/>
-          </p:cNvSpPr>
-          <p:nvPr>
-            <p:ph idx="1"/>
-          </p:nvPr>
-        </p:nvSpPr>
-        <p:spPr>
-          <a:xfrm>
-            <a:off x="1524000" y="2012952"/>
-            <a:ext cx="8972266" cy="4525963"/>
-          </a:xfrm>
-        </p:spPr>
-        <p:txBody>
-          <a:bodyPr>
-            <a:normAutofit fontScale="92500" lnSpcReduction="20000"/>
-          </a:bodyPr>
-          <a:lstStyle/>
-          <a:p>
-            <a:pPr marL="0" indent="0">
-              <a:buNone/>
-            </a:pPr>
-            <a:r>
-              <a:rPr lang="en-GB" sz="2400" dirty="0">
-                <a:latin typeface="Courier New" panose="02070309020205020404" pitchFamily="49" charset="0"/>
-                <a:cs typeface="Courier New" panose="02070309020205020404" pitchFamily="49" charset="0"/>
-              </a:rPr>
-              <a:t>Function tests = </a:t>
-            </a:r>
-            <a:r>
-              <a:rPr lang="en-GB" sz="2400" dirty="0" err="1">
-                <a:latin typeface="Courier New" panose="02070309020205020404" pitchFamily="49" charset="0"/>
-                <a:cs typeface="Courier New" panose="02070309020205020404" pitchFamily="49" charset="0"/>
-              </a:rPr>
-              <a:t>testFunction</a:t>
-            </a:r>
-            <a:endParaRPr lang="en-GB" sz="2400" dirty="0">
-              <a:latin typeface="Courier New" panose="02070309020205020404" pitchFamily="49" charset="0"/>
-              <a:cs typeface="Courier New" panose="02070309020205020404" pitchFamily="49" charset="0"/>
-            </a:endParaRPr>
-          </a:p>
-          <a:p>
-            <a:pPr marL="0" indent="0">
-              <a:buNone/>
-            </a:pPr>
-            <a:r>
-              <a:rPr lang="en-GB" sz="2400" dirty="0">
-                <a:latin typeface="Courier New" panose="02070309020205020404" pitchFamily="49" charset="0"/>
-                <a:cs typeface="Courier New" panose="02070309020205020404" pitchFamily="49" charset="0"/>
-              </a:rPr>
-              <a:t>	tests = </a:t>
-            </a:r>
-            <a:r>
-              <a:rPr lang="en-GB" sz="2400" dirty="0" err="1">
-                <a:latin typeface="Courier New" panose="02070309020205020404" pitchFamily="49" charset="0"/>
-                <a:cs typeface="Courier New" panose="02070309020205020404" pitchFamily="49" charset="0"/>
-              </a:rPr>
-              <a:t>functiontests</a:t>
-            </a:r>
-            <a:r>
-              <a:rPr lang="en-GB" sz="2400" dirty="0">
-                <a:latin typeface="Courier New" panose="02070309020205020404" pitchFamily="49" charset="0"/>
-                <a:cs typeface="Courier New" panose="02070309020205020404" pitchFamily="49" charset="0"/>
-              </a:rPr>
-              <a:t>( </a:t>
-            </a:r>
-            <a:r>
-              <a:rPr lang="en-GB" sz="2400" dirty="0" err="1">
-                <a:latin typeface="Courier New" panose="02070309020205020404" pitchFamily="49" charset="0"/>
-                <a:cs typeface="Courier New" panose="02070309020205020404" pitchFamily="49" charset="0"/>
-              </a:rPr>
-              <a:t>localfunctions</a:t>
-            </a:r>
-            <a:r>
-              <a:rPr lang="en-GB" sz="2400" dirty="0">
-                <a:latin typeface="Courier New" panose="02070309020205020404" pitchFamily="49" charset="0"/>
-                <a:cs typeface="Courier New" panose="02070309020205020404" pitchFamily="49" charset="0"/>
-              </a:rPr>
-              <a:t>() );</a:t>
-            </a:r>
-          </a:p>
-          <a:p>
-            <a:pPr marL="0" indent="0">
-              <a:buNone/>
-            </a:pPr>
-            <a:r>
-              <a:rPr lang="en-GB" sz="2400" dirty="0">
-                <a:latin typeface="Courier New" panose="02070309020205020404" pitchFamily="49" charset="0"/>
-                <a:cs typeface="Courier New" panose="02070309020205020404" pitchFamily="49" charset="0"/>
-              </a:rPr>
-              <a:t>End</a:t>
-            </a:r>
-          </a:p>
-          <a:p>
-            <a:pPr marL="0" indent="0">
-              <a:buNone/>
-            </a:pPr>
-            <a:endParaRPr lang="en-GB" sz="2400" dirty="0">
-              <a:latin typeface="Courier New" panose="02070309020205020404" pitchFamily="49" charset="0"/>
-              <a:cs typeface="Courier New" panose="02070309020205020404" pitchFamily="49" charset="0"/>
-            </a:endParaRPr>
-          </a:p>
-          <a:p>
-            <a:pPr marL="0" indent="0">
-              <a:buNone/>
-            </a:pPr>
-            <a:r>
-              <a:rPr lang="en-GB" sz="2400" dirty="0">
-                <a:latin typeface="Courier New" panose="02070309020205020404" pitchFamily="49" charset="0"/>
-                <a:cs typeface="Courier New" panose="02070309020205020404" pitchFamily="49" charset="0"/>
-              </a:rPr>
-              <a:t>function test_func1(testcase)</a:t>
-            </a:r>
-          </a:p>
-          <a:p>
-            <a:pPr marL="0" indent="0">
-              <a:buNone/>
-            </a:pPr>
-            <a:r>
-              <a:rPr lang="en-GB" sz="2400" dirty="0">
-                <a:latin typeface="Courier New" panose="02070309020205020404" pitchFamily="49" charset="0"/>
-                <a:cs typeface="Courier New" panose="02070309020205020404" pitchFamily="49" charset="0"/>
-              </a:rPr>
-              <a:t>	…</a:t>
-            </a:r>
-          </a:p>
-          <a:p>
-            <a:pPr marL="0" indent="0">
-              <a:buNone/>
-            </a:pPr>
-            <a:r>
-              <a:rPr lang="en-GB" sz="2400" dirty="0">
-                <a:latin typeface="Courier New" panose="02070309020205020404" pitchFamily="49" charset="0"/>
-                <a:cs typeface="Courier New" panose="02070309020205020404" pitchFamily="49" charset="0"/>
-              </a:rPr>
-              <a:t>end</a:t>
-            </a:r>
-          </a:p>
-          <a:p>
-            <a:pPr marL="0" indent="0">
-              <a:buNone/>
-            </a:pPr>
-            <a:endParaRPr lang="en-GB" sz="2400" dirty="0">
-              <a:latin typeface="Courier New" panose="02070309020205020404" pitchFamily="49" charset="0"/>
-              <a:cs typeface="Courier New" panose="02070309020205020404" pitchFamily="49" charset="0"/>
-            </a:endParaRPr>
-          </a:p>
-          <a:p>
-            <a:pPr marL="0" indent="0">
-              <a:buNone/>
-            </a:pPr>
-            <a:r>
-              <a:rPr lang="en-GB" sz="2400" dirty="0">
-                <a:latin typeface="Courier New" panose="02070309020205020404" pitchFamily="49" charset="0"/>
-                <a:cs typeface="Courier New" panose="02070309020205020404" pitchFamily="49" charset="0"/>
-              </a:rPr>
-              <a:t>function test_func2(testcase)</a:t>
-            </a:r>
-          </a:p>
-          <a:p>
-            <a:pPr marL="0" indent="0">
-              <a:buNone/>
-            </a:pPr>
-            <a:r>
-              <a:rPr lang="en-GB" sz="2400" dirty="0">
-                <a:latin typeface="Courier New" panose="02070309020205020404" pitchFamily="49" charset="0"/>
-                <a:cs typeface="Courier New" panose="02070309020205020404" pitchFamily="49" charset="0"/>
-              </a:rPr>
-              <a:t>	…</a:t>
-            </a:r>
-          </a:p>
-          <a:p>
-            <a:pPr marL="0" indent="0">
-              <a:buNone/>
-            </a:pPr>
-            <a:r>
-              <a:rPr lang="en-GB" sz="2400" dirty="0">
-                <a:latin typeface="Courier New" panose="02070309020205020404" pitchFamily="49" charset="0"/>
-                <a:cs typeface="Courier New" panose="02070309020205020404" pitchFamily="49" charset="0"/>
-              </a:rPr>
-              <a:t>end</a:t>
-            </a:r>
-          </a:p>
-          <a:p>
-            <a:pPr marL="0" indent="0">
-              <a:buNone/>
-            </a:pPr>
-            <a:endParaRPr lang="en-GB" sz="2400" dirty="0">
-              <a:latin typeface="Courier New" panose="02070309020205020404" pitchFamily="49" charset="0"/>
-              <a:cs typeface="Courier New" panose="02070309020205020404" pitchFamily="49" charset="0"/>
-            </a:endParaRPr>
-          </a:p>
-          <a:p>
-            <a:pPr marL="0" indent="0">
-              <a:buNone/>
-            </a:pPr>
-            <a:r>
-              <a:rPr lang="en-GB" dirty="0">
-                <a:latin typeface="Courier New" panose="02070309020205020404" pitchFamily="49" charset="0"/>
-                <a:cs typeface="Courier New" panose="02070309020205020404" pitchFamily="49" charset="0"/>
-              </a:rPr>
-              <a:t> </a:t>
-            </a:r>
-          </a:p>
-          <a:p>
-            <a:pPr marL="0" indent="0">
-              <a:buNone/>
-            </a:pPr>
-            <a:endParaRPr lang="en-GB" dirty="0">
-              <a:latin typeface="Courier New" panose="02070309020205020404" pitchFamily="49" charset="0"/>
-              <a:cs typeface="Courier New" panose="02070309020205020404" pitchFamily="49" charset="0"/>
-            </a:endParaRPr>
-          </a:p>
-          <a:p>
-            <a:pPr marL="0" indent="0">
-              <a:buNone/>
-            </a:pPr>
-            <a:endParaRPr lang="en-GB" dirty="0">
-              <a:latin typeface="Courier New" panose="02070309020205020404" pitchFamily="49" charset="0"/>
-              <a:cs typeface="Courier New" panose="02070309020205020404" pitchFamily="49" charset="0"/>
-            </a:endParaRPr>
-          </a:p>
-        </p:txBody>
-      </p:sp>
-      <p:sp>
-        <p:nvSpPr>
-          <p:cNvPr id="4" name="Slide Number Placeholder 3">
-            <a:extLst>
-              <a:ext uri="{FF2B5EF4-FFF2-40B4-BE49-F238E27FC236}">
-                <a16:creationId xmlns:a16="http://schemas.microsoft.com/office/drawing/2014/main" id="{EFFE7156-B697-1ADF-EB24-6C520FC44D95}"/>
-              </a:ext>
-            </a:extLst>
-          </p:cNvPr>
-          <p:cNvSpPr>
-            <a:spLocks noGrp="1"/>
-          </p:cNvSpPr>
-          <p:nvPr>
-            <p:ph type="sldNum" sz="quarter" idx="12"/>
-          </p:nvPr>
-        </p:nvSpPr>
-        <p:spPr/>
-        <p:txBody>
-          <a:bodyPr/>
-          <a:lstStyle/>
-          <a:p>
-            <a:fld id="{83730267-60C2-4514-997F-6A8804439442}" type="slidenum">
-              <a:rPr lang="en-GB" smtClean="0">
-                <a:solidFill>
-                  <a:prstClr val="black">
-                    <a:tint val="75000"/>
-                  </a:prstClr>
-                </a:solidFill>
-              </a:rPr>
-              <a:pPr/>
-              <a:t>36</a:t>
-            </a:fld>
-            <a:endParaRPr lang="en-GB">
-              <a:solidFill>
-                <a:prstClr val="black">
-                  <a:tint val="75000"/>
-                </a:prstClr>
-              </a:solidFill>
-            </a:endParaRPr>
-          </a:p>
-        </p:txBody>
-      </p:sp>
-      <p:sp>
-        <p:nvSpPr>
-          <p:cNvPr id="5" name="TextBox 4">
-            <a:extLst>
-              <a:ext uri="{FF2B5EF4-FFF2-40B4-BE49-F238E27FC236}">
-                <a16:creationId xmlns:a16="http://schemas.microsoft.com/office/drawing/2014/main" id="{D8CA4E5A-DEA7-EA00-1E10-72D0699C60A2}"/>
-              </a:ext>
-            </a:extLst>
-          </p:cNvPr>
-          <p:cNvSpPr txBox="1"/>
-          <p:nvPr/>
-        </p:nvSpPr>
-        <p:spPr>
-          <a:xfrm>
-            <a:off x="7267433" y="3261322"/>
-            <a:ext cx="2961564" cy="923330"/>
-          </a:xfrm>
-          <a:prstGeom prst="rect">
-            <a:avLst/>
-          </a:prstGeom>
-          <a:noFill/>
-        </p:spPr>
-        <p:txBody>
-          <a:bodyPr wrap="square" rtlCol="0">
-            <a:spAutoFit/>
-          </a:bodyPr>
-          <a:lstStyle/>
-          <a:p>
-            <a:r>
-              <a:rPr lang="en-GB" dirty="0"/>
-              <a:t>Assembles cell array of function handles for local functions in current file</a:t>
-            </a:r>
-          </a:p>
-        </p:txBody>
-      </p:sp>
-      <p:cxnSp>
-        <p:nvCxnSpPr>
-          <p:cNvPr id="7" name="Straight Arrow Connector 6">
-            <a:extLst>
-              <a:ext uri="{FF2B5EF4-FFF2-40B4-BE49-F238E27FC236}">
-                <a16:creationId xmlns:a16="http://schemas.microsoft.com/office/drawing/2014/main" id="{E296C405-390A-FD63-131D-6D6A4F987ACF}"/>
-              </a:ext>
-            </a:extLst>
-          </p:cNvPr>
-          <p:cNvCxnSpPr/>
-          <p:nvPr/>
-        </p:nvCxnSpPr>
-        <p:spPr>
-          <a:xfrm flipH="1" flipV="1">
-            <a:off x="6096000" y="2893326"/>
-            <a:ext cx="1583140" cy="395785"/>
-          </a:xfrm>
-          <a:prstGeom prst="straightConnector1">
-            <a:avLst/>
-          </a:prstGeom>
-          <a:ln>
-            <a:tailEnd type="triangle"/>
-          </a:ln>
-        </p:spPr>
-        <p:style>
-          <a:lnRef idx="1">
-            <a:schemeClr val="accent1"/>
-          </a:lnRef>
-          <a:fillRef idx="0">
-            <a:schemeClr val="accent1"/>
-          </a:fillRef>
-          <a:effectRef idx="0">
-            <a:schemeClr val="accent1"/>
-          </a:effectRef>
-          <a:fontRef idx="minor">
-            <a:schemeClr val="tx1"/>
-          </a:fontRef>
-        </p:style>
-      </p:cxnSp>
-    </p:spTree>
-    <p:extLst>
-      <p:ext uri="{BB962C8B-B14F-4D97-AF65-F5344CB8AC3E}">
-        <p14:creationId xmlns:p14="http://schemas.microsoft.com/office/powerpoint/2010/main" val="3384248420"/>
-      </p:ext>
-    </p:extLst>
-  </p:cSld>
-  <p:clrMapOvr>
-    <a:masterClrMapping/>
-  </p:clrMapOvr>
-</p:sld>
-</file>
-
-<file path=ppt/slides/slide37.xml><?xml version="1.0" encoding="utf-8"?>
-<p:sld xmlns:a="http://schemas.openxmlformats.org/drawingml/2006/main" xmlns:r="http://schemas.openxmlformats.org/officeDocument/2006/relationships" xmlns:p="http://schemas.openxmlformats.org/presentationml/2006/main">
-  <p:cSld>
-    <p:spTree>
-      <p:nvGrpSpPr>
-        <p:cNvPr id="1" name=""/>
-        <p:cNvGrpSpPr/>
-        <p:nvPr/>
-      </p:nvGrpSpPr>
-      <p:grpSpPr>
-        <a:xfrm>
-          <a:off x="0" y="0"/>
-          <a:ext cx="0" cy="0"/>
-          <a:chOff x="0" y="0"/>
-          <a:chExt cx="0" cy="0"/>
-        </a:xfrm>
-      </p:grpSpPr>
-      <p:sp>
-        <p:nvSpPr>
-          <p:cNvPr id="2" name="Title 1"/>
-          <p:cNvSpPr>
-            <a:spLocks noGrp="1"/>
-          </p:cNvSpPr>
-          <p:nvPr>
-            <p:ph type="title"/>
-          </p:nvPr>
-        </p:nvSpPr>
-        <p:spPr/>
-        <p:txBody>
-          <a:bodyPr>
-            <a:normAutofit/>
-          </a:bodyPr>
-          <a:lstStyle/>
-          <a:p>
-            <a:r>
-              <a:rPr lang="en-GB" sz="3600" dirty="0"/>
-              <a:t>Debugging and Improving Performance</a:t>
-            </a:r>
-          </a:p>
-        </p:txBody>
-      </p:sp>
-      <p:sp>
-        <p:nvSpPr>
-          <p:cNvPr id="3" name="Content Placeholder 2"/>
-          <p:cNvSpPr>
-            <a:spLocks noGrp="1"/>
-          </p:cNvSpPr>
-          <p:nvPr>
-            <p:ph idx="1"/>
-          </p:nvPr>
-        </p:nvSpPr>
-        <p:spPr/>
-        <p:txBody>
-          <a:bodyPr>
-            <a:normAutofit/>
-          </a:bodyPr>
-          <a:lstStyle/>
-          <a:p>
-            <a:pPr marL="0" indent="0">
-              <a:buNone/>
-            </a:pPr>
-            <a:endParaRPr lang="en-GB" sz="2800" dirty="0"/>
-          </a:p>
-          <a:p>
-            <a:r>
-              <a:rPr lang="en-GB" sz="2800" dirty="0"/>
-              <a:t>Diagnosing problems</a:t>
-            </a:r>
-          </a:p>
-          <a:p>
-            <a:r>
-              <a:rPr lang="en-GB" sz="2800" dirty="0"/>
-              <a:t>Identifying common errors</a:t>
-            </a:r>
-          </a:p>
-          <a:p>
-            <a:r>
-              <a:rPr lang="en-GB" sz="2800" dirty="0"/>
-              <a:t>Evaluation of code performance</a:t>
-            </a:r>
-          </a:p>
-          <a:p>
-            <a:r>
-              <a:rPr lang="en-GB" sz="2800" dirty="0"/>
-              <a:t>Vectorisation techniques</a:t>
-            </a:r>
-          </a:p>
-          <a:p>
-            <a:r>
-              <a:rPr lang="en-GB" sz="2800" dirty="0"/>
-              <a:t>Managing memory effectively</a:t>
-            </a:r>
-          </a:p>
-          <a:p>
-            <a:endParaRPr lang="en-GB" sz="2800" dirty="0"/>
-          </a:p>
-          <a:p>
-            <a:endParaRPr lang="en-GB" sz="2800" dirty="0"/>
-          </a:p>
-        </p:txBody>
-      </p:sp>
-      <p:sp>
-        <p:nvSpPr>
-          <p:cNvPr id="4" name="Slide Number Placeholder 3"/>
-          <p:cNvSpPr>
-            <a:spLocks noGrp="1"/>
-          </p:cNvSpPr>
-          <p:nvPr>
-            <p:ph type="sldNum" sz="quarter" idx="12"/>
-          </p:nvPr>
-        </p:nvSpPr>
-        <p:spPr/>
-        <p:txBody>
-          <a:bodyPr/>
-          <a:lstStyle/>
-          <a:p>
-            <a:fld id="{83730267-60C2-4514-997F-6A8804439442}" type="slidenum">
-              <a:rPr lang="en-GB" smtClean="0">
-                <a:solidFill>
-                  <a:prstClr val="black">
-                    <a:tint val="75000"/>
-                  </a:prstClr>
-                </a:solidFill>
-              </a:rPr>
-              <a:pPr/>
-              <a:t>37</a:t>
-            </a:fld>
-            <a:endParaRPr lang="en-GB">
-              <a:solidFill>
-                <a:prstClr val="black">
-                  <a:tint val="75000"/>
-                </a:prstClr>
-              </a:solidFill>
-            </a:endParaRPr>
-          </a:p>
-        </p:txBody>
-      </p:sp>
-    </p:spTree>
-    <p:extLst>
-      <p:ext uri="{BB962C8B-B14F-4D97-AF65-F5344CB8AC3E}">
-        <p14:creationId xmlns:p14="http://schemas.microsoft.com/office/powerpoint/2010/main" val="3630683270"/>
-      </p:ext>
-    </p:extLst>
-  </p:cSld>
-  <p:clrMapOvr>
-    <a:masterClrMapping/>
-  </p:clrMapOvr>
-</p:sld>
-</file>
-
-<file path=ppt/slides/slide38.xml><?xml version="1.0" encoding="utf-8"?>
-<p:sld xmlns:a="http://schemas.openxmlformats.org/drawingml/2006/main" xmlns:r="http://schemas.openxmlformats.org/officeDocument/2006/relationships" xmlns:p="http://schemas.openxmlformats.org/presentationml/2006/main">
-  <p:cSld>
-    <p:spTree>
-      <p:nvGrpSpPr>
-        <p:cNvPr id="1" name=""/>
-        <p:cNvGrpSpPr/>
-        <p:nvPr/>
-      </p:nvGrpSpPr>
-      <p:grpSpPr>
-        <a:xfrm>
-          <a:off x="0" y="0"/>
-          <a:ext cx="0" cy="0"/>
-          <a:chOff x="0" y="0"/>
-          <a:chExt cx="0" cy="0"/>
-        </a:xfrm>
-      </p:grpSpPr>
-      <p:sp>
-        <p:nvSpPr>
-          <p:cNvPr id="3" name="Content Placeholder 2"/>
-          <p:cNvSpPr>
-            <a:spLocks noGrp="1"/>
-          </p:cNvSpPr>
-          <p:nvPr>
-            <p:ph idx="1"/>
-          </p:nvPr>
-        </p:nvSpPr>
-        <p:spPr>
-          <a:xfrm>
-            <a:off x="1310185" y="1166018"/>
-            <a:ext cx="9298675" cy="4525963"/>
-          </a:xfrm>
-        </p:spPr>
-        <p:txBody>
-          <a:bodyPr>
-            <a:noAutofit/>
-          </a:bodyPr>
-          <a:lstStyle/>
-          <a:p>
-            <a:pPr marL="0" indent="0">
-              <a:buNone/>
-            </a:pPr>
-            <a:r>
-              <a:rPr lang="en-GB" sz="2400" dirty="0"/>
-              <a:t>Efficient matrix and array operations rely on data being located together in a contiguous block of memory addresses</a:t>
-            </a:r>
-          </a:p>
-          <a:p>
-            <a:pPr marL="0" indent="0">
-              <a:buNone/>
-            </a:pPr>
-            <a:endParaRPr lang="en-GB" sz="2400" dirty="0"/>
-          </a:p>
-          <a:p>
-            <a:pPr marL="0" indent="0">
-              <a:buNone/>
-            </a:pPr>
-            <a:r>
-              <a:rPr lang="en-GB" sz="2400" dirty="0"/>
-              <a:t>Create a dummy version of a variable of appropriate size</a:t>
-            </a:r>
-          </a:p>
-          <a:p>
-            <a:pPr marL="0" indent="0">
-              <a:buNone/>
-            </a:pPr>
-            <a:r>
-              <a:rPr lang="en-GB" sz="2400" dirty="0">
-                <a:latin typeface="Courier New" panose="02070309020205020404" pitchFamily="49" charset="0"/>
-                <a:cs typeface="Courier New" panose="02070309020205020404" pitchFamily="49" charset="0"/>
-              </a:rPr>
-              <a:t>&gt;&gt; A = zeros(</a:t>
-            </a:r>
-            <a:r>
-              <a:rPr lang="en-GB" sz="2400" dirty="0" err="1">
-                <a:latin typeface="Courier New" panose="02070309020205020404" pitchFamily="49" charset="0"/>
-                <a:cs typeface="Courier New" panose="02070309020205020404" pitchFamily="49" charset="0"/>
-              </a:rPr>
-              <a:t>m,n</a:t>
-            </a:r>
-            <a:r>
-              <a:rPr lang="en-GB" sz="2400" dirty="0">
-                <a:latin typeface="Courier New" panose="02070309020205020404" pitchFamily="49" charset="0"/>
-                <a:cs typeface="Courier New" panose="02070309020205020404" pitchFamily="49" charset="0"/>
-              </a:rPr>
-              <a:t>)</a:t>
-            </a:r>
-          </a:p>
-          <a:p>
-            <a:pPr marL="0" indent="0">
-              <a:buNone/>
-            </a:pPr>
-            <a:r>
-              <a:rPr lang="en-GB" sz="2400" dirty="0">
-                <a:cs typeface="Courier New" panose="02070309020205020404" pitchFamily="49" charset="0"/>
-              </a:rPr>
-              <a:t>Subsequent operations then overwrite the zeros with the required values</a:t>
-            </a:r>
-          </a:p>
-          <a:p>
-            <a:pPr marL="0" indent="0">
-              <a:buNone/>
-            </a:pPr>
-            <a:endParaRPr lang="en-GB" sz="2400" dirty="0">
-              <a:cs typeface="Courier New" panose="02070309020205020404" pitchFamily="49" charset="0"/>
-            </a:endParaRPr>
-          </a:p>
-          <a:p>
-            <a:pPr marL="0" indent="0">
-              <a:buNone/>
-            </a:pPr>
-            <a:r>
-              <a:rPr lang="en-GB" sz="2400" dirty="0">
-                <a:cs typeface="Courier New" panose="02070309020205020404" pitchFamily="49" charset="0"/>
-              </a:rPr>
-              <a:t>Assigning the last element of an array first creates an array of the appropriate size</a:t>
-            </a:r>
-          </a:p>
-          <a:p>
-            <a:pPr marL="0" indent="0">
-              <a:buNone/>
-            </a:pPr>
-            <a:r>
-              <a:rPr lang="en-GB" sz="2400" dirty="0">
-                <a:latin typeface="Courier New" panose="02070309020205020404" pitchFamily="49" charset="0"/>
-                <a:cs typeface="Courier New" panose="02070309020205020404" pitchFamily="49" charset="0"/>
-              </a:rPr>
-              <a:t>&gt;&gt; x(8) = 3</a:t>
-            </a:r>
-          </a:p>
-          <a:p>
-            <a:pPr marL="0" indent="0">
-              <a:buNone/>
-            </a:pPr>
-            <a:r>
-              <a:rPr lang="en-GB" sz="2400" dirty="0">
-                <a:latin typeface="Courier New" panose="02070309020205020404" pitchFamily="49" charset="0"/>
-                <a:cs typeface="Courier New" panose="02070309020205020404" pitchFamily="49" charset="0"/>
-              </a:rPr>
-              <a:t>x =</a:t>
-            </a:r>
-          </a:p>
-          <a:p>
-            <a:pPr marL="0" indent="0">
-              <a:buNone/>
-            </a:pPr>
-            <a:r>
-              <a:rPr lang="en-GB" sz="2400" dirty="0">
-                <a:latin typeface="Courier New" panose="02070309020205020404" pitchFamily="49" charset="0"/>
-                <a:cs typeface="Courier New" panose="02070309020205020404" pitchFamily="49" charset="0"/>
-              </a:rPr>
-              <a:t>     0     0     0     0     0     0     0     3</a:t>
-            </a:r>
-          </a:p>
-        </p:txBody>
-      </p:sp>
-      <p:sp>
-        <p:nvSpPr>
-          <p:cNvPr id="4" name="Slide Number Placeholder 3"/>
-          <p:cNvSpPr>
-            <a:spLocks noGrp="1"/>
-          </p:cNvSpPr>
-          <p:nvPr>
-            <p:ph type="sldNum" sz="quarter" idx="12"/>
-          </p:nvPr>
-        </p:nvSpPr>
-        <p:spPr/>
-        <p:txBody>
-          <a:bodyPr/>
-          <a:lstStyle/>
-          <a:p>
-            <a:fld id="{83730267-60C2-4514-997F-6A8804439442}" type="slidenum">
-              <a:rPr lang="en-GB" smtClean="0">
-                <a:solidFill>
-                  <a:prstClr val="black">
-                    <a:tint val="75000"/>
-                  </a:prstClr>
-                </a:solidFill>
-              </a:rPr>
-              <a:pPr/>
-              <a:t>38</a:t>
-            </a:fld>
-            <a:endParaRPr lang="en-GB">
-              <a:solidFill>
-                <a:prstClr val="black">
-                  <a:tint val="75000"/>
-                </a:prstClr>
-              </a:solidFill>
-            </a:endParaRPr>
-          </a:p>
-        </p:txBody>
-      </p:sp>
-      <p:sp>
-        <p:nvSpPr>
-          <p:cNvPr id="5" name="Title 1"/>
-          <p:cNvSpPr>
-            <a:spLocks noGrp="1"/>
-          </p:cNvSpPr>
-          <p:nvPr>
-            <p:ph type="title"/>
-          </p:nvPr>
-        </p:nvSpPr>
-        <p:spPr>
-          <a:xfrm>
-            <a:off x="1981199" y="136522"/>
-            <a:ext cx="8229600" cy="744537"/>
-          </a:xfrm>
-        </p:spPr>
-        <p:txBody>
-          <a:bodyPr>
-            <a:normAutofit/>
-          </a:bodyPr>
-          <a:lstStyle/>
-          <a:p>
-            <a:r>
-              <a:rPr lang="en-GB" sz="3600" dirty="0" err="1"/>
-              <a:t>Preallocation</a:t>
-            </a:r>
-            <a:r>
-              <a:rPr lang="en-GB" sz="3600" dirty="0"/>
-              <a:t> of Memory</a:t>
-            </a:r>
-          </a:p>
-        </p:txBody>
-      </p:sp>
-    </p:spTree>
-    <p:extLst>
-      <p:ext uri="{BB962C8B-B14F-4D97-AF65-F5344CB8AC3E}">
-        <p14:creationId xmlns:p14="http://schemas.microsoft.com/office/powerpoint/2010/main" val="1971529063"/>
-      </p:ext>
-    </p:extLst>
-  </p:cSld>
-  <p:clrMapOvr>
-    <a:masterClrMapping/>
-  </p:clrMapOvr>
-</p:sld>
-</file>
-
-<file path=ppt/slides/slide39.xml><?xml version="1.0" encoding="utf-8"?>
-<p:sld xmlns:a="http://schemas.openxmlformats.org/drawingml/2006/main" xmlns:r="http://schemas.openxmlformats.org/officeDocument/2006/relationships" xmlns:p="http://schemas.openxmlformats.org/presentationml/2006/main">
-  <p:cSld>
-    <p:spTree>
-      <p:nvGrpSpPr>
-        <p:cNvPr id="1" name=""/>
-        <p:cNvGrpSpPr/>
-        <p:nvPr/>
-      </p:nvGrpSpPr>
-      <p:grpSpPr>
-        <a:xfrm>
-          <a:off x="0" y="0"/>
-          <a:ext cx="0" cy="0"/>
-          <a:chOff x="0" y="0"/>
-          <a:chExt cx="0" cy="0"/>
-        </a:xfrm>
-      </p:grpSpPr>
-      <p:sp>
-        <p:nvSpPr>
-          <p:cNvPr id="2" name="Slide Number Placeholder 1"/>
-          <p:cNvSpPr>
-            <a:spLocks noGrp="1"/>
-          </p:cNvSpPr>
-          <p:nvPr>
-            <p:ph type="sldNum" sz="quarter" idx="12"/>
-          </p:nvPr>
-        </p:nvSpPr>
-        <p:spPr/>
-        <p:txBody>
-          <a:bodyPr/>
-          <a:lstStyle/>
-          <a:p>
-            <a:fld id="{83730267-60C2-4514-997F-6A8804439442}" type="slidenum">
-              <a:rPr lang="en-GB" smtClean="0">
-                <a:solidFill>
-                  <a:prstClr val="black">
-                    <a:tint val="75000"/>
-                  </a:prstClr>
-                </a:solidFill>
-              </a:rPr>
-              <a:pPr/>
-              <a:t>39</a:t>
             </a:fld>
             <a:endParaRPr lang="en-GB">
               <a:solidFill>
@@ -27110,7 +25953,7 @@
     </p:spTree>
     <p:extLst>
       <p:ext uri="{BB962C8B-B14F-4D97-AF65-F5344CB8AC3E}">
-        <p14:creationId xmlns:p14="http://schemas.microsoft.com/office/powerpoint/2010/main" val="3205070806"/>
+        <p14:creationId xmlns:p14="http://schemas.microsoft.com/office/powerpoint/2010/main" val="3615477438"/>
       </p:ext>
     </p:extLst>
   </p:cSld>
@@ -27253,7 +26096,7 @@
 </p:sld>
 </file>
 
-<file path=ppt/slides/slide4.xml><?xml version="1.0" encoding="utf-8"?>
+<file path=ppt/slides/slide35.xml><?xml version="1.0" encoding="utf-8"?>
 <p:sld xmlns:a="http://schemas.openxmlformats.org/drawingml/2006/main" xmlns:r="http://schemas.openxmlformats.org/officeDocument/2006/relationships" xmlns:p="http://schemas.openxmlformats.org/presentationml/2006/main">
   <p:cSld>
     <p:spTree>
@@ -27272,1664 +26115,6 @@
       </p:grpSpPr>
       <p:sp>
         <p:nvSpPr>
-          <p:cNvPr id="4" name="Slide Number Placeholder 3"/>
-          <p:cNvSpPr>
-            <a:spLocks noGrp="1"/>
-          </p:cNvSpPr>
-          <p:nvPr>
-            <p:ph type="sldNum" sz="quarter" idx="12"/>
-          </p:nvPr>
-        </p:nvSpPr>
-        <p:spPr/>
-        <p:txBody>
-          <a:bodyPr/>
-          <a:lstStyle/>
-          <a:p>
-            <a:pPr>
-              <a:defRPr/>
-            </a:pPr>
-            <a:fld id="{A0BAC784-8BB6-44A0-AA7E-C982E08E1020}" type="slidenum">
-              <a:rPr lang="en-US" altLang="en-US" smtClean="0">
-                <a:solidFill>
-                  <a:srgbClr val="808080"/>
-                </a:solidFill>
-              </a:rPr>
-              <a:pPr>
-                <a:defRPr/>
-              </a:pPr>
-              <a:t>4</a:t>
-            </a:fld>
-            <a:endParaRPr lang="en-US" altLang="en-US">
-              <a:solidFill>
-                <a:srgbClr val="808080"/>
-              </a:solidFill>
-            </a:endParaRPr>
-          </a:p>
-        </p:txBody>
-      </p:sp>
-      <p:sp>
-        <p:nvSpPr>
-          <p:cNvPr id="5" name="TextBox 4"/>
-          <p:cNvSpPr txBox="1"/>
-          <p:nvPr/>
-        </p:nvSpPr>
-        <p:spPr>
-          <a:xfrm>
-            <a:off x="1919536" y="332657"/>
-            <a:ext cx="5112568" cy="461665"/>
-          </a:xfrm>
-          <a:prstGeom prst="rect">
-            <a:avLst/>
-          </a:prstGeom>
-          <a:noFill/>
-        </p:spPr>
-        <p:txBody>
-          <a:bodyPr wrap="square" rtlCol="0">
-            <a:spAutoFit/>
-          </a:bodyPr>
-          <a:lstStyle/>
-          <a:p>
-            <a:r>
-              <a:rPr lang="en-GB" sz="2400" dirty="0">
-                <a:solidFill>
-                  <a:schemeClr val="bg1"/>
-                </a:solidFill>
-              </a:rPr>
-              <a:t>It’s all gone horribly wrong!</a:t>
-            </a:r>
-          </a:p>
-        </p:txBody>
-      </p:sp>
-      <p:sp>
-        <p:nvSpPr>
-          <p:cNvPr id="6" name="Oval 5"/>
-          <p:cNvSpPr/>
-          <p:nvPr/>
-        </p:nvSpPr>
-        <p:spPr bwMode="auto">
-          <a:xfrm>
-            <a:off x="1887187" y="3706240"/>
-            <a:ext cx="540000" cy="540000"/>
-          </a:xfrm>
-          <a:prstGeom prst="ellipse">
-            <a:avLst/>
-          </a:prstGeom>
-          <a:solidFill>
-            <a:schemeClr val="accent1"/>
-          </a:solidFill>
-          <a:ln w="9525" cap="flat" cmpd="sng" algn="ctr">
-            <a:solidFill>
-              <a:schemeClr val="tx1"/>
-            </a:solidFill>
-            <a:prstDash val="solid"/>
-            <a:round/>
-            <a:headEnd type="none" w="med" len="med"/>
-            <a:tailEnd type="none" w="med" len="med"/>
-          </a:ln>
-          <a:effectLst/>
-        </p:spPr>
-        <p:txBody>
-          <a:bodyPr vert="horz" wrap="square" lIns="91440" tIns="45720" rIns="91440" bIns="45720" numCol="1" rtlCol="0" anchor="ctr" anchorCtr="1" compatLnSpc="1">
-            <a:prstTxWarp prst="textNoShape">
-              <a:avLst/>
-            </a:prstTxWarp>
-          </a:bodyPr>
-          <a:lstStyle/>
-          <a:p>
-            <a:pPr eaLnBrk="0" fontAlgn="base" hangingPunct="0">
-              <a:spcBef>
-                <a:spcPct val="0"/>
-              </a:spcBef>
-              <a:spcAft>
-                <a:spcPct val="0"/>
-              </a:spcAft>
-            </a:pPr>
-            <a:endParaRPr lang="en-GB" sz="2400" baseline="-25000" dirty="0">
-              <a:latin typeface="+mj-lt"/>
-            </a:endParaRPr>
-          </a:p>
-        </p:txBody>
-      </p:sp>
-      <p:sp>
-        <p:nvSpPr>
-          <p:cNvPr id="7" name="Oval 6"/>
-          <p:cNvSpPr/>
-          <p:nvPr/>
-        </p:nvSpPr>
-        <p:spPr bwMode="auto">
-          <a:xfrm>
-            <a:off x="4511366" y="3706240"/>
-            <a:ext cx="540000" cy="540000"/>
-          </a:xfrm>
-          <a:prstGeom prst="ellipse">
-            <a:avLst/>
-          </a:prstGeom>
-          <a:solidFill>
-            <a:schemeClr val="accent1"/>
-          </a:solidFill>
-          <a:ln w="9525" cap="flat" cmpd="sng" algn="ctr">
-            <a:solidFill>
-              <a:schemeClr val="tx1"/>
-            </a:solidFill>
-            <a:prstDash val="solid"/>
-            <a:round/>
-            <a:headEnd type="none" w="med" len="med"/>
-            <a:tailEnd type="none" w="med" len="med"/>
-          </a:ln>
-          <a:effectLst/>
-        </p:spPr>
-        <p:txBody>
-          <a:bodyPr vert="horz" wrap="square" lIns="91440" tIns="45720" rIns="91440" bIns="45720" numCol="1" rtlCol="0" anchor="t" anchorCtr="0" compatLnSpc="1">
-            <a:prstTxWarp prst="textNoShape">
-              <a:avLst/>
-            </a:prstTxWarp>
-          </a:bodyPr>
-          <a:lstStyle/>
-          <a:p>
-            <a:pPr eaLnBrk="0" fontAlgn="base" hangingPunct="0">
-              <a:spcBef>
-                <a:spcPct val="0"/>
-              </a:spcBef>
-              <a:spcAft>
-                <a:spcPct val="0"/>
-              </a:spcAft>
-            </a:pPr>
-            <a:endParaRPr lang="en-GB" sz="2400" baseline="-25000">
-              <a:latin typeface="Times" pitchFamily="-8" charset="0"/>
-            </a:endParaRPr>
-          </a:p>
-        </p:txBody>
-      </p:sp>
-      <p:sp>
-        <p:nvSpPr>
-          <p:cNvPr id="8" name="Oval 7"/>
-          <p:cNvSpPr/>
-          <p:nvPr/>
-        </p:nvSpPr>
-        <p:spPr bwMode="auto">
-          <a:xfrm>
-            <a:off x="2742673" y="2971280"/>
-            <a:ext cx="540000" cy="540000"/>
-          </a:xfrm>
-          <a:prstGeom prst="ellipse">
-            <a:avLst/>
-          </a:prstGeom>
-          <a:solidFill>
-            <a:srgbClr val="FFC000"/>
-          </a:solidFill>
-          <a:ln w="9525" cap="flat" cmpd="sng" algn="ctr">
-            <a:solidFill>
-              <a:schemeClr val="tx1"/>
-            </a:solidFill>
-            <a:prstDash val="solid"/>
-            <a:round/>
-            <a:headEnd type="none" w="med" len="med"/>
-            <a:tailEnd type="none" w="med" len="med"/>
-          </a:ln>
-          <a:effectLst/>
-        </p:spPr>
-        <p:txBody>
-          <a:bodyPr vert="horz" wrap="square" lIns="91440" tIns="45720" rIns="91440" bIns="45720" numCol="1" rtlCol="0" anchor="t" anchorCtr="0" compatLnSpc="1">
-            <a:prstTxWarp prst="textNoShape">
-              <a:avLst/>
-            </a:prstTxWarp>
-          </a:bodyPr>
-          <a:lstStyle/>
-          <a:p>
-            <a:pPr eaLnBrk="0" fontAlgn="base" hangingPunct="0">
-              <a:spcBef>
-                <a:spcPct val="0"/>
-              </a:spcBef>
-              <a:spcAft>
-                <a:spcPct val="0"/>
-              </a:spcAft>
-            </a:pPr>
-            <a:endParaRPr lang="en-GB" sz="2400" baseline="-25000">
-              <a:latin typeface="Times" pitchFamily="-8" charset="0"/>
-            </a:endParaRPr>
-          </a:p>
-        </p:txBody>
-      </p:sp>
-      <p:sp>
-        <p:nvSpPr>
-          <p:cNvPr id="9" name="Oval 8"/>
-          <p:cNvSpPr/>
-          <p:nvPr/>
-        </p:nvSpPr>
-        <p:spPr bwMode="auto">
-          <a:xfrm>
-            <a:off x="3725592" y="2971280"/>
-            <a:ext cx="540000" cy="540000"/>
-          </a:xfrm>
-          <a:prstGeom prst="ellipse">
-            <a:avLst/>
-          </a:prstGeom>
-          <a:solidFill>
-            <a:srgbClr val="FFC000"/>
-          </a:solidFill>
-          <a:ln w="9525" cap="flat" cmpd="sng" algn="ctr">
-            <a:solidFill>
-              <a:schemeClr val="tx1"/>
-            </a:solidFill>
-            <a:prstDash val="solid"/>
-            <a:round/>
-            <a:headEnd type="none" w="med" len="med"/>
-            <a:tailEnd type="none" w="med" len="med"/>
-          </a:ln>
-          <a:effectLst/>
-        </p:spPr>
-        <p:txBody>
-          <a:bodyPr vert="horz" wrap="square" lIns="91440" tIns="45720" rIns="91440" bIns="45720" numCol="1" rtlCol="0" anchor="t" anchorCtr="0" compatLnSpc="1">
-            <a:prstTxWarp prst="textNoShape">
-              <a:avLst/>
-            </a:prstTxWarp>
-          </a:bodyPr>
-          <a:lstStyle/>
-          <a:p>
-            <a:pPr eaLnBrk="0" fontAlgn="base" hangingPunct="0">
-              <a:spcBef>
-                <a:spcPct val="0"/>
-              </a:spcBef>
-              <a:spcAft>
-                <a:spcPct val="0"/>
-              </a:spcAft>
-            </a:pPr>
-            <a:endParaRPr lang="en-GB" sz="2400" baseline="-25000">
-              <a:latin typeface="Times" pitchFamily="-8" charset="0"/>
-            </a:endParaRPr>
-          </a:p>
-        </p:txBody>
-      </p:sp>
-      <p:sp>
-        <p:nvSpPr>
-          <p:cNvPr id="10" name="Oval 9"/>
-          <p:cNvSpPr/>
-          <p:nvPr/>
-        </p:nvSpPr>
-        <p:spPr bwMode="auto">
-          <a:xfrm>
-            <a:off x="8648700" y="3706240"/>
-            <a:ext cx="540000" cy="540000"/>
-          </a:xfrm>
-          <a:prstGeom prst="ellipse">
-            <a:avLst/>
-          </a:prstGeom>
-          <a:solidFill>
-            <a:schemeClr val="accent1"/>
-          </a:solidFill>
-          <a:ln w="9525" cap="flat" cmpd="sng" algn="ctr">
-            <a:solidFill>
-              <a:schemeClr val="tx1"/>
-            </a:solidFill>
-            <a:prstDash val="solid"/>
-            <a:round/>
-            <a:headEnd type="none" w="med" len="med"/>
-            <a:tailEnd type="none" w="med" len="med"/>
-          </a:ln>
-          <a:effectLst/>
-        </p:spPr>
-        <p:txBody>
-          <a:bodyPr vert="horz" wrap="square" lIns="91440" tIns="45720" rIns="91440" bIns="45720" numCol="1" rtlCol="0" anchor="t" anchorCtr="0" compatLnSpc="1">
-            <a:prstTxWarp prst="textNoShape">
-              <a:avLst/>
-            </a:prstTxWarp>
-          </a:bodyPr>
-          <a:lstStyle/>
-          <a:p>
-            <a:pPr eaLnBrk="0" fontAlgn="base" hangingPunct="0">
-              <a:spcBef>
-                <a:spcPct val="0"/>
-              </a:spcBef>
-              <a:spcAft>
-                <a:spcPct val="0"/>
-              </a:spcAft>
-            </a:pPr>
-            <a:endParaRPr lang="en-GB" sz="2400" baseline="-25000">
-              <a:latin typeface="Times" pitchFamily="-8" charset="0"/>
-            </a:endParaRPr>
-          </a:p>
-        </p:txBody>
-      </p:sp>
-      <p:sp>
-        <p:nvSpPr>
-          <p:cNvPr id="11" name="Oval 10"/>
-          <p:cNvSpPr/>
-          <p:nvPr/>
-        </p:nvSpPr>
-        <p:spPr bwMode="auto">
-          <a:xfrm>
-            <a:off x="9366000" y="4752686"/>
-            <a:ext cx="540000" cy="540000"/>
-          </a:xfrm>
-          <a:prstGeom prst="ellipse">
-            <a:avLst/>
-          </a:prstGeom>
-          <a:solidFill>
-            <a:schemeClr val="accent6">
-              <a:lumMod val="40000"/>
-              <a:lumOff val="60000"/>
-            </a:schemeClr>
-          </a:solidFill>
-          <a:ln w="9525" cap="flat" cmpd="sng" algn="ctr">
-            <a:solidFill>
-              <a:schemeClr val="tx1"/>
-            </a:solidFill>
-            <a:prstDash val="solid"/>
-            <a:round/>
-            <a:headEnd type="none" w="med" len="med"/>
-            <a:tailEnd type="none" w="med" len="med"/>
-          </a:ln>
-          <a:effectLst/>
-        </p:spPr>
-        <p:txBody>
-          <a:bodyPr vert="horz" wrap="square" lIns="91440" tIns="45720" rIns="91440" bIns="45720" numCol="1" rtlCol="0" anchor="t" anchorCtr="0" compatLnSpc="1">
-            <a:prstTxWarp prst="textNoShape">
-              <a:avLst/>
-            </a:prstTxWarp>
-          </a:bodyPr>
-          <a:lstStyle/>
-          <a:p>
-            <a:pPr eaLnBrk="0" fontAlgn="base" hangingPunct="0">
-              <a:spcBef>
-                <a:spcPct val="0"/>
-              </a:spcBef>
-              <a:spcAft>
-                <a:spcPct val="0"/>
-              </a:spcAft>
-            </a:pPr>
-            <a:endParaRPr lang="en-GB" sz="2400" baseline="-25000">
-              <a:latin typeface="Times" pitchFamily="-8" charset="0"/>
-            </a:endParaRPr>
-          </a:p>
-        </p:txBody>
-      </p:sp>
-      <p:sp>
-        <p:nvSpPr>
-          <p:cNvPr id="12" name="Oval 11"/>
-          <p:cNvSpPr/>
-          <p:nvPr/>
-        </p:nvSpPr>
-        <p:spPr bwMode="auto">
-          <a:xfrm>
-            <a:off x="5345464" y="4733119"/>
-            <a:ext cx="540000" cy="540000"/>
-          </a:xfrm>
-          <a:prstGeom prst="ellipse">
-            <a:avLst/>
-          </a:prstGeom>
-          <a:solidFill>
-            <a:schemeClr val="accent6">
-              <a:lumMod val="40000"/>
-              <a:lumOff val="60000"/>
-            </a:schemeClr>
-          </a:solidFill>
-          <a:ln w="9525" cap="flat" cmpd="sng" algn="ctr">
-            <a:solidFill>
-              <a:schemeClr val="tx1"/>
-            </a:solidFill>
-            <a:prstDash val="solid"/>
-            <a:round/>
-            <a:headEnd type="none" w="med" len="med"/>
-            <a:tailEnd type="none" w="med" len="med"/>
-          </a:ln>
-          <a:effectLst/>
-        </p:spPr>
-        <p:txBody>
-          <a:bodyPr vert="horz" wrap="square" lIns="91440" tIns="45720" rIns="91440" bIns="45720" numCol="1" rtlCol="0" anchor="t" anchorCtr="0" compatLnSpc="1">
-            <a:prstTxWarp prst="textNoShape">
-              <a:avLst/>
-            </a:prstTxWarp>
-          </a:bodyPr>
-          <a:lstStyle/>
-          <a:p>
-            <a:pPr eaLnBrk="0" fontAlgn="base" hangingPunct="0">
-              <a:spcBef>
-                <a:spcPct val="0"/>
-              </a:spcBef>
-              <a:spcAft>
-                <a:spcPct val="0"/>
-              </a:spcAft>
-            </a:pPr>
-            <a:endParaRPr lang="en-GB" sz="2400" baseline="-25000">
-              <a:latin typeface="Times" pitchFamily="-8" charset="0"/>
-            </a:endParaRPr>
-          </a:p>
-        </p:txBody>
-      </p:sp>
-      <p:sp>
-        <p:nvSpPr>
-          <p:cNvPr id="13" name="Oval 12"/>
-          <p:cNvSpPr/>
-          <p:nvPr/>
-        </p:nvSpPr>
-        <p:spPr bwMode="auto">
-          <a:xfrm>
-            <a:off x="6762104" y="2971280"/>
-            <a:ext cx="540000" cy="540000"/>
-          </a:xfrm>
-          <a:prstGeom prst="ellipse">
-            <a:avLst/>
-          </a:prstGeom>
-          <a:solidFill>
-            <a:srgbClr val="92D050"/>
-          </a:solidFill>
-          <a:ln w="9525" cap="flat" cmpd="sng" algn="ctr">
-            <a:solidFill>
-              <a:schemeClr val="tx1"/>
-            </a:solidFill>
-            <a:prstDash val="solid"/>
-            <a:round/>
-            <a:headEnd type="none" w="med" len="med"/>
-            <a:tailEnd type="none" w="med" len="med"/>
-          </a:ln>
-          <a:effectLst/>
-        </p:spPr>
-        <p:txBody>
-          <a:bodyPr vert="horz" wrap="square" lIns="91440" tIns="45720" rIns="91440" bIns="45720" numCol="1" rtlCol="0" anchor="t" anchorCtr="0" compatLnSpc="1">
-            <a:prstTxWarp prst="textNoShape">
-              <a:avLst/>
-            </a:prstTxWarp>
-          </a:bodyPr>
-          <a:lstStyle/>
-          <a:p>
-            <a:pPr eaLnBrk="0" fontAlgn="base" hangingPunct="0">
-              <a:spcBef>
-                <a:spcPct val="0"/>
-              </a:spcBef>
-              <a:spcAft>
-                <a:spcPct val="0"/>
-              </a:spcAft>
-            </a:pPr>
-            <a:endParaRPr lang="en-GB" sz="2400" baseline="-25000">
-              <a:latin typeface="Times" pitchFamily="-8" charset="0"/>
-            </a:endParaRPr>
-          </a:p>
-        </p:txBody>
-      </p:sp>
-      <p:sp>
-        <p:nvSpPr>
-          <p:cNvPr id="14" name="Oval 13"/>
-          <p:cNvSpPr/>
-          <p:nvPr/>
-        </p:nvSpPr>
-        <p:spPr bwMode="auto">
-          <a:xfrm>
-            <a:off x="7608168" y="2971280"/>
-            <a:ext cx="540000" cy="540000"/>
-          </a:xfrm>
-          <a:prstGeom prst="ellipse">
-            <a:avLst/>
-          </a:prstGeom>
-          <a:solidFill>
-            <a:srgbClr val="92D050"/>
-          </a:solidFill>
-          <a:ln w="9525" cap="flat" cmpd="sng" algn="ctr">
-            <a:solidFill>
-              <a:schemeClr val="tx1"/>
-            </a:solidFill>
-            <a:prstDash val="solid"/>
-            <a:round/>
-            <a:headEnd type="none" w="med" len="med"/>
-            <a:tailEnd type="none" w="med" len="med"/>
-          </a:ln>
-          <a:effectLst/>
-        </p:spPr>
-        <p:txBody>
-          <a:bodyPr vert="horz" wrap="square" lIns="91440" tIns="45720" rIns="91440" bIns="45720" numCol="1" rtlCol="0" anchor="t" anchorCtr="0" compatLnSpc="1">
-            <a:prstTxWarp prst="textNoShape">
-              <a:avLst/>
-            </a:prstTxWarp>
-          </a:bodyPr>
-          <a:lstStyle/>
-          <a:p>
-            <a:pPr eaLnBrk="0" fontAlgn="base" hangingPunct="0">
-              <a:spcBef>
-                <a:spcPct val="0"/>
-              </a:spcBef>
-              <a:spcAft>
-                <a:spcPct val="0"/>
-              </a:spcAft>
-            </a:pPr>
-            <a:endParaRPr lang="en-GB" sz="2400" baseline="-25000">
-              <a:latin typeface="Times" pitchFamily="-8" charset="0"/>
-            </a:endParaRPr>
-          </a:p>
-        </p:txBody>
-      </p:sp>
-      <p:sp>
-        <p:nvSpPr>
-          <p:cNvPr id="15" name="Oval 14"/>
-          <p:cNvSpPr/>
-          <p:nvPr/>
-        </p:nvSpPr>
-        <p:spPr bwMode="auto">
-          <a:xfrm>
-            <a:off x="6096000" y="1710280"/>
-            <a:ext cx="540000" cy="540000"/>
-          </a:xfrm>
-          <a:prstGeom prst="ellipse">
-            <a:avLst/>
-          </a:prstGeom>
-          <a:solidFill>
-            <a:srgbClr val="00B0F0"/>
-          </a:solidFill>
-          <a:ln w="9525" cap="flat" cmpd="sng" algn="ctr">
-            <a:solidFill>
-              <a:schemeClr val="tx1"/>
-            </a:solidFill>
-            <a:prstDash val="solid"/>
-            <a:round/>
-            <a:headEnd type="none" w="med" len="med"/>
-            <a:tailEnd type="none" w="med" len="med"/>
-          </a:ln>
-          <a:effectLst/>
-        </p:spPr>
-        <p:txBody>
-          <a:bodyPr vert="horz" wrap="square" lIns="91440" tIns="45720" rIns="91440" bIns="45720" numCol="1" rtlCol="0" anchor="t" anchorCtr="0" compatLnSpc="1">
-            <a:prstTxWarp prst="textNoShape">
-              <a:avLst/>
-            </a:prstTxWarp>
-          </a:bodyPr>
-          <a:lstStyle/>
-          <a:p>
-            <a:pPr eaLnBrk="0" fontAlgn="base" hangingPunct="0">
-              <a:spcBef>
-                <a:spcPct val="0"/>
-              </a:spcBef>
-              <a:spcAft>
-                <a:spcPct val="0"/>
-              </a:spcAft>
-            </a:pPr>
-            <a:endParaRPr lang="en-GB" sz="2400" baseline="-25000">
-              <a:latin typeface="Times" pitchFamily="-8" charset="0"/>
-            </a:endParaRPr>
-          </a:p>
-        </p:txBody>
-      </p:sp>
-      <p:sp>
-        <p:nvSpPr>
-          <p:cNvPr id="16" name="Oval 15"/>
-          <p:cNvSpPr/>
-          <p:nvPr/>
-        </p:nvSpPr>
-        <p:spPr bwMode="auto">
-          <a:xfrm>
-            <a:off x="8544272" y="1710280"/>
-            <a:ext cx="540000" cy="540000"/>
-          </a:xfrm>
-          <a:prstGeom prst="ellipse">
-            <a:avLst/>
-          </a:prstGeom>
-          <a:solidFill>
-            <a:srgbClr val="00B0F0"/>
-          </a:solidFill>
-          <a:ln w="9525" cap="flat" cmpd="sng" algn="ctr">
-            <a:solidFill>
-              <a:schemeClr val="tx1"/>
-            </a:solidFill>
-            <a:prstDash val="solid"/>
-            <a:round/>
-            <a:headEnd type="none" w="med" len="med"/>
-            <a:tailEnd type="none" w="med" len="med"/>
-          </a:ln>
-          <a:effectLst/>
-        </p:spPr>
-        <p:txBody>
-          <a:bodyPr vert="horz" wrap="square" lIns="91440" tIns="45720" rIns="91440" bIns="45720" numCol="1" rtlCol="0" anchor="t" anchorCtr="0" compatLnSpc="1">
-            <a:prstTxWarp prst="textNoShape">
-              <a:avLst/>
-            </a:prstTxWarp>
-          </a:bodyPr>
-          <a:lstStyle/>
-          <a:p>
-            <a:pPr eaLnBrk="0" fontAlgn="base" hangingPunct="0">
-              <a:spcBef>
-                <a:spcPct val="0"/>
-              </a:spcBef>
-              <a:spcAft>
-                <a:spcPct val="0"/>
-              </a:spcAft>
-            </a:pPr>
-            <a:endParaRPr lang="en-GB" sz="2400" baseline="-25000">
-              <a:latin typeface="Times" pitchFamily="-8" charset="0"/>
-            </a:endParaRPr>
-          </a:p>
-        </p:txBody>
-      </p:sp>
-      <p:sp>
-        <p:nvSpPr>
-          <p:cNvPr id="17" name="Oval 16"/>
-          <p:cNvSpPr/>
-          <p:nvPr/>
-        </p:nvSpPr>
-        <p:spPr bwMode="auto">
-          <a:xfrm>
-            <a:off x="9708900" y="1710280"/>
-            <a:ext cx="540000" cy="540000"/>
-          </a:xfrm>
-          <a:prstGeom prst="ellipse">
-            <a:avLst/>
-          </a:prstGeom>
-          <a:solidFill>
-            <a:srgbClr val="00B0F0"/>
-          </a:solidFill>
-          <a:ln w="9525" cap="flat" cmpd="sng" algn="ctr">
-            <a:solidFill>
-              <a:schemeClr val="tx1"/>
-            </a:solidFill>
-            <a:prstDash val="solid"/>
-            <a:round/>
-            <a:headEnd type="none" w="med" len="med"/>
-            <a:tailEnd type="none" w="med" len="med"/>
-          </a:ln>
-          <a:effectLst/>
-        </p:spPr>
-        <p:txBody>
-          <a:bodyPr vert="horz" wrap="square" lIns="91440" tIns="45720" rIns="91440" bIns="45720" numCol="1" rtlCol="0" anchor="t" anchorCtr="0" compatLnSpc="1">
-            <a:prstTxWarp prst="textNoShape">
-              <a:avLst/>
-            </a:prstTxWarp>
-          </a:bodyPr>
-          <a:lstStyle/>
-          <a:p>
-            <a:pPr eaLnBrk="0" fontAlgn="base" hangingPunct="0">
-              <a:spcBef>
-                <a:spcPct val="0"/>
-              </a:spcBef>
-              <a:spcAft>
-                <a:spcPct val="0"/>
-              </a:spcAft>
-            </a:pPr>
-            <a:endParaRPr lang="en-GB" sz="2400" baseline="-25000">
-              <a:latin typeface="Times" pitchFamily="-8" charset="0"/>
-            </a:endParaRPr>
-          </a:p>
-        </p:txBody>
-      </p:sp>
-      <p:cxnSp>
-        <p:nvCxnSpPr>
-          <p:cNvPr id="27" name="Straight Arrow Connector 26"/>
-          <p:cNvCxnSpPr>
-            <a:stCxn id="9" idx="5"/>
-            <a:endCxn id="7" idx="1"/>
-          </p:cNvCxnSpPr>
-          <p:nvPr/>
-        </p:nvCxnSpPr>
-        <p:spPr bwMode="auto">
-          <a:xfrm>
-            <a:off x="4186511" y="3432199"/>
-            <a:ext cx="403936" cy="353122"/>
-          </a:xfrm>
-          <a:prstGeom prst="straightConnector1">
-            <a:avLst/>
-          </a:prstGeom>
-          <a:solidFill>
-            <a:schemeClr val="accent1"/>
-          </a:solidFill>
-          <a:ln w="9525" cap="flat" cmpd="sng" algn="ctr">
-            <a:solidFill>
-              <a:schemeClr val="tx1"/>
-            </a:solidFill>
-            <a:prstDash val="solid"/>
-            <a:round/>
-            <a:headEnd type="none" w="med" len="med"/>
-            <a:tailEnd type="triangle"/>
-          </a:ln>
-          <a:effectLst/>
-        </p:spPr>
-      </p:cxnSp>
-      <p:cxnSp>
-        <p:nvCxnSpPr>
-          <p:cNvPr id="29" name="Straight Arrow Connector 28"/>
-          <p:cNvCxnSpPr>
-            <a:stCxn id="6" idx="6"/>
-            <a:endCxn id="7" idx="2"/>
-          </p:cNvCxnSpPr>
-          <p:nvPr/>
-        </p:nvCxnSpPr>
-        <p:spPr bwMode="auto">
-          <a:xfrm>
-            <a:off x="2427188" y="3976240"/>
-            <a:ext cx="2084179" cy="0"/>
-          </a:xfrm>
-          <a:prstGeom prst="straightConnector1">
-            <a:avLst/>
-          </a:prstGeom>
-          <a:solidFill>
-            <a:schemeClr val="accent1"/>
-          </a:solidFill>
-          <a:ln w="9525" cap="flat" cmpd="sng" algn="ctr">
-            <a:solidFill>
-              <a:schemeClr val="tx1"/>
-            </a:solidFill>
-            <a:prstDash val="solid"/>
-            <a:round/>
-            <a:headEnd type="none" w="med" len="med"/>
-            <a:tailEnd type="triangle"/>
-          </a:ln>
-          <a:effectLst/>
-        </p:spPr>
-      </p:cxnSp>
-      <p:cxnSp>
-        <p:nvCxnSpPr>
-          <p:cNvPr id="31" name="Straight Arrow Connector 30"/>
-          <p:cNvCxnSpPr>
-            <a:stCxn id="6" idx="7"/>
-            <a:endCxn id="8" idx="3"/>
-          </p:cNvCxnSpPr>
-          <p:nvPr/>
-        </p:nvCxnSpPr>
-        <p:spPr bwMode="auto">
-          <a:xfrm flipV="1">
-            <a:off x="2348106" y="3432199"/>
-            <a:ext cx="473648" cy="353122"/>
-          </a:xfrm>
-          <a:prstGeom prst="straightConnector1">
-            <a:avLst/>
-          </a:prstGeom>
-          <a:solidFill>
-            <a:schemeClr val="accent1"/>
-          </a:solidFill>
-          <a:ln w="9525" cap="flat" cmpd="sng" algn="ctr">
-            <a:solidFill>
-              <a:schemeClr val="tx1"/>
-            </a:solidFill>
-            <a:prstDash val="solid"/>
-            <a:round/>
-            <a:headEnd type="none" w="med" len="med"/>
-            <a:tailEnd type="triangle"/>
-          </a:ln>
-          <a:effectLst/>
-        </p:spPr>
-      </p:cxnSp>
-      <p:cxnSp>
-        <p:nvCxnSpPr>
-          <p:cNvPr id="33" name="Straight Arrow Connector 32"/>
-          <p:cNvCxnSpPr>
-            <a:stCxn id="8" idx="6"/>
-            <a:endCxn id="9" idx="2"/>
-          </p:cNvCxnSpPr>
-          <p:nvPr/>
-        </p:nvCxnSpPr>
-        <p:spPr bwMode="auto">
-          <a:xfrm>
-            <a:off x="3282674" y="3241280"/>
-            <a:ext cx="442919" cy="0"/>
-          </a:xfrm>
-          <a:prstGeom prst="straightConnector1">
-            <a:avLst/>
-          </a:prstGeom>
-          <a:solidFill>
-            <a:schemeClr val="accent1"/>
-          </a:solidFill>
-          <a:ln w="9525" cap="flat" cmpd="sng" algn="ctr">
-            <a:solidFill>
-              <a:schemeClr val="tx1"/>
-            </a:solidFill>
-            <a:prstDash val="solid"/>
-            <a:round/>
-            <a:headEnd type="none" w="med" len="med"/>
-            <a:tailEnd type="triangle"/>
-          </a:ln>
-          <a:effectLst/>
-        </p:spPr>
-      </p:cxnSp>
-      <p:cxnSp>
-        <p:nvCxnSpPr>
-          <p:cNvPr id="35" name="Straight Arrow Connector 34"/>
-          <p:cNvCxnSpPr>
-            <a:stCxn id="7" idx="6"/>
-            <a:endCxn id="10" idx="2"/>
-          </p:cNvCxnSpPr>
-          <p:nvPr/>
-        </p:nvCxnSpPr>
-        <p:spPr bwMode="auto">
-          <a:xfrm>
-            <a:off x="5051366" y="3976240"/>
-            <a:ext cx="3597334" cy="0"/>
-          </a:xfrm>
-          <a:prstGeom prst="straightConnector1">
-            <a:avLst/>
-          </a:prstGeom>
-          <a:solidFill>
-            <a:schemeClr val="accent1"/>
-          </a:solidFill>
-          <a:ln w="9525" cap="flat" cmpd="sng" algn="ctr">
-            <a:solidFill>
-              <a:schemeClr val="tx1"/>
-            </a:solidFill>
-            <a:prstDash val="solid"/>
-            <a:round/>
-            <a:headEnd type="none" w="med" len="med"/>
-            <a:tailEnd type="triangle"/>
-          </a:ln>
-          <a:effectLst/>
-        </p:spPr>
-      </p:cxnSp>
-      <p:cxnSp>
-        <p:nvCxnSpPr>
-          <p:cNvPr id="37" name="Straight Arrow Connector 36"/>
-          <p:cNvCxnSpPr>
-            <a:stCxn id="7" idx="7"/>
-            <a:endCxn id="13" idx="2"/>
-          </p:cNvCxnSpPr>
-          <p:nvPr/>
-        </p:nvCxnSpPr>
-        <p:spPr bwMode="auto">
-          <a:xfrm flipV="1">
-            <a:off x="4972286" y="3241281"/>
-            <a:ext cx="1789819" cy="544041"/>
-          </a:xfrm>
-          <a:prstGeom prst="straightConnector1">
-            <a:avLst/>
-          </a:prstGeom>
-          <a:solidFill>
-            <a:schemeClr val="accent1"/>
-          </a:solidFill>
-          <a:ln w="9525" cap="flat" cmpd="sng" algn="ctr">
-            <a:solidFill>
-              <a:schemeClr val="tx1"/>
-            </a:solidFill>
-            <a:prstDash val="solid"/>
-            <a:round/>
-            <a:headEnd type="none" w="med" len="med"/>
-            <a:tailEnd type="triangle"/>
-          </a:ln>
-          <a:effectLst/>
-        </p:spPr>
-      </p:cxnSp>
-      <p:cxnSp>
-        <p:nvCxnSpPr>
-          <p:cNvPr id="39" name="Straight Arrow Connector 38"/>
-          <p:cNvCxnSpPr>
-            <a:stCxn id="13" idx="6"/>
-            <a:endCxn id="14" idx="2"/>
-          </p:cNvCxnSpPr>
-          <p:nvPr/>
-        </p:nvCxnSpPr>
-        <p:spPr bwMode="auto">
-          <a:xfrm>
-            <a:off x="7302104" y="3241280"/>
-            <a:ext cx="306064" cy="0"/>
-          </a:xfrm>
-          <a:prstGeom prst="straightConnector1">
-            <a:avLst/>
-          </a:prstGeom>
-          <a:solidFill>
-            <a:schemeClr val="accent1"/>
-          </a:solidFill>
-          <a:ln w="9525" cap="flat" cmpd="sng" algn="ctr">
-            <a:solidFill>
-              <a:schemeClr val="tx1"/>
-            </a:solidFill>
-            <a:prstDash val="solid"/>
-            <a:round/>
-            <a:headEnd type="none" w="med" len="med"/>
-            <a:tailEnd type="triangle"/>
-          </a:ln>
-          <a:effectLst/>
-        </p:spPr>
-      </p:cxnSp>
-      <p:cxnSp>
-        <p:nvCxnSpPr>
-          <p:cNvPr id="41" name="Straight Arrow Connector 40"/>
-          <p:cNvCxnSpPr>
-            <a:endCxn id="10" idx="1"/>
-          </p:cNvCxnSpPr>
-          <p:nvPr/>
-        </p:nvCxnSpPr>
-        <p:spPr bwMode="auto">
-          <a:xfrm>
-            <a:off x="8115097" y="3390639"/>
-            <a:ext cx="612685" cy="394683"/>
-          </a:xfrm>
-          <a:prstGeom prst="straightConnector1">
-            <a:avLst/>
-          </a:prstGeom>
-          <a:solidFill>
-            <a:schemeClr val="accent1"/>
-          </a:solidFill>
-          <a:ln w="9525" cap="flat" cmpd="sng" algn="ctr">
-            <a:solidFill>
-              <a:schemeClr val="tx1"/>
-            </a:solidFill>
-            <a:prstDash val="solid"/>
-            <a:round/>
-            <a:headEnd type="none" w="med" len="med"/>
-            <a:tailEnd type="triangle"/>
-          </a:ln>
-          <a:effectLst/>
-        </p:spPr>
-      </p:cxnSp>
-      <p:cxnSp>
-        <p:nvCxnSpPr>
-          <p:cNvPr id="48" name="Straight Arrow Connector 47"/>
-          <p:cNvCxnSpPr>
-            <a:stCxn id="7" idx="5"/>
-            <a:endCxn id="12" idx="1"/>
-          </p:cNvCxnSpPr>
-          <p:nvPr/>
-        </p:nvCxnSpPr>
-        <p:spPr bwMode="auto">
-          <a:xfrm>
-            <a:off x="4972285" y="4167160"/>
-            <a:ext cx="452260" cy="645041"/>
-          </a:xfrm>
-          <a:prstGeom prst="straightConnector1">
-            <a:avLst/>
-          </a:prstGeom>
-          <a:solidFill>
-            <a:schemeClr val="accent1"/>
-          </a:solidFill>
-          <a:ln w="9525" cap="flat" cmpd="sng" algn="ctr">
-            <a:solidFill>
-              <a:schemeClr val="tx1"/>
-            </a:solidFill>
-            <a:prstDash val="solid"/>
-            <a:round/>
-            <a:headEnd type="none" w="med" len="med"/>
-            <a:tailEnd type="triangle"/>
-          </a:ln>
-          <a:effectLst/>
-        </p:spPr>
-      </p:cxnSp>
-      <p:cxnSp>
-        <p:nvCxnSpPr>
-          <p:cNvPr id="55" name="Straight Arrow Connector 54"/>
-          <p:cNvCxnSpPr>
-            <a:stCxn id="10" idx="5"/>
-          </p:cNvCxnSpPr>
-          <p:nvPr/>
-        </p:nvCxnSpPr>
-        <p:spPr bwMode="auto">
-          <a:xfrm>
-            <a:off x="9109620" y="4167159"/>
-            <a:ext cx="407145" cy="619730"/>
-          </a:xfrm>
-          <a:prstGeom prst="straightConnector1">
-            <a:avLst/>
-          </a:prstGeom>
-          <a:solidFill>
-            <a:schemeClr val="accent1"/>
-          </a:solidFill>
-          <a:ln w="9525" cap="flat" cmpd="sng" algn="ctr">
-            <a:solidFill>
-              <a:schemeClr val="tx1"/>
-            </a:solidFill>
-            <a:prstDash val="solid"/>
-            <a:round/>
-            <a:headEnd type="none" w="med" len="med"/>
-            <a:tailEnd type="triangle"/>
-          </a:ln>
-          <a:effectLst/>
-        </p:spPr>
-      </p:cxnSp>
-      <p:cxnSp>
-        <p:nvCxnSpPr>
-          <p:cNvPr id="59" name="Straight Arrow Connector 58"/>
-          <p:cNvCxnSpPr>
-            <a:stCxn id="7" idx="0"/>
-            <a:endCxn id="15" idx="3"/>
-          </p:cNvCxnSpPr>
-          <p:nvPr/>
-        </p:nvCxnSpPr>
-        <p:spPr bwMode="auto">
-          <a:xfrm flipV="1">
-            <a:off x="4781367" y="2171200"/>
-            <a:ext cx="1393715" cy="1535041"/>
-          </a:xfrm>
-          <a:prstGeom prst="straightConnector1">
-            <a:avLst/>
-          </a:prstGeom>
-          <a:solidFill>
-            <a:schemeClr val="accent1"/>
-          </a:solidFill>
-          <a:ln w="9525" cap="flat" cmpd="sng" algn="ctr">
-            <a:solidFill>
-              <a:schemeClr val="tx1"/>
-            </a:solidFill>
-            <a:prstDash val="solid"/>
-            <a:round/>
-            <a:headEnd type="none" w="med" len="med"/>
-            <a:tailEnd type="triangle"/>
-          </a:ln>
-          <a:effectLst/>
-        </p:spPr>
-      </p:cxnSp>
-      <p:cxnSp>
-        <p:nvCxnSpPr>
-          <p:cNvPr id="61" name="Straight Arrow Connector 60"/>
-          <p:cNvCxnSpPr>
-            <a:stCxn id="15" idx="6"/>
-            <a:endCxn id="16" idx="2"/>
-          </p:cNvCxnSpPr>
-          <p:nvPr/>
-        </p:nvCxnSpPr>
-        <p:spPr bwMode="auto">
-          <a:xfrm>
-            <a:off x="6636000" y="1980280"/>
-            <a:ext cx="1908272" cy="0"/>
-          </a:xfrm>
-          <a:prstGeom prst="straightConnector1">
-            <a:avLst/>
-          </a:prstGeom>
-          <a:solidFill>
-            <a:schemeClr val="accent1"/>
-          </a:solidFill>
-          <a:ln w="9525" cap="flat" cmpd="sng" algn="ctr">
-            <a:solidFill>
-              <a:schemeClr val="tx1"/>
-            </a:solidFill>
-            <a:prstDash val="solid"/>
-            <a:round/>
-            <a:headEnd type="none" w="med" len="med"/>
-            <a:tailEnd type="triangle"/>
-          </a:ln>
-          <a:effectLst/>
-        </p:spPr>
-      </p:cxnSp>
-      <p:cxnSp>
-        <p:nvCxnSpPr>
-          <p:cNvPr id="63" name="Straight Arrow Connector 62"/>
-          <p:cNvCxnSpPr>
-            <a:stCxn id="16" idx="6"/>
-            <a:endCxn id="17" idx="2"/>
-          </p:cNvCxnSpPr>
-          <p:nvPr/>
-        </p:nvCxnSpPr>
-        <p:spPr bwMode="auto">
-          <a:xfrm>
-            <a:off x="9084272" y="1980280"/>
-            <a:ext cx="624628" cy="0"/>
-          </a:xfrm>
-          <a:prstGeom prst="straightConnector1">
-            <a:avLst/>
-          </a:prstGeom>
-          <a:solidFill>
-            <a:schemeClr val="accent1"/>
-          </a:solidFill>
-          <a:ln w="9525" cap="flat" cmpd="sng" algn="ctr">
-            <a:solidFill>
-              <a:schemeClr val="tx1"/>
-            </a:solidFill>
-            <a:prstDash val="solid"/>
-            <a:round/>
-            <a:headEnd type="none" w="med" len="med"/>
-            <a:tailEnd type="triangle"/>
-          </a:ln>
-          <a:effectLst/>
-        </p:spPr>
-      </p:cxnSp>
-      <p:sp>
-        <p:nvSpPr>
-          <p:cNvPr id="64" name="TextBox 63"/>
-          <p:cNvSpPr txBox="1"/>
-          <p:nvPr/>
-        </p:nvSpPr>
-        <p:spPr>
-          <a:xfrm>
-            <a:off x="1982074" y="3797827"/>
-            <a:ext cx="288032" cy="369332"/>
-          </a:xfrm>
-          <a:prstGeom prst="rect">
-            <a:avLst/>
-          </a:prstGeom>
-          <a:noFill/>
-        </p:spPr>
-        <p:txBody>
-          <a:bodyPr wrap="square" rtlCol="0">
-            <a:spAutoFit/>
-          </a:bodyPr>
-          <a:lstStyle/>
-          <a:p>
-            <a:r>
-              <a:rPr lang="en-GB" dirty="0"/>
-              <a:t>1</a:t>
-            </a:r>
-          </a:p>
-        </p:txBody>
-      </p:sp>
-      <p:sp>
-        <p:nvSpPr>
-          <p:cNvPr id="65" name="TextBox 64"/>
-          <p:cNvSpPr txBox="1"/>
-          <p:nvPr/>
-        </p:nvSpPr>
-        <p:spPr>
-          <a:xfrm>
-            <a:off x="2851644" y="3056614"/>
-            <a:ext cx="288032" cy="369332"/>
-          </a:xfrm>
-          <a:prstGeom prst="rect">
-            <a:avLst/>
-          </a:prstGeom>
-          <a:noFill/>
-        </p:spPr>
-        <p:txBody>
-          <a:bodyPr wrap="square" rtlCol="0">
-            <a:spAutoFit/>
-          </a:bodyPr>
-          <a:lstStyle/>
-          <a:p>
-            <a:r>
-              <a:rPr lang="en-GB" dirty="0"/>
-              <a:t>2</a:t>
-            </a:r>
-          </a:p>
-        </p:txBody>
-      </p:sp>
-      <p:sp>
-        <p:nvSpPr>
-          <p:cNvPr id="66" name="TextBox 65"/>
-          <p:cNvSpPr txBox="1"/>
-          <p:nvPr/>
-        </p:nvSpPr>
-        <p:spPr>
-          <a:xfrm>
-            <a:off x="3822673" y="3056614"/>
-            <a:ext cx="288032" cy="369332"/>
-          </a:xfrm>
-          <a:prstGeom prst="rect">
-            <a:avLst/>
-          </a:prstGeom>
-          <a:noFill/>
-        </p:spPr>
-        <p:txBody>
-          <a:bodyPr wrap="square" rtlCol="0">
-            <a:spAutoFit/>
-          </a:bodyPr>
-          <a:lstStyle/>
-          <a:p>
-            <a:r>
-              <a:rPr lang="en-GB" dirty="0"/>
-              <a:t>3</a:t>
-            </a:r>
-          </a:p>
-        </p:txBody>
-      </p:sp>
-      <p:sp>
-        <p:nvSpPr>
-          <p:cNvPr id="67" name="TextBox 66"/>
-          <p:cNvSpPr txBox="1"/>
-          <p:nvPr/>
-        </p:nvSpPr>
-        <p:spPr>
-          <a:xfrm>
-            <a:off x="4610903" y="3777888"/>
-            <a:ext cx="288032" cy="369332"/>
-          </a:xfrm>
-          <a:prstGeom prst="rect">
-            <a:avLst/>
-          </a:prstGeom>
-          <a:noFill/>
-        </p:spPr>
-        <p:txBody>
-          <a:bodyPr wrap="square" rtlCol="0">
-            <a:spAutoFit/>
-          </a:bodyPr>
-          <a:lstStyle/>
-          <a:p>
-            <a:r>
-              <a:rPr lang="en-GB" dirty="0"/>
-              <a:t>4</a:t>
-            </a:r>
-          </a:p>
-        </p:txBody>
-      </p:sp>
-      <p:sp>
-        <p:nvSpPr>
-          <p:cNvPr id="68" name="TextBox 67"/>
-          <p:cNvSpPr txBox="1"/>
-          <p:nvPr/>
-        </p:nvSpPr>
-        <p:spPr>
-          <a:xfrm>
-            <a:off x="6221984" y="1797865"/>
-            <a:ext cx="288032" cy="369332"/>
-          </a:xfrm>
-          <a:prstGeom prst="rect">
-            <a:avLst/>
-          </a:prstGeom>
-          <a:noFill/>
-        </p:spPr>
-        <p:txBody>
-          <a:bodyPr wrap="square" rtlCol="0">
-            <a:spAutoFit/>
-          </a:bodyPr>
-          <a:lstStyle/>
-          <a:p>
-            <a:r>
-              <a:rPr lang="en-GB" dirty="0"/>
-              <a:t>5</a:t>
-            </a:r>
-          </a:p>
-        </p:txBody>
-      </p:sp>
-      <p:sp>
-        <p:nvSpPr>
-          <p:cNvPr id="69" name="TextBox 68"/>
-          <p:cNvSpPr txBox="1"/>
-          <p:nvPr/>
-        </p:nvSpPr>
-        <p:spPr>
-          <a:xfrm>
-            <a:off x="6875054" y="3062867"/>
-            <a:ext cx="288032" cy="369332"/>
-          </a:xfrm>
-          <a:prstGeom prst="rect">
-            <a:avLst/>
-          </a:prstGeom>
-          <a:noFill/>
-        </p:spPr>
-        <p:txBody>
-          <a:bodyPr wrap="square" rtlCol="0">
-            <a:spAutoFit/>
-          </a:bodyPr>
-          <a:lstStyle/>
-          <a:p>
-            <a:r>
-              <a:rPr lang="en-GB" dirty="0"/>
-              <a:t>6</a:t>
-            </a:r>
-          </a:p>
-        </p:txBody>
-      </p:sp>
-      <p:sp>
-        <p:nvSpPr>
-          <p:cNvPr id="70" name="TextBox 69"/>
-          <p:cNvSpPr txBox="1"/>
-          <p:nvPr/>
-        </p:nvSpPr>
-        <p:spPr>
-          <a:xfrm>
-            <a:off x="7713016" y="3056614"/>
-            <a:ext cx="288032" cy="369332"/>
-          </a:xfrm>
-          <a:prstGeom prst="rect">
-            <a:avLst/>
-          </a:prstGeom>
-          <a:noFill/>
-        </p:spPr>
-        <p:txBody>
-          <a:bodyPr wrap="square" rtlCol="0">
-            <a:spAutoFit/>
-          </a:bodyPr>
-          <a:lstStyle/>
-          <a:p>
-            <a:r>
-              <a:rPr lang="en-GB" dirty="0"/>
-              <a:t>7</a:t>
-            </a:r>
-          </a:p>
-        </p:txBody>
-      </p:sp>
-      <p:sp>
-        <p:nvSpPr>
-          <p:cNvPr id="71" name="TextBox 70"/>
-          <p:cNvSpPr txBox="1"/>
-          <p:nvPr/>
-        </p:nvSpPr>
-        <p:spPr>
-          <a:xfrm>
-            <a:off x="8648700" y="1797865"/>
-            <a:ext cx="288032" cy="369332"/>
-          </a:xfrm>
-          <a:prstGeom prst="rect">
-            <a:avLst/>
-          </a:prstGeom>
-          <a:noFill/>
-        </p:spPr>
-        <p:txBody>
-          <a:bodyPr wrap="square" rtlCol="0">
-            <a:spAutoFit/>
-          </a:bodyPr>
-          <a:lstStyle/>
-          <a:p>
-            <a:r>
-              <a:rPr lang="en-GB" dirty="0"/>
-              <a:t>8</a:t>
-            </a:r>
-          </a:p>
-        </p:txBody>
-      </p:sp>
-      <p:sp>
-        <p:nvSpPr>
-          <p:cNvPr id="72" name="TextBox 71"/>
-          <p:cNvSpPr txBox="1"/>
-          <p:nvPr/>
-        </p:nvSpPr>
-        <p:spPr>
-          <a:xfrm>
-            <a:off x="8753123" y="3785321"/>
-            <a:ext cx="288032" cy="369332"/>
-          </a:xfrm>
-          <a:prstGeom prst="rect">
-            <a:avLst/>
-          </a:prstGeom>
-          <a:noFill/>
-        </p:spPr>
-        <p:txBody>
-          <a:bodyPr wrap="square" rtlCol="0">
-            <a:spAutoFit/>
-          </a:bodyPr>
-          <a:lstStyle/>
-          <a:p>
-            <a:r>
-              <a:rPr lang="en-GB" dirty="0"/>
-              <a:t>9</a:t>
-            </a:r>
-          </a:p>
-        </p:txBody>
-      </p:sp>
-      <p:sp>
-        <p:nvSpPr>
-          <p:cNvPr id="73" name="TextBox 72"/>
-          <p:cNvSpPr txBox="1"/>
-          <p:nvPr/>
-        </p:nvSpPr>
-        <p:spPr>
-          <a:xfrm>
-            <a:off x="9739634" y="1795614"/>
-            <a:ext cx="478532" cy="369332"/>
-          </a:xfrm>
-          <a:prstGeom prst="rect">
-            <a:avLst/>
-          </a:prstGeom>
-          <a:noFill/>
-        </p:spPr>
-        <p:txBody>
-          <a:bodyPr wrap="square" rtlCol="0">
-            <a:spAutoFit/>
-          </a:bodyPr>
-          <a:lstStyle/>
-          <a:p>
-            <a:r>
-              <a:rPr lang="en-GB" dirty="0"/>
-              <a:t>10</a:t>
-            </a:r>
-          </a:p>
-        </p:txBody>
-      </p:sp>
-      <p:sp>
-        <p:nvSpPr>
-          <p:cNvPr id="74" name="TextBox 73"/>
-          <p:cNvSpPr txBox="1"/>
-          <p:nvPr/>
-        </p:nvSpPr>
-        <p:spPr>
-          <a:xfrm>
-            <a:off x="5385457" y="4824706"/>
-            <a:ext cx="460015" cy="369332"/>
-          </a:xfrm>
-          <a:prstGeom prst="rect">
-            <a:avLst/>
-          </a:prstGeom>
-          <a:noFill/>
-        </p:spPr>
-        <p:txBody>
-          <a:bodyPr wrap="square" rtlCol="0">
-            <a:spAutoFit/>
-          </a:bodyPr>
-          <a:lstStyle/>
-          <a:p>
-            <a:r>
-              <a:rPr lang="en-GB" dirty="0"/>
-              <a:t>T1</a:t>
-            </a:r>
-          </a:p>
-        </p:txBody>
-      </p:sp>
-      <p:sp>
-        <p:nvSpPr>
-          <p:cNvPr id="75" name="TextBox 74"/>
-          <p:cNvSpPr txBox="1"/>
-          <p:nvPr/>
-        </p:nvSpPr>
-        <p:spPr>
-          <a:xfrm>
-            <a:off x="9405993" y="4855121"/>
-            <a:ext cx="460015" cy="369332"/>
-          </a:xfrm>
-          <a:prstGeom prst="rect">
-            <a:avLst/>
-          </a:prstGeom>
-          <a:noFill/>
-        </p:spPr>
-        <p:txBody>
-          <a:bodyPr wrap="square" rtlCol="0">
-            <a:spAutoFit/>
-          </a:bodyPr>
-          <a:lstStyle/>
-          <a:p>
-            <a:r>
-              <a:rPr lang="en-GB" dirty="0"/>
-              <a:t>T2</a:t>
-            </a:r>
-          </a:p>
-        </p:txBody>
-      </p:sp>
-      <p:sp>
-        <p:nvSpPr>
-          <p:cNvPr id="76" name="TextBox 75"/>
-          <p:cNvSpPr txBox="1"/>
-          <p:nvPr/>
-        </p:nvSpPr>
-        <p:spPr>
-          <a:xfrm>
-            <a:off x="2379512" y="4057695"/>
-            <a:ext cx="1076945" cy="369332"/>
-          </a:xfrm>
-          <a:prstGeom prst="rect">
-            <a:avLst/>
-          </a:prstGeom>
-          <a:noFill/>
-        </p:spPr>
-        <p:txBody>
-          <a:bodyPr wrap="square" rtlCol="0">
-            <a:spAutoFit/>
-          </a:bodyPr>
-          <a:lstStyle/>
-          <a:p>
-            <a:r>
-              <a:rPr lang="en-GB" dirty="0"/>
-              <a:t>Trunk</a:t>
-            </a:r>
-          </a:p>
-        </p:txBody>
-      </p:sp>
-      <p:sp>
-        <p:nvSpPr>
-          <p:cNvPr id="77" name="TextBox 76"/>
-          <p:cNvSpPr txBox="1"/>
-          <p:nvPr/>
-        </p:nvSpPr>
-        <p:spPr>
-          <a:xfrm>
-            <a:off x="2744063" y="2585570"/>
-            <a:ext cx="1008813" cy="375585"/>
-          </a:xfrm>
-          <a:prstGeom prst="rect">
-            <a:avLst/>
-          </a:prstGeom>
-          <a:noFill/>
-        </p:spPr>
-        <p:txBody>
-          <a:bodyPr wrap="square" rtlCol="0">
-            <a:spAutoFit/>
-          </a:bodyPr>
-          <a:lstStyle/>
-          <a:p>
-            <a:r>
-              <a:rPr lang="en-GB" dirty="0"/>
-              <a:t>Branch</a:t>
-            </a:r>
-          </a:p>
-        </p:txBody>
-      </p:sp>
-      <p:sp>
-        <p:nvSpPr>
-          <p:cNvPr id="78" name="TextBox 77"/>
-          <p:cNvSpPr txBox="1"/>
-          <p:nvPr/>
-        </p:nvSpPr>
-        <p:spPr>
-          <a:xfrm>
-            <a:off x="5889712" y="4954701"/>
-            <a:ext cx="664545" cy="369332"/>
-          </a:xfrm>
-          <a:prstGeom prst="rect">
-            <a:avLst/>
-          </a:prstGeom>
-          <a:noFill/>
-        </p:spPr>
-        <p:txBody>
-          <a:bodyPr wrap="square" rtlCol="0">
-            <a:spAutoFit/>
-          </a:bodyPr>
-          <a:lstStyle/>
-          <a:p>
-            <a:r>
-              <a:rPr lang="en-GB" dirty="0"/>
-              <a:t>Tag</a:t>
-            </a:r>
-          </a:p>
-        </p:txBody>
-      </p:sp>
-      <p:sp>
-        <p:nvSpPr>
-          <p:cNvPr id="79" name="TextBox 78"/>
-          <p:cNvSpPr txBox="1"/>
-          <p:nvPr/>
-        </p:nvSpPr>
-        <p:spPr>
-          <a:xfrm>
-            <a:off x="8879175" y="2252532"/>
-            <a:ext cx="1636962" cy="646331"/>
-          </a:xfrm>
-          <a:prstGeom prst="rect">
-            <a:avLst/>
-          </a:prstGeom>
-          <a:noFill/>
-        </p:spPr>
-        <p:txBody>
-          <a:bodyPr wrap="square" rtlCol="0">
-            <a:spAutoFit/>
-          </a:bodyPr>
-          <a:lstStyle/>
-          <a:p>
-            <a:r>
-              <a:rPr lang="en-GB" dirty="0"/>
-              <a:t>Discontinued branch</a:t>
-            </a:r>
-          </a:p>
-        </p:txBody>
-      </p:sp>
-      <p:sp>
-        <p:nvSpPr>
-          <p:cNvPr id="80" name="TextBox 79"/>
-          <p:cNvSpPr txBox="1"/>
-          <p:nvPr/>
-        </p:nvSpPr>
-        <p:spPr>
-          <a:xfrm>
-            <a:off x="2109739" y="5702200"/>
-            <a:ext cx="7069042" cy="369332"/>
-          </a:xfrm>
-          <a:prstGeom prst="rect">
-            <a:avLst/>
-          </a:prstGeom>
-          <a:noFill/>
-        </p:spPr>
-        <p:txBody>
-          <a:bodyPr wrap="square" rtlCol="0">
-            <a:spAutoFit/>
-          </a:bodyPr>
-          <a:lstStyle/>
-          <a:p>
-            <a:r>
-              <a:rPr lang="en-GB" dirty="0"/>
-              <a:t>Tags can correspond to code producing results for research papers</a:t>
-            </a:r>
-          </a:p>
-        </p:txBody>
-      </p:sp>
-      <p:sp>
-        <p:nvSpPr>
-          <p:cNvPr id="49" name="Title 1"/>
-          <p:cNvSpPr txBox="1">
-            <a:spLocks/>
-          </p:cNvSpPr>
-          <p:nvPr/>
-        </p:nvSpPr>
-        <p:spPr>
-          <a:xfrm>
-            <a:off x="1981200" y="274639"/>
-            <a:ext cx="8229600" cy="744537"/>
-          </a:xfrm>
-          <a:prstGeom prst="rect">
-            <a:avLst/>
-          </a:prstGeom>
-        </p:spPr>
-        <p:txBody>
-          <a:bodyPr>
-            <a:normAutofit/>
-          </a:bodyPr>
-          <a:lstStyle>
-            <a:lvl1pPr algn="ctr" defTabSz="914400" rtl="0" eaLnBrk="1" latinLnBrk="0" hangingPunct="1">
-              <a:spcBef>
-                <a:spcPct val="0"/>
-              </a:spcBef>
-              <a:buNone/>
-              <a:defRPr sz="4400" kern="1200">
-                <a:solidFill>
-                  <a:schemeClr val="tx1"/>
-                </a:solidFill>
-                <a:latin typeface="+mj-lt"/>
-                <a:ea typeface="+mj-ea"/>
-                <a:cs typeface="+mj-cs"/>
-              </a:defRPr>
-            </a:lvl1pPr>
-          </a:lstStyle>
-          <a:p>
-            <a:r>
-              <a:rPr lang="en-GB" sz="3600" dirty="0"/>
-              <a:t>Git Workflow</a:t>
-            </a:r>
-          </a:p>
-        </p:txBody>
-      </p:sp>
-    </p:spTree>
-    <p:extLst>
-      <p:ext uri="{BB962C8B-B14F-4D97-AF65-F5344CB8AC3E}">
-        <p14:creationId xmlns:p14="http://schemas.microsoft.com/office/powerpoint/2010/main" val="3035186640"/>
-      </p:ext>
-    </p:extLst>
-  </p:cSld>
-  <p:clrMapOvr>
-    <a:masterClrMapping/>
-  </p:clrMapOvr>
-</p:sld>
-</file>
-
-<file path=ppt/slides/slide40.xml><?xml version="1.0" encoding="utf-8"?>
-<p:sld xmlns:a="http://schemas.openxmlformats.org/drawingml/2006/main" xmlns:r="http://schemas.openxmlformats.org/officeDocument/2006/relationships" xmlns:p="http://schemas.openxmlformats.org/presentationml/2006/main">
-  <p:cSld>
-    <p:spTree>
-      <p:nvGrpSpPr>
-        <p:cNvPr id="1" name=""/>
-        <p:cNvGrpSpPr/>
-        <p:nvPr/>
-      </p:nvGrpSpPr>
-      <p:grpSpPr>
-        <a:xfrm>
-          <a:off x="0" y="0"/>
-          <a:ext cx="0" cy="0"/>
-          <a:chOff x="0" y="0"/>
-          <a:chExt cx="0" cy="0"/>
-        </a:xfrm>
-      </p:grpSpPr>
-      <p:sp>
-        <p:nvSpPr>
           <p:cNvPr id="2" name="Slide Number Placeholder 1"/>
           <p:cNvSpPr>
             <a:spLocks noGrp="1"/>
@@ -28952,7 +26137,7 @@
                 </a:solidFill>
               </a:rPr>
               <a:pPr/>
-              <a:t>40</a:t>
+              <a:t>35</a:t>
             </a:fld>
             <a:endParaRPr lang="en-GB">
               <a:solidFill>
@@ -29810,7 +26995,7 @@
     </p:spTree>
     <p:extLst>
       <p:ext uri="{BB962C8B-B14F-4D97-AF65-F5344CB8AC3E}">
-        <p14:creationId xmlns:p14="http://schemas.microsoft.com/office/powerpoint/2010/main" val="3821784183"/>
+        <p14:creationId xmlns:p14="http://schemas.microsoft.com/office/powerpoint/2010/main" val="1777922231"/>
       </p:ext>
     </p:extLst>
   </p:cSld>
@@ -30395,6 +27580,2962 @@
 </p:sld>
 </file>
 
+<file path=ppt/slides/slide36.xml><?xml version="1.0" encoding="utf-8"?>
+<p:sld xmlns:a="http://schemas.openxmlformats.org/drawingml/2006/main" xmlns:r="http://schemas.openxmlformats.org/officeDocument/2006/relationships" xmlns:p="http://schemas.openxmlformats.org/presentationml/2006/main">
+  <p:cSld>
+    <p:spTree>
+      <p:nvGrpSpPr>
+        <p:cNvPr id="1" name=""/>
+        <p:cNvGrpSpPr/>
+        <p:nvPr/>
+      </p:nvGrpSpPr>
+      <p:grpSpPr>
+        <a:xfrm>
+          <a:off x="0" y="0"/>
+          <a:ext cx="0" cy="0"/>
+          <a:chOff x="0" y="0"/>
+          <a:chExt cx="0" cy="0"/>
+        </a:xfrm>
+      </p:grpSpPr>
+      <p:sp>
+        <p:nvSpPr>
+          <p:cNvPr id="2" name="Slide Number Placeholder 1">
+            <a:extLst>
+              <a:ext uri="{FF2B5EF4-FFF2-40B4-BE49-F238E27FC236}">
+                <a16:creationId xmlns:a16="http://schemas.microsoft.com/office/drawing/2014/main" id="{C215633D-6963-8879-917F-9E1187EB3DAC}"/>
+              </a:ext>
+            </a:extLst>
+          </p:cNvPr>
+          <p:cNvSpPr>
+            <a:spLocks noGrp="1"/>
+          </p:cNvSpPr>
+          <p:nvPr>
+            <p:ph type="sldNum" sz="quarter" idx="12"/>
+          </p:nvPr>
+        </p:nvSpPr>
+        <p:spPr/>
+        <p:txBody>
+          <a:bodyPr/>
+          <a:lstStyle/>
+          <a:p>
+            <a:fld id="{83730267-60C2-4514-997F-6A8804439442}" type="slidenum">
+              <a:rPr lang="en-GB" smtClean="0">
+                <a:solidFill>
+                  <a:prstClr val="black">
+                    <a:tint val="75000"/>
+                  </a:prstClr>
+                </a:solidFill>
+              </a:rPr>
+              <a:pPr/>
+              <a:t>36</a:t>
+            </a:fld>
+            <a:endParaRPr lang="en-GB">
+              <a:solidFill>
+                <a:prstClr val="black">
+                  <a:tint val="75000"/>
+                </a:prstClr>
+              </a:solidFill>
+            </a:endParaRPr>
+          </a:p>
+        </p:txBody>
+      </p:sp>
+      <p:sp>
+        <p:nvSpPr>
+          <p:cNvPr id="5" name="TextBox 4">
+            <a:extLst>
+              <a:ext uri="{FF2B5EF4-FFF2-40B4-BE49-F238E27FC236}">
+                <a16:creationId xmlns:a16="http://schemas.microsoft.com/office/drawing/2014/main" id="{2E4FFE82-20F3-94D1-135F-820F096417E1}"/>
+              </a:ext>
+            </a:extLst>
+          </p:cNvPr>
+          <p:cNvSpPr txBox="1"/>
+          <p:nvPr/>
+        </p:nvSpPr>
+        <p:spPr>
+          <a:xfrm>
+            <a:off x="1774209" y="1241946"/>
+            <a:ext cx="6646460" cy="369332"/>
+          </a:xfrm>
+          <a:prstGeom prst="rect">
+            <a:avLst/>
+          </a:prstGeom>
+          <a:noFill/>
+        </p:spPr>
+        <p:txBody>
+          <a:bodyPr wrap="square" rtlCol="0">
+            <a:spAutoFit/>
+          </a:bodyPr>
+          <a:lstStyle/>
+          <a:p>
+            <a:r>
+              <a:rPr lang="en-GB" dirty="0">
+                <a:hlinkClick r:id="rId2"/>
+              </a:rPr>
+              <a:t>MATLAB Profiler with Flame Graph video</a:t>
+            </a:r>
+            <a:endParaRPr lang="en-GB" dirty="0"/>
+          </a:p>
+        </p:txBody>
+      </p:sp>
+    </p:spTree>
+    <p:extLst>
+      <p:ext uri="{BB962C8B-B14F-4D97-AF65-F5344CB8AC3E}">
+        <p14:creationId xmlns:p14="http://schemas.microsoft.com/office/powerpoint/2010/main" val="1796875069"/>
+      </p:ext>
+    </p:extLst>
+  </p:cSld>
+  <p:clrMapOvr>
+    <a:masterClrMapping/>
+  </p:clrMapOvr>
+</p:sld>
+</file>
+
+<file path=ppt/slides/slide37.xml><?xml version="1.0" encoding="utf-8"?>
+<p:sld xmlns:a="http://schemas.openxmlformats.org/drawingml/2006/main" xmlns:r="http://schemas.openxmlformats.org/officeDocument/2006/relationships" xmlns:p="http://schemas.openxmlformats.org/presentationml/2006/main">
+  <p:cSld>
+    <p:spTree>
+      <p:nvGrpSpPr>
+        <p:cNvPr id="1" name=""/>
+        <p:cNvGrpSpPr/>
+        <p:nvPr/>
+      </p:nvGrpSpPr>
+      <p:grpSpPr>
+        <a:xfrm>
+          <a:off x="0" y="0"/>
+          <a:ext cx="0" cy="0"/>
+          <a:chOff x="0" y="0"/>
+          <a:chExt cx="0" cy="0"/>
+        </a:xfrm>
+      </p:grpSpPr>
+      <p:sp>
+        <p:nvSpPr>
+          <p:cNvPr id="2" name="Title 1">
+            <a:extLst>
+              <a:ext uri="{FF2B5EF4-FFF2-40B4-BE49-F238E27FC236}">
+                <a16:creationId xmlns:a16="http://schemas.microsoft.com/office/drawing/2014/main" id="{560D67BB-BEB3-56BB-E427-B6D531AC5938}"/>
+              </a:ext>
+            </a:extLst>
+          </p:cNvPr>
+          <p:cNvSpPr>
+            <a:spLocks noGrp="1"/>
+          </p:cNvSpPr>
+          <p:nvPr>
+            <p:ph type="title"/>
+          </p:nvPr>
+        </p:nvSpPr>
+        <p:spPr/>
+        <p:txBody>
+          <a:bodyPr/>
+          <a:lstStyle/>
+          <a:p>
+            <a:r>
+              <a:rPr lang="en-GB" dirty="0"/>
+              <a:t>Feedback</a:t>
+            </a:r>
+          </a:p>
+        </p:txBody>
+      </p:sp>
+      <p:sp>
+        <p:nvSpPr>
+          <p:cNvPr id="3" name="Slide Number Placeholder 2">
+            <a:extLst>
+              <a:ext uri="{FF2B5EF4-FFF2-40B4-BE49-F238E27FC236}">
+                <a16:creationId xmlns:a16="http://schemas.microsoft.com/office/drawing/2014/main" id="{B33F3B88-E9B2-2152-2641-C7C2C1EFC236}"/>
+              </a:ext>
+            </a:extLst>
+          </p:cNvPr>
+          <p:cNvSpPr>
+            <a:spLocks noGrp="1"/>
+          </p:cNvSpPr>
+          <p:nvPr>
+            <p:ph type="sldNum" sz="quarter" idx="12"/>
+          </p:nvPr>
+        </p:nvSpPr>
+        <p:spPr/>
+        <p:txBody>
+          <a:bodyPr/>
+          <a:lstStyle/>
+          <a:p>
+            <a:fld id="{83730267-60C2-4514-997F-6A8804439442}" type="slidenum">
+              <a:rPr lang="en-GB" smtClean="0">
+                <a:solidFill>
+                  <a:prstClr val="black">
+                    <a:tint val="75000"/>
+                  </a:prstClr>
+                </a:solidFill>
+              </a:rPr>
+              <a:pPr/>
+              <a:t>37</a:t>
+            </a:fld>
+            <a:endParaRPr lang="en-GB">
+              <a:solidFill>
+                <a:prstClr val="black">
+                  <a:tint val="75000"/>
+                </a:prstClr>
+              </a:solidFill>
+            </a:endParaRPr>
+          </a:p>
+        </p:txBody>
+      </p:sp>
+      <p:sp>
+        <p:nvSpPr>
+          <p:cNvPr id="4" name="Rectangle 1">
+            <a:extLst>
+              <a:ext uri="{FF2B5EF4-FFF2-40B4-BE49-F238E27FC236}">
+                <a16:creationId xmlns:a16="http://schemas.microsoft.com/office/drawing/2014/main" id="{4B524BC7-4D1C-E796-DE2E-50EA3EB0875A}"/>
+              </a:ext>
+            </a:extLst>
+          </p:cNvPr>
+          <p:cNvSpPr>
+            <a:spLocks noChangeArrowheads="1"/>
+          </p:cNvSpPr>
+          <p:nvPr/>
+        </p:nvSpPr>
+        <p:spPr bwMode="auto">
+          <a:xfrm>
+            <a:off x="639216" y="3762742"/>
+            <a:ext cx="10913565" cy="1569660"/>
+          </a:xfrm>
+          <a:prstGeom prst="rect">
+            <a:avLst/>
+          </a:prstGeom>
+          <a:noFill/>
+          <a:ln>
+            <a:noFill/>
+          </a:ln>
+          <a:effectLst/>
+          <a:extLst>
+            <a:ext uri="{909E8E84-426E-40DD-AFC4-6F175D3DCCD1}">
+              <a14:hiddenFill xmlns:a14="http://schemas.microsoft.com/office/drawing/2010/main">
+                <a:solidFill>
+                  <a:schemeClr val="accent1"/>
+                </a:solidFill>
+              </a14:hiddenFill>
+            </a:ext>
+            <a:ext uri="{91240B29-F687-4F45-9708-019B960494DF}">
+              <a14:hiddenLine xmlns:a14="http://schemas.microsoft.com/office/drawing/2010/main" w="9525">
+                <a:solidFill>
+                  <a:schemeClr val="tx1"/>
+                </a:solidFill>
+                <a:miter lim="800000"/>
+                <a:headEnd/>
+                <a:tailEnd/>
+              </a14:hiddenLine>
+            </a:ext>
+            <a:ext uri="{AF507438-7753-43E0-B8FC-AC1667EBCBE1}">
+              <a14:hiddenEffects xmlns:a14="http://schemas.microsoft.com/office/drawing/2010/main">
+                <a:effectLst>
+                  <a:outerShdw dist="35921" dir="2700000" algn="ctr" rotWithShape="0">
+                    <a:schemeClr val="bg2"/>
+                  </a:outerShdw>
+                </a:effectLst>
+              </a14:hiddenEffects>
+            </a:ext>
+          </a:extLst>
+        </p:spPr>
+        <p:txBody>
+          <a:bodyPr vert="horz" wrap="none" lIns="91440" tIns="45720" rIns="91440" bIns="45720" numCol="1" anchor="ctr" anchorCtr="0" compatLnSpc="1">
+            <a:prstTxWarp prst="textNoShape">
+              <a:avLst/>
+            </a:prstTxWarp>
+            <a:spAutoFit/>
+          </a:bodyPr>
+          <a:lstStyle/>
+          <a:p>
+            <a:pPr marL="0" marR="0" lvl="0" indent="0" algn="ctr" defTabSz="914400" rtl="0" eaLnBrk="0" fontAlgn="base" latinLnBrk="0" hangingPunct="0">
+              <a:lnSpc>
+                <a:spcPct val="100000"/>
+              </a:lnSpc>
+              <a:spcBef>
+                <a:spcPct val="0"/>
+              </a:spcBef>
+              <a:spcAft>
+                <a:spcPct val="0"/>
+              </a:spcAft>
+              <a:buClrTx/>
+              <a:buSzTx/>
+              <a:buFontTx/>
+              <a:buNone/>
+              <a:tabLst/>
+            </a:pPr>
+            <a:r>
+              <a:rPr kumimoji="0" lang="en-US" altLang="en-US" sz="1800" b="0" i="0" u="none" strike="noStrike" cap="none" normalizeH="0" baseline="0" dirty="0">
+                <a:ln>
+                  <a:noFill/>
+                </a:ln>
+                <a:solidFill>
+                  <a:schemeClr val="tx1"/>
+                </a:solidFill>
+                <a:effectLst/>
+                <a:latin typeface="Arial" panose="020B0604020202020204" pitchFamily="34" charset="0"/>
+              </a:rPr>
+              <a:t> </a:t>
+            </a:r>
+            <a:r>
+              <a:rPr kumimoji="0" lang="en-US" altLang="en-US" sz="2400" b="0" i="0" u="none" strike="noStrike" cap="none" normalizeH="0" baseline="0" dirty="0">
+                <a:ln>
+                  <a:noFill/>
+                </a:ln>
+                <a:solidFill>
+                  <a:srgbClr val="10263B"/>
+                </a:solidFill>
+                <a:effectLst/>
+                <a:latin typeface="+mj-lt"/>
+                <a:cs typeface="Calibri" panose="020F0502020204030204" pitchFamily="34" charset="0"/>
+              </a:rPr>
+              <a:t>We really value your feedback, which you can provide by completing </a:t>
+            </a:r>
+            <a:r>
+              <a:rPr kumimoji="0" lang="en-US" altLang="en-US" sz="2400" b="0" i="0" u="none" strike="noStrike" cap="none" normalizeH="0" baseline="0" dirty="0">
+                <a:ln>
+                  <a:noFill/>
+                </a:ln>
+                <a:solidFill>
+                  <a:srgbClr val="009BC1"/>
+                </a:solidFill>
+                <a:effectLst/>
+                <a:latin typeface="+mj-lt"/>
+                <a:cs typeface="Calibri" panose="020F0502020204030204" pitchFamily="34" charset="0"/>
+                <a:hlinkClick r:id="rId2"/>
+              </a:rPr>
+              <a:t>this short survey</a:t>
+            </a:r>
+            <a:r>
+              <a:rPr kumimoji="0" lang="en-US" altLang="en-US" sz="2400" b="0" i="0" u="none" strike="noStrike" cap="none" normalizeH="0" baseline="0" dirty="0">
+                <a:ln>
+                  <a:noFill/>
+                </a:ln>
+                <a:solidFill>
+                  <a:schemeClr val="tx1"/>
+                </a:solidFill>
+                <a:effectLst/>
+                <a:latin typeface="+mj-lt"/>
+                <a:cs typeface="Calibri" panose="020F0502020204030204" pitchFamily="34" charset="0"/>
+              </a:rPr>
+              <a:t>​</a:t>
+            </a:r>
+            <a:endParaRPr kumimoji="0" lang="en-US" altLang="en-US" sz="2400" b="0" i="0" u="none" strike="noStrike" cap="none" normalizeH="0" baseline="0" dirty="0">
+              <a:ln>
+                <a:noFill/>
+              </a:ln>
+              <a:solidFill>
+                <a:schemeClr val="tx1"/>
+              </a:solidFill>
+              <a:effectLst/>
+              <a:latin typeface="+mj-lt"/>
+            </a:endParaRPr>
+          </a:p>
+          <a:p>
+            <a:pPr marL="0" marR="0" lvl="0" indent="0" algn="ctr" defTabSz="914400" rtl="0" eaLnBrk="0" fontAlgn="base" latinLnBrk="0" hangingPunct="0">
+              <a:lnSpc>
+                <a:spcPct val="100000"/>
+              </a:lnSpc>
+              <a:spcBef>
+                <a:spcPct val="0"/>
+              </a:spcBef>
+              <a:spcAft>
+                <a:spcPct val="0"/>
+              </a:spcAft>
+              <a:buClrTx/>
+              <a:buSzTx/>
+              <a:buFontTx/>
+              <a:buNone/>
+              <a:tabLst/>
+            </a:pPr>
+            <a:r>
+              <a:rPr kumimoji="0" lang="en-US" altLang="en-US" sz="2400" b="0" i="0" u="none" strike="noStrike" cap="none" normalizeH="0" baseline="0" dirty="0">
+                <a:ln>
+                  <a:noFill/>
+                </a:ln>
+                <a:solidFill>
+                  <a:schemeClr val="tx1"/>
+                </a:solidFill>
+                <a:effectLst/>
+                <a:latin typeface="+mj-lt"/>
+                <a:cs typeface="Calibri" panose="020F0502020204030204" pitchFamily="34" charset="0"/>
+              </a:rPr>
+              <a:t>​</a:t>
+            </a:r>
+            <a:endParaRPr kumimoji="0" lang="en-US" altLang="en-US" sz="2400" b="0" i="0" u="none" strike="noStrike" cap="none" normalizeH="0" baseline="0" dirty="0">
+              <a:ln>
+                <a:noFill/>
+              </a:ln>
+              <a:solidFill>
+                <a:schemeClr val="tx1"/>
+              </a:solidFill>
+              <a:effectLst/>
+              <a:latin typeface="+mj-lt"/>
+            </a:endParaRPr>
+          </a:p>
+          <a:p>
+            <a:pPr marL="0" marR="0" lvl="0" indent="0" algn="ctr" defTabSz="914400" rtl="0" eaLnBrk="0" fontAlgn="base" latinLnBrk="0" hangingPunct="0">
+              <a:lnSpc>
+                <a:spcPct val="100000"/>
+              </a:lnSpc>
+              <a:spcBef>
+                <a:spcPct val="0"/>
+              </a:spcBef>
+              <a:spcAft>
+                <a:spcPct val="0"/>
+              </a:spcAft>
+              <a:buClrTx/>
+              <a:buSzTx/>
+              <a:buFontTx/>
+              <a:buNone/>
+              <a:tabLst/>
+            </a:pPr>
+            <a:r>
+              <a:rPr kumimoji="0" lang="en-US" altLang="en-US" sz="2400" b="0" i="0" u="none" strike="noStrike" cap="none" normalizeH="0" baseline="0" dirty="0">
+                <a:ln>
+                  <a:noFill/>
+                </a:ln>
+                <a:solidFill>
+                  <a:srgbClr val="10263B"/>
+                </a:solidFill>
+                <a:effectLst/>
+                <a:latin typeface="+mj-lt"/>
+                <a:cs typeface="Calibri" panose="020F0502020204030204" pitchFamily="34" charset="0"/>
+              </a:rPr>
+              <a:t>Course date as </a:t>
+            </a:r>
+            <a:r>
+              <a:rPr lang="en-US" altLang="en-US" sz="2400" b="1" dirty="0">
+                <a:solidFill>
+                  <a:srgbClr val="002060"/>
+                </a:solidFill>
+                <a:latin typeface="+mj-lt"/>
+                <a:cs typeface="Calibri" panose="020F0502020204030204" pitchFamily="34" charset="0"/>
+              </a:rPr>
+              <a:t>06</a:t>
+            </a:r>
+            <a:r>
+              <a:rPr kumimoji="0" lang="en-US" altLang="en-US" sz="2400" b="1" i="0" u="none" strike="noStrike" cap="none" normalizeH="0" baseline="0" dirty="0">
+                <a:ln>
+                  <a:noFill/>
+                </a:ln>
+                <a:solidFill>
+                  <a:srgbClr val="002060"/>
+                </a:solidFill>
+                <a:effectLst/>
+                <a:latin typeface="+mj-lt"/>
+                <a:cs typeface="Calibri" panose="020F0502020204030204" pitchFamily="34" charset="0"/>
+              </a:rPr>
+              <a:t>/06/2024</a:t>
+            </a:r>
+            <a:r>
+              <a:rPr kumimoji="0" lang="en-US" altLang="en-US" sz="2400" b="0" i="0" u="none" strike="noStrike" cap="none" normalizeH="0" baseline="0" dirty="0">
+                <a:ln>
+                  <a:noFill/>
+                </a:ln>
+                <a:solidFill>
+                  <a:schemeClr val="tx1"/>
+                </a:solidFill>
+                <a:effectLst/>
+                <a:latin typeface="+mj-lt"/>
+                <a:cs typeface="Calibri" panose="020F0502020204030204" pitchFamily="34" charset="0"/>
+              </a:rPr>
+              <a:t>​</a:t>
+            </a:r>
+            <a:endParaRPr kumimoji="0" lang="en-US" altLang="en-US" sz="2400" b="0" i="0" u="none" strike="noStrike" cap="none" normalizeH="0" baseline="0" dirty="0">
+              <a:ln>
+                <a:noFill/>
+              </a:ln>
+              <a:solidFill>
+                <a:schemeClr val="tx1"/>
+              </a:solidFill>
+              <a:effectLst/>
+              <a:latin typeface="+mj-lt"/>
+            </a:endParaRPr>
+          </a:p>
+          <a:p>
+            <a:pPr marL="0" marR="0" lvl="0" indent="0" algn="ctr" defTabSz="914400" rtl="0" eaLnBrk="0" fontAlgn="base" latinLnBrk="0" hangingPunct="0">
+              <a:lnSpc>
+                <a:spcPct val="100000"/>
+              </a:lnSpc>
+              <a:spcBef>
+                <a:spcPct val="0"/>
+              </a:spcBef>
+              <a:spcAft>
+                <a:spcPct val="0"/>
+              </a:spcAft>
+              <a:buClrTx/>
+              <a:buSzTx/>
+              <a:buFontTx/>
+              <a:buNone/>
+              <a:tabLst/>
+            </a:pPr>
+            <a:r>
+              <a:rPr kumimoji="0" lang="en-US" altLang="en-US" sz="2400" b="0" i="0" u="none" strike="noStrike" cap="none" normalizeH="0" baseline="0" dirty="0">
+                <a:ln>
+                  <a:noFill/>
+                </a:ln>
+                <a:solidFill>
+                  <a:srgbClr val="10263B"/>
+                </a:solidFill>
+                <a:effectLst/>
+                <a:latin typeface="+mj-lt"/>
+                <a:cs typeface="Calibri" panose="020F0502020204030204" pitchFamily="34" charset="0"/>
+              </a:rPr>
+              <a:t>Course code as </a:t>
+            </a:r>
+            <a:r>
+              <a:rPr kumimoji="0" lang="en-US" altLang="en-US" sz="2400" b="1" i="0" u="none" strike="noStrike" cap="none" normalizeH="0" baseline="0" dirty="0">
+                <a:ln>
+                  <a:noFill/>
+                </a:ln>
+                <a:solidFill>
+                  <a:srgbClr val="10263B"/>
+                </a:solidFill>
+                <a:effectLst/>
+                <a:latin typeface="+mj-lt"/>
+                <a:cs typeface="Calibri" panose="020F0502020204030204" pitchFamily="34" charset="0"/>
+              </a:rPr>
+              <a:t>GSTML3</a:t>
+            </a:r>
+            <a:endParaRPr kumimoji="0" lang="en-US" altLang="en-US" sz="2400" b="0" i="0" u="none" strike="noStrike" cap="none" normalizeH="0" baseline="0" dirty="0">
+              <a:ln>
+                <a:noFill/>
+              </a:ln>
+              <a:solidFill>
+                <a:schemeClr val="tx1"/>
+              </a:solidFill>
+              <a:effectLst/>
+              <a:latin typeface="+mj-lt"/>
+            </a:endParaRPr>
+          </a:p>
+        </p:txBody>
+      </p:sp>
+      <p:pic>
+        <p:nvPicPr>
+          <p:cNvPr id="1026" name="Picture 2">
+            <a:extLst>
+              <a:ext uri="{FF2B5EF4-FFF2-40B4-BE49-F238E27FC236}">
+                <a16:creationId xmlns:a16="http://schemas.microsoft.com/office/drawing/2014/main" id="{51D3B38B-0B82-6E51-79FF-118D25B1255F}"/>
+              </a:ext>
+            </a:extLst>
+          </p:cNvPr>
+          <p:cNvPicPr>
+            <a:picLocks noChangeAspect="1" noChangeArrowheads="1"/>
+          </p:cNvPicPr>
+          <p:nvPr/>
+        </p:nvPicPr>
+        <p:blipFill>
+          <a:blip r:embed="rId3">
+            <a:extLst>
+              <a:ext uri="{28A0092B-C50C-407E-A947-70E740481C1C}">
+                <a14:useLocalDpi xmlns:a14="http://schemas.microsoft.com/office/drawing/2010/main" val="0"/>
+              </a:ext>
+            </a:extLst>
+          </a:blip>
+          <a:srcRect/>
+          <a:stretch>
+            <a:fillRect/>
+          </a:stretch>
+        </p:blipFill>
+        <p:spPr bwMode="auto">
+          <a:xfrm>
+            <a:off x="5245271" y="1759346"/>
+            <a:ext cx="1701457" cy="1669654"/>
+          </a:xfrm>
+          <a:prstGeom prst="rect">
+            <a:avLst/>
+          </a:prstGeom>
+          <a:noFill/>
+          <a:extLst>
+            <a:ext uri="{909E8E84-426E-40DD-AFC4-6F175D3DCCD1}">
+              <a14:hiddenFill xmlns:a14="http://schemas.microsoft.com/office/drawing/2010/main">
+                <a:solidFill>
+                  <a:srgbClr val="FFFFFF"/>
+                </a:solidFill>
+              </a14:hiddenFill>
+            </a:ext>
+          </a:extLst>
+        </p:spPr>
+      </p:pic>
+    </p:spTree>
+    <p:extLst>
+      <p:ext uri="{BB962C8B-B14F-4D97-AF65-F5344CB8AC3E}">
+        <p14:creationId xmlns:p14="http://schemas.microsoft.com/office/powerpoint/2010/main" val="3318838063"/>
+      </p:ext>
+    </p:extLst>
+  </p:cSld>
+  <p:clrMapOvr>
+    <a:masterClrMapping/>
+  </p:clrMapOvr>
+</p:sld>
+</file>
+
+<file path=ppt/slides/slide38.xml><?xml version="1.0" encoding="utf-8"?>
+<p:sld xmlns:a="http://schemas.openxmlformats.org/drawingml/2006/main" xmlns:r="http://schemas.openxmlformats.org/officeDocument/2006/relationships" xmlns:p="http://schemas.openxmlformats.org/presentationml/2006/main">
+  <p:cSld>
+    <p:spTree>
+      <p:nvGrpSpPr>
+        <p:cNvPr id="1" name=""/>
+        <p:cNvGrpSpPr/>
+        <p:nvPr/>
+      </p:nvGrpSpPr>
+      <p:grpSpPr>
+        <a:xfrm>
+          <a:off x="0" y="0"/>
+          <a:ext cx="0" cy="0"/>
+          <a:chOff x="0" y="0"/>
+          <a:chExt cx="0" cy="0"/>
+        </a:xfrm>
+      </p:grpSpPr>
+      <p:sp>
+        <p:nvSpPr>
+          <p:cNvPr id="2" name="Title 1">
+            <a:extLst>
+              <a:ext uri="{FF2B5EF4-FFF2-40B4-BE49-F238E27FC236}">
+                <a16:creationId xmlns:a16="http://schemas.microsoft.com/office/drawing/2014/main" id="{745EDC30-381B-D32C-34A6-349302CE2999}"/>
+              </a:ext>
+            </a:extLst>
+          </p:cNvPr>
+          <p:cNvSpPr>
+            <a:spLocks noGrp="1"/>
+          </p:cNvSpPr>
+          <p:nvPr>
+            <p:ph type="title"/>
+          </p:nvPr>
+        </p:nvSpPr>
+        <p:spPr/>
+        <p:txBody>
+          <a:bodyPr/>
+          <a:lstStyle/>
+          <a:p>
+            <a:r>
+              <a:rPr lang="en-GB" dirty="0"/>
+              <a:t>Different levels of software testing</a:t>
+            </a:r>
+          </a:p>
+        </p:txBody>
+      </p:sp>
+      <p:sp>
+        <p:nvSpPr>
+          <p:cNvPr id="3" name="Slide Number Placeholder 2">
+            <a:extLst>
+              <a:ext uri="{FF2B5EF4-FFF2-40B4-BE49-F238E27FC236}">
+                <a16:creationId xmlns:a16="http://schemas.microsoft.com/office/drawing/2014/main" id="{540D4DCD-83EC-E39D-9422-978C74FCEC94}"/>
+              </a:ext>
+            </a:extLst>
+          </p:cNvPr>
+          <p:cNvSpPr>
+            <a:spLocks noGrp="1"/>
+          </p:cNvSpPr>
+          <p:nvPr>
+            <p:ph type="sldNum" sz="quarter" idx="12"/>
+          </p:nvPr>
+        </p:nvSpPr>
+        <p:spPr/>
+        <p:txBody>
+          <a:bodyPr/>
+          <a:lstStyle/>
+          <a:p>
+            <a:fld id="{83730267-60C2-4514-997F-6A8804439442}" type="slidenum">
+              <a:rPr lang="en-GB" smtClean="0">
+                <a:solidFill>
+                  <a:prstClr val="black">
+                    <a:tint val="75000"/>
+                  </a:prstClr>
+                </a:solidFill>
+              </a:rPr>
+              <a:pPr/>
+              <a:t>38</a:t>
+            </a:fld>
+            <a:endParaRPr lang="en-GB">
+              <a:solidFill>
+                <a:prstClr val="black">
+                  <a:tint val="75000"/>
+                </a:prstClr>
+              </a:solidFill>
+            </a:endParaRPr>
+          </a:p>
+        </p:txBody>
+      </p:sp>
+      <p:pic>
+        <p:nvPicPr>
+          <p:cNvPr id="5" name="Picture 4">
+            <a:extLst>
+              <a:ext uri="{FF2B5EF4-FFF2-40B4-BE49-F238E27FC236}">
+                <a16:creationId xmlns:a16="http://schemas.microsoft.com/office/drawing/2014/main" id="{B47FCB85-0614-83C5-0393-D05D5A5963C0}"/>
+              </a:ext>
+            </a:extLst>
+          </p:cNvPr>
+          <p:cNvPicPr>
+            <a:picLocks noChangeAspect="1"/>
+          </p:cNvPicPr>
+          <p:nvPr/>
+        </p:nvPicPr>
+        <p:blipFill>
+          <a:blip r:embed="rId2"/>
+          <a:stretch>
+            <a:fillRect/>
+          </a:stretch>
+        </p:blipFill>
+        <p:spPr>
+          <a:xfrm>
+            <a:off x="3085680" y="1662597"/>
+            <a:ext cx="6020640" cy="4448796"/>
+          </a:xfrm>
+          <a:prstGeom prst="rect">
+            <a:avLst/>
+          </a:prstGeom>
+        </p:spPr>
+      </p:pic>
+      <p:sp>
+        <p:nvSpPr>
+          <p:cNvPr id="6" name="TextBox 5">
+            <a:extLst>
+              <a:ext uri="{FF2B5EF4-FFF2-40B4-BE49-F238E27FC236}">
+                <a16:creationId xmlns:a16="http://schemas.microsoft.com/office/drawing/2014/main" id="{076E7FAD-070A-ABCE-2A19-218796418839}"/>
+              </a:ext>
+            </a:extLst>
+          </p:cNvPr>
+          <p:cNvSpPr txBox="1"/>
+          <p:nvPr/>
+        </p:nvSpPr>
+        <p:spPr>
+          <a:xfrm>
+            <a:off x="539086" y="6301761"/>
+            <a:ext cx="11113827" cy="369332"/>
+          </a:xfrm>
+          <a:prstGeom prst="rect">
+            <a:avLst/>
+          </a:prstGeom>
+          <a:noFill/>
+        </p:spPr>
+        <p:txBody>
+          <a:bodyPr wrap="square" rtlCol="0">
+            <a:spAutoFit/>
+          </a:bodyPr>
+          <a:lstStyle/>
+          <a:p>
+            <a:r>
+              <a:rPr lang="en-GB" dirty="0"/>
+              <a:t>Figure source: Lawrence Tan </a:t>
+            </a:r>
+            <a:r>
+              <a:rPr lang="en-GB" dirty="0">
+                <a:hlinkClick r:id="rId3"/>
+              </a:rPr>
+              <a:t>“Unit Tests, UI Tests, Integration Tests &amp; End-To-End Tests”</a:t>
+            </a:r>
+            <a:r>
+              <a:rPr lang="en-GB" dirty="0"/>
+              <a:t> </a:t>
+            </a:r>
+            <a:r>
+              <a:rPr lang="en-GB" i="1" dirty="0"/>
+              <a:t>Medium, </a:t>
+            </a:r>
+            <a:r>
+              <a:rPr lang="en-GB" dirty="0"/>
+              <a:t>September 19, 2019</a:t>
+            </a:r>
+          </a:p>
+        </p:txBody>
+      </p:sp>
+    </p:spTree>
+    <p:extLst>
+      <p:ext uri="{BB962C8B-B14F-4D97-AF65-F5344CB8AC3E}">
+        <p14:creationId xmlns:p14="http://schemas.microsoft.com/office/powerpoint/2010/main" val="1349887822"/>
+      </p:ext>
+    </p:extLst>
+  </p:cSld>
+  <p:clrMapOvr>
+    <a:masterClrMapping/>
+  </p:clrMapOvr>
+</p:sld>
+</file>
+
+<file path=ppt/slides/slide39.xml><?xml version="1.0" encoding="utf-8"?>
+<p:sld xmlns:a="http://schemas.openxmlformats.org/drawingml/2006/main" xmlns:r="http://schemas.openxmlformats.org/officeDocument/2006/relationships" xmlns:p="http://schemas.openxmlformats.org/presentationml/2006/main">
+  <p:cSld>
+    <p:spTree>
+      <p:nvGrpSpPr>
+        <p:cNvPr id="1" name=""/>
+        <p:cNvGrpSpPr/>
+        <p:nvPr/>
+      </p:nvGrpSpPr>
+      <p:grpSpPr>
+        <a:xfrm>
+          <a:off x="0" y="0"/>
+          <a:ext cx="0" cy="0"/>
+          <a:chOff x="0" y="0"/>
+          <a:chExt cx="0" cy="0"/>
+        </a:xfrm>
+      </p:grpSpPr>
+      <p:sp>
+        <p:nvSpPr>
+          <p:cNvPr id="2" name="Title 1">
+            <a:extLst>
+              <a:ext uri="{FF2B5EF4-FFF2-40B4-BE49-F238E27FC236}">
+                <a16:creationId xmlns:a16="http://schemas.microsoft.com/office/drawing/2014/main" id="{4A182505-E502-A4E2-76D4-D4B433C8265C}"/>
+              </a:ext>
+            </a:extLst>
+          </p:cNvPr>
+          <p:cNvSpPr>
+            <a:spLocks noGrp="1"/>
+          </p:cNvSpPr>
+          <p:nvPr>
+            <p:ph type="title"/>
+          </p:nvPr>
+        </p:nvSpPr>
+        <p:spPr/>
+        <p:txBody>
+          <a:bodyPr/>
+          <a:lstStyle/>
+          <a:p>
+            <a:r>
+              <a:rPr lang="en-GB" dirty="0"/>
+              <a:t>Unit Testing</a:t>
+            </a:r>
+          </a:p>
+        </p:txBody>
+      </p:sp>
+      <p:sp>
+        <p:nvSpPr>
+          <p:cNvPr id="3" name="Slide Number Placeholder 2">
+            <a:extLst>
+              <a:ext uri="{FF2B5EF4-FFF2-40B4-BE49-F238E27FC236}">
+                <a16:creationId xmlns:a16="http://schemas.microsoft.com/office/drawing/2014/main" id="{6BA9A200-8AFE-8838-E7EF-A71E987259E0}"/>
+              </a:ext>
+            </a:extLst>
+          </p:cNvPr>
+          <p:cNvSpPr>
+            <a:spLocks noGrp="1"/>
+          </p:cNvSpPr>
+          <p:nvPr>
+            <p:ph type="sldNum" sz="quarter" idx="12"/>
+          </p:nvPr>
+        </p:nvSpPr>
+        <p:spPr/>
+        <p:txBody>
+          <a:bodyPr/>
+          <a:lstStyle/>
+          <a:p>
+            <a:fld id="{83730267-60C2-4514-997F-6A8804439442}" type="slidenum">
+              <a:rPr lang="en-GB" smtClean="0">
+                <a:solidFill>
+                  <a:prstClr val="black">
+                    <a:tint val="75000"/>
+                  </a:prstClr>
+                </a:solidFill>
+              </a:rPr>
+              <a:pPr/>
+              <a:t>39</a:t>
+            </a:fld>
+            <a:endParaRPr lang="en-GB">
+              <a:solidFill>
+                <a:prstClr val="black">
+                  <a:tint val="75000"/>
+                </a:prstClr>
+              </a:solidFill>
+            </a:endParaRPr>
+          </a:p>
+        </p:txBody>
+      </p:sp>
+      <p:sp>
+        <p:nvSpPr>
+          <p:cNvPr id="4" name="TextBox 3">
+            <a:extLst>
+              <a:ext uri="{FF2B5EF4-FFF2-40B4-BE49-F238E27FC236}">
+                <a16:creationId xmlns:a16="http://schemas.microsoft.com/office/drawing/2014/main" id="{F6CEAD4A-E738-F34F-DA2B-D5AB1D678134}"/>
+              </a:ext>
+            </a:extLst>
+          </p:cNvPr>
+          <p:cNvSpPr txBox="1"/>
+          <p:nvPr/>
+        </p:nvSpPr>
+        <p:spPr>
+          <a:xfrm>
+            <a:off x="1132764" y="1787857"/>
+            <a:ext cx="10672549" cy="3539430"/>
+          </a:xfrm>
+          <a:prstGeom prst="rect">
+            <a:avLst/>
+          </a:prstGeom>
+          <a:noFill/>
+        </p:spPr>
+        <p:txBody>
+          <a:bodyPr wrap="square" rtlCol="0">
+            <a:spAutoFit/>
+          </a:bodyPr>
+          <a:lstStyle/>
+          <a:p>
+            <a:pPr marL="342900" indent="-342900">
+              <a:buFont typeface="Arial" panose="020B0604020202020204" pitchFamily="34" charset="0"/>
+              <a:buChar char="•"/>
+            </a:pPr>
+            <a:r>
+              <a:rPr lang="en-GB" sz="2800" dirty="0"/>
+              <a:t>Test individual code units in isolation from the rest of the system</a:t>
+            </a:r>
+          </a:p>
+          <a:p>
+            <a:pPr marL="342900" indent="-342900">
+              <a:buFont typeface="Arial" panose="020B0604020202020204" pitchFamily="34" charset="0"/>
+              <a:buChar char="•"/>
+            </a:pPr>
+            <a:r>
+              <a:rPr lang="en-GB" sz="2800" dirty="0"/>
+              <a:t>Test that each unit works as intended</a:t>
+            </a:r>
+          </a:p>
+          <a:p>
+            <a:pPr marL="342900" indent="-342900">
+              <a:buFont typeface="Arial" panose="020B0604020202020204" pitchFamily="34" charset="0"/>
+              <a:buChar char="•"/>
+            </a:pPr>
+            <a:r>
+              <a:rPr lang="en-GB" sz="2800" dirty="0"/>
+              <a:t>Identify bugs early  in the development process</a:t>
+            </a:r>
+          </a:p>
+          <a:p>
+            <a:pPr marL="342900" indent="-342900">
+              <a:buFont typeface="Arial" panose="020B0604020202020204" pitchFamily="34" charset="0"/>
+              <a:buChar char="•"/>
+            </a:pPr>
+            <a:r>
+              <a:rPr lang="en-GB" sz="2800" dirty="0"/>
+              <a:t>Makes it easier to refactor code</a:t>
+            </a:r>
+          </a:p>
+          <a:p>
+            <a:pPr marL="342900" indent="-342900">
+              <a:buFont typeface="Arial" panose="020B0604020202020204" pitchFamily="34" charset="0"/>
+              <a:buChar char="•"/>
+            </a:pPr>
+            <a:r>
+              <a:rPr lang="en-GB" sz="2800" dirty="0"/>
+              <a:t>Facilitates collaboration</a:t>
+            </a:r>
+          </a:p>
+          <a:p>
+            <a:pPr marL="342900" indent="-342900">
+              <a:buFont typeface="Arial" panose="020B0604020202020204" pitchFamily="34" charset="0"/>
+              <a:buChar char="•"/>
+            </a:pPr>
+            <a:endParaRPr lang="en-GB" sz="2800" dirty="0"/>
+          </a:p>
+          <a:p>
+            <a:pPr marL="342900" indent="-342900">
+              <a:buFont typeface="Arial" panose="020B0604020202020204" pitchFamily="34" charset="0"/>
+              <a:buChar char="•"/>
+            </a:pPr>
+            <a:r>
+              <a:rPr lang="en-GB" sz="2800" dirty="0"/>
+              <a:t>May be manual or automated</a:t>
+            </a:r>
+          </a:p>
+          <a:p>
+            <a:pPr marL="800100" lvl="1" indent="-342900">
+              <a:buFont typeface="Arial" panose="020B0604020202020204" pitchFamily="34" charset="0"/>
+              <a:buChar char="•"/>
+            </a:pPr>
+            <a:r>
+              <a:rPr lang="en-GB" sz="2800" dirty="0"/>
+              <a:t>Automation frameworks are used to perform multiple tests.</a:t>
+            </a:r>
+          </a:p>
+        </p:txBody>
+      </p:sp>
+    </p:spTree>
+    <p:extLst>
+      <p:ext uri="{BB962C8B-B14F-4D97-AF65-F5344CB8AC3E}">
+        <p14:creationId xmlns:p14="http://schemas.microsoft.com/office/powerpoint/2010/main" val="3378945875"/>
+      </p:ext>
+    </p:extLst>
+  </p:cSld>
+  <p:clrMapOvr>
+    <a:masterClrMapping/>
+  </p:clrMapOvr>
+</p:sld>
+</file>
+
+<file path=ppt/slides/slide4.xml><?xml version="1.0" encoding="utf-8"?>
+<p:sld xmlns:a="http://schemas.openxmlformats.org/drawingml/2006/main" xmlns:r="http://schemas.openxmlformats.org/officeDocument/2006/relationships" xmlns:p="http://schemas.openxmlformats.org/presentationml/2006/main">
+  <p:cSld>
+    <p:spTree>
+      <p:nvGrpSpPr>
+        <p:cNvPr id="1" name=""/>
+        <p:cNvGrpSpPr/>
+        <p:nvPr/>
+      </p:nvGrpSpPr>
+      <p:grpSpPr>
+        <a:xfrm>
+          <a:off x="0" y="0"/>
+          <a:ext cx="0" cy="0"/>
+          <a:chOff x="0" y="0"/>
+          <a:chExt cx="0" cy="0"/>
+        </a:xfrm>
+      </p:grpSpPr>
+      <p:sp>
+        <p:nvSpPr>
+          <p:cNvPr id="4" name="Slide Number Placeholder 3"/>
+          <p:cNvSpPr>
+            <a:spLocks noGrp="1"/>
+          </p:cNvSpPr>
+          <p:nvPr>
+            <p:ph type="sldNum" sz="quarter" idx="12"/>
+          </p:nvPr>
+        </p:nvSpPr>
+        <p:spPr/>
+        <p:txBody>
+          <a:bodyPr/>
+          <a:lstStyle/>
+          <a:p>
+            <a:pPr>
+              <a:defRPr/>
+            </a:pPr>
+            <a:fld id="{A0BAC784-8BB6-44A0-AA7E-C982E08E1020}" type="slidenum">
+              <a:rPr lang="en-US" altLang="en-US" smtClean="0">
+                <a:solidFill>
+                  <a:srgbClr val="808080"/>
+                </a:solidFill>
+              </a:rPr>
+              <a:pPr>
+                <a:defRPr/>
+              </a:pPr>
+              <a:t>4</a:t>
+            </a:fld>
+            <a:endParaRPr lang="en-US" altLang="en-US">
+              <a:solidFill>
+                <a:srgbClr val="808080"/>
+              </a:solidFill>
+            </a:endParaRPr>
+          </a:p>
+        </p:txBody>
+      </p:sp>
+      <p:sp>
+        <p:nvSpPr>
+          <p:cNvPr id="5" name="TextBox 4"/>
+          <p:cNvSpPr txBox="1"/>
+          <p:nvPr/>
+        </p:nvSpPr>
+        <p:spPr>
+          <a:xfrm>
+            <a:off x="1919536" y="332657"/>
+            <a:ext cx="5112568" cy="461665"/>
+          </a:xfrm>
+          <a:prstGeom prst="rect">
+            <a:avLst/>
+          </a:prstGeom>
+          <a:noFill/>
+        </p:spPr>
+        <p:txBody>
+          <a:bodyPr wrap="square" rtlCol="0">
+            <a:spAutoFit/>
+          </a:bodyPr>
+          <a:lstStyle/>
+          <a:p>
+            <a:r>
+              <a:rPr lang="en-GB" sz="2400" dirty="0">
+                <a:solidFill>
+                  <a:schemeClr val="bg1"/>
+                </a:solidFill>
+              </a:rPr>
+              <a:t>It’s all gone horribly wrong!</a:t>
+            </a:r>
+          </a:p>
+        </p:txBody>
+      </p:sp>
+      <p:sp>
+        <p:nvSpPr>
+          <p:cNvPr id="6" name="Oval 5"/>
+          <p:cNvSpPr/>
+          <p:nvPr/>
+        </p:nvSpPr>
+        <p:spPr bwMode="auto">
+          <a:xfrm>
+            <a:off x="1887187" y="3706240"/>
+            <a:ext cx="540000" cy="540000"/>
+          </a:xfrm>
+          <a:prstGeom prst="ellipse">
+            <a:avLst/>
+          </a:prstGeom>
+          <a:solidFill>
+            <a:schemeClr val="accent1"/>
+          </a:solidFill>
+          <a:ln w="9525" cap="flat" cmpd="sng" algn="ctr">
+            <a:solidFill>
+              <a:schemeClr val="tx1"/>
+            </a:solidFill>
+            <a:prstDash val="solid"/>
+            <a:round/>
+            <a:headEnd type="none" w="med" len="med"/>
+            <a:tailEnd type="none" w="med" len="med"/>
+          </a:ln>
+          <a:effectLst/>
+        </p:spPr>
+        <p:txBody>
+          <a:bodyPr vert="horz" wrap="square" lIns="91440" tIns="45720" rIns="91440" bIns="45720" numCol="1" rtlCol="0" anchor="ctr" anchorCtr="1" compatLnSpc="1">
+            <a:prstTxWarp prst="textNoShape">
+              <a:avLst/>
+            </a:prstTxWarp>
+          </a:bodyPr>
+          <a:lstStyle/>
+          <a:p>
+            <a:pPr eaLnBrk="0" fontAlgn="base" hangingPunct="0">
+              <a:spcBef>
+                <a:spcPct val="0"/>
+              </a:spcBef>
+              <a:spcAft>
+                <a:spcPct val="0"/>
+              </a:spcAft>
+            </a:pPr>
+            <a:endParaRPr lang="en-GB" sz="2400" baseline="-25000" dirty="0">
+              <a:latin typeface="+mj-lt"/>
+            </a:endParaRPr>
+          </a:p>
+        </p:txBody>
+      </p:sp>
+      <p:sp>
+        <p:nvSpPr>
+          <p:cNvPr id="7" name="Oval 6"/>
+          <p:cNvSpPr/>
+          <p:nvPr/>
+        </p:nvSpPr>
+        <p:spPr bwMode="auto">
+          <a:xfrm>
+            <a:off x="4511366" y="3706240"/>
+            <a:ext cx="540000" cy="540000"/>
+          </a:xfrm>
+          <a:prstGeom prst="ellipse">
+            <a:avLst/>
+          </a:prstGeom>
+          <a:solidFill>
+            <a:schemeClr val="accent1"/>
+          </a:solidFill>
+          <a:ln w="9525" cap="flat" cmpd="sng" algn="ctr">
+            <a:solidFill>
+              <a:schemeClr val="tx1"/>
+            </a:solidFill>
+            <a:prstDash val="solid"/>
+            <a:round/>
+            <a:headEnd type="none" w="med" len="med"/>
+            <a:tailEnd type="none" w="med" len="med"/>
+          </a:ln>
+          <a:effectLst/>
+        </p:spPr>
+        <p:txBody>
+          <a:bodyPr vert="horz" wrap="square" lIns="91440" tIns="45720" rIns="91440" bIns="45720" numCol="1" rtlCol="0" anchor="t" anchorCtr="0" compatLnSpc="1">
+            <a:prstTxWarp prst="textNoShape">
+              <a:avLst/>
+            </a:prstTxWarp>
+          </a:bodyPr>
+          <a:lstStyle/>
+          <a:p>
+            <a:pPr eaLnBrk="0" fontAlgn="base" hangingPunct="0">
+              <a:spcBef>
+                <a:spcPct val="0"/>
+              </a:spcBef>
+              <a:spcAft>
+                <a:spcPct val="0"/>
+              </a:spcAft>
+            </a:pPr>
+            <a:endParaRPr lang="en-GB" sz="2400" baseline="-25000">
+              <a:latin typeface="Times" pitchFamily="-8" charset="0"/>
+            </a:endParaRPr>
+          </a:p>
+        </p:txBody>
+      </p:sp>
+      <p:sp>
+        <p:nvSpPr>
+          <p:cNvPr id="8" name="Oval 7"/>
+          <p:cNvSpPr/>
+          <p:nvPr/>
+        </p:nvSpPr>
+        <p:spPr bwMode="auto">
+          <a:xfrm>
+            <a:off x="2742673" y="2971280"/>
+            <a:ext cx="540000" cy="540000"/>
+          </a:xfrm>
+          <a:prstGeom prst="ellipse">
+            <a:avLst/>
+          </a:prstGeom>
+          <a:solidFill>
+            <a:srgbClr val="FFC000"/>
+          </a:solidFill>
+          <a:ln w="9525" cap="flat" cmpd="sng" algn="ctr">
+            <a:solidFill>
+              <a:schemeClr val="tx1"/>
+            </a:solidFill>
+            <a:prstDash val="solid"/>
+            <a:round/>
+            <a:headEnd type="none" w="med" len="med"/>
+            <a:tailEnd type="none" w="med" len="med"/>
+          </a:ln>
+          <a:effectLst/>
+        </p:spPr>
+        <p:txBody>
+          <a:bodyPr vert="horz" wrap="square" lIns="91440" tIns="45720" rIns="91440" bIns="45720" numCol="1" rtlCol="0" anchor="t" anchorCtr="0" compatLnSpc="1">
+            <a:prstTxWarp prst="textNoShape">
+              <a:avLst/>
+            </a:prstTxWarp>
+          </a:bodyPr>
+          <a:lstStyle/>
+          <a:p>
+            <a:pPr eaLnBrk="0" fontAlgn="base" hangingPunct="0">
+              <a:spcBef>
+                <a:spcPct val="0"/>
+              </a:spcBef>
+              <a:spcAft>
+                <a:spcPct val="0"/>
+              </a:spcAft>
+            </a:pPr>
+            <a:endParaRPr lang="en-GB" sz="2400" baseline="-25000">
+              <a:latin typeface="Times" pitchFamily="-8" charset="0"/>
+            </a:endParaRPr>
+          </a:p>
+        </p:txBody>
+      </p:sp>
+      <p:sp>
+        <p:nvSpPr>
+          <p:cNvPr id="9" name="Oval 8"/>
+          <p:cNvSpPr/>
+          <p:nvPr/>
+        </p:nvSpPr>
+        <p:spPr bwMode="auto">
+          <a:xfrm>
+            <a:off x="3725592" y="2971280"/>
+            <a:ext cx="540000" cy="540000"/>
+          </a:xfrm>
+          <a:prstGeom prst="ellipse">
+            <a:avLst/>
+          </a:prstGeom>
+          <a:solidFill>
+            <a:srgbClr val="FFC000"/>
+          </a:solidFill>
+          <a:ln w="9525" cap="flat" cmpd="sng" algn="ctr">
+            <a:solidFill>
+              <a:schemeClr val="tx1"/>
+            </a:solidFill>
+            <a:prstDash val="solid"/>
+            <a:round/>
+            <a:headEnd type="none" w="med" len="med"/>
+            <a:tailEnd type="none" w="med" len="med"/>
+          </a:ln>
+          <a:effectLst/>
+        </p:spPr>
+        <p:txBody>
+          <a:bodyPr vert="horz" wrap="square" lIns="91440" tIns="45720" rIns="91440" bIns="45720" numCol="1" rtlCol="0" anchor="t" anchorCtr="0" compatLnSpc="1">
+            <a:prstTxWarp prst="textNoShape">
+              <a:avLst/>
+            </a:prstTxWarp>
+          </a:bodyPr>
+          <a:lstStyle/>
+          <a:p>
+            <a:pPr eaLnBrk="0" fontAlgn="base" hangingPunct="0">
+              <a:spcBef>
+                <a:spcPct val="0"/>
+              </a:spcBef>
+              <a:spcAft>
+                <a:spcPct val="0"/>
+              </a:spcAft>
+            </a:pPr>
+            <a:endParaRPr lang="en-GB" sz="2400" baseline="-25000">
+              <a:latin typeface="Times" pitchFamily="-8" charset="0"/>
+            </a:endParaRPr>
+          </a:p>
+        </p:txBody>
+      </p:sp>
+      <p:sp>
+        <p:nvSpPr>
+          <p:cNvPr id="10" name="Oval 9"/>
+          <p:cNvSpPr/>
+          <p:nvPr/>
+        </p:nvSpPr>
+        <p:spPr bwMode="auto">
+          <a:xfrm>
+            <a:off x="8648700" y="3706240"/>
+            <a:ext cx="540000" cy="540000"/>
+          </a:xfrm>
+          <a:prstGeom prst="ellipse">
+            <a:avLst/>
+          </a:prstGeom>
+          <a:solidFill>
+            <a:schemeClr val="accent1"/>
+          </a:solidFill>
+          <a:ln w="9525" cap="flat" cmpd="sng" algn="ctr">
+            <a:solidFill>
+              <a:schemeClr val="tx1"/>
+            </a:solidFill>
+            <a:prstDash val="solid"/>
+            <a:round/>
+            <a:headEnd type="none" w="med" len="med"/>
+            <a:tailEnd type="none" w="med" len="med"/>
+          </a:ln>
+          <a:effectLst/>
+        </p:spPr>
+        <p:txBody>
+          <a:bodyPr vert="horz" wrap="square" lIns="91440" tIns="45720" rIns="91440" bIns="45720" numCol="1" rtlCol="0" anchor="t" anchorCtr="0" compatLnSpc="1">
+            <a:prstTxWarp prst="textNoShape">
+              <a:avLst/>
+            </a:prstTxWarp>
+          </a:bodyPr>
+          <a:lstStyle/>
+          <a:p>
+            <a:pPr eaLnBrk="0" fontAlgn="base" hangingPunct="0">
+              <a:spcBef>
+                <a:spcPct val="0"/>
+              </a:spcBef>
+              <a:spcAft>
+                <a:spcPct val="0"/>
+              </a:spcAft>
+            </a:pPr>
+            <a:endParaRPr lang="en-GB" sz="2400" baseline="-25000">
+              <a:latin typeface="Times" pitchFamily="-8" charset="0"/>
+            </a:endParaRPr>
+          </a:p>
+        </p:txBody>
+      </p:sp>
+      <p:sp>
+        <p:nvSpPr>
+          <p:cNvPr id="11" name="Oval 10"/>
+          <p:cNvSpPr/>
+          <p:nvPr/>
+        </p:nvSpPr>
+        <p:spPr bwMode="auto">
+          <a:xfrm>
+            <a:off x="9366000" y="4752686"/>
+            <a:ext cx="540000" cy="540000"/>
+          </a:xfrm>
+          <a:prstGeom prst="ellipse">
+            <a:avLst/>
+          </a:prstGeom>
+          <a:solidFill>
+            <a:schemeClr val="accent6">
+              <a:lumMod val="40000"/>
+              <a:lumOff val="60000"/>
+            </a:schemeClr>
+          </a:solidFill>
+          <a:ln w="9525" cap="flat" cmpd="sng" algn="ctr">
+            <a:solidFill>
+              <a:schemeClr val="tx1"/>
+            </a:solidFill>
+            <a:prstDash val="solid"/>
+            <a:round/>
+            <a:headEnd type="none" w="med" len="med"/>
+            <a:tailEnd type="none" w="med" len="med"/>
+          </a:ln>
+          <a:effectLst/>
+        </p:spPr>
+        <p:txBody>
+          <a:bodyPr vert="horz" wrap="square" lIns="91440" tIns="45720" rIns="91440" bIns="45720" numCol="1" rtlCol="0" anchor="t" anchorCtr="0" compatLnSpc="1">
+            <a:prstTxWarp prst="textNoShape">
+              <a:avLst/>
+            </a:prstTxWarp>
+          </a:bodyPr>
+          <a:lstStyle/>
+          <a:p>
+            <a:pPr eaLnBrk="0" fontAlgn="base" hangingPunct="0">
+              <a:spcBef>
+                <a:spcPct val="0"/>
+              </a:spcBef>
+              <a:spcAft>
+                <a:spcPct val="0"/>
+              </a:spcAft>
+            </a:pPr>
+            <a:endParaRPr lang="en-GB" sz="2400" baseline="-25000">
+              <a:latin typeface="Times" pitchFamily="-8" charset="0"/>
+            </a:endParaRPr>
+          </a:p>
+        </p:txBody>
+      </p:sp>
+      <p:sp>
+        <p:nvSpPr>
+          <p:cNvPr id="12" name="Oval 11"/>
+          <p:cNvSpPr/>
+          <p:nvPr/>
+        </p:nvSpPr>
+        <p:spPr bwMode="auto">
+          <a:xfrm>
+            <a:off x="5345464" y="4733119"/>
+            <a:ext cx="540000" cy="540000"/>
+          </a:xfrm>
+          <a:prstGeom prst="ellipse">
+            <a:avLst/>
+          </a:prstGeom>
+          <a:solidFill>
+            <a:schemeClr val="accent6">
+              <a:lumMod val="40000"/>
+              <a:lumOff val="60000"/>
+            </a:schemeClr>
+          </a:solidFill>
+          <a:ln w="9525" cap="flat" cmpd="sng" algn="ctr">
+            <a:solidFill>
+              <a:schemeClr val="tx1"/>
+            </a:solidFill>
+            <a:prstDash val="solid"/>
+            <a:round/>
+            <a:headEnd type="none" w="med" len="med"/>
+            <a:tailEnd type="none" w="med" len="med"/>
+          </a:ln>
+          <a:effectLst/>
+        </p:spPr>
+        <p:txBody>
+          <a:bodyPr vert="horz" wrap="square" lIns="91440" tIns="45720" rIns="91440" bIns="45720" numCol="1" rtlCol="0" anchor="t" anchorCtr="0" compatLnSpc="1">
+            <a:prstTxWarp prst="textNoShape">
+              <a:avLst/>
+            </a:prstTxWarp>
+          </a:bodyPr>
+          <a:lstStyle/>
+          <a:p>
+            <a:pPr eaLnBrk="0" fontAlgn="base" hangingPunct="0">
+              <a:spcBef>
+                <a:spcPct val="0"/>
+              </a:spcBef>
+              <a:spcAft>
+                <a:spcPct val="0"/>
+              </a:spcAft>
+            </a:pPr>
+            <a:endParaRPr lang="en-GB" sz="2400" baseline="-25000">
+              <a:latin typeface="Times" pitchFamily="-8" charset="0"/>
+            </a:endParaRPr>
+          </a:p>
+        </p:txBody>
+      </p:sp>
+      <p:sp>
+        <p:nvSpPr>
+          <p:cNvPr id="13" name="Oval 12"/>
+          <p:cNvSpPr/>
+          <p:nvPr/>
+        </p:nvSpPr>
+        <p:spPr bwMode="auto">
+          <a:xfrm>
+            <a:off x="6762104" y="2971280"/>
+            <a:ext cx="540000" cy="540000"/>
+          </a:xfrm>
+          <a:prstGeom prst="ellipse">
+            <a:avLst/>
+          </a:prstGeom>
+          <a:solidFill>
+            <a:srgbClr val="92D050"/>
+          </a:solidFill>
+          <a:ln w="9525" cap="flat" cmpd="sng" algn="ctr">
+            <a:solidFill>
+              <a:schemeClr val="tx1"/>
+            </a:solidFill>
+            <a:prstDash val="solid"/>
+            <a:round/>
+            <a:headEnd type="none" w="med" len="med"/>
+            <a:tailEnd type="none" w="med" len="med"/>
+          </a:ln>
+          <a:effectLst/>
+        </p:spPr>
+        <p:txBody>
+          <a:bodyPr vert="horz" wrap="square" lIns="91440" tIns="45720" rIns="91440" bIns="45720" numCol="1" rtlCol="0" anchor="t" anchorCtr="0" compatLnSpc="1">
+            <a:prstTxWarp prst="textNoShape">
+              <a:avLst/>
+            </a:prstTxWarp>
+          </a:bodyPr>
+          <a:lstStyle/>
+          <a:p>
+            <a:pPr eaLnBrk="0" fontAlgn="base" hangingPunct="0">
+              <a:spcBef>
+                <a:spcPct val="0"/>
+              </a:spcBef>
+              <a:spcAft>
+                <a:spcPct val="0"/>
+              </a:spcAft>
+            </a:pPr>
+            <a:endParaRPr lang="en-GB" sz="2400" baseline="-25000">
+              <a:latin typeface="Times" pitchFamily="-8" charset="0"/>
+            </a:endParaRPr>
+          </a:p>
+        </p:txBody>
+      </p:sp>
+      <p:sp>
+        <p:nvSpPr>
+          <p:cNvPr id="14" name="Oval 13"/>
+          <p:cNvSpPr/>
+          <p:nvPr/>
+        </p:nvSpPr>
+        <p:spPr bwMode="auto">
+          <a:xfrm>
+            <a:off x="7608168" y="2971280"/>
+            <a:ext cx="540000" cy="540000"/>
+          </a:xfrm>
+          <a:prstGeom prst="ellipse">
+            <a:avLst/>
+          </a:prstGeom>
+          <a:solidFill>
+            <a:srgbClr val="92D050"/>
+          </a:solidFill>
+          <a:ln w="9525" cap="flat" cmpd="sng" algn="ctr">
+            <a:solidFill>
+              <a:schemeClr val="tx1"/>
+            </a:solidFill>
+            <a:prstDash val="solid"/>
+            <a:round/>
+            <a:headEnd type="none" w="med" len="med"/>
+            <a:tailEnd type="none" w="med" len="med"/>
+          </a:ln>
+          <a:effectLst/>
+        </p:spPr>
+        <p:txBody>
+          <a:bodyPr vert="horz" wrap="square" lIns="91440" tIns="45720" rIns="91440" bIns="45720" numCol="1" rtlCol="0" anchor="t" anchorCtr="0" compatLnSpc="1">
+            <a:prstTxWarp prst="textNoShape">
+              <a:avLst/>
+            </a:prstTxWarp>
+          </a:bodyPr>
+          <a:lstStyle/>
+          <a:p>
+            <a:pPr eaLnBrk="0" fontAlgn="base" hangingPunct="0">
+              <a:spcBef>
+                <a:spcPct val="0"/>
+              </a:spcBef>
+              <a:spcAft>
+                <a:spcPct val="0"/>
+              </a:spcAft>
+            </a:pPr>
+            <a:endParaRPr lang="en-GB" sz="2400" baseline="-25000">
+              <a:latin typeface="Times" pitchFamily="-8" charset="0"/>
+            </a:endParaRPr>
+          </a:p>
+        </p:txBody>
+      </p:sp>
+      <p:sp>
+        <p:nvSpPr>
+          <p:cNvPr id="15" name="Oval 14"/>
+          <p:cNvSpPr/>
+          <p:nvPr/>
+        </p:nvSpPr>
+        <p:spPr bwMode="auto">
+          <a:xfrm>
+            <a:off x="6096000" y="1710280"/>
+            <a:ext cx="540000" cy="540000"/>
+          </a:xfrm>
+          <a:prstGeom prst="ellipse">
+            <a:avLst/>
+          </a:prstGeom>
+          <a:solidFill>
+            <a:srgbClr val="00B0F0"/>
+          </a:solidFill>
+          <a:ln w="9525" cap="flat" cmpd="sng" algn="ctr">
+            <a:solidFill>
+              <a:schemeClr val="tx1"/>
+            </a:solidFill>
+            <a:prstDash val="solid"/>
+            <a:round/>
+            <a:headEnd type="none" w="med" len="med"/>
+            <a:tailEnd type="none" w="med" len="med"/>
+          </a:ln>
+          <a:effectLst/>
+        </p:spPr>
+        <p:txBody>
+          <a:bodyPr vert="horz" wrap="square" lIns="91440" tIns="45720" rIns="91440" bIns="45720" numCol="1" rtlCol="0" anchor="t" anchorCtr="0" compatLnSpc="1">
+            <a:prstTxWarp prst="textNoShape">
+              <a:avLst/>
+            </a:prstTxWarp>
+          </a:bodyPr>
+          <a:lstStyle/>
+          <a:p>
+            <a:pPr eaLnBrk="0" fontAlgn="base" hangingPunct="0">
+              <a:spcBef>
+                <a:spcPct val="0"/>
+              </a:spcBef>
+              <a:spcAft>
+                <a:spcPct val="0"/>
+              </a:spcAft>
+            </a:pPr>
+            <a:endParaRPr lang="en-GB" sz="2400" baseline="-25000">
+              <a:latin typeface="Times" pitchFamily="-8" charset="0"/>
+            </a:endParaRPr>
+          </a:p>
+        </p:txBody>
+      </p:sp>
+      <p:sp>
+        <p:nvSpPr>
+          <p:cNvPr id="16" name="Oval 15"/>
+          <p:cNvSpPr/>
+          <p:nvPr/>
+        </p:nvSpPr>
+        <p:spPr bwMode="auto">
+          <a:xfrm>
+            <a:off x="8544272" y="1710280"/>
+            <a:ext cx="540000" cy="540000"/>
+          </a:xfrm>
+          <a:prstGeom prst="ellipse">
+            <a:avLst/>
+          </a:prstGeom>
+          <a:solidFill>
+            <a:srgbClr val="00B0F0"/>
+          </a:solidFill>
+          <a:ln w="9525" cap="flat" cmpd="sng" algn="ctr">
+            <a:solidFill>
+              <a:schemeClr val="tx1"/>
+            </a:solidFill>
+            <a:prstDash val="solid"/>
+            <a:round/>
+            <a:headEnd type="none" w="med" len="med"/>
+            <a:tailEnd type="none" w="med" len="med"/>
+          </a:ln>
+          <a:effectLst/>
+        </p:spPr>
+        <p:txBody>
+          <a:bodyPr vert="horz" wrap="square" lIns="91440" tIns="45720" rIns="91440" bIns="45720" numCol="1" rtlCol="0" anchor="t" anchorCtr="0" compatLnSpc="1">
+            <a:prstTxWarp prst="textNoShape">
+              <a:avLst/>
+            </a:prstTxWarp>
+          </a:bodyPr>
+          <a:lstStyle/>
+          <a:p>
+            <a:pPr eaLnBrk="0" fontAlgn="base" hangingPunct="0">
+              <a:spcBef>
+                <a:spcPct val="0"/>
+              </a:spcBef>
+              <a:spcAft>
+                <a:spcPct val="0"/>
+              </a:spcAft>
+            </a:pPr>
+            <a:endParaRPr lang="en-GB" sz="2400" baseline="-25000">
+              <a:latin typeface="Times" pitchFamily="-8" charset="0"/>
+            </a:endParaRPr>
+          </a:p>
+        </p:txBody>
+      </p:sp>
+      <p:sp>
+        <p:nvSpPr>
+          <p:cNvPr id="17" name="Oval 16"/>
+          <p:cNvSpPr/>
+          <p:nvPr/>
+        </p:nvSpPr>
+        <p:spPr bwMode="auto">
+          <a:xfrm>
+            <a:off x="9708900" y="1710280"/>
+            <a:ext cx="540000" cy="540000"/>
+          </a:xfrm>
+          <a:prstGeom prst="ellipse">
+            <a:avLst/>
+          </a:prstGeom>
+          <a:solidFill>
+            <a:srgbClr val="00B0F0"/>
+          </a:solidFill>
+          <a:ln w="9525" cap="flat" cmpd="sng" algn="ctr">
+            <a:solidFill>
+              <a:schemeClr val="tx1"/>
+            </a:solidFill>
+            <a:prstDash val="solid"/>
+            <a:round/>
+            <a:headEnd type="none" w="med" len="med"/>
+            <a:tailEnd type="none" w="med" len="med"/>
+          </a:ln>
+          <a:effectLst/>
+        </p:spPr>
+        <p:txBody>
+          <a:bodyPr vert="horz" wrap="square" lIns="91440" tIns="45720" rIns="91440" bIns="45720" numCol="1" rtlCol="0" anchor="t" anchorCtr="0" compatLnSpc="1">
+            <a:prstTxWarp prst="textNoShape">
+              <a:avLst/>
+            </a:prstTxWarp>
+          </a:bodyPr>
+          <a:lstStyle/>
+          <a:p>
+            <a:pPr eaLnBrk="0" fontAlgn="base" hangingPunct="0">
+              <a:spcBef>
+                <a:spcPct val="0"/>
+              </a:spcBef>
+              <a:spcAft>
+                <a:spcPct val="0"/>
+              </a:spcAft>
+            </a:pPr>
+            <a:endParaRPr lang="en-GB" sz="2400" baseline="-25000">
+              <a:latin typeface="Times" pitchFamily="-8" charset="0"/>
+            </a:endParaRPr>
+          </a:p>
+        </p:txBody>
+      </p:sp>
+      <p:cxnSp>
+        <p:nvCxnSpPr>
+          <p:cNvPr id="27" name="Straight Arrow Connector 26"/>
+          <p:cNvCxnSpPr>
+            <a:stCxn id="9" idx="5"/>
+            <a:endCxn id="7" idx="1"/>
+          </p:cNvCxnSpPr>
+          <p:nvPr/>
+        </p:nvCxnSpPr>
+        <p:spPr bwMode="auto">
+          <a:xfrm>
+            <a:off x="4186511" y="3432199"/>
+            <a:ext cx="403936" cy="353122"/>
+          </a:xfrm>
+          <a:prstGeom prst="straightConnector1">
+            <a:avLst/>
+          </a:prstGeom>
+          <a:solidFill>
+            <a:schemeClr val="accent1"/>
+          </a:solidFill>
+          <a:ln w="9525" cap="flat" cmpd="sng" algn="ctr">
+            <a:solidFill>
+              <a:schemeClr val="tx1"/>
+            </a:solidFill>
+            <a:prstDash val="solid"/>
+            <a:round/>
+            <a:headEnd type="none" w="med" len="med"/>
+            <a:tailEnd type="triangle"/>
+          </a:ln>
+          <a:effectLst/>
+        </p:spPr>
+      </p:cxnSp>
+      <p:cxnSp>
+        <p:nvCxnSpPr>
+          <p:cNvPr id="29" name="Straight Arrow Connector 28"/>
+          <p:cNvCxnSpPr>
+            <a:stCxn id="6" idx="6"/>
+            <a:endCxn id="7" idx="2"/>
+          </p:cNvCxnSpPr>
+          <p:nvPr/>
+        </p:nvCxnSpPr>
+        <p:spPr bwMode="auto">
+          <a:xfrm>
+            <a:off x="2427188" y="3976240"/>
+            <a:ext cx="2084179" cy="0"/>
+          </a:xfrm>
+          <a:prstGeom prst="straightConnector1">
+            <a:avLst/>
+          </a:prstGeom>
+          <a:solidFill>
+            <a:schemeClr val="accent1"/>
+          </a:solidFill>
+          <a:ln w="9525" cap="flat" cmpd="sng" algn="ctr">
+            <a:solidFill>
+              <a:schemeClr val="tx1"/>
+            </a:solidFill>
+            <a:prstDash val="solid"/>
+            <a:round/>
+            <a:headEnd type="none" w="med" len="med"/>
+            <a:tailEnd type="triangle"/>
+          </a:ln>
+          <a:effectLst/>
+        </p:spPr>
+      </p:cxnSp>
+      <p:cxnSp>
+        <p:nvCxnSpPr>
+          <p:cNvPr id="31" name="Straight Arrow Connector 30"/>
+          <p:cNvCxnSpPr>
+            <a:stCxn id="6" idx="7"/>
+            <a:endCxn id="8" idx="3"/>
+          </p:cNvCxnSpPr>
+          <p:nvPr/>
+        </p:nvCxnSpPr>
+        <p:spPr bwMode="auto">
+          <a:xfrm flipV="1">
+            <a:off x="2348106" y="3432199"/>
+            <a:ext cx="473648" cy="353122"/>
+          </a:xfrm>
+          <a:prstGeom prst="straightConnector1">
+            <a:avLst/>
+          </a:prstGeom>
+          <a:solidFill>
+            <a:schemeClr val="accent1"/>
+          </a:solidFill>
+          <a:ln w="9525" cap="flat" cmpd="sng" algn="ctr">
+            <a:solidFill>
+              <a:schemeClr val="tx1"/>
+            </a:solidFill>
+            <a:prstDash val="solid"/>
+            <a:round/>
+            <a:headEnd type="none" w="med" len="med"/>
+            <a:tailEnd type="triangle"/>
+          </a:ln>
+          <a:effectLst/>
+        </p:spPr>
+      </p:cxnSp>
+      <p:cxnSp>
+        <p:nvCxnSpPr>
+          <p:cNvPr id="33" name="Straight Arrow Connector 32"/>
+          <p:cNvCxnSpPr>
+            <a:stCxn id="8" idx="6"/>
+            <a:endCxn id="9" idx="2"/>
+          </p:cNvCxnSpPr>
+          <p:nvPr/>
+        </p:nvCxnSpPr>
+        <p:spPr bwMode="auto">
+          <a:xfrm>
+            <a:off x="3282674" y="3241280"/>
+            <a:ext cx="442919" cy="0"/>
+          </a:xfrm>
+          <a:prstGeom prst="straightConnector1">
+            <a:avLst/>
+          </a:prstGeom>
+          <a:solidFill>
+            <a:schemeClr val="accent1"/>
+          </a:solidFill>
+          <a:ln w="9525" cap="flat" cmpd="sng" algn="ctr">
+            <a:solidFill>
+              <a:schemeClr val="tx1"/>
+            </a:solidFill>
+            <a:prstDash val="solid"/>
+            <a:round/>
+            <a:headEnd type="none" w="med" len="med"/>
+            <a:tailEnd type="triangle"/>
+          </a:ln>
+          <a:effectLst/>
+        </p:spPr>
+      </p:cxnSp>
+      <p:cxnSp>
+        <p:nvCxnSpPr>
+          <p:cNvPr id="35" name="Straight Arrow Connector 34"/>
+          <p:cNvCxnSpPr>
+            <a:stCxn id="7" idx="6"/>
+            <a:endCxn id="10" idx="2"/>
+          </p:cNvCxnSpPr>
+          <p:nvPr/>
+        </p:nvCxnSpPr>
+        <p:spPr bwMode="auto">
+          <a:xfrm>
+            <a:off x="5051366" y="3976240"/>
+            <a:ext cx="3597334" cy="0"/>
+          </a:xfrm>
+          <a:prstGeom prst="straightConnector1">
+            <a:avLst/>
+          </a:prstGeom>
+          <a:solidFill>
+            <a:schemeClr val="accent1"/>
+          </a:solidFill>
+          <a:ln w="9525" cap="flat" cmpd="sng" algn="ctr">
+            <a:solidFill>
+              <a:schemeClr val="tx1"/>
+            </a:solidFill>
+            <a:prstDash val="solid"/>
+            <a:round/>
+            <a:headEnd type="none" w="med" len="med"/>
+            <a:tailEnd type="triangle"/>
+          </a:ln>
+          <a:effectLst/>
+        </p:spPr>
+      </p:cxnSp>
+      <p:cxnSp>
+        <p:nvCxnSpPr>
+          <p:cNvPr id="37" name="Straight Arrow Connector 36"/>
+          <p:cNvCxnSpPr>
+            <a:stCxn id="7" idx="7"/>
+            <a:endCxn id="13" idx="2"/>
+          </p:cNvCxnSpPr>
+          <p:nvPr/>
+        </p:nvCxnSpPr>
+        <p:spPr bwMode="auto">
+          <a:xfrm flipV="1">
+            <a:off x="4972286" y="3241281"/>
+            <a:ext cx="1789819" cy="544041"/>
+          </a:xfrm>
+          <a:prstGeom prst="straightConnector1">
+            <a:avLst/>
+          </a:prstGeom>
+          <a:solidFill>
+            <a:schemeClr val="accent1"/>
+          </a:solidFill>
+          <a:ln w="9525" cap="flat" cmpd="sng" algn="ctr">
+            <a:solidFill>
+              <a:schemeClr val="tx1"/>
+            </a:solidFill>
+            <a:prstDash val="solid"/>
+            <a:round/>
+            <a:headEnd type="none" w="med" len="med"/>
+            <a:tailEnd type="triangle"/>
+          </a:ln>
+          <a:effectLst/>
+        </p:spPr>
+      </p:cxnSp>
+      <p:cxnSp>
+        <p:nvCxnSpPr>
+          <p:cNvPr id="39" name="Straight Arrow Connector 38"/>
+          <p:cNvCxnSpPr>
+            <a:stCxn id="13" idx="6"/>
+            <a:endCxn id="14" idx="2"/>
+          </p:cNvCxnSpPr>
+          <p:nvPr/>
+        </p:nvCxnSpPr>
+        <p:spPr bwMode="auto">
+          <a:xfrm>
+            <a:off x="7302104" y="3241280"/>
+            <a:ext cx="306064" cy="0"/>
+          </a:xfrm>
+          <a:prstGeom prst="straightConnector1">
+            <a:avLst/>
+          </a:prstGeom>
+          <a:solidFill>
+            <a:schemeClr val="accent1"/>
+          </a:solidFill>
+          <a:ln w="9525" cap="flat" cmpd="sng" algn="ctr">
+            <a:solidFill>
+              <a:schemeClr val="tx1"/>
+            </a:solidFill>
+            <a:prstDash val="solid"/>
+            <a:round/>
+            <a:headEnd type="none" w="med" len="med"/>
+            <a:tailEnd type="triangle"/>
+          </a:ln>
+          <a:effectLst/>
+        </p:spPr>
+      </p:cxnSp>
+      <p:cxnSp>
+        <p:nvCxnSpPr>
+          <p:cNvPr id="41" name="Straight Arrow Connector 40"/>
+          <p:cNvCxnSpPr>
+            <a:endCxn id="10" idx="1"/>
+          </p:cNvCxnSpPr>
+          <p:nvPr/>
+        </p:nvCxnSpPr>
+        <p:spPr bwMode="auto">
+          <a:xfrm>
+            <a:off x="8115097" y="3390639"/>
+            <a:ext cx="612685" cy="394683"/>
+          </a:xfrm>
+          <a:prstGeom prst="straightConnector1">
+            <a:avLst/>
+          </a:prstGeom>
+          <a:solidFill>
+            <a:schemeClr val="accent1"/>
+          </a:solidFill>
+          <a:ln w="9525" cap="flat" cmpd="sng" algn="ctr">
+            <a:solidFill>
+              <a:schemeClr val="tx1"/>
+            </a:solidFill>
+            <a:prstDash val="solid"/>
+            <a:round/>
+            <a:headEnd type="none" w="med" len="med"/>
+            <a:tailEnd type="triangle"/>
+          </a:ln>
+          <a:effectLst/>
+        </p:spPr>
+      </p:cxnSp>
+      <p:cxnSp>
+        <p:nvCxnSpPr>
+          <p:cNvPr id="48" name="Straight Arrow Connector 47"/>
+          <p:cNvCxnSpPr>
+            <a:stCxn id="7" idx="5"/>
+            <a:endCxn id="12" idx="1"/>
+          </p:cNvCxnSpPr>
+          <p:nvPr/>
+        </p:nvCxnSpPr>
+        <p:spPr bwMode="auto">
+          <a:xfrm>
+            <a:off x="4972285" y="4167160"/>
+            <a:ext cx="452260" cy="645041"/>
+          </a:xfrm>
+          <a:prstGeom prst="straightConnector1">
+            <a:avLst/>
+          </a:prstGeom>
+          <a:solidFill>
+            <a:schemeClr val="accent1"/>
+          </a:solidFill>
+          <a:ln w="9525" cap="flat" cmpd="sng" algn="ctr">
+            <a:solidFill>
+              <a:schemeClr val="tx1"/>
+            </a:solidFill>
+            <a:prstDash val="solid"/>
+            <a:round/>
+            <a:headEnd type="none" w="med" len="med"/>
+            <a:tailEnd type="triangle"/>
+          </a:ln>
+          <a:effectLst/>
+        </p:spPr>
+      </p:cxnSp>
+      <p:cxnSp>
+        <p:nvCxnSpPr>
+          <p:cNvPr id="55" name="Straight Arrow Connector 54"/>
+          <p:cNvCxnSpPr>
+            <a:stCxn id="10" idx="5"/>
+          </p:cNvCxnSpPr>
+          <p:nvPr/>
+        </p:nvCxnSpPr>
+        <p:spPr bwMode="auto">
+          <a:xfrm>
+            <a:off x="9109620" y="4167159"/>
+            <a:ext cx="407145" cy="619730"/>
+          </a:xfrm>
+          <a:prstGeom prst="straightConnector1">
+            <a:avLst/>
+          </a:prstGeom>
+          <a:solidFill>
+            <a:schemeClr val="accent1"/>
+          </a:solidFill>
+          <a:ln w="9525" cap="flat" cmpd="sng" algn="ctr">
+            <a:solidFill>
+              <a:schemeClr val="tx1"/>
+            </a:solidFill>
+            <a:prstDash val="solid"/>
+            <a:round/>
+            <a:headEnd type="none" w="med" len="med"/>
+            <a:tailEnd type="triangle"/>
+          </a:ln>
+          <a:effectLst/>
+        </p:spPr>
+      </p:cxnSp>
+      <p:cxnSp>
+        <p:nvCxnSpPr>
+          <p:cNvPr id="59" name="Straight Arrow Connector 58"/>
+          <p:cNvCxnSpPr>
+            <a:stCxn id="7" idx="0"/>
+            <a:endCxn id="15" idx="3"/>
+          </p:cNvCxnSpPr>
+          <p:nvPr/>
+        </p:nvCxnSpPr>
+        <p:spPr bwMode="auto">
+          <a:xfrm flipV="1">
+            <a:off x="4781367" y="2171200"/>
+            <a:ext cx="1393715" cy="1535041"/>
+          </a:xfrm>
+          <a:prstGeom prst="straightConnector1">
+            <a:avLst/>
+          </a:prstGeom>
+          <a:solidFill>
+            <a:schemeClr val="accent1"/>
+          </a:solidFill>
+          <a:ln w="9525" cap="flat" cmpd="sng" algn="ctr">
+            <a:solidFill>
+              <a:schemeClr val="tx1"/>
+            </a:solidFill>
+            <a:prstDash val="solid"/>
+            <a:round/>
+            <a:headEnd type="none" w="med" len="med"/>
+            <a:tailEnd type="triangle"/>
+          </a:ln>
+          <a:effectLst/>
+        </p:spPr>
+      </p:cxnSp>
+      <p:cxnSp>
+        <p:nvCxnSpPr>
+          <p:cNvPr id="61" name="Straight Arrow Connector 60"/>
+          <p:cNvCxnSpPr>
+            <a:stCxn id="15" idx="6"/>
+            <a:endCxn id="16" idx="2"/>
+          </p:cNvCxnSpPr>
+          <p:nvPr/>
+        </p:nvCxnSpPr>
+        <p:spPr bwMode="auto">
+          <a:xfrm>
+            <a:off x="6636000" y="1980280"/>
+            <a:ext cx="1908272" cy="0"/>
+          </a:xfrm>
+          <a:prstGeom prst="straightConnector1">
+            <a:avLst/>
+          </a:prstGeom>
+          <a:solidFill>
+            <a:schemeClr val="accent1"/>
+          </a:solidFill>
+          <a:ln w="9525" cap="flat" cmpd="sng" algn="ctr">
+            <a:solidFill>
+              <a:schemeClr val="tx1"/>
+            </a:solidFill>
+            <a:prstDash val="solid"/>
+            <a:round/>
+            <a:headEnd type="none" w="med" len="med"/>
+            <a:tailEnd type="triangle"/>
+          </a:ln>
+          <a:effectLst/>
+        </p:spPr>
+      </p:cxnSp>
+      <p:cxnSp>
+        <p:nvCxnSpPr>
+          <p:cNvPr id="63" name="Straight Arrow Connector 62"/>
+          <p:cNvCxnSpPr>
+            <a:stCxn id="16" idx="6"/>
+            <a:endCxn id="17" idx="2"/>
+          </p:cNvCxnSpPr>
+          <p:nvPr/>
+        </p:nvCxnSpPr>
+        <p:spPr bwMode="auto">
+          <a:xfrm>
+            <a:off x="9084272" y="1980280"/>
+            <a:ext cx="624628" cy="0"/>
+          </a:xfrm>
+          <a:prstGeom prst="straightConnector1">
+            <a:avLst/>
+          </a:prstGeom>
+          <a:solidFill>
+            <a:schemeClr val="accent1"/>
+          </a:solidFill>
+          <a:ln w="9525" cap="flat" cmpd="sng" algn="ctr">
+            <a:solidFill>
+              <a:schemeClr val="tx1"/>
+            </a:solidFill>
+            <a:prstDash val="solid"/>
+            <a:round/>
+            <a:headEnd type="none" w="med" len="med"/>
+            <a:tailEnd type="triangle"/>
+          </a:ln>
+          <a:effectLst/>
+        </p:spPr>
+      </p:cxnSp>
+      <p:sp>
+        <p:nvSpPr>
+          <p:cNvPr id="64" name="TextBox 63"/>
+          <p:cNvSpPr txBox="1"/>
+          <p:nvPr/>
+        </p:nvSpPr>
+        <p:spPr>
+          <a:xfrm>
+            <a:off x="1982074" y="3797827"/>
+            <a:ext cx="288032" cy="369332"/>
+          </a:xfrm>
+          <a:prstGeom prst="rect">
+            <a:avLst/>
+          </a:prstGeom>
+          <a:noFill/>
+        </p:spPr>
+        <p:txBody>
+          <a:bodyPr wrap="square" rtlCol="0">
+            <a:spAutoFit/>
+          </a:bodyPr>
+          <a:lstStyle/>
+          <a:p>
+            <a:r>
+              <a:rPr lang="en-GB" dirty="0"/>
+              <a:t>1</a:t>
+            </a:r>
+          </a:p>
+        </p:txBody>
+      </p:sp>
+      <p:sp>
+        <p:nvSpPr>
+          <p:cNvPr id="65" name="TextBox 64"/>
+          <p:cNvSpPr txBox="1"/>
+          <p:nvPr/>
+        </p:nvSpPr>
+        <p:spPr>
+          <a:xfrm>
+            <a:off x="2851644" y="3056614"/>
+            <a:ext cx="288032" cy="369332"/>
+          </a:xfrm>
+          <a:prstGeom prst="rect">
+            <a:avLst/>
+          </a:prstGeom>
+          <a:noFill/>
+        </p:spPr>
+        <p:txBody>
+          <a:bodyPr wrap="square" rtlCol="0">
+            <a:spAutoFit/>
+          </a:bodyPr>
+          <a:lstStyle/>
+          <a:p>
+            <a:r>
+              <a:rPr lang="en-GB" dirty="0"/>
+              <a:t>2</a:t>
+            </a:r>
+          </a:p>
+        </p:txBody>
+      </p:sp>
+      <p:sp>
+        <p:nvSpPr>
+          <p:cNvPr id="66" name="TextBox 65"/>
+          <p:cNvSpPr txBox="1"/>
+          <p:nvPr/>
+        </p:nvSpPr>
+        <p:spPr>
+          <a:xfrm>
+            <a:off x="3822673" y="3056614"/>
+            <a:ext cx="288032" cy="369332"/>
+          </a:xfrm>
+          <a:prstGeom prst="rect">
+            <a:avLst/>
+          </a:prstGeom>
+          <a:noFill/>
+        </p:spPr>
+        <p:txBody>
+          <a:bodyPr wrap="square" rtlCol="0">
+            <a:spAutoFit/>
+          </a:bodyPr>
+          <a:lstStyle/>
+          <a:p>
+            <a:r>
+              <a:rPr lang="en-GB" dirty="0"/>
+              <a:t>3</a:t>
+            </a:r>
+          </a:p>
+        </p:txBody>
+      </p:sp>
+      <p:sp>
+        <p:nvSpPr>
+          <p:cNvPr id="67" name="TextBox 66"/>
+          <p:cNvSpPr txBox="1"/>
+          <p:nvPr/>
+        </p:nvSpPr>
+        <p:spPr>
+          <a:xfrm>
+            <a:off x="4610903" y="3777888"/>
+            <a:ext cx="288032" cy="369332"/>
+          </a:xfrm>
+          <a:prstGeom prst="rect">
+            <a:avLst/>
+          </a:prstGeom>
+          <a:noFill/>
+        </p:spPr>
+        <p:txBody>
+          <a:bodyPr wrap="square" rtlCol="0">
+            <a:spAutoFit/>
+          </a:bodyPr>
+          <a:lstStyle/>
+          <a:p>
+            <a:r>
+              <a:rPr lang="en-GB" dirty="0"/>
+              <a:t>4</a:t>
+            </a:r>
+          </a:p>
+        </p:txBody>
+      </p:sp>
+      <p:sp>
+        <p:nvSpPr>
+          <p:cNvPr id="68" name="TextBox 67"/>
+          <p:cNvSpPr txBox="1"/>
+          <p:nvPr/>
+        </p:nvSpPr>
+        <p:spPr>
+          <a:xfrm>
+            <a:off x="6221984" y="1797865"/>
+            <a:ext cx="288032" cy="369332"/>
+          </a:xfrm>
+          <a:prstGeom prst="rect">
+            <a:avLst/>
+          </a:prstGeom>
+          <a:noFill/>
+        </p:spPr>
+        <p:txBody>
+          <a:bodyPr wrap="square" rtlCol="0">
+            <a:spAutoFit/>
+          </a:bodyPr>
+          <a:lstStyle/>
+          <a:p>
+            <a:r>
+              <a:rPr lang="en-GB" dirty="0"/>
+              <a:t>5</a:t>
+            </a:r>
+          </a:p>
+        </p:txBody>
+      </p:sp>
+      <p:sp>
+        <p:nvSpPr>
+          <p:cNvPr id="69" name="TextBox 68"/>
+          <p:cNvSpPr txBox="1"/>
+          <p:nvPr/>
+        </p:nvSpPr>
+        <p:spPr>
+          <a:xfrm>
+            <a:off x="6875054" y="3062867"/>
+            <a:ext cx="288032" cy="369332"/>
+          </a:xfrm>
+          <a:prstGeom prst="rect">
+            <a:avLst/>
+          </a:prstGeom>
+          <a:noFill/>
+        </p:spPr>
+        <p:txBody>
+          <a:bodyPr wrap="square" rtlCol="0">
+            <a:spAutoFit/>
+          </a:bodyPr>
+          <a:lstStyle/>
+          <a:p>
+            <a:r>
+              <a:rPr lang="en-GB" dirty="0"/>
+              <a:t>6</a:t>
+            </a:r>
+          </a:p>
+        </p:txBody>
+      </p:sp>
+      <p:sp>
+        <p:nvSpPr>
+          <p:cNvPr id="70" name="TextBox 69"/>
+          <p:cNvSpPr txBox="1"/>
+          <p:nvPr/>
+        </p:nvSpPr>
+        <p:spPr>
+          <a:xfrm>
+            <a:off x="7713016" y="3056614"/>
+            <a:ext cx="288032" cy="369332"/>
+          </a:xfrm>
+          <a:prstGeom prst="rect">
+            <a:avLst/>
+          </a:prstGeom>
+          <a:noFill/>
+        </p:spPr>
+        <p:txBody>
+          <a:bodyPr wrap="square" rtlCol="0">
+            <a:spAutoFit/>
+          </a:bodyPr>
+          <a:lstStyle/>
+          <a:p>
+            <a:r>
+              <a:rPr lang="en-GB" dirty="0"/>
+              <a:t>7</a:t>
+            </a:r>
+          </a:p>
+        </p:txBody>
+      </p:sp>
+      <p:sp>
+        <p:nvSpPr>
+          <p:cNvPr id="71" name="TextBox 70"/>
+          <p:cNvSpPr txBox="1"/>
+          <p:nvPr/>
+        </p:nvSpPr>
+        <p:spPr>
+          <a:xfrm>
+            <a:off x="8648700" y="1797865"/>
+            <a:ext cx="288032" cy="369332"/>
+          </a:xfrm>
+          <a:prstGeom prst="rect">
+            <a:avLst/>
+          </a:prstGeom>
+          <a:noFill/>
+        </p:spPr>
+        <p:txBody>
+          <a:bodyPr wrap="square" rtlCol="0">
+            <a:spAutoFit/>
+          </a:bodyPr>
+          <a:lstStyle/>
+          <a:p>
+            <a:r>
+              <a:rPr lang="en-GB" dirty="0"/>
+              <a:t>8</a:t>
+            </a:r>
+          </a:p>
+        </p:txBody>
+      </p:sp>
+      <p:sp>
+        <p:nvSpPr>
+          <p:cNvPr id="72" name="TextBox 71"/>
+          <p:cNvSpPr txBox="1"/>
+          <p:nvPr/>
+        </p:nvSpPr>
+        <p:spPr>
+          <a:xfrm>
+            <a:off x="8753123" y="3785321"/>
+            <a:ext cx="288032" cy="369332"/>
+          </a:xfrm>
+          <a:prstGeom prst="rect">
+            <a:avLst/>
+          </a:prstGeom>
+          <a:noFill/>
+        </p:spPr>
+        <p:txBody>
+          <a:bodyPr wrap="square" rtlCol="0">
+            <a:spAutoFit/>
+          </a:bodyPr>
+          <a:lstStyle/>
+          <a:p>
+            <a:r>
+              <a:rPr lang="en-GB" dirty="0"/>
+              <a:t>9</a:t>
+            </a:r>
+          </a:p>
+        </p:txBody>
+      </p:sp>
+      <p:sp>
+        <p:nvSpPr>
+          <p:cNvPr id="73" name="TextBox 72"/>
+          <p:cNvSpPr txBox="1"/>
+          <p:nvPr/>
+        </p:nvSpPr>
+        <p:spPr>
+          <a:xfrm>
+            <a:off x="9739634" y="1795614"/>
+            <a:ext cx="478532" cy="369332"/>
+          </a:xfrm>
+          <a:prstGeom prst="rect">
+            <a:avLst/>
+          </a:prstGeom>
+          <a:noFill/>
+        </p:spPr>
+        <p:txBody>
+          <a:bodyPr wrap="square" rtlCol="0">
+            <a:spAutoFit/>
+          </a:bodyPr>
+          <a:lstStyle/>
+          <a:p>
+            <a:r>
+              <a:rPr lang="en-GB" dirty="0"/>
+              <a:t>10</a:t>
+            </a:r>
+          </a:p>
+        </p:txBody>
+      </p:sp>
+      <p:sp>
+        <p:nvSpPr>
+          <p:cNvPr id="74" name="TextBox 73"/>
+          <p:cNvSpPr txBox="1"/>
+          <p:nvPr/>
+        </p:nvSpPr>
+        <p:spPr>
+          <a:xfrm>
+            <a:off x="5385457" y="4824706"/>
+            <a:ext cx="460015" cy="369332"/>
+          </a:xfrm>
+          <a:prstGeom prst="rect">
+            <a:avLst/>
+          </a:prstGeom>
+          <a:noFill/>
+        </p:spPr>
+        <p:txBody>
+          <a:bodyPr wrap="square" rtlCol="0">
+            <a:spAutoFit/>
+          </a:bodyPr>
+          <a:lstStyle/>
+          <a:p>
+            <a:r>
+              <a:rPr lang="en-GB" dirty="0"/>
+              <a:t>T1</a:t>
+            </a:r>
+          </a:p>
+        </p:txBody>
+      </p:sp>
+      <p:sp>
+        <p:nvSpPr>
+          <p:cNvPr id="75" name="TextBox 74"/>
+          <p:cNvSpPr txBox="1"/>
+          <p:nvPr/>
+        </p:nvSpPr>
+        <p:spPr>
+          <a:xfrm>
+            <a:off x="9405993" y="4855121"/>
+            <a:ext cx="460015" cy="369332"/>
+          </a:xfrm>
+          <a:prstGeom prst="rect">
+            <a:avLst/>
+          </a:prstGeom>
+          <a:noFill/>
+        </p:spPr>
+        <p:txBody>
+          <a:bodyPr wrap="square" rtlCol="0">
+            <a:spAutoFit/>
+          </a:bodyPr>
+          <a:lstStyle/>
+          <a:p>
+            <a:r>
+              <a:rPr lang="en-GB" dirty="0"/>
+              <a:t>T2</a:t>
+            </a:r>
+          </a:p>
+        </p:txBody>
+      </p:sp>
+      <p:sp>
+        <p:nvSpPr>
+          <p:cNvPr id="76" name="TextBox 75"/>
+          <p:cNvSpPr txBox="1"/>
+          <p:nvPr/>
+        </p:nvSpPr>
+        <p:spPr>
+          <a:xfrm>
+            <a:off x="2379512" y="4057695"/>
+            <a:ext cx="1076945" cy="369332"/>
+          </a:xfrm>
+          <a:prstGeom prst="rect">
+            <a:avLst/>
+          </a:prstGeom>
+          <a:noFill/>
+        </p:spPr>
+        <p:txBody>
+          <a:bodyPr wrap="square" rtlCol="0">
+            <a:spAutoFit/>
+          </a:bodyPr>
+          <a:lstStyle/>
+          <a:p>
+            <a:r>
+              <a:rPr lang="en-GB" dirty="0"/>
+              <a:t>Trunk</a:t>
+            </a:r>
+          </a:p>
+        </p:txBody>
+      </p:sp>
+      <p:sp>
+        <p:nvSpPr>
+          <p:cNvPr id="77" name="TextBox 76"/>
+          <p:cNvSpPr txBox="1"/>
+          <p:nvPr/>
+        </p:nvSpPr>
+        <p:spPr>
+          <a:xfrm>
+            <a:off x="2744063" y="2585570"/>
+            <a:ext cx="1008813" cy="375585"/>
+          </a:xfrm>
+          <a:prstGeom prst="rect">
+            <a:avLst/>
+          </a:prstGeom>
+          <a:noFill/>
+        </p:spPr>
+        <p:txBody>
+          <a:bodyPr wrap="square" rtlCol="0">
+            <a:spAutoFit/>
+          </a:bodyPr>
+          <a:lstStyle/>
+          <a:p>
+            <a:r>
+              <a:rPr lang="en-GB" dirty="0"/>
+              <a:t>Branch</a:t>
+            </a:r>
+          </a:p>
+        </p:txBody>
+      </p:sp>
+      <p:sp>
+        <p:nvSpPr>
+          <p:cNvPr id="78" name="TextBox 77"/>
+          <p:cNvSpPr txBox="1"/>
+          <p:nvPr/>
+        </p:nvSpPr>
+        <p:spPr>
+          <a:xfrm>
+            <a:off x="5889712" y="4954701"/>
+            <a:ext cx="664545" cy="369332"/>
+          </a:xfrm>
+          <a:prstGeom prst="rect">
+            <a:avLst/>
+          </a:prstGeom>
+          <a:noFill/>
+        </p:spPr>
+        <p:txBody>
+          <a:bodyPr wrap="square" rtlCol="0">
+            <a:spAutoFit/>
+          </a:bodyPr>
+          <a:lstStyle/>
+          <a:p>
+            <a:r>
+              <a:rPr lang="en-GB" dirty="0"/>
+              <a:t>Tag</a:t>
+            </a:r>
+          </a:p>
+        </p:txBody>
+      </p:sp>
+      <p:sp>
+        <p:nvSpPr>
+          <p:cNvPr id="79" name="TextBox 78"/>
+          <p:cNvSpPr txBox="1"/>
+          <p:nvPr/>
+        </p:nvSpPr>
+        <p:spPr>
+          <a:xfrm>
+            <a:off x="8879175" y="2252532"/>
+            <a:ext cx="1636962" cy="646331"/>
+          </a:xfrm>
+          <a:prstGeom prst="rect">
+            <a:avLst/>
+          </a:prstGeom>
+          <a:noFill/>
+        </p:spPr>
+        <p:txBody>
+          <a:bodyPr wrap="square" rtlCol="0">
+            <a:spAutoFit/>
+          </a:bodyPr>
+          <a:lstStyle/>
+          <a:p>
+            <a:r>
+              <a:rPr lang="en-GB" dirty="0"/>
+              <a:t>Discontinued branch</a:t>
+            </a:r>
+          </a:p>
+        </p:txBody>
+      </p:sp>
+      <p:sp>
+        <p:nvSpPr>
+          <p:cNvPr id="80" name="TextBox 79"/>
+          <p:cNvSpPr txBox="1"/>
+          <p:nvPr/>
+        </p:nvSpPr>
+        <p:spPr>
+          <a:xfrm>
+            <a:off x="2109739" y="5702200"/>
+            <a:ext cx="7069042" cy="369332"/>
+          </a:xfrm>
+          <a:prstGeom prst="rect">
+            <a:avLst/>
+          </a:prstGeom>
+          <a:noFill/>
+        </p:spPr>
+        <p:txBody>
+          <a:bodyPr wrap="square" rtlCol="0">
+            <a:spAutoFit/>
+          </a:bodyPr>
+          <a:lstStyle/>
+          <a:p>
+            <a:r>
+              <a:rPr lang="en-GB" dirty="0"/>
+              <a:t>Tags can correspond to code producing results for research papers</a:t>
+            </a:r>
+          </a:p>
+        </p:txBody>
+      </p:sp>
+      <p:sp>
+        <p:nvSpPr>
+          <p:cNvPr id="49" name="Title 1"/>
+          <p:cNvSpPr txBox="1">
+            <a:spLocks/>
+          </p:cNvSpPr>
+          <p:nvPr/>
+        </p:nvSpPr>
+        <p:spPr>
+          <a:xfrm>
+            <a:off x="1981200" y="274639"/>
+            <a:ext cx="8229600" cy="744537"/>
+          </a:xfrm>
+          <a:prstGeom prst="rect">
+            <a:avLst/>
+          </a:prstGeom>
+        </p:spPr>
+        <p:txBody>
+          <a:bodyPr>
+            <a:normAutofit/>
+          </a:bodyPr>
+          <a:lstStyle>
+            <a:lvl1pPr algn="ctr" defTabSz="914400" rtl="0" eaLnBrk="1" latinLnBrk="0" hangingPunct="1">
+              <a:spcBef>
+                <a:spcPct val="0"/>
+              </a:spcBef>
+              <a:buNone/>
+              <a:defRPr sz="4400" kern="1200">
+                <a:solidFill>
+                  <a:schemeClr val="tx1"/>
+                </a:solidFill>
+                <a:latin typeface="+mj-lt"/>
+                <a:ea typeface="+mj-ea"/>
+                <a:cs typeface="+mj-cs"/>
+              </a:defRPr>
+            </a:lvl1pPr>
+          </a:lstStyle>
+          <a:p>
+            <a:r>
+              <a:rPr lang="en-GB" sz="3600" dirty="0"/>
+              <a:t>Git Workflow</a:t>
+            </a:r>
+          </a:p>
+        </p:txBody>
+      </p:sp>
+    </p:spTree>
+    <p:extLst>
+      <p:ext uri="{BB962C8B-B14F-4D97-AF65-F5344CB8AC3E}">
+        <p14:creationId xmlns:p14="http://schemas.microsoft.com/office/powerpoint/2010/main" val="3035186640"/>
+      </p:ext>
+    </p:extLst>
+  </p:cSld>
+  <p:clrMapOvr>
+    <a:masterClrMapping/>
+  </p:clrMapOvr>
+</p:sld>
+</file>
+
+<file path=ppt/slides/slide40.xml><?xml version="1.0" encoding="utf-8"?>
+<p:sld xmlns:a="http://schemas.openxmlformats.org/drawingml/2006/main" xmlns:r="http://schemas.openxmlformats.org/officeDocument/2006/relationships" xmlns:p="http://schemas.openxmlformats.org/presentationml/2006/main">
+  <p:cSld>
+    <p:spTree>
+      <p:nvGrpSpPr>
+        <p:cNvPr id="1" name=""/>
+        <p:cNvGrpSpPr/>
+        <p:nvPr/>
+      </p:nvGrpSpPr>
+      <p:grpSpPr>
+        <a:xfrm>
+          <a:off x="0" y="0"/>
+          <a:ext cx="0" cy="0"/>
+          <a:chOff x="0" y="0"/>
+          <a:chExt cx="0" cy="0"/>
+        </a:xfrm>
+      </p:grpSpPr>
+      <p:sp>
+        <p:nvSpPr>
+          <p:cNvPr id="2" name="Title 1">
+            <a:extLst>
+              <a:ext uri="{FF2B5EF4-FFF2-40B4-BE49-F238E27FC236}">
+                <a16:creationId xmlns:a16="http://schemas.microsoft.com/office/drawing/2014/main" id="{9B2B0004-8618-434B-98EE-DEF9BECB01A0}"/>
+              </a:ext>
+            </a:extLst>
+          </p:cNvPr>
+          <p:cNvSpPr>
+            <a:spLocks noGrp="1"/>
+          </p:cNvSpPr>
+          <p:nvPr>
+            <p:ph type="title"/>
+          </p:nvPr>
+        </p:nvSpPr>
+        <p:spPr/>
+        <p:txBody>
+          <a:bodyPr>
+            <a:normAutofit fontScale="90000"/>
+          </a:bodyPr>
+          <a:lstStyle/>
+          <a:p>
+            <a:r>
+              <a:rPr lang="en-GB" dirty="0"/>
+              <a:t>How would we test this function works correctly?</a:t>
+            </a:r>
+          </a:p>
+        </p:txBody>
+      </p:sp>
+      <p:sp>
+        <p:nvSpPr>
+          <p:cNvPr id="3" name="Slide Number Placeholder 2">
+            <a:extLst>
+              <a:ext uri="{FF2B5EF4-FFF2-40B4-BE49-F238E27FC236}">
+                <a16:creationId xmlns:a16="http://schemas.microsoft.com/office/drawing/2014/main" id="{A8333C6C-3656-8F15-C6BD-1F9F5F358424}"/>
+              </a:ext>
+            </a:extLst>
+          </p:cNvPr>
+          <p:cNvSpPr>
+            <a:spLocks noGrp="1"/>
+          </p:cNvSpPr>
+          <p:nvPr>
+            <p:ph type="sldNum" sz="quarter" idx="12"/>
+          </p:nvPr>
+        </p:nvSpPr>
+        <p:spPr/>
+        <p:txBody>
+          <a:bodyPr/>
+          <a:lstStyle/>
+          <a:p>
+            <a:fld id="{83730267-60C2-4514-997F-6A8804439442}" type="slidenum">
+              <a:rPr lang="en-GB" smtClean="0">
+                <a:solidFill>
+                  <a:prstClr val="black">
+                    <a:tint val="75000"/>
+                  </a:prstClr>
+                </a:solidFill>
+              </a:rPr>
+              <a:pPr/>
+              <a:t>40</a:t>
+            </a:fld>
+            <a:endParaRPr lang="en-GB">
+              <a:solidFill>
+                <a:prstClr val="black">
+                  <a:tint val="75000"/>
+                </a:prstClr>
+              </a:solidFill>
+            </a:endParaRPr>
+          </a:p>
+        </p:txBody>
+      </p:sp>
+      <p:sp>
+        <p:nvSpPr>
+          <p:cNvPr id="5" name="TextBox 4">
+            <a:extLst>
+              <a:ext uri="{FF2B5EF4-FFF2-40B4-BE49-F238E27FC236}">
+                <a16:creationId xmlns:a16="http://schemas.microsoft.com/office/drawing/2014/main" id="{A11F7696-6390-20AC-022C-FE2786CB4472}"/>
+              </a:ext>
+            </a:extLst>
+          </p:cNvPr>
+          <p:cNvSpPr txBox="1"/>
+          <p:nvPr/>
+        </p:nvSpPr>
+        <p:spPr>
+          <a:xfrm>
+            <a:off x="979795" y="1524261"/>
+            <a:ext cx="10232409" cy="4832092"/>
+          </a:xfrm>
+          <a:prstGeom prst="rect">
+            <a:avLst/>
+          </a:prstGeom>
+          <a:noFill/>
+        </p:spPr>
+        <p:txBody>
+          <a:bodyPr wrap="square">
+            <a:spAutoFit/>
+          </a:bodyPr>
+          <a:lstStyle/>
+          <a:p>
+            <a:r>
+              <a:rPr lang="en-GB" sz="2800" b="0" i="0" dirty="0">
+                <a:solidFill>
+                  <a:srgbClr val="0E00FF"/>
+                </a:solidFill>
+                <a:effectLst/>
+                <a:latin typeface="Menlo"/>
+              </a:rPr>
+              <a:t>function </a:t>
+            </a:r>
+            <a:r>
+              <a:rPr lang="en-GB" sz="2800" b="0" i="0" dirty="0">
+                <a:effectLst/>
+                <a:latin typeface="Menlo"/>
+              </a:rPr>
+              <a:t>[distance] = </a:t>
+            </a:r>
+            <a:r>
+              <a:rPr lang="en-GB" sz="2800" b="0" i="0" dirty="0" err="1">
+                <a:effectLst/>
+                <a:latin typeface="Menlo"/>
+              </a:rPr>
+              <a:t>DistBetweenPoints</a:t>
+            </a:r>
+            <a:r>
+              <a:rPr lang="en-GB" sz="2800" b="0" i="0" dirty="0">
+                <a:effectLst/>
+                <a:latin typeface="Menlo"/>
+              </a:rPr>
+              <a:t>(p1x, p1y, p2x, p2y)</a:t>
+            </a:r>
+          </a:p>
+          <a:p>
+            <a:r>
+              <a:rPr lang="en-GB" sz="2800" b="0" i="0" dirty="0">
+                <a:solidFill>
+                  <a:srgbClr val="008013"/>
+                </a:solidFill>
+                <a:effectLst/>
+                <a:latin typeface="Menlo"/>
+              </a:rPr>
+              <a:t>% Function to calculate distance between 2 points</a:t>
+            </a:r>
+            <a:endParaRPr lang="en-GB" sz="2800" b="0" i="0" dirty="0">
+              <a:effectLst/>
+              <a:latin typeface="Menlo"/>
+            </a:endParaRPr>
+          </a:p>
+          <a:p>
+            <a:r>
+              <a:rPr lang="en-GB" sz="2800" b="0" i="0" dirty="0">
+                <a:solidFill>
+                  <a:srgbClr val="008013"/>
+                </a:solidFill>
+                <a:effectLst/>
+                <a:latin typeface="Menlo"/>
+              </a:rPr>
+              <a:t>% Input: x and y coordinates of two points - can be integer or floating</a:t>
+            </a:r>
+            <a:endParaRPr lang="en-GB" sz="2800" b="0" i="0" dirty="0">
+              <a:effectLst/>
+              <a:latin typeface="Menlo"/>
+            </a:endParaRPr>
+          </a:p>
+          <a:p>
+            <a:r>
+              <a:rPr lang="en-GB" sz="2800" b="0" i="0" dirty="0">
+                <a:solidFill>
+                  <a:srgbClr val="008013"/>
+                </a:solidFill>
+                <a:effectLst/>
+                <a:latin typeface="Menlo"/>
+              </a:rPr>
+              <a:t>% point. Can be vectors of points</a:t>
+            </a:r>
+            <a:endParaRPr lang="en-GB" sz="2800" b="0" i="0" dirty="0">
+              <a:effectLst/>
+              <a:latin typeface="Menlo"/>
+            </a:endParaRPr>
+          </a:p>
+          <a:p>
+            <a:r>
+              <a:rPr lang="en-GB" sz="2800" b="0" i="0" dirty="0">
+                <a:solidFill>
+                  <a:srgbClr val="008013"/>
+                </a:solidFill>
+                <a:effectLst/>
+                <a:latin typeface="Menlo"/>
+              </a:rPr>
+              <a:t>% Output: The distance between the points</a:t>
+            </a:r>
+            <a:endParaRPr lang="en-GB" sz="2800" b="0" i="0" dirty="0">
+              <a:effectLst/>
+              <a:latin typeface="Menlo"/>
+            </a:endParaRPr>
+          </a:p>
+          <a:p>
+            <a:pPr lvl="1"/>
+            <a:br>
+              <a:rPr lang="en-GB" sz="2800" b="0" i="0" dirty="0">
+                <a:effectLst/>
+                <a:latin typeface="Menlo"/>
+              </a:rPr>
+            </a:br>
+            <a:r>
+              <a:rPr lang="en-GB" sz="2800" b="0" i="0" dirty="0">
+                <a:solidFill>
+                  <a:srgbClr val="0E00FF"/>
+                </a:solidFill>
+                <a:effectLst/>
+                <a:latin typeface="Menlo"/>
+              </a:rPr>
+              <a:t>if </a:t>
+            </a:r>
+            <a:r>
+              <a:rPr lang="en-GB" sz="2800" b="0" i="0" dirty="0">
+                <a:effectLst/>
+                <a:latin typeface="Menlo"/>
+              </a:rPr>
+              <a:t>( (p2x-p1x) == 0 &amp;&amp; (p2y-p1y) == 0)</a:t>
+            </a:r>
+          </a:p>
+          <a:p>
+            <a:pPr lvl="1"/>
+            <a:r>
+              <a:rPr lang="en-GB" sz="2800" b="0" i="0" dirty="0">
+                <a:effectLst/>
+                <a:latin typeface="Menlo"/>
+              </a:rPr>
+              <a:t>	error(</a:t>
+            </a:r>
+            <a:r>
+              <a:rPr lang="en-GB" sz="2800" b="0" i="0" dirty="0">
+                <a:solidFill>
+                  <a:srgbClr val="A709F5"/>
+                </a:solidFill>
+                <a:effectLst/>
+                <a:latin typeface="Menlo"/>
+              </a:rPr>
+              <a:t>"Single point"</a:t>
+            </a:r>
+            <a:r>
+              <a:rPr lang="en-GB" sz="2800" b="0" i="0" dirty="0">
+                <a:effectLst/>
+                <a:latin typeface="Menlo"/>
+              </a:rPr>
+              <a:t>);</a:t>
+            </a:r>
+          </a:p>
+          <a:p>
+            <a:pPr lvl="1"/>
+            <a:r>
+              <a:rPr lang="en-GB" sz="2800" b="0" i="0" dirty="0">
+                <a:solidFill>
+                  <a:srgbClr val="0E00FF"/>
+                </a:solidFill>
+                <a:effectLst/>
+                <a:latin typeface="Menlo"/>
+              </a:rPr>
+              <a:t>end</a:t>
+            </a:r>
+            <a:endParaRPr lang="en-GB" sz="2800" b="0" i="0" dirty="0">
+              <a:effectLst/>
+              <a:latin typeface="Menlo"/>
+            </a:endParaRPr>
+          </a:p>
+          <a:p>
+            <a:pPr lvl="1"/>
+            <a:r>
+              <a:rPr lang="en-GB" sz="2800" b="0" i="0" dirty="0">
+                <a:effectLst/>
+                <a:latin typeface="Menlo"/>
+              </a:rPr>
+              <a:t>distance = sqrt( (p2x -p1x).^2 + (p2y-p1y).^2);</a:t>
+            </a:r>
+          </a:p>
+          <a:p>
+            <a:r>
+              <a:rPr lang="en-GB" sz="2800" b="0" i="0" dirty="0">
+                <a:solidFill>
+                  <a:srgbClr val="0E00FF"/>
+                </a:solidFill>
+                <a:effectLst/>
+                <a:latin typeface="Menlo"/>
+              </a:rPr>
+              <a:t>end</a:t>
+            </a:r>
+            <a:endParaRPr lang="en-GB" sz="2800" b="0" i="0" dirty="0">
+              <a:effectLst/>
+              <a:latin typeface="Menlo"/>
+            </a:endParaRPr>
+          </a:p>
+        </p:txBody>
+      </p:sp>
+    </p:spTree>
+    <p:extLst>
+      <p:ext uri="{BB962C8B-B14F-4D97-AF65-F5344CB8AC3E}">
+        <p14:creationId xmlns:p14="http://schemas.microsoft.com/office/powerpoint/2010/main" val="2632589654"/>
+      </p:ext>
+    </p:extLst>
+  </p:cSld>
+  <p:clrMapOvr>
+    <a:masterClrMapping/>
+  </p:clrMapOvr>
+</p:sld>
+</file>
+
 <file path=ppt/slides/slide41.xml><?xml version="1.0" encoding="utf-8"?>
 <p:sld xmlns:a="http://schemas.openxmlformats.org/drawingml/2006/main" xmlns:r="http://schemas.openxmlformats.org/officeDocument/2006/relationships" xmlns:p="http://schemas.openxmlformats.org/presentationml/2006/main">
   <p:cSld>
@@ -30414,10 +30555,73 @@
       </p:grpSpPr>
       <p:sp>
         <p:nvSpPr>
-          <p:cNvPr id="2" name="Slide Number Placeholder 1">
+          <p:cNvPr id="2" name="Title 1">
             <a:extLst>
               <a:ext uri="{FF2B5EF4-FFF2-40B4-BE49-F238E27FC236}">
-                <a16:creationId xmlns:a16="http://schemas.microsoft.com/office/drawing/2014/main" id="{C215633D-6963-8879-917F-9E1187EB3DAC}"/>
+                <a16:creationId xmlns:a16="http://schemas.microsoft.com/office/drawing/2014/main" id="{9ED89C86-0967-904D-1155-4FA16E169322}"/>
+              </a:ext>
+            </a:extLst>
+          </p:cNvPr>
+          <p:cNvSpPr>
+            <a:spLocks noGrp="1"/>
+          </p:cNvSpPr>
+          <p:nvPr>
+            <p:ph type="title"/>
+          </p:nvPr>
+        </p:nvSpPr>
+        <p:spPr/>
+        <p:txBody>
+          <a:bodyPr/>
+          <a:lstStyle/>
+          <a:p>
+            <a:r>
+              <a:rPr lang="en-GB" dirty="0"/>
+              <a:t>Task Execution</a:t>
+            </a:r>
+          </a:p>
+        </p:txBody>
+      </p:sp>
+      <p:pic>
+        <p:nvPicPr>
+          <p:cNvPr id="6" name="Content Placeholder 5" descr="Diagram&#10;&#10;Description automatically generated">
+            <a:extLst>
+              <a:ext uri="{FF2B5EF4-FFF2-40B4-BE49-F238E27FC236}">
+                <a16:creationId xmlns:a16="http://schemas.microsoft.com/office/drawing/2014/main" id="{F27DCC23-4D6C-3103-B111-94450368BDB5}"/>
+              </a:ext>
+            </a:extLst>
+          </p:cNvPr>
+          <p:cNvPicPr>
+            <a:picLocks noGrp="1" noChangeAspect="1"/>
+          </p:cNvPicPr>
+          <p:nvPr>
+            <p:ph idx="1"/>
+          </p:nvPr>
+        </p:nvPicPr>
+        <p:blipFill>
+          <a:blip r:embed="rId2">
+            <a:extLst>
+              <a:ext uri="{28A0092B-C50C-407E-A947-70E740481C1C}">
+                <a14:useLocalDpi xmlns:a14="http://schemas.microsoft.com/office/drawing/2010/main" val="0"/>
+              </a:ext>
+            </a:extLst>
+          </a:blip>
+          <a:stretch>
+            <a:fillRect/>
+          </a:stretch>
+        </p:blipFill>
+        <p:spPr>
+          <a:xfrm>
+            <a:off x="927772" y="1731144"/>
+            <a:ext cx="10336456" cy="3960355"/>
+          </a:xfrm>
+        </p:spPr>
+      </p:pic>
+      <p:sp>
+        <p:nvSpPr>
+          <p:cNvPr id="4" name="Slide Number Placeholder 3">
+            <a:extLst>
+              <a:ext uri="{FF2B5EF4-FFF2-40B4-BE49-F238E27FC236}">
+                <a16:creationId xmlns:a16="http://schemas.microsoft.com/office/drawing/2014/main" id="{894B110F-FFA2-A062-1185-AF41F7668D65}"/>
               </a:ext>
             </a:extLst>
           </p:cNvPr>
@@ -30454,12 +30658,345 @@
           </a:p>
         </p:txBody>
       </p:sp>
+    </p:spTree>
+    <p:extLst>
+      <p:ext uri="{BB962C8B-B14F-4D97-AF65-F5344CB8AC3E}">
+        <p14:creationId xmlns:p14="http://schemas.microsoft.com/office/powerpoint/2010/main" val="2564862246"/>
+      </p:ext>
+    </p:extLst>
+  </p:cSld>
+  <p:clrMapOvr>
+    <a:masterClrMapping/>
+  </p:clrMapOvr>
+</p:sld>
+</file>
+
+<file path=ppt/slides/slide42.xml><?xml version="1.0" encoding="utf-8"?>
+<p:sld xmlns:a="http://schemas.openxmlformats.org/drawingml/2006/main" xmlns:r="http://schemas.openxmlformats.org/officeDocument/2006/relationships" xmlns:p="http://schemas.openxmlformats.org/presentationml/2006/main">
+  <p:cSld>
+    <p:spTree>
+      <p:nvGrpSpPr>
+        <p:cNvPr id="1" name=""/>
+        <p:cNvGrpSpPr/>
+        <p:nvPr/>
+      </p:nvGrpSpPr>
+      <p:grpSpPr>
+        <a:xfrm>
+          <a:off x="0" y="0"/>
+          <a:ext cx="0" cy="0"/>
+          <a:chOff x="0" y="0"/>
+          <a:chExt cx="0" cy="0"/>
+        </a:xfrm>
+      </p:grpSpPr>
+      <p:sp>
+        <p:nvSpPr>
+          <p:cNvPr id="2" name="Title 1">
+            <a:extLst>
+              <a:ext uri="{FF2B5EF4-FFF2-40B4-BE49-F238E27FC236}">
+                <a16:creationId xmlns:a16="http://schemas.microsoft.com/office/drawing/2014/main" id="{31633C75-3577-AFEF-F7BA-3EEBB07F1061}"/>
+              </a:ext>
+            </a:extLst>
+          </p:cNvPr>
+          <p:cNvSpPr>
+            <a:spLocks noGrp="1"/>
+          </p:cNvSpPr>
+          <p:nvPr>
+            <p:ph type="title"/>
+          </p:nvPr>
+        </p:nvSpPr>
+        <p:spPr/>
+        <p:txBody>
+          <a:bodyPr/>
+          <a:lstStyle/>
+          <a:p>
+            <a:r>
+              <a:rPr lang="en-GB" dirty="0"/>
+              <a:t>Main test function</a:t>
+            </a:r>
+          </a:p>
+        </p:txBody>
+      </p:sp>
+      <p:sp>
+        <p:nvSpPr>
+          <p:cNvPr id="3" name="Content Placeholder 2">
+            <a:extLst>
+              <a:ext uri="{FF2B5EF4-FFF2-40B4-BE49-F238E27FC236}">
+                <a16:creationId xmlns:a16="http://schemas.microsoft.com/office/drawing/2014/main" id="{6FC1259D-3174-B7BC-5C3E-9C3493803D9B}"/>
+              </a:ext>
+            </a:extLst>
+          </p:cNvPr>
+          <p:cNvSpPr>
+            <a:spLocks noGrp="1"/>
+          </p:cNvSpPr>
+          <p:nvPr>
+            <p:ph idx="1"/>
+          </p:nvPr>
+        </p:nvSpPr>
+        <p:spPr>
+          <a:xfrm>
+            <a:off x="1524000" y="2012952"/>
+            <a:ext cx="8972266" cy="4525963"/>
+          </a:xfrm>
+        </p:spPr>
+        <p:txBody>
+          <a:bodyPr>
+            <a:normAutofit fontScale="92500" lnSpcReduction="20000"/>
+          </a:bodyPr>
+          <a:lstStyle/>
+          <a:p>
+            <a:pPr marL="0" indent="0">
+              <a:buNone/>
+            </a:pPr>
+            <a:r>
+              <a:rPr lang="en-GB" sz="2400" dirty="0">
+                <a:latin typeface="Courier New" panose="02070309020205020404" pitchFamily="49" charset="0"/>
+                <a:cs typeface="Courier New" panose="02070309020205020404" pitchFamily="49" charset="0"/>
+              </a:rPr>
+              <a:t>Function tests = </a:t>
+            </a:r>
+            <a:r>
+              <a:rPr lang="en-GB" sz="2400" dirty="0" err="1">
+                <a:latin typeface="Courier New" panose="02070309020205020404" pitchFamily="49" charset="0"/>
+                <a:cs typeface="Courier New" panose="02070309020205020404" pitchFamily="49" charset="0"/>
+              </a:rPr>
+              <a:t>testFunction</a:t>
+            </a:r>
+            <a:endParaRPr lang="en-GB" sz="2400" dirty="0">
+              <a:latin typeface="Courier New" panose="02070309020205020404" pitchFamily="49" charset="0"/>
+              <a:cs typeface="Courier New" panose="02070309020205020404" pitchFamily="49" charset="0"/>
+            </a:endParaRPr>
+          </a:p>
+          <a:p>
+            <a:pPr marL="0" indent="0">
+              <a:buNone/>
+            </a:pPr>
+            <a:r>
+              <a:rPr lang="en-GB" sz="2400" dirty="0">
+                <a:latin typeface="Courier New" panose="02070309020205020404" pitchFamily="49" charset="0"/>
+                <a:cs typeface="Courier New" panose="02070309020205020404" pitchFamily="49" charset="0"/>
+              </a:rPr>
+              <a:t>	tests = </a:t>
+            </a:r>
+            <a:r>
+              <a:rPr lang="en-GB" sz="2400" dirty="0" err="1">
+                <a:latin typeface="Courier New" panose="02070309020205020404" pitchFamily="49" charset="0"/>
+                <a:cs typeface="Courier New" panose="02070309020205020404" pitchFamily="49" charset="0"/>
+              </a:rPr>
+              <a:t>functiontests</a:t>
+            </a:r>
+            <a:r>
+              <a:rPr lang="en-GB" sz="2400" dirty="0">
+                <a:latin typeface="Courier New" panose="02070309020205020404" pitchFamily="49" charset="0"/>
+                <a:cs typeface="Courier New" panose="02070309020205020404" pitchFamily="49" charset="0"/>
+              </a:rPr>
+              <a:t>( </a:t>
+            </a:r>
+            <a:r>
+              <a:rPr lang="en-GB" sz="2400" dirty="0" err="1">
+                <a:latin typeface="Courier New" panose="02070309020205020404" pitchFamily="49" charset="0"/>
+                <a:cs typeface="Courier New" panose="02070309020205020404" pitchFamily="49" charset="0"/>
+              </a:rPr>
+              <a:t>localfunctions</a:t>
+            </a:r>
+            <a:r>
+              <a:rPr lang="en-GB" sz="2400" dirty="0">
+                <a:latin typeface="Courier New" panose="02070309020205020404" pitchFamily="49" charset="0"/>
+                <a:cs typeface="Courier New" panose="02070309020205020404" pitchFamily="49" charset="0"/>
+              </a:rPr>
+              <a:t>() );</a:t>
+            </a:r>
+          </a:p>
+          <a:p>
+            <a:pPr marL="0" indent="0">
+              <a:buNone/>
+            </a:pPr>
+            <a:r>
+              <a:rPr lang="en-GB" sz="2400" dirty="0">
+                <a:latin typeface="Courier New" panose="02070309020205020404" pitchFamily="49" charset="0"/>
+                <a:cs typeface="Courier New" panose="02070309020205020404" pitchFamily="49" charset="0"/>
+              </a:rPr>
+              <a:t>End</a:t>
+            </a:r>
+          </a:p>
+          <a:p>
+            <a:pPr marL="0" indent="0">
+              <a:buNone/>
+            </a:pPr>
+            <a:endParaRPr lang="en-GB" sz="2400" dirty="0">
+              <a:latin typeface="Courier New" panose="02070309020205020404" pitchFamily="49" charset="0"/>
+              <a:cs typeface="Courier New" panose="02070309020205020404" pitchFamily="49" charset="0"/>
+            </a:endParaRPr>
+          </a:p>
+          <a:p>
+            <a:pPr marL="0" indent="0">
+              <a:buNone/>
+            </a:pPr>
+            <a:r>
+              <a:rPr lang="en-GB" sz="2400" dirty="0">
+                <a:latin typeface="Courier New" panose="02070309020205020404" pitchFamily="49" charset="0"/>
+                <a:cs typeface="Courier New" panose="02070309020205020404" pitchFamily="49" charset="0"/>
+              </a:rPr>
+              <a:t>function test_func1(testcase)</a:t>
+            </a:r>
+          </a:p>
+          <a:p>
+            <a:pPr marL="0" indent="0">
+              <a:buNone/>
+            </a:pPr>
+            <a:r>
+              <a:rPr lang="en-GB" sz="2400" dirty="0">
+                <a:latin typeface="Courier New" panose="02070309020205020404" pitchFamily="49" charset="0"/>
+                <a:cs typeface="Courier New" panose="02070309020205020404" pitchFamily="49" charset="0"/>
+              </a:rPr>
+              <a:t>	…</a:t>
+            </a:r>
+          </a:p>
+          <a:p>
+            <a:pPr marL="0" indent="0">
+              <a:buNone/>
+            </a:pPr>
+            <a:r>
+              <a:rPr lang="en-GB" sz="2400" dirty="0">
+                <a:latin typeface="Courier New" panose="02070309020205020404" pitchFamily="49" charset="0"/>
+                <a:cs typeface="Courier New" panose="02070309020205020404" pitchFamily="49" charset="0"/>
+              </a:rPr>
+              <a:t>end</a:t>
+            </a:r>
+          </a:p>
+          <a:p>
+            <a:pPr marL="0" indent="0">
+              <a:buNone/>
+            </a:pPr>
+            <a:endParaRPr lang="en-GB" sz="2400" dirty="0">
+              <a:latin typeface="Courier New" panose="02070309020205020404" pitchFamily="49" charset="0"/>
+              <a:cs typeface="Courier New" panose="02070309020205020404" pitchFamily="49" charset="0"/>
+            </a:endParaRPr>
+          </a:p>
+          <a:p>
+            <a:pPr marL="0" indent="0">
+              <a:buNone/>
+            </a:pPr>
+            <a:r>
+              <a:rPr lang="en-GB" sz="2400" dirty="0">
+                <a:latin typeface="Courier New" panose="02070309020205020404" pitchFamily="49" charset="0"/>
+                <a:cs typeface="Courier New" panose="02070309020205020404" pitchFamily="49" charset="0"/>
+              </a:rPr>
+              <a:t>function test_func2(testcase)</a:t>
+            </a:r>
+          </a:p>
+          <a:p>
+            <a:pPr marL="0" indent="0">
+              <a:buNone/>
+            </a:pPr>
+            <a:r>
+              <a:rPr lang="en-GB" sz="2400" dirty="0">
+                <a:latin typeface="Courier New" panose="02070309020205020404" pitchFamily="49" charset="0"/>
+                <a:cs typeface="Courier New" panose="02070309020205020404" pitchFamily="49" charset="0"/>
+              </a:rPr>
+              <a:t>	…</a:t>
+            </a:r>
+          </a:p>
+          <a:p>
+            <a:pPr marL="0" indent="0">
+              <a:buNone/>
+            </a:pPr>
+            <a:r>
+              <a:rPr lang="en-GB" sz="2400" dirty="0">
+                <a:latin typeface="Courier New" panose="02070309020205020404" pitchFamily="49" charset="0"/>
+                <a:cs typeface="Courier New" panose="02070309020205020404" pitchFamily="49" charset="0"/>
+              </a:rPr>
+              <a:t>end</a:t>
+            </a:r>
+          </a:p>
+          <a:p>
+            <a:pPr marL="0" indent="0">
+              <a:buNone/>
+            </a:pPr>
+            <a:endParaRPr lang="en-GB" sz="2400" dirty="0">
+              <a:latin typeface="Courier New" panose="02070309020205020404" pitchFamily="49" charset="0"/>
+              <a:cs typeface="Courier New" panose="02070309020205020404" pitchFamily="49" charset="0"/>
+            </a:endParaRPr>
+          </a:p>
+          <a:p>
+            <a:pPr marL="0" indent="0">
+              <a:buNone/>
+            </a:pPr>
+            <a:r>
+              <a:rPr lang="en-GB" dirty="0">
+                <a:latin typeface="Courier New" panose="02070309020205020404" pitchFamily="49" charset="0"/>
+                <a:cs typeface="Courier New" panose="02070309020205020404" pitchFamily="49" charset="0"/>
+              </a:rPr>
+              <a:t> </a:t>
+            </a:r>
+          </a:p>
+          <a:p>
+            <a:pPr marL="0" indent="0">
+              <a:buNone/>
+            </a:pPr>
+            <a:endParaRPr lang="en-GB" dirty="0">
+              <a:latin typeface="Courier New" panose="02070309020205020404" pitchFamily="49" charset="0"/>
+              <a:cs typeface="Courier New" panose="02070309020205020404" pitchFamily="49" charset="0"/>
+            </a:endParaRPr>
+          </a:p>
+          <a:p>
+            <a:pPr marL="0" indent="0">
+              <a:buNone/>
+            </a:pPr>
+            <a:endParaRPr lang="en-GB" dirty="0">
+              <a:latin typeface="Courier New" panose="02070309020205020404" pitchFamily="49" charset="0"/>
+              <a:cs typeface="Courier New" panose="02070309020205020404" pitchFamily="49" charset="0"/>
+            </a:endParaRPr>
+          </a:p>
+        </p:txBody>
+      </p:sp>
+      <p:sp>
+        <p:nvSpPr>
+          <p:cNvPr id="4" name="Slide Number Placeholder 3">
+            <a:extLst>
+              <a:ext uri="{FF2B5EF4-FFF2-40B4-BE49-F238E27FC236}">
+                <a16:creationId xmlns:a16="http://schemas.microsoft.com/office/drawing/2014/main" id="{EFFE7156-B697-1ADF-EB24-6C520FC44D95}"/>
+              </a:ext>
+            </a:extLst>
+          </p:cNvPr>
+          <p:cNvSpPr>
+            <a:spLocks noGrp="1"/>
+          </p:cNvSpPr>
+          <p:nvPr>
+            <p:ph type="sldNum" sz="quarter" idx="12"/>
+          </p:nvPr>
+        </p:nvSpPr>
+        <p:spPr/>
+        <p:txBody>
+          <a:bodyPr/>
+          <a:lstStyle/>
+          <a:p>
+            <a:fld id="{83730267-60C2-4514-997F-6A8804439442}" type="slidenum">
+              <a:rPr lang="en-GB" smtClean="0">
+                <a:solidFill>
+                  <a:prstClr val="black">
+                    <a:tint val="75000"/>
+                  </a:prstClr>
+                </a:solidFill>
+              </a:rPr>
+              <a:pPr/>
+              <a:t>42</a:t>
+            </a:fld>
+            <a:endParaRPr lang="en-GB">
+              <a:solidFill>
+                <a:prstClr val="black">
+                  <a:tint val="75000"/>
+                </a:prstClr>
+              </a:solidFill>
+            </a:endParaRPr>
+          </a:p>
+        </p:txBody>
+      </p:sp>
       <p:sp>
         <p:nvSpPr>
           <p:cNvPr id="5" name="TextBox 4">
             <a:extLst>
               <a:ext uri="{FF2B5EF4-FFF2-40B4-BE49-F238E27FC236}">
-                <a16:creationId xmlns:a16="http://schemas.microsoft.com/office/drawing/2014/main" id="{2E4FFE82-20F3-94D1-135F-820F096417E1}"/>
+                <a16:creationId xmlns:a16="http://schemas.microsoft.com/office/drawing/2014/main" id="{D8CA4E5A-DEA7-EA00-1E10-72D0699C60A2}"/>
               </a:ext>
             </a:extLst>
           </p:cNvPr>
@@ -30468,8 +31005,8 @@
         </p:nvSpPr>
         <p:spPr>
           <a:xfrm>
-            <a:off x="1774209" y="1241946"/>
-            <a:ext cx="6646460" cy="369332"/>
+            <a:off x="7267433" y="3261322"/>
+            <a:ext cx="2961564" cy="923330"/>
           </a:xfrm>
           <a:prstGeom prst="rect">
             <a:avLst/>
@@ -30484,15 +31021,621 @@
           <a:p>
             <a:r>
               <a:rPr lang="en-GB" dirty="0"/>
-              <a:t>MATLAB Profiler with Flame Graph video</a:t>
-            </a:r>
-          </a:p>
-        </p:txBody>
-      </p:sp>
+              <a:t>Assembles cell array of function handles for local functions in current file</a:t>
+            </a:r>
+          </a:p>
+        </p:txBody>
+      </p:sp>
+      <p:cxnSp>
+        <p:nvCxnSpPr>
+          <p:cNvPr id="7" name="Straight Arrow Connector 6">
+            <a:extLst>
+              <a:ext uri="{FF2B5EF4-FFF2-40B4-BE49-F238E27FC236}">
+                <a16:creationId xmlns:a16="http://schemas.microsoft.com/office/drawing/2014/main" id="{E296C405-390A-FD63-131D-6D6A4F987ACF}"/>
+              </a:ext>
+            </a:extLst>
+          </p:cNvPr>
+          <p:cNvCxnSpPr/>
+          <p:nvPr/>
+        </p:nvCxnSpPr>
+        <p:spPr>
+          <a:xfrm flipH="1" flipV="1">
+            <a:off x="6096000" y="2893326"/>
+            <a:ext cx="1583140" cy="395785"/>
+          </a:xfrm>
+          <a:prstGeom prst="straightConnector1">
+            <a:avLst/>
+          </a:prstGeom>
+          <a:ln>
+            <a:tailEnd type="triangle"/>
+          </a:ln>
+        </p:spPr>
+        <p:style>
+          <a:lnRef idx="1">
+            <a:schemeClr val="accent1"/>
+          </a:lnRef>
+          <a:fillRef idx="0">
+            <a:schemeClr val="accent1"/>
+          </a:fillRef>
+          <a:effectRef idx="0">
+            <a:schemeClr val="accent1"/>
+          </a:effectRef>
+          <a:fontRef idx="minor">
+            <a:schemeClr val="tx1"/>
+          </a:fontRef>
+        </p:style>
+      </p:cxnSp>
     </p:spTree>
     <p:extLst>
       <p:ext uri="{BB962C8B-B14F-4D97-AF65-F5344CB8AC3E}">
-        <p14:creationId xmlns:p14="http://schemas.microsoft.com/office/powerpoint/2010/main" val="1882544856"/>
+        <p14:creationId xmlns:p14="http://schemas.microsoft.com/office/powerpoint/2010/main" val="3384248420"/>
+      </p:ext>
+    </p:extLst>
+  </p:cSld>
+  <p:clrMapOvr>
+    <a:masterClrMapping/>
+  </p:clrMapOvr>
+</p:sld>
+</file>
+
+<file path=ppt/slides/slide43.xml><?xml version="1.0" encoding="utf-8"?>
+<p:sld xmlns:a="http://schemas.openxmlformats.org/drawingml/2006/main" xmlns:r="http://schemas.openxmlformats.org/officeDocument/2006/relationships" xmlns:p="http://schemas.openxmlformats.org/presentationml/2006/main">
+  <p:cSld>
+    <p:spTree>
+      <p:nvGrpSpPr>
+        <p:cNvPr id="1" name=""/>
+        <p:cNvGrpSpPr/>
+        <p:nvPr/>
+      </p:nvGrpSpPr>
+      <p:grpSpPr>
+        <a:xfrm>
+          <a:off x="0" y="0"/>
+          <a:ext cx="0" cy="0"/>
+          <a:chOff x="0" y="0"/>
+          <a:chExt cx="0" cy="0"/>
+        </a:xfrm>
+      </p:grpSpPr>
+      <p:sp>
+        <p:nvSpPr>
+          <p:cNvPr id="2" name="Title 1">
+            <a:extLst>
+              <a:ext uri="{FF2B5EF4-FFF2-40B4-BE49-F238E27FC236}">
+                <a16:creationId xmlns:a16="http://schemas.microsoft.com/office/drawing/2014/main" id="{560D67BB-BEB3-56BB-E427-B6D531AC5938}"/>
+              </a:ext>
+            </a:extLst>
+          </p:cNvPr>
+          <p:cNvSpPr>
+            <a:spLocks noGrp="1"/>
+          </p:cNvSpPr>
+          <p:nvPr>
+            <p:ph type="title"/>
+          </p:nvPr>
+        </p:nvSpPr>
+        <p:spPr/>
+        <p:txBody>
+          <a:bodyPr/>
+          <a:lstStyle/>
+          <a:p>
+            <a:r>
+              <a:rPr lang="en-GB" dirty="0"/>
+              <a:t>Feedback</a:t>
+            </a:r>
+          </a:p>
+        </p:txBody>
+      </p:sp>
+      <p:sp>
+        <p:nvSpPr>
+          <p:cNvPr id="3" name="Slide Number Placeholder 2">
+            <a:extLst>
+              <a:ext uri="{FF2B5EF4-FFF2-40B4-BE49-F238E27FC236}">
+                <a16:creationId xmlns:a16="http://schemas.microsoft.com/office/drawing/2014/main" id="{B33F3B88-E9B2-2152-2641-C7C2C1EFC236}"/>
+              </a:ext>
+            </a:extLst>
+          </p:cNvPr>
+          <p:cNvSpPr>
+            <a:spLocks noGrp="1"/>
+          </p:cNvSpPr>
+          <p:nvPr>
+            <p:ph type="sldNum" sz="quarter" idx="12"/>
+          </p:nvPr>
+        </p:nvSpPr>
+        <p:spPr/>
+        <p:txBody>
+          <a:bodyPr/>
+          <a:lstStyle/>
+          <a:p>
+            <a:pPr marL="0" marR="0" lvl="0" indent="0" algn="r" defTabSz="914400" rtl="0" eaLnBrk="1" fontAlgn="auto" latinLnBrk="0" hangingPunct="1">
+              <a:lnSpc>
+                <a:spcPct val="100000"/>
+              </a:lnSpc>
+              <a:spcBef>
+                <a:spcPts val="0"/>
+              </a:spcBef>
+              <a:spcAft>
+                <a:spcPts val="0"/>
+              </a:spcAft>
+              <a:buClrTx/>
+              <a:buSzTx/>
+              <a:buFontTx/>
+              <a:buNone/>
+              <a:tabLst/>
+              <a:defRPr/>
+            </a:pPr>
+            <a:fld id="{83730267-60C2-4514-997F-6A8804439442}" type="slidenum">
+              <a:rPr kumimoji="0" lang="en-GB" sz="1200" b="0" i="0" u="none" strike="noStrike" kern="1200" cap="none" spc="0" normalizeH="0" baseline="0" noProof="0" smtClean="0">
+                <a:ln>
+                  <a:noFill/>
+                </a:ln>
+                <a:solidFill>
+                  <a:prstClr val="black">
+                    <a:tint val="75000"/>
+                  </a:prstClr>
+                </a:solidFill>
+                <a:effectLst/>
+                <a:uLnTx/>
+                <a:uFillTx/>
+                <a:latin typeface="Calibri"/>
+                <a:ea typeface="+mn-ea"/>
+                <a:cs typeface="+mn-cs"/>
+              </a:rPr>
+              <a:pPr marL="0" marR="0" lvl="0" indent="0" algn="r" defTabSz="914400" rtl="0" eaLnBrk="1" fontAlgn="auto" latinLnBrk="0" hangingPunct="1">
+                <a:lnSpc>
+                  <a:spcPct val="100000"/>
+                </a:lnSpc>
+                <a:spcBef>
+                  <a:spcPts val="0"/>
+                </a:spcBef>
+                <a:spcAft>
+                  <a:spcPts val="0"/>
+                </a:spcAft>
+                <a:buClrTx/>
+                <a:buSzTx/>
+                <a:buFontTx/>
+                <a:buNone/>
+                <a:tabLst/>
+                <a:defRPr/>
+              </a:pPr>
+              <a:t>43</a:t>
+            </a:fld>
+            <a:endParaRPr kumimoji="0" lang="en-GB" sz="1200" b="0" i="0" u="none" strike="noStrike" kern="1200" cap="none" spc="0" normalizeH="0" baseline="0" noProof="0">
+              <a:ln>
+                <a:noFill/>
+              </a:ln>
+              <a:solidFill>
+                <a:prstClr val="black">
+                  <a:tint val="75000"/>
+                </a:prstClr>
+              </a:solidFill>
+              <a:effectLst/>
+              <a:uLnTx/>
+              <a:uFillTx/>
+              <a:latin typeface="Calibri"/>
+              <a:ea typeface="+mn-ea"/>
+              <a:cs typeface="+mn-cs"/>
+            </a:endParaRPr>
+          </a:p>
+        </p:txBody>
+      </p:sp>
+      <p:sp>
+        <p:nvSpPr>
+          <p:cNvPr id="4" name="Rectangle 1">
+            <a:extLst>
+              <a:ext uri="{FF2B5EF4-FFF2-40B4-BE49-F238E27FC236}">
+                <a16:creationId xmlns:a16="http://schemas.microsoft.com/office/drawing/2014/main" id="{4B524BC7-4D1C-E796-DE2E-50EA3EB0875A}"/>
+              </a:ext>
+            </a:extLst>
+          </p:cNvPr>
+          <p:cNvSpPr>
+            <a:spLocks noChangeArrowheads="1"/>
+          </p:cNvSpPr>
+          <p:nvPr/>
+        </p:nvSpPr>
+        <p:spPr bwMode="auto">
+          <a:xfrm>
+            <a:off x="639216" y="3762742"/>
+            <a:ext cx="10913565" cy="1569660"/>
+          </a:xfrm>
+          <a:prstGeom prst="rect">
+            <a:avLst/>
+          </a:prstGeom>
+          <a:noFill/>
+          <a:ln>
+            <a:noFill/>
+          </a:ln>
+          <a:effectLst/>
+          <a:extLst>
+            <a:ext uri="{909E8E84-426E-40DD-AFC4-6F175D3DCCD1}">
+              <a14:hiddenFill xmlns:a14="http://schemas.microsoft.com/office/drawing/2010/main">
+                <a:solidFill>
+                  <a:schemeClr val="accent1"/>
+                </a:solidFill>
+              </a14:hiddenFill>
+            </a:ext>
+            <a:ext uri="{91240B29-F687-4F45-9708-019B960494DF}">
+              <a14:hiddenLine xmlns:a14="http://schemas.microsoft.com/office/drawing/2010/main" w="9525">
+                <a:solidFill>
+                  <a:schemeClr val="tx1"/>
+                </a:solidFill>
+                <a:miter lim="800000"/>
+                <a:headEnd/>
+                <a:tailEnd/>
+              </a14:hiddenLine>
+            </a:ext>
+            <a:ext uri="{AF507438-7753-43E0-B8FC-AC1667EBCBE1}">
+              <a14:hiddenEffects xmlns:a14="http://schemas.microsoft.com/office/drawing/2010/main">
+                <a:effectLst>
+                  <a:outerShdw dist="35921" dir="2700000" algn="ctr" rotWithShape="0">
+                    <a:schemeClr val="bg2"/>
+                  </a:outerShdw>
+                </a:effectLst>
+              </a14:hiddenEffects>
+            </a:ext>
+          </a:extLst>
+        </p:spPr>
+        <p:txBody>
+          <a:bodyPr vert="horz" wrap="none" lIns="91440" tIns="45720" rIns="91440" bIns="45720" numCol="1" anchor="ctr" anchorCtr="0" compatLnSpc="1">
+            <a:prstTxWarp prst="textNoShape">
+              <a:avLst/>
+            </a:prstTxWarp>
+            <a:spAutoFit/>
+          </a:bodyPr>
+          <a:lstStyle/>
+          <a:p>
+            <a:pPr marL="0" marR="0" lvl="0" indent="0" algn="ctr" defTabSz="914400" rtl="0" eaLnBrk="0" fontAlgn="base" latinLnBrk="0" hangingPunct="0">
+              <a:lnSpc>
+                <a:spcPct val="100000"/>
+              </a:lnSpc>
+              <a:spcBef>
+                <a:spcPct val="0"/>
+              </a:spcBef>
+              <a:spcAft>
+                <a:spcPct val="0"/>
+              </a:spcAft>
+              <a:buClrTx/>
+              <a:buSzTx/>
+              <a:buFontTx/>
+              <a:buNone/>
+              <a:tabLst/>
+              <a:defRPr/>
+            </a:pPr>
+            <a:r>
+              <a:rPr kumimoji="0" lang="en-US" altLang="en-US" sz="1800" b="0" i="0" u="none" strike="noStrike" kern="1200" cap="none" spc="0" normalizeH="0" baseline="0" noProof="0" dirty="0">
+                <a:ln>
+                  <a:noFill/>
+                </a:ln>
+                <a:solidFill>
+                  <a:prstClr val="black"/>
+                </a:solidFill>
+                <a:effectLst/>
+                <a:uLnTx/>
+                <a:uFillTx/>
+                <a:latin typeface="Arial" panose="020B0604020202020204" pitchFamily="34" charset="0"/>
+                <a:ea typeface="+mn-ea"/>
+                <a:cs typeface="+mn-cs"/>
+              </a:rPr>
+              <a:t> </a:t>
+            </a:r>
+            <a:r>
+              <a:rPr kumimoji="0" lang="en-US" altLang="en-US" sz="2400" b="0" i="0" u="none" strike="noStrike" kern="1200" cap="none" spc="0" normalizeH="0" baseline="0" noProof="0" dirty="0">
+                <a:ln>
+                  <a:noFill/>
+                </a:ln>
+                <a:solidFill>
+                  <a:srgbClr val="10263B"/>
+                </a:solidFill>
+                <a:effectLst/>
+                <a:uLnTx/>
+                <a:uFillTx/>
+                <a:latin typeface="Calibri"/>
+                <a:ea typeface="+mn-ea"/>
+                <a:cs typeface="Calibri" panose="020F0502020204030204" pitchFamily="34" charset="0"/>
+              </a:rPr>
+              <a:t>We really value your feedback, which you can provide by completing </a:t>
+            </a:r>
+            <a:r>
+              <a:rPr kumimoji="0" lang="en-US" altLang="en-US" sz="2400" b="0" i="0" u="none" strike="noStrike" kern="1200" cap="none" spc="0" normalizeH="0" baseline="0" noProof="0" dirty="0">
+                <a:ln>
+                  <a:noFill/>
+                </a:ln>
+                <a:solidFill>
+                  <a:srgbClr val="009BC1"/>
+                </a:solidFill>
+                <a:effectLst/>
+                <a:uLnTx/>
+                <a:uFillTx/>
+                <a:latin typeface="Calibri"/>
+                <a:ea typeface="+mn-ea"/>
+                <a:cs typeface="Calibri" panose="020F0502020204030204" pitchFamily="34" charset="0"/>
+                <a:hlinkClick r:id="rId2"/>
+              </a:rPr>
+              <a:t>this short survey</a:t>
+            </a:r>
+            <a:r>
+              <a:rPr kumimoji="0" lang="en-US" altLang="en-US" sz="2400" b="0" i="0" u="none" strike="noStrike" kern="1200" cap="none" spc="0" normalizeH="0" baseline="0" noProof="0" dirty="0">
+                <a:ln>
+                  <a:noFill/>
+                </a:ln>
+                <a:solidFill>
+                  <a:prstClr val="black"/>
+                </a:solidFill>
+                <a:effectLst/>
+                <a:uLnTx/>
+                <a:uFillTx/>
+                <a:latin typeface="Calibri"/>
+                <a:ea typeface="+mn-ea"/>
+                <a:cs typeface="Calibri" panose="020F0502020204030204" pitchFamily="34" charset="0"/>
+              </a:rPr>
+              <a:t>​</a:t>
+            </a:r>
+            <a:endParaRPr kumimoji="0" lang="en-US" altLang="en-US" sz="2400" b="0" i="0" u="none" strike="noStrike" kern="1200" cap="none" spc="0" normalizeH="0" baseline="0" noProof="0" dirty="0">
+              <a:ln>
+                <a:noFill/>
+              </a:ln>
+              <a:solidFill>
+                <a:prstClr val="black"/>
+              </a:solidFill>
+              <a:effectLst/>
+              <a:uLnTx/>
+              <a:uFillTx/>
+              <a:latin typeface="Calibri"/>
+              <a:ea typeface="+mn-ea"/>
+              <a:cs typeface="+mn-cs"/>
+            </a:endParaRPr>
+          </a:p>
+          <a:p>
+            <a:pPr marL="0" marR="0" lvl="0" indent="0" algn="ctr" defTabSz="914400" rtl="0" eaLnBrk="0" fontAlgn="base" latinLnBrk="0" hangingPunct="0">
+              <a:lnSpc>
+                <a:spcPct val="100000"/>
+              </a:lnSpc>
+              <a:spcBef>
+                <a:spcPct val="0"/>
+              </a:spcBef>
+              <a:spcAft>
+                <a:spcPct val="0"/>
+              </a:spcAft>
+              <a:buClrTx/>
+              <a:buSzTx/>
+              <a:buFontTx/>
+              <a:buNone/>
+              <a:tabLst/>
+              <a:defRPr/>
+            </a:pPr>
+            <a:r>
+              <a:rPr kumimoji="0" lang="en-US" altLang="en-US" sz="2400" b="0" i="0" u="none" strike="noStrike" kern="1200" cap="none" spc="0" normalizeH="0" baseline="0" noProof="0" dirty="0">
+                <a:ln>
+                  <a:noFill/>
+                </a:ln>
+                <a:solidFill>
+                  <a:prstClr val="black"/>
+                </a:solidFill>
+                <a:effectLst/>
+                <a:uLnTx/>
+                <a:uFillTx/>
+                <a:latin typeface="Calibri"/>
+                <a:ea typeface="+mn-ea"/>
+                <a:cs typeface="Calibri" panose="020F0502020204030204" pitchFamily="34" charset="0"/>
+              </a:rPr>
+              <a:t>​</a:t>
+            </a:r>
+            <a:endParaRPr kumimoji="0" lang="en-US" altLang="en-US" sz="2400" b="0" i="0" u="none" strike="noStrike" kern="1200" cap="none" spc="0" normalizeH="0" baseline="0" noProof="0" dirty="0">
+              <a:ln>
+                <a:noFill/>
+              </a:ln>
+              <a:solidFill>
+                <a:prstClr val="black"/>
+              </a:solidFill>
+              <a:effectLst/>
+              <a:uLnTx/>
+              <a:uFillTx/>
+              <a:latin typeface="Calibri"/>
+              <a:ea typeface="+mn-ea"/>
+              <a:cs typeface="+mn-cs"/>
+            </a:endParaRPr>
+          </a:p>
+          <a:p>
+            <a:pPr marL="0" marR="0" lvl="0" indent="0" algn="ctr" defTabSz="914400" rtl="0" eaLnBrk="0" fontAlgn="base" latinLnBrk="0" hangingPunct="0">
+              <a:lnSpc>
+                <a:spcPct val="100000"/>
+              </a:lnSpc>
+              <a:spcBef>
+                <a:spcPct val="0"/>
+              </a:spcBef>
+              <a:spcAft>
+                <a:spcPct val="0"/>
+              </a:spcAft>
+              <a:buClrTx/>
+              <a:buSzTx/>
+              <a:buFontTx/>
+              <a:buNone/>
+              <a:tabLst/>
+              <a:defRPr/>
+            </a:pPr>
+            <a:r>
+              <a:rPr kumimoji="0" lang="en-US" altLang="en-US" sz="2400" b="0" i="0" u="none" strike="noStrike" kern="1200" cap="none" spc="0" normalizeH="0" baseline="0" noProof="0" dirty="0">
+                <a:ln>
+                  <a:noFill/>
+                </a:ln>
+                <a:solidFill>
+                  <a:srgbClr val="10263B"/>
+                </a:solidFill>
+                <a:effectLst/>
+                <a:uLnTx/>
+                <a:uFillTx/>
+                <a:latin typeface="Calibri"/>
+                <a:ea typeface="+mn-ea"/>
+                <a:cs typeface="Calibri" panose="020F0502020204030204" pitchFamily="34" charset="0"/>
+              </a:rPr>
+              <a:t>Course date as </a:t>
+            </a:r>
+            <a:r>
+              <a:rPr kumimoji="0" lang="en-US" altLang="en-US" sz="2400" b="1" i="0" u="none" strike="noStrike" kern="1200" cap="none" spc="0" normalizeH="0" baseline="0" noProof="0" dirty="0">
+                <a:ln>
+                  <a:noFill/>
+                </a:ln>
+                <a:solidFill>
+                  <a:srgbClr val="002060"/>
+                </a:solidFill>
+                <a:effectLst/>
+                <a:uLnTx/>
+                <a:uFillTx/>
+                <a:latin typeface="Calibri"/>
+                <a:ea typeface="+mn-ea"/>
+                <a:cs typeface="Calibri" panose="020F0502020204030204" pitchFamily="34" charset="0"/>
+              </a:rPr>
+              <a:t>06/06/2024</a:t>
+            </a:r>
+            <a:r>
+              <a:rPr kumimoji="0" lang="en-US" altLang="en-US" sz="2400" b="0" i="0" u="none" strike="noStrike" kern="1200" cap="none" spc="0" normalizeH="0" baseline="0" noProof="0" dirty="0">
+                <a:ln>
+                  <a:noFill/>
+                </a:ln>
+                <a:solidFill>
+                  <a:prstClr val="black"/>
+                </a:solidFill>
+                <a:effectLst/>
+                <a:uLnTx/>
+                <a:uFillTx/>
+                <a:latin typeface="Calibri"/>
+                <a:ea typeface="+mn-ea"/>
+                <a:cs typeface="Calibri" panose="020F0502020204030204" pitchFamily="34" charset="0"/>
+              </a:rPr>
+              <a:t>​</a:t>
+            </a:r>
+            <a:endParaRPr kumimoji="0" lang="en-US" altLang="en-US" sz="2400" b="0" i="0" u="none" strike="noStrike" kern="1200" cap="none" spc="0" normalizeH="0" baseline="0" noProof="0" dirty="0">
+              <a:ln>
+                <a:noFill/>
+              </a:ln>
+              <a:solidFill>
+                <a:prstClr val="black"/>
+              </a:solidFill>
+              <a:effectLst/>
+              <a:uLnTx/>
+              <a:uFillTx/>
+              <a:latin typeface="Calibri"/>
+              <a:ea typeface="+mn-ea"/>
+              <a:cs typeface="+mn-cs"/>
+            </a:endParaRPr>
+          </a:p>
+          <a:p>
+            <a:pPr marL="0" marR="0" lvl="0" indent="0" algn="ctr" defTabSz="914400" rtl="0" eaLnBrk="0" fontAlgn="base" latinLnBrk="0" hangingPunct="0">
+              <a:lnSpc>
+                <a:spcPct val="100000"/>
+              </a:lnSpc>
+              <a:spcBef>
+                <a:spcPct val="0"/>
+              </a:spcBef>
+              <a:spcAft>
+                <a:spcPct val="0"/>
+              </a:spcAft>
+              <a:buClrTx/>
+              <a:buSzTx/>
+              <a:buFontTx/>
+              <a:buNone/>
+              <a:tabLst/>
+              <a:defRPr/>
+            </a:pPr>
+            <a:r>
+              <a:rPr kumimoji="0" lang="en-US" altLang="en-US" sz="2400" b="0" i="0" u="none" strike="noStrike" kern="1200" cap="none" spc="0" normalizeH="0" baseline="0" noProof="0" dirty="0">
+                <a:ln>
+                  <a:noFill/>
+                </a:ln>
+                <a:solidFill>
+                  <a:srgbClr val="10263B"/>
+                </a:solidFill>
+                <a:effectLst/>
+                <a:uLnTx/>
+                <a:uFillTx/>
+                <a:latin typeface="Calibri"/>
+                <a:ea typeface="+mn-ea"/>
+                <a:cs typeface="Calibri" panose="020F0502020204030204" pitchFamily="34" charset="0"/>
+              </a:rPr>
+              <a:t>Course code as </a:t>
+            </a:r>
+            <a:r>
+              <a:rPr kumimoji="0" lang="en-US" altLang="en-US" sz="2400" b="1" i="0" u="none" strike="noStrike" kern="1200" cap="none" spc="0" normalizeH="0" baseline="0" noProof="0" dirty="0">
+                <a:ln>
+                  <a:noFill/>
+                </a:ln>
+                <a:solidFill>
+                  <a:srgbClr val="10263B"/>
+                </a:solidFill>
+                <a:effectLst/>
+                <a:uLnTx/>
+                <a:uFillTx/>
+                <a:latin typeface="Calibri"/>
+                <a:ea typeface="+mn-ea"/>
+                <a:cs typeface="Calibri" panose="020F0502020204030204" pitchFamily="34" charset="0"/>
+              </a:rPr>
+              <a:t>GSTML3</a:t>
+            </a:r>
+            <a:endParaRPr kumimoji="0" lang="en-US" altLang="en-US" sz="2400" b="0" i="0" u="none" strike="noStrike" kern="1200" cap="none" spc="0" normalizeH="0" baseline="0" noProof="0" dirty="0">
+              <a:ln>
+                <a:noFill/>
+              </a:ln>
+              <a:solidFill>
+                <a:prstClr val="black"/>
+              </a:solidFill>
+              <a:effectLst/>
+              <a:uLnTx/>
+              <a:uFillTx/>
+              <a:latin typeface="Calibri"/>
+              <a:ea typeface="+mn-ea"/>
+              <a:cs typeface="+mn-cs"/>
+            </a:endParaRPr>
+          </a:p>
+        </p:txBody>
+      </p:sp>
+      <p:pic>
+        <p:nvPicPr>
+          <p:cNvPr id="1026" name="Picture 2">
+            <a:extLst>
+              <a:ext uri="{FF2B5EF4-FFF2-40B4-BE49-F238E27FC236}">
+                <a16:creationId xmlns:a16="http://schemas.microsoft.com/office/drawing/2014/main" id="{51D3B38B-0B82-6E51-79FF-118D25B1255F}"/>
+              </a:ext>
+            </a:extLst>
+          </p:cNvPr>
+          <p:cNvPicPr>
+            <a:picLocks noChangeAspect="1" noChangeArrowheads="1"/>
+          </p:cNvPicPr>
+          <p:nvPr/>
+        </p:nvPicPr>
+        <p:blipFill>
+          <a:blip r:embed="rId3">
+            <a:extLst>
+              <a:ext uri="{28A0092B-C50C-407E-A947-70E740481C1C}">
+                <a14:useLocalDpi xmlns:a14="http://schemas.microsoft.com/office/drawing/2010/main" val="0"/>
+              </a:ext>
+            </a:extLst>
+          </a:blip>
+          <a:srcRect/>
+          <a:stretch>
+            <a:fillRect/>
+          </a:stretch>
+        </p:blipFill>
+        <p:spPr bwMode="auto">
+          <a:xfrm>
+            <a:off x="5245271" y="1759346"/>
+            <a:ext cx="1701457" cy="1669654"/>
+          </a:xfrm>
+          <a:prstGeom prst="rect">
+            <a:avLst/>
+          </a:prstGeom>
+          <a:noFill/>
+          <a:extLst>
+            <a:ext uri="{909E8E84-426E-40DD-AFC4-6F175D3DCCD1}">
+              <a14:hiddenFill xmlns:a14="http://schemas.microsoft.com/office/drawing/2010/main">
+                <a:solidFill>
+                  <a:srgbClr val="FFFFFF"/>
+                </a:solidFill>
+              </a14:hiddenFill>
+            </a:ext>
+          </a:extLst>
+        </p:spPr>
+      </p:pic>
+    </p:spTree>
+    <p:extLst>
+      <p:ext uri="{BB962C8B-B14F-4D97-AF65-F5344CB8AC3E}">
+        <p14:creationId xmlns:p14="http://schemas.microsoft.com/office/powerpoint/2010/main" val="2365206936"/>
       </p:ext>
     </p:extLst>
   </p:cSld>
@@ -30615,7 +31758,7 @@
         <p:spPr>
           <a:xfrm>
             <a:off x="1047819" y="5030810"/>
-            <a:ext cx="10252527" cy="2246769"/>
+            <a:ext cx="10252527" cy="1138773"/>
           </a:xfrm>
           <a:prstGeom prst="rect">
             <a:avLst/>
@@ -30640,25 +31783,6 @@
               </a:rPr>
               <a:t>https://uk.mathworks.com/help/matlab/matlab_prog/use-git-in-matlab.html</a:t>
             </a:r>
-            <a:endParaRPr lang="en-GB" sz="2400" dirty="0"/>
-          </a:p>
-          <a:p>
-            <a:endParaRPr lang="en-GB" sz="2400" dirty="0"/>
-          </a:p>
-          <a:p>
-            <a:r>
-              <a:rPr lang="en-GB" sz="2400" dirty="0"/>
-              <a:t>Git book: </a:t>
-            </a:r>
-            <a:r>
-              <a:rPr lang="en-GB" sz="2400" dirty="0">
-                <a:hlinkClick r:id="rId3"/>
-              </a:rPr>
-              <a:t>https://git-scm.com/book/en/v2</a:t>
-            </a:r>
-            <a:endParaRPr lang="en-GB" sz="2400" dirty="0"/>
-          </a:p>
-          <a:p>
             <a:endParaRPr lang="en-GB" sz="2400" dirty="0"/>
           </a:p>
           <a:p>
@@ -30681,7 +31805,7 @@
           <p:nvPr/>
         </p:nvPicPr>
         <p:blipFill>
-          <a:blip r:embed="rId4"/>
+          <a:blip r:embed="rId3"/>
           <a:stretch>
             <a:fillRect/>
           </a:stretch>

--- a/CourseMaterials/Best Practices for Software Development using MATLAB.pptx
+++ b/CourseMaterials/Best Practices for Software Development using MATLAB.pptx
@@ -7,7 +7,7 @@
     <p:sldMasterId id="2147483711" r:id="rId3"/>
   </p:sldMasterIdLst>
   <p:notesMasterIdLst>
-    <p:notesMasterId r:id="rId63"/>
+    <p:notesMasterId r:id="rId69"/>
   </p:notesMasterIdLst>
   <p:sldIdLst>
     <p:sldId id="257" r:id="rId4"/>
@@ -47,28 +47,34 @@
     <p:sldId id="346" r:id="rId38"/>
     <p:sldId id="347" r:id="rId39"/>
     <p:sldId id="417" r:id="rId40"/>
-    <p:sldId id="260" r:id="rId41"/>
-    <p:sldId id="261" r:id="rId42"/>
-    <p:sldId id="262" r:id="rId43"/>
-    <p:sldId id="413" r:id="rId44"/>
-    <p:sldId id="263" r:id="rId45"/>
-    <p:sldId id="274" r:id="rId46"/>
-    <p:sldId id="264" r:id="rId47"/>
-    <p:sldId id="265" r:id="rId48"/>
-    <p:sldId id="282" r:id="rId49"/>
-    <p:sldId id="418" r:id="rId50"/>
-    <p:sldId id="266" r:id="rId51"/>
-    <p:sldId id="267" r:id="rId52"/>
-    <p:sldId id="268" r:id="rId53"/>
-    <p:sldId id="270" r:id="rId54"/>
-    <p:sldId id="415" r:id="rId55"/>
-    <p:sldId id="422" r:id="rId56"/>
-    <p:sldId id="419" r:id="rId57"/>
-    <p:sldId id="420" r:id="rId58"/>
-    <p:sldId id="421" r:id="rId59"/>
-    <p:sldId id="283" r:id="rId60"/>
-    <p:sldId id="284" r:id="rId61"/>
-    <p:sldId id="423" r:id="rId62"/>
+    <p:sldId id="442" r:id="rId41"/>
+    <p:sldId id="260" r:id="rId42"/>
+    <p:sldId id="261" r:id="rId43"/>
+    <p:sldId id="262" r:id="rId44"/>
+    <p:sldId id="413" r:id="rId45"/>
+    <p:sldId id="263" r:id="rId46"/>
+    <p:sldId id="274" r:id="rId47"/>
+    <p:sldId id="264" r:id="rId48"/>
+    <p:sldId id="265" r:id="rId49"/>
+    <p:sldId id="443" r:id="rId50"/>
+    <p:sldId id="444" r:id="rId51"/>
+    <p:sldId id="445" r:id="rId52"/>
+    <p:sldId id="446" r:id="rId53"/>
+    <p:sldId id="447" r:id="rId54"/>
+    <p:sldId id="282" r:id="rId55"/>
+    <p:sldId id="418" r:id="rId56"/>
+    <p:sldId id="266" r:id="rId57"/>
+    <p:sldId id="267" r:id="rId58"/>
+    <p:sldId id="268" r:id="rId59"/>
+    <p:sldId id="270" r:id="rId60"/>
+    <p:sldId id="415" r:id="rId61"/>
+    <p:sldId id="422" r:id="rId62"/>
+    <p:sldId id="419" r:id="rId63"/>
+    <p:sldId id="420" r:id="rId64"/>
+    <p:sldId id="421" r:id="rId65"/>
+    <p:sldId id="283" r:id="rId66"/>
+    <p:sldId id="284" r:id="rId67"/>
+    <p:sldId id="423" r:id="rId68"/>
   </p:sldIdLst>
   <p:sldSz cx="12192000" cy="6858000"/>
   <p:notesSz cx="6858000" cy="9144000"/>
@@ -178,7 +184,7 @@
 <file path=ppt/revisionInfo.xml><?xml version="1.0" encoding="utf-8"?>
 <p1510:revInfo xmlns:a="http://schemas.openxmlformats.org/drawingml/2006/main" xmlns:r="http://schemas.openxmlformats.org/officeDocument/2006/relationships" xmlns:p1510="http://schemas.microsoft.com/office/powerpoint/2015/10/main">
   <p1510:revLst>
-    <p1510:client id="{6A0AEAFE-45F1-4F78-BF24-2A99E964B86F}" v="52" dt="2024-06-03T11:23:11.826"/>
+    <p1510:client id="{6A0AEAFE-45F1-4F78-BF24-2A99E964B86F}" v="54" dt="2024-06-10T08:41:35.540"/>
   </p1510:revLst>
 </p1510:revInfo>
 </file>
@@ -188,7 +194,7 @@
   <pc:docChgLst>
     <pc:chgData name="Louise Brown (staff)" userId="de8b7712-bd89-438d-bea6-a54e5199a8bd" providerId="ADAL" clId="{6A0AEAFE-45F1-4F78-BF24-2A99E964B86F}"/>
     <pc:docChg chg="undo custSel addSld delSld modSld">
-      <pc:chgData name="Louise Brown (staff)" userId="de8b7712-bd89-438d-bea6-a54e5199a8bd" providerId="ADAL" clId="{6A0AEAFE-45F1-4F78-BF24-2A99E964B86F}" dt="2024-06-03T11:23:16.217" v="354" actId="47"/>
+      <pc:chgData name="Louise Brown (staff)" userId="de8b7712-bd89-438d-bea6-a54e5199a8bd" providerId="ADAL" clId="{6A0AEAFE-45F1-4F78-BF24-2A99E964B86F}" dt="2024-06-10T08:41:35.540" v="356"/>
       <pc:docMkLst>
         <pc:docMk/>
       </pc:docMkLst>
@@ -1907,6 +1913,48 @@
           </ac:spMkLst>
         </pc:spChg>
       </pc:sldChg>
+      <pc:sldChg chg="add">
+        <pc:chgData name="Louise Brown (staff)" userId="de8b7712-bd89-438d-bea6-a54e5199a8bd" providerId="ADAL" clId="{6A0AEAFE-45F1-4F78-BF24-2A99E964B86F}" dt="2024-06-10T08:40:00.883" v="355"/>
+        <pc:sldMkLst>
+          <pc:docMk/>
+          <pc:sldMk cId="3118138934" sldId="442"/>
+        </pc:sldMkLst>
+      </pc:sldChg>
+      <pc:sldChg chg="add">
+        <pc:chgData name="Louise Brown (staff)" userId="de8b7712-bd89-438d-bea6-a54e5199a8bd" providerId="ADAL" clId="{6A0AEAFE-45F1-4F78-BF24-2A99E964B86F}" dt="2024-06-10T08:41:35.540" v="356"/>
+        <pc:sldMkLst>
+          <pc:docMk/>
+          <pc:sldMk cId="4136546853" sldId="443"/>
+        </pc:sldMkLst>
+      </pc:sldChg>
+      <pc:sldChg chg="add">
+        <pc:chgData name="Louise Brown (staff)" userId="de8b7712-bd89-438d-bea6-a54e5199a8bd" providerId="ADAL" clId="{6A0AEAFE-45F1-4F78-BF24-2A99E964B86F}" dt="2024-06-10T08:41:35.540" v="356"/>
+        <pc:sldMkLst>
+          <pc:docMk/>
+          <pc:sldMk cId="1817866727" sldId="444"/>
+        </pc:sldMkLst>
+      </pc:sldChg>
+      <pc:sldChg chg="add">
+        <pc:chgData name="Louise Brown (staff)" userId="de8b7712-bd89-438d-bea6-a54e5199a8bd" providerId="ADAL" clId="{6A0AEAFE-45F1-4F78-BF24-2A99E964B86F}" dt="2024-06-10T08:41:35.540" v="356"/>
+        <pc:sldMkLst>
+          <pc:docMk/>
+          <pc:sldMk cId="439337608" sldId="445"/>
+        </pc:sldMkLst>
+      </pc:sldChg>
+      <pc:sldChg chg="add">
+        <pc:chgData name="Louise Brown (staff)" userId="de8b7712-bd89-438d-bea6-a54e5199a8bd" providerId="ADAL" clId="{6A0AEAFE-45F1-4F78-BF24-2A99E964B86F}" dt="2024-06-10T08:41:35.540" v="356"/>
+        <pc:sldMkLst>
+          <pc:docMk/>
+          <pc:sldMk cId="1148636722" sldId="446"/>
+        </pc:sldMkLst>
+      </pc:sldChg>
+      <pc:sldChg chg="add">
+        <pc:chgData name="Louise Brown (staff)" userId="de8b7712-bd89-438d-bea6-a54e5199a8bd" providerId="ADAL" clId="{6A0AEAFE-45F1-4F78-BF24-2A99E964B86F}" dt="2024-06-10T08:41:35.540" v="356"/>
+        <pc:sldMkLst>
+          <pc:docMk/>
+          <pc:sldMk cId="2024611758" sldId="447"/>
+        </pc:sldMkLst>
+      </pc:sldChg>
       <pc:sldChg chg="modSp del mod">
         <pc:chgData name="Louise Brown (staff)" userId="de8b7712-bd89-438d-bea6-a54e5199a8bd" providerId="ADAL" clId="{6A0AEAFE-45F1-4F78-BF24-2A99E964B86F}" dt="2024-06-03T09:44:41.714" v="181"/>
         <pc:sldMkLst>
@@ -2054,7 +2102,7 @@
           <a:p>
             <a:fld id="{6C06565E-6C9B-4A06-A09A-D231B01EEF1C}" type="datetimeFigureOut">
               <a:rPr lang="en-GB" smtClean="0"/>
-              <a:t>03/06/2024</a:t>
+              <a:t>10/06/2024</a:t>
             </a:fld>
             <a:endParaRPr lang="en-GB"/>
           </a:p>
@@ -3002,7 +3050,7 @@
                 </a:solidFill>
               </a:rPr>
               <a:pPr/>
-              <a:t>42</a:t>
+              <a:t>43</a:t>
             </a:fld>
             <a:endParaRPr lang="en-GB">
               <a:solidFill>
@@ -3131,7 +3179,7 @@
           <a:p>
             <a:fld id="{0561F5E7-E9A3-428D-802F-730F07CBE60A}" type="slidenum">
               <a:rPr lang="en-GB" smtClean="0"/>
-              <a:t>45</a:t>
+              <a:t>46</a:t>
             </a:fld>
             <a:endParaRPr lang="en-GB"/>
           </a:p>
@@ -4238,7 +4286,7 @@
                 </a:solidFill>
               </a:rPr>
               <a:pPr/>
-              <a:t>03/06/2024</a:t>
+              <a:t>10/06/2024</a:t>
             </a:fld>
             <a:endParaRPr lang="en-GB">
               <a:solidFill>
@@ -4440,7 +4488,7 @@
                 </a:solidFill>
               </a:rPr>
               <a:pPr/>
-              <a:t>03/06/2024</a:t>
+              <a:t>10/06/2024</a:t>
             </a:fld>
             <a:endParaRPr lang="en-GB">
               <a:solidFill>
@@ -4652,7 +4700,7 @@
                 </a:solidFill>
               </a:rPr>
               <a:pPr/>
-              <a:t>03/06/2024</a:t>
+              <a:t>10/06/2024</a:t>
             </a:fld>
             <a:endParaRPr lang="en-GB">
               <a:solidFill>
@@ -6364,7 +6412,7 @@
                 </a:solidFill>
               </a:rPr>
               <a:pPr/>
-              <a:t>03/06/2024</a:t>
+              <a:t>10/06/2024</a:t>
             </a:fld>
             <a:endParaRPr lang="en-GB">
               <a:solidFill>
@@ -7146,7 +7194,7 @@
           <a:p>
             <a:fld id="{F4D14FF6-3E0D-407D-982E-9B686EE47223}" type="datetimeFigureOut">
               <a:rPr lang="en-GB" smtClean="0"/>
-              <a:t>03/06/2024</a:t>
+              <a:t>10/06/2024</a:t>
             </a:fld>
             <a:endParaRPr lang="en-GB"/>
           </a:p>
@@ -7316,7 +7364,7 @@
           <a:p>
             <a:fld id="{F4D14FF6-3E0D-407D-982E-9B686EE47223}" type="datetimeFigureOut">
               <a:rPr lang="en-GB" smtClean="0"/>
-              <a:t>03/06/2024</a:t>
+              <a:t>10/06/2024</a:t>
             </a:fld>
             <a:endParaRPr lang="en-GB"/>
           </a:p>
@@ -7562,7 +7610,7 @@
           <a:p>
             <a:fld id="{F4D14FF6-3E0D-407D-982E-9B686EE47223}" type="datetimeFigureOut">
               <a:rPr lang="en-GB" smtClean="0"/>
-              <a:t>03/06/2024</a:t>
+              <a:t>10/06/2024</a:t>
             </a:fld>
             <a:endParaRPr lang="en-GB"/>
           </a:p>
@@ -7794,7 +7842,7 @@
           <a:p>
             <a:fld id="{F4D14FF6-3E0D-407D-982E-9B686EE47223}" type="datetimeFigureOut">
               <a:rPr lang="en-GB" smtClean="0"/>
-              <a:t>03/06/2024</a:t>
+              <a:t>10/06/2024</a:t>
             </a:fld>
             <a:endParaRPr lang="en-GB"/>
           </a:p>
@@ -8161,7 +8209,7 @@
           <a:p>
             <a:fld id="{F4D14FF6-3E0D-407D-982E-9B686EE47223}" type="datetimeFigureOut">
               <a:rPr lang="en-GB" smtClean="0"/>
-              <a:t>03/06/2024</a:t>
+              <a:t>10/06/2024</a:t>
             </a:fld>
             <a:endParaRPr lang="en-GB"/>
           </a:p>
@@ -8279,7 +8327,7 @@
           <a:p>
             <a:fld id="{F4D14FF6-3E0D-407D-982E-9B686EE47223}" type="datetimeFigureOut">
               <a:rPr lang="en-GB" smtClean="0"/>
-              <a:t>03/06/2024</a:t>
+              <a:t>10/06/2024</a:t>
             </a:fld>
             <a:endParaRPr lang="en-GB"/>
           </a:p>
@@ -8374,7 +8422,7 @@
           <a:p>
             <a:fld id="{F4D14FF6-3E0D-407D-982E-9B686EE47223}" type="datetimeFigureOut">
               <a:rPr lang="en-GB" smtClean="0"/>
-              <a:t>03/06/2024</a:t>
+              <a:t>10/06/2024</a:t>
             </a:fld>
             <a:endParaRPr lang="en-GB"/>
           </a:p>
@@ -8627,7 +8675,7 @@
                 </a:solidFill>
               </a:rPr>
               <a:pPr/>
-              <a:t>03/06/2024</a:t>
+              <a:t>10/06/2024</a:t>
             </a:fld>
             <a:endParaRPr lang="en-GB">
               <a:solidFill>
@@ -8929,7 +8977,7 @@
           <a:p>
             <a:fld id="{F4D14FF6-3E0D-407D-982E-9B686EE47223}" type="datetimeFigureOut">
               <a:rPr lang="en-GB" smtClean="0"/>
-              <a:t>03/06/2024</a:t>
+              <a:t>10/06/2024</a:t>
             </a:fld>
             <a:endParaRPr lang="en-GB"/>
           </a:p>
@@ -9186,7 +9234,7 @@
           <a:p>
             <a:fld id="{F4D14FF6-3E0D-407D-982E-9B686EE47223}" type="datetimeFigureOut">
               <a:rPr lang="en-GB" smtClean="0"/>
-              <a:t>03/06/2024</a:t>
+              <a:t>10/06/2024</a:t>
             </a:fld>
             <a:endParaRPr lang="en-GB"/>
           </a:p>
@@ -9356,7 +9404,7 @@
           <a:p>
             <a:fld id="{F4D14FF6-3E0D-407D-982E-9B686EE47223}" type="datetimeFigureOut">
               <a:rPr lang="en-GB" smtClean="0"/>
-              <a:t>03/06/2024</a:t>
+              <a:t>10/06/2024</a:t>
             </a:fld>
             <a:endParaRPr lang="en-GB"/>
           </a:p>
@@ -9536,7 +9584,7 @@
           <a:p>
             <a:fld id="{F4D14FF6-3E0D-407D-982E-9B686EE47223}" type="datetimeFigureOut">
               <a:rPr lang="en-GB" smtClean="0"/>
-              <a:t>03/06/2024</a:t>
+              <a:t>10/06/2024</a:t>
             </a:fld>
             <a:endParaRPr lang="en-GB"/>
           </a:p>
@@ -10111,7 +10159,7 @@
                 </a:solidFill>
               </a:rPr>
               <a:pPr/>
-              <a:t>03/06/2024</a:t>
+              <a:t>10/06/2024</a:t>
             </a:fld>
             <a:endParaRPr lang="en-GB">
               <a:solidFill>
@@ -10565,7 +10613,7 @@
                 </a:solidFill>
               </a:rPr>
               <a:pPr/>
-              <a:t>03/06/2024</a:t>
+              <a:t>10/06/2024</a:t>
             </a:fld>
             <a:endParaRPr lang="en-GB">
               <a:solidFill>
@@ -10715,7 +10763,7 @@
                 </a:solidFill>
               </a:rPr>
               <a:pPr/>
-              <a:t>03/06/2024</a:t>
+              <a:t>10/06/2024</a:t>
             </a:fld>
             <a:endParaRPr lang="en-GB">
               <a:solidFill>
@@ -10842,7 +10890,7 @@
                 </a:solidFill>
               </a:rPr>
               <a:pPr/>
-              <a:t>03/06/2024</a:t>
+              <a:t>10/06/2024</a:t>
             </a:fld>
             <a:endParaRPr lang="en-GB">
               <a:solidFill>
@@ -11151,7 +11199,7 @@
                 </a:solidFill>
               </a:rPr>
               <a:pPr/>
-              <a:t>03/06/2024</a:t>
+              <a:t>10/06/2024</a:t>
             </a:fld>
             <a:endParaRPr lang="en-GB">
               <a:solidFill>
@@ -11436,7 +11484,7 @@
                 </a:solidFill>
               </a:rPr>
               <a:pPr/>
-              <a:t>03/06/2024</a:t>
+              <a:t>10/06/2024</a:t>
             </a:fld>
             <a:endParaRPr lang="en-GB">
               <a:solidFill>
@@ -11681,7 +11729,7 @@
                 </a:solidFill>
               </a:rPr>
               <a:pPr/>
-              <a:t>03/06/2024</a:t>
+              <a:t>10/06/2024</a:t>
             </a:fld>
             <a:endParaRPr lang="en-GB">
               <a:solidFill>
@@ -12678,7 +12726,7 @@
           <a:p>
             <a:fld id="{F4D14FF6-3E0D-407D-982E-9B686EE47223}" type="datetimeFigureOut">
               <a:rPr lang="en-GB" smtClean="0"/>
-              <a:t>03/06/2024</a:t>
+              <a:t>10/06/2024</a:t>
             </a:fld>
             <a:endParaRPr lang="en-GB"/>
           </a:p>
@@ -26689,6 +26737,145 @@
           </a:p>
         </p:txBody>
       </p:sp>
+      <p:sp>
+        <p:nvSpPr>
+          <p:cNvPr id="4" name="Content Placeholder 3"/>
+          <p:cNvSpPr>
+            <a:spLocks noGrp="1"/>
+          </p:cNvSpPr>
+          <p:nvPr>
+            <p:ph idx="1"/>
+          </p:nvPr>
+        </p:nvSpPr>
+        <p:spPr>
+          <a:xfrm>
+            <a:off x="314325" y="2389427"/>
+            <a:ext cx="5025426" cy="4351338"/>
+          </a:xfrm>
+        </p:spPr>
+        <p:txBody>
+          <a:bodyPr>
+            <a:noAutofit/>
+          </a:bodyPr>
+          <a:lstStyle/>
+          <a:p>
+            <a:r>
+              <a:rPr lang="en-GB" sz="2400" dirty="0"/>
+              <a:t>Regression is the process of using measured data to fit a model of a relationship between variables</a:t>
+            </a:r>
+          </a:p>
+          <a:p>
+            <a:endParaRPr lang="en-GB" sz="2400" dirty="0"/>
+          </a:p>
+          <a:p>
+            <a:r>
+              <a:rPr lang="en-GB" sz="2400" dirty="0"/>
+              <a:t>In this case between </a:t>
+            </a:r>
+            <a:r>
+              <a:rPr lang="en-GB" sz="2400" b="1" dirty="0"/>
+              <a:t>pulse pressure </a:t>
+            </a:r>
+            <a:r>
+              <a:rPr lang="en-GB" sz="2400" dirty="0"/>
+              <a:t>(dependent variable) and </a:t>
+            </a:r>
+            <a:r>
+              <a:rPr lang="en-GB" sz="2400" b="1" dirty="0"/>
+              <a:t>age </a:t>
+            </a:r>
+            <a:r>
+              <a:rPr lang="en-GB" sz="2400" dirty="0"/>
+              <a:t>(independent variable)</a:t>
+            </a:r>
+          </a:p>
+          <a:p>
+            <a:endParaRPr lang="en-GB" dirty="0"/>
+          </a:p>
+        </p:txBody>
+      </p:sp>
+      <p:pic>
+        <p:nvPicPr>
+          <p:cNvPr id="5" name="Picture 4">
+            <a:extLst>
+              <a:ext uri="{FF2B5EF4-FFF2-40B4-BE49-F238E27FC236}">
+                <a16:creationId xmlns:a16="http://schemas.microsoft.com/office/drawing/2014/main" id="{32C5B229-BCDC-4FF3-98B4-660CEC5CD03D}"/>
+              </a:ext>
+            </a:extLst>
+          </p:cNvPr>
+          <p:cNvPicPr>
+            <a:picLocks noChangeAspect="1"/>
+          </p:cNvPicPr>
+          <p:nvPr/>
+        </p:nvPicPr>
+        <p:blipFill rotWithShape="1">
+          <a:blip r:embed="rId2"/>
+          <a:srcRect t="14584"/>
+          <a:stretch/>
+        </p:blipFill>
+        <p:spPr>
+          <a:xfrm>
+            <a:off x="5148056" y="1406313"/>
+            <a:ext cx="6729619" cy="5086562"/>
+          </a:xfrm>
+          <a:prstGeom prst="rect">
+            <a:avLst/>
+          </a:prstGeom>
+        </p:spPr>
+      </p:pic>
+    </p:spTree>
+    <p:extLst>
+      <p:ext uri="{BB962C8B-B14F-4D97-AF65-F5344CB8AC3E}">
+        <p14:creationId xmlns:p14="http://schemas.microsoft.com/office/powerpoint/2010/main" val="3118138934"/>
+      </p:ext>
+    </p:extLst>
+  </p:cSld>
+  <p:clrMapOvr>
+    <a:masterClrMapping/>
+  </p:clrMapOvr>
+</p:sld>
+</file>
+
+<file path=ppt/slides/slide39.xml><?xml version="1.0" encoding="utf-8"?>
+<p:sld xmlns:a="http://schemas.openxmlformats.org/drawingml/2006/main" xmlns:r="http://schemas.openxmlformats.org/officeDocument/2006/relationships" xmlns:p="http://schemas.openxmlformats.org/presentationml/2006/main">
+  <p:cSld>
+    <p:spTree>
+      <p:nvGrpSpPr>
+        <p:cNvPr id="1" name=""/>
+        <p:cNvGrpSpPr/>
+        <p:nvPr/>
+      </p:nvGrpSpPr>
+      <p:grpSpPr>
+        <a:xfrm>
+          <a:off x="0" y="0"/>
+          <a:ext cx="0" cy="0"/>
+          <a:chOff x="0" y="0"/>
+          <a:chExt cx="0" cy="0"/>
+        </a:xfrm>
+      </p:grpSpPr>
+      <p:sp>
+        <p:nvSpPr>
+          <p:cNvPr id="2" name="Title 1"/>
+          <p:cNvSpPr>
+            <a:spLocks noGrp="1"/>
+          </p:cNvSpPr>
+          <p:nvPr>
+            <p:ph type="title"/>
+          </p:nvPr>
+        </p:nvSpPr>
+        <p:spPr/>
+        <p:txBody>
+          <a:bodyPr/>
+          <a:lstStyle/>
+          <a:p>
+            <a:pPr algn="ctr"/>
+            <a:r>
+              <a:rPr lang="en-GB" dirty="0"/>
+              <a:t>Linear Regression Models</a:t>
+            </a:r>
+          </a:p>
+        </p:txBody>
+      </p:sp>
       <mc:AlternateContent xmlns:mc="http://schemas.openxmlformats.org/markup-compatibility/2006" xmlns:a14="http://schemas.microsoft.com/office/drawing/2010/main">
         <mc:Choice Requires="a14">
           <p:sp>
@@ -26920,7 +27107,199 @@
 </p:sld>
 </file>
 
-<file path=ppt/slides/slide39.xml><?xml version="1.0" encoding="utf-8"?>
+<file path=ppt/slides/slide4.xml><?xml version="1.0" encoding="utf-8"?>
+<p:sld xmlns:a="http://schemas.openxmlformats.org/drawingml/2006/main" xmlns:r="http://schemas.openxmlformats.org/officeDocument/2006/relationships" xmlns:p="http://schemas.openxmlformats.org/presentationml/2006/main">
+  <p:cSld>
+    <p:spTree>
+      <p:nvGrpSpPr>
+        <p:cNvPr id="1" name=""/>
+        <p:cNvGrpSpPr/>
+        <p:nvPr/>
+      </p:nvGrpSpPr>
+      <p:grpSpPr>
+        <a:xfrm>
+          <a:off x="0" y="0"/>
+          <a:ext cx="0" cy="0"/>
+          <a:chOff x="0" y="0"/>
+          <a:chExt cx="0" cy="0"/>
+        </a:xfrm>
+      </p:grpSpPr>
+      <p:sp>
+        <p:nvSpPr>
+          <p:cNvPr id="2" name="Title 1">
+            <a:extLst>
+              <a:ext uri="{FF2B5EF4-FFF2-40B4-BE49-F238E27FC236}">
+                <a16:creationId xmlns:a16="http://schemas.microsoft.com/office/drawing/2014/main" id="{69156C31-3711-45F0-B9C1-DFDAA5F560DD}"/>
+              </a:ext>
+            </a:extLst>
+          </p:cNvPr>
+          <p:cNvSpPr>
+            <a:spLocks noGrp="1"/>
+          </p:cNvSpPr>
+          <p:nvPr>
+            <p:ph type="title"/>
+          </p:nvPr>
+        </p:nvSpPr>
+        <p:spPr/>
+        <p:txBody>
+          <a:bodyPr/>
+          <a:lstStyle/>
+          <a:p>
+            <a:pPr algn="ctr"/>
+            <a:r>
+              <a:rPr lang="en-GB" dirty="0"/>
+              <a:t>What is Version Control?</a:t>
+            </a:r>
+          </a:p>
+        </p:txBody>
+      </p:sp>
+      <p:sp>
+        <p:nvSpPr>
+          <p:cNvPr id="7" name="TextBox 6">
+            <a:extLst>
+              <a:ext uri="{FF2B5EF4-FFF2-40B4-BE49-F238E27FC236}">
+                <a16:creationId xmlns:a16="http://schemas.microsoft.com/office/drawing/2014/main" id="{B2AC47F3-9CE2-7E92-C558-00565A705012}"/>
+              </a:ext>
+            </a:extLst>
+          </p:cNvPr>
+          <p:cNvSpPr txBox="1"/>
+          <p:nvPr/>
+        </p:nvSpPr>
+        <p:spPr>
+          <a:xfrm>
+            <a:off x="1971728" y="2188085"/>
+            <a:ext cx="7684655" cy="830997"/>
+          </a:xfrm>
+          <a:prstGeom prst="rect">
+            <a:avLst/>
+          </a:prstGeom>
+          <a:noFill/>
+        </p:spPr>
+        <p:txBody>
+          <a:bodyPr wrap="square">
+            <a:spAutoFit/>
+          </a:bodyPr>
+          <a:lstStyle/>
+          <a:p>
+            <a:r>
+              <a:rPr lang="en-GB" sz="2400" dirty="0"/>
+              <a:t>‘… a system that records changes to a file or set of files over time so that you can recall specific versions later’ </a:t>
+            </a:r>
+            <a:r>
+              <a:rPr lang="en-GB" sz="2400" baseline="30000" dirty="0"/>
+              <a:t>1</a:t>
+            </a:r>
+            <a:endParaRPr lang="en-GB" sz="2400" dirty="0"/>
+          </a:p>
+        </p:txBody>
+      </p:sp>
+      <p:sp>
+        <p:nvSpPr>
+          <p:cNvPr id="8" name="TextBox 7">
+            <a:extLst>
+              <a:ext uri="{FF2B5EF4-FFF2-40B4-BE49-F238E27FC236}">
+                <a16:creationId xmlns:a16="http://schemas.microsoft.com/office/drawing/2014/main" id="{8894954C-4C0F-5D7D-90F6-A313EEC9DBA7}"/>
+              </a:ext>
+            </a:extLst>
+          </p:cNvPr>
+          <p:cNvSpPr txBox="1"/>
+          <p:nvPr/>
+        </p:nvSpPr>
+        <p:spPr>
+          <a:xfrm>
+            <a:off x="2678546" y="4327088"/>
+            <a:ext cx="4246832" cy="1384995"/>
+          </a:xfrm>
+          <a:prstGeom prst="rect">
+            <a:avLst/>
+          </a:prstGeom>
+          <a:noFill/>
+        </p:spPr>
+        <p:txBody>
+          <a:bodyPr wrap="square" rtlCol="0">
+            <a:spAutoFit/>
+          </a:bodyPr>
+          <a:lstStyle/>
+          <a:p>
+            <a:endParaRPr lang="en-GB" baseline="30000" dirty="0"/>
+          </a:p>
+          <a:p>
+            <a:r>
+              <a:rPr lang="en-GB" dirty="0"/>
+              <a:t>Pro Git book, available online (free!)</a:t>
+            </a:r>
+          </a:p>
+          <a:p>
+            <a:endParaRPr lang="en-GB" dirty="0"/>
+          </a:p>
+          <a:p>
+            <a:r>
+              <a:rPr lang="en-GB" baseline="30000" dirty="0"/>
+              <a:t>1 </a:t>
+            </a:r>
+            <a:r>
+              <a:rPr lang="en-GB" dirty="0">
+                <a:hlinkClick r:id="rId2"/>
+              </a:rPr>
+              <a:t>https://git-scm.com/book/en/v2/</a:t>
+            </a:r>
+            <a:endParaRPr lang="en-GB" dirty="0"/>
+          </a:p>
+          <a:p>
+            <a:endParaRPr lang="en-GB" dirty="0"/>
+          </a:p>
+        </p:txBody>
+      </p:sp>
+      <p:pic>
+        <p:nvPicPr>
+          <p:cNvPr id="9" name="Picture 8" descr="Pro Git book cover">
+            <a:extLst>
+              <a:ext uri="{FF2B5EF4-FFF2-40B4-BE49-F238E27FC236}">
+                <a16:creationId xmlns:a16="http://schemas.microsoft.com/office/drawing/2014/main" id="{39D4B845-41A6-03C9-87EA-559AB2773641}"/>
+              </a:ext>
+            </a:extLst>
+          </p:cNvPr>
+          <p:cNvPicPr>
+            <a:picLocks noChangeAspect="1"/>
+          </p:cNvPicPr>
+          <p:nvPr/>
+        </p:nvPicPr>
+        <p:blipFill>
+          <a:blip r:embed="rId3">
+            <a:extLst>
+              <a:ext uri="{28A0092B-C50C-407E-A947-70E740481C1C}">
+                <a14:useLocalDpi xmlns:a14="http://schemas.microsoft.com/office/drawing/2010/main" val="0"/>
+              </a:ext>
+            </a:extLst>
+          </a:blip>
+          <a:stretch>
+            <a:fillRect/>
+          </a:stretch>
+        </p:blipFill>
+        <p:spPr>
+          <a:xfrm>
+            <a:off x="7500273" y="3838919"/>
+            <a:ext cx="1788890" cy="2361334"/>
+          </a:xfrm>
+          <a:prstGeom prst="rect">
+            <a:avLst/>
+          </a:prstGeom>
+        </p:spPr>
+      </p:pic>
+    </p:spTree>
+    <p:extLst>
+      <p:ext uri="{BB962C8B-B14F-4D97-AF65-F5344CB8AC3E}">
+        <p14:creationId xmlns:p14="http://schemas.microsoft.com/office/powerpoint/2010/main" val="1221217987"/>
+      </p:ext>
+    </p:extLst>
+  </p:cSld>
+  <p:clrMapOvr>
+    <a:masterClrMapping/>
+  </p:clrMapOvr>
+</p:sld>
+</file>
+
+<file path=ppt/slides/slide40.xml><?xml version="1.0" encoding="utf-8"?>
 <p:sld xmlns:a="http://schemas.openxmlformats.org/drawingml/2006/main" xmlns:r="http://schemas.openxmlformats.org/officeDocument/2006/relationships" xmlns:p="http://schemas.openxmlformats.org/presentationml/2006/main">
   <p:cSld>
     <p:spTree>
@@ -27706,199 +28085,7 @@
 </p:sld>
 </file>
 
-<file path=ppt/slides/slide4.xml><?xml version="1.0" encoding="utf-8"?>
-<p:sld xmlns:a="http://schemas.openxmlformats.org/drawingml/2006/main" xmlns:r="http://schemas.openxmlformats.org/officeDocument/2006/relationships" xmlns:p="http://schemas.openxmlformats.org/presentationml/2006/main">
-  <p:cSld>
-    <p:spTree>
-      <p:nvGrpSpPr>
-        <p:cNvPr id="1" name=""/>
-        <p:cNvGrpSpPr/>
-        <p:nvPr/>
-      </p:nvGrpSpPr>
-      <p:grpSpPr>
-        <a:xfrm>
-          <a:off x="0" y="0"/>
-          <a:ext cx="0" cy="0"/>
-          <a:chOff x="0" y="0"/>
-          <a:chExt cx="0" cy="0"/>
-        </a:xfrm>
-      </p:grpSpPr>
-      <p:sp>
-        <p:nvSpPr>
-          <p:cNvPr id="2" name="Title 1">
-            <a:extLst>
-              <a:ext uri="{FF2B5EF4-FFF2-40B4-BE49-F238E27FC236}">
-                <a16:creationId xmlns:a16="http://schemas.microsoft.com/office/drawing/2014/main" id="{69156C31-3711-45F0-B9C1-DFDAA5F560DD}"/>
-              </a:ext>
-            </a:extLst>
-          </p:cNvPr>
-          <p:cNvSpPr>
-            <a:spLocks noGrp="1"/>
-          </p:cNvSpPr>
-          <p:nvPr>
-            <p:ph type="title"/>
-          </p:nvPr>
-        </p:nvSpPr>
-        <p:spPr/>
-        <p:txBody>
-          <a:bodyPr/>
-          <a:lstStyle/>
-          <a:p>
-            <a:pPr algn="ctr"/>
-            <a:r>
-              <a:rPr lang="en-GB" dirty="0"/>
-              <a:t>What is Version Control?</a:t>
-            </a:r>
-          </a:p>
-        </p:txBody>
-      </p:sp>
-      <p:sp>
-        <p:nvSpPr>
-          <p:cNvPr id="7" name="TextBox 6">
-            <a:extLst>
-              <a:ext uri="{FF2B5EF4-FFF2-40B4-BE49-F238E27FC236}">
-                <a16:creationId xmlns:a16="http://schemas.microsoft.com/office/drawing/2014/main" id="{B2AC47F3-9CE2-7E92-C558-00565A705012}"/>
-              </a:ext>
-            </a:extLst>
-          </p:cNvPr>
-          <p:cNvSpPr txBox="1"/>
-          <p:nvPr/>
-        </p:nvSpPr>
-        <p:spPr>
-          <a:xfrm>
-            <a:off x="1971728" y="2188085"/>
-            <a:ext cx="7684655" cy="830997"/>
-          </a:xfrm>
-          <a:prstGeom prst="rect">
-            <a:avLst/>
-          </a:prstGeom>
-          <a:noFill/>
-        </p:spPr>
-        <p:txBody>
-          <a:bodyPr wrap="square">
-            <a:spAutoFit/>
-          </a:bodyPr>
-          <a:lstStyle/>
-          <a:p>
-            <a:r>
-              <a:rPr lang="en-GB" sz="2400" dirty="0"/>
-              <a:t>‘… a system that records changes to a file or set of files over time so that you can recall specific versions later’ </a:t>
-            </a:r>
-            <a:r>
-              <a:rPr lang="en-GB" sz="2400" baseline="30000" dirty="0"/>
-              <a:t>1</a:t>
-            </a:r>
-            <a:endParaRPr lang="en-GB" sz="2400" dirty="0"/>
-          </a:p>
-        </p:txBody>
-      </p:sp>
-      <p:sp>
-        <p:nvSpPr>
-          <p:cNvPr id="8" name="TextBox 7">
-            <a:extLst>
-              <a:ext uri="{FF2B5EF4-FFF2-40B4-BE49-F238E27FC236}">
-                <a16:creationId xmlns:a16="http://schemas.microsoft.com/office/drawing/2014/main" id="{8894954C-4C0F-5D7D-90F6-A313EEC9DBA7}"/>
-              </a:ext>
-            </a:extLst>
-          </p:cNvPr>
-          <p:cNvSpPr txBox="1"/>
-          <p:nvPr/>
-        </p:nvSpPr>
-        <p:spPr>
-          <a:xfrm>
-            <a:off x="2678546" y="4327088"/>
-            <a:ext cx="4246832" cy="1384995"/>
-          </a:xfrm>
-          <a:prstGeom prst="rect">
-            <a:avLst/>
-          </a:prstGeom>
-          <a:noFill/>
-        </p:spPr>
-        <p:txBody>
-          <a:bodyPr wrap="square" rtlCol="0">
-            <a:spAutoFit/>
-          </a:bodyPr>
-          <a:lstStyle/>
-          <a:p>
-            <a:endParaRPr lang="en-GB" baseline="30000" dirty="0"/>
-          </a:p>
-          <a:p>
-            <a:r>
-              <a:rPr lang="en-GB" dirty="0"/>
-              <a:t>Pro Git book, available online (free!)</a:t>
-            </a:r>
-          </a:p>
-          <a:p>
-            <a:endParaRPr lang="en-GB" dirty="0"/>
-          </a:p>
-          <a:p>
-            <a:r>
-              <a:rPr lang="en-GB" baseline="30000" dirty="0"/>
-              <a:t>1 </a:t>
-            </a:r>
-            <a:r>
-              <a:rPr lang="en-GB" dirty="0">
-                <a:hlinkClick r:id="rId2"/>
-              </a:rPr>
-              <a:t>https://git-scm.com/book/en/v2/</a:t>
-            </a:r>
-            <a:endParaRPr lang="en-GB" dirty="0"/>
-          </a:p>
-          <a:p>
-            <a:endParaRPr lang="en-GB" dirty="0"/>
-          </a:p>
-        </p:txBody>
-      </p:sp>
-      <p:pic>
-        <p:nvPicPr>
-          <p:cNvPr id="9" name="Picture 8" descr="Pro Git book cover">
-            <a:extLst>
-              <a:ext uri="{FF2B5EF4-FFF2-40B4-BE49-F238E27FC236}">
-                <a16:creationId xmlns:a16="http://schemas.microsoft.com/office/drawing/2014/main" id="{39D4B845-41A6-03C9-87EA-559AB2773641}"/>
-              </a:ext>
-            </a:extLst>
-          </p:cNvPr>
-          <p:cNvPicPr>
-            <a:picLocks noChangeAspect="1"/>
-          </p:cNvPicPr>
-          <p:nvPr/>
-        </p:nvPicPr>
-        <p:blipFill>
-          <a:blip r:embed="rId3">
-            <a:extLst>
-              <a:ext uri="{28A0092B-C50C-407E-A947-70E740481C1C}">
-                <a14:useLocalDpi xmlns:a14="http://schemas.microsoft.com/office/drawing/2010/main" val="0"/>
-              </a:ext>
-            </a:extLst>
-          </a:blip>
-          <a:stretch>
-            <a:fillRect/>
-          </a:stretch>
-        </p:blipFill>
-        <p:spPr>
-          <a:xfrm>
-            <a:off x="7500273" y="3838919"/>
-            <a:ext cx="1788890" cy="2361334"/>
-          </a:xfrm>
-          <a:prstGeom prst="rect">
-            <a:avLst/>
-          </a:prstGeom>
-        </p:spPr>
-      </p:pic>
-    </p:spTree>
-    <p:extLst>
-      <p:ext uri="{BB962C8B-B14F-4D97-AF65-F5344CB8AC3E}">
-        <p14:creationId xmlns:p14="http://schemas.microsoft.com/office/powerpoint/2010/main" val="1221217987"/>
-      </p:ext>
-    </p:extLst>
-  </p:cSld>
-  <p:clrMapOvr>
-    <a:masterClrMapping/>
-  </p:clrMapOvr>
-</p:sld>
-</file>
-
-<file path=ppt/slides/slide40.xml><?xml version="1.0" encoding="utf-8"?>
+<file path=ppt/slides/slide41.xml><?xml version="1.0" encoding="utf-8"?>
 <p:sld xmlns:a="http://schemas.openxmlformats.org/drawingml/2006/main" xmlns:r="http://schemas.openxmlformats.org/officeDocument/2006/relationships" xmlns:p="http://schemas.openxmlformats.org/presentationml/2006/main">
   <p:cSld>
     <p:spTree>
@@ -31211,207 +31398,6 @@
 </p:sld>
 </file>
 
-<file path=ppt/slides/slide41.xml><?xml version="1.0" encoding="utf-8"?>
-<p:sld xmlns:a="http://schemas.openxmlformats.org/drawingml/2006/main" xmlns:r="http://schemas.openxmlformats.org/officeDocument/2006/relationships" xmlns:p="http://schemas.openxmlformats.org/presentationml/2006/main">
-  <p:cSld>
-    <p:spTree>
-      <p:nvGrpSpPr>
-        <p:cNvPr id="1" name=""/>
-        <p:cNvGrpSpPr/>
-        <p:nvPr/>
-      </p:nvGrpSpPr>
-      <p:grpSpPr>
-        <a:xfrm>
-          <a:off x="0" y="0"/>
-          <a:ext cx="0" cy="0"/>
-          <a:chOff x="0" y="0"/>
-          <a:chExt cx="0" cy="0"/>
-        </a:xfrm>
-      </p:grpSpPr>
-      <p:sp>
-        <p:nvSpPr>
-          <p:cNvPr id="2" name="Title 1">
-            <a:extLst>
-              <a:ext uri="{FF2B5EF4-FFF2-40B4-BE49-F238E27FC236}">
-                <a16:creationId xmlns:a16="http://schemas.microsoft.com/office/drawing/2014/main" id="{93D04027-176D-7C37-0665-3ED3C4B7E0FD}"/>
-              </a:ext>
-            </a:extLst>
-          </p:cNvPr>
-          <p:cNvSpPr>
-            <a:spLocks noGrp="1"/>
-          </p:cNvSpPr>
-          <p:nvPr>
-            <p:ph type="title"/>
-          </p:nvPr>
-        </p:nvSpPr>
-        <p:spPr/>
-        <p:txBody>
-          <a:bodyPr/>
-          <a:lstStyle/>
-          <a:p>
-            <a:pPr algn="ctr"/>
-            <a:r>
-              <a:rPr lang="en-GB" dirty="0"/>
-              <a:t>Slash and Backslash</a:t>
-            </a:r>
-          </a:p>
-        </p:txBody>
-      </p:sp>
-      <p:sp>
-        <p:nvSpPr>
-          <p:cNvPr id="3" name="Content Placeholder 2">
-            <a:extLst>
-              <a:ext uri="{FF2B5EF4-FFF2-40B4-BE49-F238E27FC236}">
-                <a16:creationId xmlns:a16="http://schemas.microsoft.com/office/drawing/2014/main" id="{144233E6-8DF7-7DE7-7AD6-44903869EAF5}"/>
-              </a:ext>
-            </a:extLst>
-          </p:cNvPr>
-          <p:cNvSpPr>
-            <a:spLocks noGrp="1"/>
-          </p:cNvSpPr>
-          <p:nvPr>
-            <p:ph idx="1"/>
-          </p:nvPr>
-        </p:nvSpPr>
-        <p:spPr>
-          <a:xfrm>
-            <a:off x="1881054" y="1808534"/>
-            <a:ext cx="8573301" cy="4351338"/>
-          </a:xfrm>
-        </p:spPr>
-        <p:txBody>
-          <a:bodyPr>
-            <a:normAutofit fontScale="92500" lnSpcReduction="20000"/>
-          </a:bodyPr>
-          <a:lstStyle/>
-          <a:p>
-            <a:r>
-              <a:rPr lang="en-GB" sz="2400" dirty="0"/>
-              <a:t>Matrix multiplication is not commutative (generally AB ≠ BA) </a:t>
-            </a:r>
-          </a:p>
-          <a:p>
-            <a:endParaRPr lang="en-GB" sz="2400" dirty="0"/>
-          </a:p>
-          <a:p>
-            <a:r>
-              <a:rPr lang="en-GB" sz="2400" dirty="0"/>
-              <a:t>AX = B and XA = B represent different systems of equations for X</a:t>
-            </a:r>
-          </a:p>
-          <a:p>
-            <a:pPr marL="0" indent="0">
-              <a:buNone/>
-            </a:pPr>
-            <a:endParaRPr lang="en-GB" sz="2400" dirty="0"/>
-          </a:p>
-          <a:p>
-            <a:r>
-              <a:rPr lang="en-GB" sz="2400" dirty="0"/>
-              <a:t>MATLAB uses / and \ to distinguish between these:</a:t>
-            </a:r>
-          </a:p>
-          <a:p>
-            <a:endParaRPr lang="en-GB" sz="2400" dirty="0"/>
-          </a:p>
-          <a:p>
-            <a:pPr marL="457200" lvl="1" indent="0">
-              <a:buNone/>
-            </a:pPr>
-            <a:r>
-              <a:rPr lang="en-GB" dirty="0">
-                <a:latin typeface="Courier New" panose="02070309020205020404" pitchFamily="49" charset="0"/>
-                <a:cs typeface="Courier New" panose="02070309020205020404" pitchFamily="49" charset="0"/>
-              </a:rPr>
-              <a:t>&gt;&gt; X = B/A    </a:t>
-            </a:r>
-            <a:r>
-              <a:rPr lang="en-GB" dirty="0">
-                <a:cs typeface="Courier New" panose="02070309020205020404" pitchFamily="49" charset="0"/>
-              </a:rPr>
-              <a:t>represents “solve the system XA = B”, while</a:t>
-            </a:r>
-          </a:p>
-          <a:p>
-            <a:pPr marL="457200" lvl="1" indent="0">
-              <a:buNone/>
-            </a:pPr>
-            <a:endParaRPr lang="en-GB" dirty="0">
-              <a:cs typeface="Courier New" panose="02070309020205020404" pitchFamily="49" charset="0"/>
-            </a:endParaRPr>
-          </a:p>
-          <a:p>
-            <a:pPr marL="457200" lvl="1" indent="0">
-              <a:buNone/>
-            </a:pPr>
-            <a:r>
-              <a:rPr lang="en-GB" dirty="0">
-                <a:latin typeface="Courier New" panose="02070309020205020404" pitchFamily="49" charset="0"/>
-                <a:cs typeface="Courier New" panose="02070309020205020404" pitchFamily="49" charset="0"/>
-              </a:rPr>
-              <a:t>&gt;&gt; X = B\A    </a:t>
-            </a:r>
-            <a:r>
-              <a:rPr lang="en-GB" dirty="0">
-                <a:cs typeface="Courier New" panose="02070309020205020404" pitchFamily="49" charset="0"/>
-              </a:rPr>
-              <a:t>represents “solve the system AX = B”</a:t>
-            </a:r>
-            <a:endParaRPr lang="en-GB" dirty="0">
-              <a:latin typeface="Courier New" panose="02070309020205020404" pitchFamily="49" charset="0"/>
-              <a:cs typeface="Courier New" panose="02070309020205020404" pitchFamily="49" charset="0"/>
-            </a:endParaRPr>
-          </a:p>
-          <a:p>
-            <a:pPr marL="457200" lvl="1" indent="0">
-              <a:buNone/>
-            </a:pPr>
-            <a:endParaRPr lang="en-GB" sz="1600" dirty="0">
-              <a:latin typeface="Courier New" panose="02070309020205020404" pitchFamily="49" charset="0"/>
-              <a:cs typeface="Courier New" panose="02070309020205020404" pitchFamily="49" charset="0"/>
-            </a:endParaRPr>
-          </a:p>
-          <a:p>
-            <a:pPr marL="457200" lvl="1" indent="0">
-              <a:buNone/>
-            </a:pPr>
-            <a:endParaRPr lang="en-GB" sz="1600" dirty="0">
-              <a:latin typeface="Courier New" panose="02070309020205020404" pitchFamily="49" charset="0"/>
-              <a:cs typeface="Courier New" panose="02070309020205020404" pitchFamily="49" charset="0"/>
-            </a:endParaRPr>
-          </a:p>
-          <a:p>
-            <a:pPr marL="457200" lvl="1" indent="0">
-              <a:buNone/>
-            </a:pPr>
-            <a:endParaRPr lang="en-GB" sz="1600" dirty="0">
-              <a:cs typeface="Courier New" panose="02070309020205020404" pitchFamily="49" charset="0"/>
-            </a:endParaRPr>
-          </a:p>
-          <a:p>
-            <a:pPr marL="0" indent="0">
-              <a:buNone/>
-            </a:pPr>
-            <a:r>
-              <a:rPr lang="en-GB" dirty="0"/>
-              <a:t>  </a:t>
-            </a:r>
-          </a:p>
-        </p:txBody>
-      </p:sp>
-    </p:spTree>
-    <p:extLst>
-      <p:ext uri="{BB962C8B-B14F-4D97-AF65-F5344CB8AC3E}">
-        <p14:creationId xmlns:p14="http://schemas.microsoft.com/office/powerpoint/2010/main" val="2718025386"/>
-      </p:ext>
-    </p:extLst>
-  </p:cSld>
-  <p:clrMapOvr>
-    <a:masterClrMapping/>
-  </p:clrMapOvr>
-</p:sld>
-</file>
-
 <file path=ppt/slides/slide42.xml><?xml version="1.0" encoding="utf-8"?>
 <p:sld xmlns:a="http://schemas.openxmlformats.org/drawingml/2006/main" xmlns:r="http://schemas.openxmlformats.org/officeDocument/2006/relationships" xmlns:p="http://schemas.openxmlformats.org/presentationml/2006/main">
   <p:cSld>
@@ -31431,6 +31417,207 @@
       </p:grpSpPr>
       <p:sp>
         <p:nvSpPr>
+          <p:cNvPr id="2" name="Title 1">
+            <a:extLst>
+              <a:ext uri="{FF2B5EF4-FFF2-40B4-BE49-F238E27FC236}">
+                <a16:creationId xmlns:a16="http://schemas.microsoft.com/office/drawing/2014/main" id="{93D04027-176D-7C37-0665-3ED3C4B7E0FD}"/>
+              </a:ext>
+            </a:extLst>
+          </p:cNvPr>
+          <p:cNvSpPr>
+            <a:spLocks noGrp="1"/>
+          </p:cNvSpPr>
+          <p:nvPr>
+            <p:ph type="title"/>
+          </p:nvPr>
+        </p:nvSpPr>
+        <p:spPr/>
+        <p:txBody>
+          <a:bodyPr/>
+          <a:lstStyle/>
+          <a:p>
+            <a:pPr algn="ctr"/>
+            <a:r>
+              <a:rPr lang="en-GB" dirty="0"/>
+              <a:t>Slash and Backslash</a:t>
+            </a:r>
+          </a:p>
+        </p:txBody>
+      </p:sp>
+      <p:sp>
+        <p:nvSpPr>
+          <p:cNvPr id="3" name="Content Placeholder 2">
+            <a:extLst>
+              <a:ext uri="{FF2B5EF4-FFF2-40B4-BE49-F238E27FC236}">
+                <a16:creationId xmlns:a16="http://schemas.microsoft.com/office/drawing/2014/main" id="{144233E6-8DF7-7DE7-7AD6-44903869EAF5}"/>
+              </a:ext>
+            </a:extLst>
+          </p:cNvPr>
+          <p:cNvSpPr>
+            <a:spLocks noGrp="1"/>
+          </p:cNvSpPr>
+          <p:nvPr>
+            <p:ph idx="1"/>
+          </p:nvPr>
+        </p:nvSpPr>
+        <p:spPr>
+          <a:xfrm>
+            <a:off x="1881054" y="1808534"/>
+            <a:ext cx="8573301" cy="4351338"/>
+          </a:xfrm>
+        </p:spPr>
+        <p:txBody>
+          <a:bodyPr>
+            <a:normAutofit fontScale="92500" lnSpcReduction="20000"/>
+          </a:bodyPr>
+          <a:lstStyle/>
+          <a:p>
+            <a:r>
+              <a:rPr lang="en-GB" sz="2400" dirty="0"/>
+              <a:t>Matrix multiplication is not commutative (generally AB ≠ BA) </a:t>
+            </a:r>
+          </a:p>
+          <a:p>
+            <a:endParaRPr lang="en-GB" sz="2400" dirty="0"/>
+          </a:p>
+          <a:p>
+            <a:r>
+              <a:rPr lang="en-GB" sz="2400" dirty="0"/>
+              <a:t>AX = B and XA = B represent different systems of equations for X</a:t>
+            </a:r>
+          </a:p>
+          <a:p>
+            <a:pPr marL="0" indent="0">
+              <a:buNone/>
+            </a:pPr>
+            <a:endParaRPr lang="en-GB" sz="2400" dirty="0"/>
+          </a:p>
+          <a:p>
+            <a:r>
+              <a:rPr lang="en-GB" sz="2400" dirty="0"/>
+              <a:t>MATLAB uses / and \ to distinguish between these:</a:t>
+            </a:r>
+          </a:p>
+          <a:p>
+            <a:endParaRPr lang="en-GB" sz="2400" dirty="0"/>
+          </a:p>
+          <a:p>
+            <a:pPr marL="457200" lvl="1" indent="0">
+              <a:buNone/>
+            </a:pPr>
+            <a:r>
+              <a:rPr lang="en-GB" dirty="0">
+                <a:latin typeface="Courier New" panose="02070309020205020404" pitchFamily="49" charset="0"/>
+                <a:cs typeface="Courier New" panose="02070309020205020404" pitchFamily="49" charset="0"/>
+              </a:rPr>
+              <a:t>&gt;&gt; X = B/A    </a:t>
+            </a:r>
+            <a:r>
+              <a:rPr lang="en-GB" dirty="0">
+                <a:cs typeface="Courier New" panose="02070309020205020404" pitchFamily="49" charset="0"/>
+              </a:rPr>
+              <a:t>represents “solve the system XA = B”, while</a:t>
+            </a:r>
+          </a:p>
+          <a:p>
+            <a:pPr marL="457200" lvl="1" indent="0">
+              <a:buNone/>
+            </a:pPr>
+            <a:endParaRPr lang="en-GB" dirty="0">
+              <a:cs typeface="Courier New" panose="02070309020205020404" pitchFamily="49" charset="0"/>
+            </a:endParaRPr>
+          </a:p>
+          <a:p>
+            <a:pPr marL="457200" lvl="1" indent="0">
+              <a:buNone/>
+            </a:pPr>
+            <a:r>
+              <a:rPr lang="en-GB" dirty="0">
+                <a:latin typeface="Courier New" panose="02070309020205020404" pitchFamily="49" charset="0"/>
+                <a:cs typeface="Courier New" panose="02070309020205020404" pitchFamily="49" charset="0"/>
+              </a:rPr>
+              <a:t>&gt;&gt; X = B\A    </a:t>
+            </a:r>
+            <a:r>
+              <a:rPr lang="en-GB" dirty="0">
+                <a:cs typeface="Courier New" panose="02070309020205020404" pitchFamily="49" charset="0"/>
+              </a:rPr>
+              <a:t>represents “solve the system AX = B”</a:t>
+            </a:r>
+            <a:endParaRPr lang="en-GB" dirty="0">
+              <a:latin typeface="Courier New" panose="02070309020205020404" pitchFamily="49" charset="0"/>
+              <a:cs typeface="Courier New" panose="02070309020205020404" pitchFamily="49" charset="0"/>
+            </a:endParaRPr>
+          </a:p>
+          <a:p>
+            <a:pPr marL="457200" lvl="1" indent="0">
+              <a:buNone/>
+            </a:pPr>
+            <a:endParaRPr lang="en-GB" sz="1600" dirty="0">
+              <a:latin typeface="Courier New" panose="02070309020205020404" pitchFamily="49" charset="0"/>
+              <a:cs typeface="Courier New" panose="02070309020205020404" pitchFamily="49" charset="0"/>
+            </a:endParaRPr>
+          </a:p>
+          <a:p>
+            <a:pPr marL="457200" lvl="1" indent="0">
+              <a:buNone/>
+            </a:pPr>
+            <a:endParaRPr lang="en-GB" sz="1600" dirty="0">
+              <a:latin typeface="Courier New" panose="02070309020205020404" pitchFamily="49" charset="0"/>
+              <a:cs typeface="Courier New" panose="02070309020205020404" pitchFamily="49" charset="0"/>
+            </a:endParaRPr>
+          </a:p>
+          <a:p>
+            <a:pPr marL="457200" lvl="1" indent="0">
+              <a:buNone/>
+            </a:pPr>
+            <a:endParaRPr lang="en-GB" sz="1600" dirty="0">
+              <a:cs typeface="Courier New" panose="02070309020205020404" pitchFamily="49" charset="0"/>
+            </a:endParaRPr>
+          </a:p>
+          <a:p>
+            <a:pPr marL="0" indent="0">
+              <a:buNone/>
+            </a:pPr>
+            <a:r>
+              <a:rPr lang="en-GB" dirty="0"/>
+              <a:t>  </a:t>
+            </a:r>
+          </a:p>
+        </p:txBody>
+      </p:sp>
+    </p:spTree>
+    <p:extLst>
+      <p:ext uri="{BB962C8B-B14F-4D97-AF65-F5344CB8AC3E}">
+        <p14:creationId xmlns:p14="http://schemas.microsoft.com/office/powerpoint/2010/main" val="2718025386"/>
+      </p:ext>
+    </p:extLst>
+  </p:cSld>
+  <p:clrMapOvr>
+    <a:masterClrMapping/>
+  </p:clrMapOvr>
+</p:sld>
+</file>
+
+<file path=ppt/slides/slide43.xml><?xml version="1.0" encoding="utf-8"?>
+<p:sld xmlns:a="http://schemas.openxmlformats.org/drawingml/2006/main" xmlns:r="http://schemas.openxmlformats.org/officeDocument/2006/relationships" xmlns:p="http://schemas.openxmlformats.org/presentationml/2006/main">
+  <p:cSld>
+    <p:spTree>
+      <p:nvGrpSpPr>
+        <p:cNvPr id="1" name=""/>
+        <p:cNvGrpSpPr/>
+        <p:nvPr/>
+      </p:nvGrpSpPr>
+      <p:grpSpPr>
+        <a:xfrm>
+          <a:off x="0" y="0"/>
+          <a:ext cx="0" cy="0"/>
+          <a:chOff x="0" y="0"/>
+          <a:chExt cx="0" cy="0"/>
+        </a:xfrm>
+      </p:grpSpPr>
+      <p:sp>
+        <p:nvSpPr>
           <p:cNvPr id="2" name="Title 1"/>
           <p:cNvSpPr>
             <a:spLocks noGrp="1"/>
@@ -31482,7 +31669,7 @@
                 </a:solidFill>
               </a:rPr>
               <a:pPr/>
-              <a:t>42</a:t>
+              <a:t>43</a:t>
             </a:fld>
             <a:endParaRPr lang="en-GB">
               <a:solidFill>
@@ -32003,7 +32190,7 @@
 </p:sld>
 </file>
 
-<file path=ppt/slides/slide43.xml><?xml version="1.0" encoding="utf-8"?>
+<file path=ppt/slides/slide44.xml><?xml version="1.0" encoding="utf-8"?>
 <p:sld xmlns:a="http://schemas.openxmlformats.org/drawingml/2006/main" xmlns:r="http://schemas.openxmlformats.org/officeDocument/2006/relationships" xmlns:p="http://schemas.openxmlformats.org/presentationml/2006/main">
   <p:cSld>
     <p:spTree>
@@ -32044,7 +32231,7 @@
                 </a:solidFill>
               </a:rPr>
               <a:pPr/>
-              <a:t>43</a:t>
+              <a:t>44</a:t>
             </a:fld>
             <a:endParaRPr lang="en-GB">
               <a:solidFill>
@@ -32749,7 +32936,7 @@
 </p:sld>
 </file>
 
-<file path=ppt/slides/slide44.xml><?xml version="1.0" encoding="utf-8"?>
+<file path=ppt/slides/slide45.xml><?xml version="1.0" encoding="utf-8"?>
 <p:sld xmlns:a="http://schemas.openxmlformats.org/drawingml/2006/main" xmlns:r="http://schemas.openxmlformats.org/officeDocument/2006/relationships" xmlns:p="http://schemas.openxmlformats.org/presentationml/2006/main">
   <p:cSld>
     <p:spTree>
@@ -33369,7 +33556,7 @@
 </p:sld>
 </file>
 
-<file path=ppt/slides/slide45.xml><?xml version="1.0" encoding="utf-8"?>
+<file path=ppt/slides/slide46.xml><?xml version="1.0" encoding="utf-8"?>
 <p:sld xmlns:a="http://schemas.openxmlformats.org/drawingml/2006/main" xmlns:r="http://schemas.openxmlformats.org/officeDocument/2006/relationships" xmlns:p="http://schemas.openxmlformats.org/presentationml/2006/main">
   <p:cSld>
     <p:spTree>
@@ -33432,7 +33619,7 @@
           <a:p>
             <a:fld id="{83730267-60C2-4514-997F-6A8804439442}" type="slidenum">
               <a:rPr lang="en-GB" smtClean="0"/>
-              <a:t>45</a:t>
+              <a:t>46</a:t>
             </a:fld>
             <a:endParaRPr lang="en-GB"/>
           </a:p>
@@ -33863,149 +34050,6 @@
 </p:sld>
 </file>
 
-<file path=ppt/slides/slide46.xml><?xml version="1.0" encoding="utf-8"?>
-<p:sld xmlns:a="http://schemas.openxmlformats.org/drawingml/2006/main" xmlns:r="http://schemas.openxmlformats.org/officeDocument/2006/relationships" xmlns:p="http://schemas.openxmlformats.org/presentationml/2006/main">
-  <p:cSld>
-    <p:spTree>
-      <p:nvGrpSpPr>
-        <p:cNvPr id="1" name=""/>
-        <p:cNvGrpSpPr/>
-        <p:nvPr/>
-      </p:nvGrpSpPr>
-      <p:grpSpPr>
-        <a:xfrm>
-          <a:off x="0" y="0"/>
-          <a:ext cx="0" cy="0"/>
-          <a:chOff x="0" y="0"/>
-          <a:chExt cx="0" cy="0"/>
-        </a:xfrm>
-      </p:grpSpPr>
-      <p:sp>
-        <p:nvSpPr>
-          <p:cNvPr id="2" name="Title 1">
-            <a:extLst>
-              <a:ext uri="{FF2B5EF4-FFF2-40B4-BE49-F238E27FC236}">
-                <a16:creationId xmlns:a16="http://schemas.microsoft.com/office/drawing/2014/main" id="{6526419F-0E68-9C26-274E-F6801E82F293}"/>
-              </a:ext>
-            </a:extLst>
-          </p:cNvPr>
-          <p:cNvSpPr>
-            <a:spLocks noGrp="1"/>
-          </p:cNvSpPr>
-          <p:nvPr>
-            <p:ph type="title"/>
-          </p:nvPr>
-        </p:nvSpPr>
-        <p:spPr/>
-        <p:txBody>
-          <a:bodyPr/>
-          <a:lstStyle/>
-          <a:p>
-            <a:r>
-              <a:rPr lang="en-GB" dirty="0"/>
-              <a:t>Software Testing</a:t>
-            </a:r>
-          </a:p>
-        </p:txBody>
-      </p:sp>
-      <p:sp>
-        <p:nvSpPr>
-          <p:cNvPr id="3" name="Content Placeholder 2">
-            <a:extLst>
-              <a:ext uri="{FF2B5EF4-FFF2-40B4-BE49-F238E27FC236}">
-                <a16:creationId xmlns:a16="http://schemas.microsoft.com/office/drawing/2014/main" id="{4795FF2B-4679-C340-3F12-BED74CA25425}"/>
-              </a:ext>
-            </a:extLst>
-          </p:cNvPr>
-          <p:cNvSpPr>
-            <a:spLocks noGrp="1"/>
-          </p:cNvSpPr>
-          <p:nvPr>
-            <p:ph idx="1"/>
-          </p:nvPr>
-        </p:nvSpPr>
-        <p:spPr/>
-        <p:txBody>
-          <a:bodyPr/>
-          <a:lstStyle/>
-          <a:p>
-            <a:pPr marL="0" indent="0">
-              <a:buNone/>
-            </a:pPr>
-            <a:r>
-              <a:rPr lang="en-GB" dirty="0"/>
-              <a:t>Please take a look at this blog before the session tomorrow:</a:t>
-            </a:r>
-          </a:p>
-          <a:p>
-            <a:pPr marL="0" indent="0">
-              <a:buNone/>
-            </a:pPr>
-            <a:r>
-              <a:rPr lang="en-GB" dirty="0">
-                <a:hlinkClick r:id="rId2"/>
-              </a:rPr>
-              <a:t>A Brief Introduction to Software Testing</a:t>
-            </a:r>
-            <a:endParaRPr lang="en-GB" dirty="0"/>
-          </a:p>
-        </p:txBody>
-      </p:sp>
-      <p:sp>
-        <p:nvSpPr>
-          <p:cNvPr id="4" name="Slide Number Placeholder 3">
-            <a:extLst>
-              <a:ext uri="{FF2B5EF4-FFF2-40B4-BE49-F238E27FC236}">
-                <a16:creationId xmlns:a16="http://schemas.microsoft.com/office/drawing/2014/main" id="{AF86B5FF-55B2-D4F8-CA74-07D9F383239A}"/>
-              </a:ext>
-            </a:extLst>
-          </p:cNvPr>
-          <p:cNvSpPr>
-            <a:spLocks noGrp="1"/>
-          </p:cNvSpPr>
-          <p:nvPr>
-            <p:ph type="sldNum" sz="quarter" idx="12"/>
-          </p:nvPr>
-        </p:nvSpPr>
-        <p:spPr/>
-        <p:txBody>
-          <a:bodyPr/>
-          <a:lstStyle/>
-          <a:p>
-            <a:fld id="{83730267-60C2-4514-997F-6A8804439442}" type="slidenum">
-              <a:rPr lang="en-GB" smtClean="0">
-                <a:solidFill>
-                  <a:prstClr val="black">
-                    <a:tint val="75000"/>
-                  </a:prstClr>
-                </a:solidFill>
-              </a:rPr>
-              <a:pPr/>
-              <a:t>46</a:t>
-            </a:fld>
-            <a:endParaRPr lang="en-GB">
-              <a:solidFill>
-                <a:prstClr val="black">
-                  <a:tint val="75000"/>
-                </a:prstClr>
-              </a:solidFill>
-            </a:endParaRPr>
-          </a:p>
-        </p:txBody>
-      </p:sp>
-    </p:spTree>
-    <p:extLst>
-      <p:ext uri="{BB962C8B-B14F-4D97-AF65-F5344CB8AC3E}">
-        <p14:creationId xmlns:p14="http://schemas.microsoft.com/office/powerpoint/2010/main" val="2224768003"/>
-      </p:ext>
-    </p:extLst>
-  </p:cSld>
-  <p:clrMapOvr>
-    <a:masterClrMapping/>
-  </p:clrMapOvr>
-</p:sld>
-</file>
-
 <file path=ppt/slides/slide47.xml><?xml version="1.0" encoding="utf-8"?>
 <p:sld xmlns:a="http://schemas.openxmlformats.org/drawingml/2006/main" xmlns:r="http://schemas.openxmlformats.org/officeDocument/2006/relationships" xmlns:p="http://schemas.openxmlformats.org/presentationml/2006/main">
   <p:cSld>
@@ -34028,7 +34072,7 @@
           <p:cNvPr id="2" name="Title 1">
             <a:extLst>
               <a:ext uri="{FF2B5EF4-FFF2-40B4-BE49-F238E27FC236}">
-                <a16:creationId xmlns:a16="http://schemas.microsoft.com/office/drawing/2014/main" id="{0205CA92-26BA-C99F-E8BA-840A9551647E}"/>
+                <a16:creationId xmlns:a16="http://schemas.microsoft.com/office/drawing/2014/main" id="{DE8F5683-3E3D-0720-27E1-975334317D56}"/>
               </a:ext>
             </a:extLst>
           </p:cNvPr>
@@ -34046,7 +34090,7 @@
           <a:p>
             <a:r>
               <a:rPr lang="en-GB" dirty="0"/>
-              <a:t>Software Testing</a:t>
+              <a:t>What is AI?</a:t>
             </a:r>
           </a:p>
         </p:txBody>
@@ -34056,7 +34100,7 @@
           <p:cNvPr id="3" name="Slide Number Placeholder 2">
             <a:extLst>
               <a:ext uri="{FF2B5EF4-FFF2-40B4-BE49-F238E27FC236}">
-                <a16:creationId xmlns:a16="http://schemas.microsoft.com/office/drawing/2014/main" id="{B6F8BE1A-2466-3F24-2684-11CE2A09FB21}"/>
+                <a16:creationId xmlns:a16="http://schemas.microsoft.com/office/drawing/2014/main" id="{BE3B3F7E-3BDB-750A-7BBD-0D14F1915DF2}"/>
               </a:ext>
             </a:extLst>
           </p:cNvPr>
@@ -34095,10 +34139,78 @@
       </p:sp>
       <p:pic>
         <p:nvPicPr>
-          <p:cNvPr id="6" name="Picture 5" descr="A qr code with black squares&#10;&#10;Description automatically generated with low confidence">
+          <p:cNvPr id="4" name="Picture 3">
             <a:extLst>
               <a:ext uri="{FF2B5EF4-FFF2-40B4-BE49-F238E27FC236}">
-                <a16:creationId xmlns:a16="http://schemas.microsoft.com/office/drawing/2014/main" id="{3A8A9B7C-999C-A7A8-4CB2-B3C7D2DD3139}"/>
+                <a16:creationId xmlns:a16="http://schemas.microsoft.com/office/drawing/2014/main" id="{A4C80836-91D8-D935-FBB3-62BDFEC5C31D}"/>
+              </a:ext>
+            </a:extLst>
+          </p:cNvPr>
+          <p:cNvPicPr>
+            <a:picLocks noChangeAspect="1"/>
+          </p:cNvPicPr>
+          <p:nvPr/>
+        </p:nvPicPr>
+        <p:blipFill rotWithShape="1">
+          <a:blip r:embed="rId2"/>
+          <a:srcRect t="13526"/>
+          <a:stretch/>
+        </p:blipFill>
+        <p:spPr>
+          <a:xfrm>
+            <a:off x="183574" y="1628031"/>
+            <a:ext cx="9976426" cy="5229969"/>
+          </a:xfrm>
+          <a:prstGeom prst="rect">
+            <a:avLst/>
+          </a:prstGeom>
+        </p:spPr>
+      </p:pic>
+      <p:sp>
+        <p:nvSpPr>
+          <p:cNvPr id="6" name="TextBox 5">
+            <a:extLst>
+              <a:ext uri="{FF2B5EF4-FFF2-40B4-BE49-F238E27FC236}">
+                <a16:creationId xmlns:a16="http://schemas.microsoft.com/office/drawing/2014/main" id="{5B4EE51D-6B9B-A970-6E5E-115499869621}"/>
+              </a:ext>
+            </a:extLst>
+          </p:cNvPr>
+          <p:cNvSpPr txBox="1"/>
+          <p:nvPr/>
+        </p:nvSpPr>
+        <p:spPr>
+          <a:xfrm>
+            <a:off x="119268" y="1232972"/>
+            <a:ext cx="10970339" cy="369332"/>
+          </a:xfrm>
+          <a:prstGeom prst="rect">
+            <a:avLst/>
+          </a:prstGeom>
+          <a:noFill/>
+        </p:spPr>
+        <p:txBody>
+          <a:bodyPr wrap="square">
+            <a:spAutoFit/>
+          </a:bodyPr>
+          <a:lstStyle/>
+          <a:p>
+            <a:r>
+              <a:rPr lang="en-GB" b="0" i="0" dirty="0">
+                <a:effectLst/>
+                <a:latin typeface="arial" panose="020B0604020202020204" pitchFamily="34" charset="0"/>
+              </a:rPr>
+              <a:t>AI enables computers and machines to simulate human intelligence and problem-solving capabilities.</a:t>
+            </a:r>
+            <a:endParaRPr lang="en-GB" dirty="0"/>
+          </a:p>
+        </p:txBody>
+      </p:sp>
+      <p:pic>
+        <p:nvPicPr>
+          <p:cNvPr id="8" name="Picture 7">
+            <a:extLst>
+              <a:ext uri="{FF2B5EF4-FFF2-40B4-BE49-F238E27FC236}">
+                <a16:creationId xmlns:a16="http://schemas.microsoft.com/office/drawing/2014/main" id="{4B8BD4E0-FDB5-1A74-1DE1-E5E4E97B36D1}"/>
               </a:ext>
             </a:extLst>
           </p:cNvPr>
@@ -34108,92 +34220,25 @@
           <p:nvPr/>
         </p:nvPicPr>
         <p:blipFill>
-          <a:blip r:embed="rId2" cstate="print">
-            <a:extLst>
-              <a:ext uri="{28A0092B-C50C-407E-A947-70E740481C1C}">
-                <a14:useLocalDpi xmlns:a14="http://schemas.microsoft.com/office/drawing/2010/main" val="0"/>
-              </a:ext>
-            </a:extLst>
-          </a:blip>
+          <a:blip r:embed="rId3"/>
           <a:stretch>
             <a:fillRect/>
           </a:stretch>
         </p:blipFill>
         <p:spPr>
           <a:xfrm>
-            <a:off x="6549452" y="1768839"/>
-            <a:ext cx="3971499" cy="3971499"/>
+            <a:off x="9095943" y="1811333"/>
+            <a:ext cx="3096057" cy="1267002"/>
           </a:xfrm>
           <a:prstGeom prst="rect">
             <a:avLst/>
           </a:prstGeom>
         </p:spPr>
       </p:pic>
-      <p:sp>
-        <p:nvSpPr>
-          <p:cNvPr id="7" name="TextBox 6">
-            <a:extLst>
-              <a:ext uri="{FF2B5EF4-FFF2-40B4-BE49-F238E27FC236}">
-                <a16:creationId xmlns:a16="http://schemas.microsoft.com/office/drawing/2014/main" id="{06D11BCB-D72E-F6D9-DAB5-FF70E2770653}"/>
-              </a:ext>
-            </a:extLst>
-          </p:cNvPr>
-          <p:cNvSpPr txBox="1"/>
-          <p:nvPr/>
-        </p:nvSpPr>
-        <p:spPr>
-          <a:xfrm>
-            <a:off x="609600" y="1768839"/>
-            <a:ext cx="5777552" cy="3416320"/>
-          </a:xfrm>
-          <a:prstGeom prst="rect">
-            <a:avLst/>
-          </a:prstGeom>
-          <a:noFill/>
-        </p:spPr>
-        <p:txBody>
-          <a:bodyPr wrap="square" rtlCol="0">
-            <a:spAutoFit/>
-          </a:bodyPr>
-          <a:lstStyle/>
-          <a:p>
-            <a:r>
-              <a:rPr lang="en-GB" sz="3600" dirty="0"/>
-              <a:t>How do you test your code?</a:t>
-            </a:r>
-          </a:p>
-          <a:p>
-            <a:endParaRPr lang="en-GB" sz="3600" dirty="0"/>
-          </a:p>
-          <a:p>
-            <a:r>
-              <a:rPr lang="en-GB" sz="3600" dirty="0"/>
-              <a:t>How do you know it gives the right answers?</a:t>
-            </a:r>
-          </a:p>
-          <a:p>
-            <a:endParaRPr lang="en-GB" sz="3600" dirty="0"/>
-          </a:p>
-          <a:p>
-            <a:r>
-              <a:rPr lang="en-GB" sz="3600" dirty="0"/>
-              <a:t>Add your ideas to the </a:t>
-            </a:r>
-            <a:r>
-              <a:rPr lang="en-GB" sz="3600" dirty="0" err="1"/>
-              <a:t>padlet</a:t>
-            </a:r>
-            <a:r>
-              <a:rPr lang="en-GB" sz="3600" dirty="0"/>
-              <a:t>:</a:t>
-            </a:r>
-          </a:p>
-        </p:txBody>
-      </p:sp>
     </p:spTree>
     <p:extLst>
       <p:ext uri="{BB962C8B-B14F-4D97-AF65-F5344CB8AC3E}">
-        <p14:creationId xmlns:p14="http://schemas.microsoft.com/office/powerpoint/2010/main" val="441908946"/>
+        <p14:creationId xmlns:p14="http://schemas.microsoft.com/office/powerpoint/2010/main" val="4136546853"/>
       </p:ext>
     </p:extLst>
   </p:cSld>
@@ -34222,7 +34267,13 @@
       </p:grpSpPr>
       <p:sp>
         <p:nvSpPr>
-          <p:cNvPr id="2" name="Title 1"/>
+          <p:cNvPr id="2" name="Title 1">
+            <a:extLst>
+              <a:ext uri="{FF2B5EF4-FFF2-40B4-BE49-F238E27FC236}">
+                <a16:creationId xmlns:a16="http://schemas.microsoft.com/office/drawing/2014/main" id="{06F825B2-23B7-F74F-2D3F-9E4539F5524C}"/>
+              </a:ext>
+            </a:extLst>
+          </p:cNvPr>
           <p:cNvSpPr>
             <a:spLocks noGrp="1"/>
           </p:cNvSpPr>
@@ -34232,81 +34283,25 @@
         </p:nvSpPr>
         <p:spPr/>
         <p:txBody>
-          <a:bodyPr>
-            <a:normAutofit/>
-          </a:bodyPr>
+          <a:bodyPr/>
           <a:lstStyle/>
           <a:p>
             <a:r>
-              <a:rPr lang="en-GB" sz="3600" dirty="0"/>
-              <a:t>Debugging and Improving Performance</a:t>
-            </a:r>
-          </a:p>
-        </p:txBody>
-      </p:sp>
-      <p:sp>
-        <p:nvSpPr>
-          <p:cNvPr id="3" name="Content Placeholder 2"/>
-          <p:cNvSpPr>
-            <a:spLocks noGrp="1"/>
-          </p:cNvSpPr>
-          <p:nvPr>
-            <p:ph idx="1"/>
-          </p:nvPr>
-        </p:nvSpPr>
-        <p:spPr/>
-        <p:txBody>
-          <a:bodyPr>
-            <a:normAutofit/>
-          </a:bodyPr>
-          <a:lstStyle/>
-          <a:p>
-            <a:pPr marL="0" indent="0">
-              <a:buNone/>
-            </a:pPr>
-            <a:endParaRPr lang="en-GB" sz="2800" dirty="0"/>
-          </a:p>
-          <a:p>
-            <a:r>
-              <a:rPr lang="en-GB" sz="2800" dirty="0"/>
-              <a:t>Diagnosing problems</a:t>
-            </a:r>
-          </a:p>
-          <a:p>
-            <a:r>
-              <a:rPr lang="en-GB" sz="2800" dirty="0"/>
-              <a:t>Identifying common errors</a:t>
-            </a:r>
-          </a:p>
-          <a:p>
-            <a:r>
-              <a:rPr lang="en-GB" sz="2800" dirty="0"/>
-              <a:t>Evaluation of code performance</a:t>
-            </a:r>
-          </a:p>
-          <a:p>
-            <a:r>
-              <a:rPr lang="en-GB" sz="2800" dirty="0"/>
-              <a:t>Vectorisation techniques</a:t>
-            </a:r>
-          </a:p>
-          <a:p>
-            <a:r>
-              <a:rPr lang="en-GB" sz="2800" dirty="0"/>
-              <a:t>Managing memory effectively</a:t>
-            </a:r>
-          </a:p>
-          <a:p>
-            <a:endParaRPr lang="en-GB" sz="2800" dirty="0"/>
-          </a:p>
-          <a:p>
-            <a:endParaRPr lang="en-GB" sz="2800" dirty="0"/>
-          </a:p>
-        </p:txBody>
-      </p:sp>
-      <p:sp>
-        <p:nvSpPr>
-          <p:cNvPr id="4" name="Slide Number Placeholder 3"/>
+              <a:rPr lang="en-GB" dirty="0"/>
+              <a:t>Machine learning vs deep learning</a:t>
+            </a:r>
+          </a:p>
+        </p:txBody>
+      </p:sp>
+      <p:sp>
+        <p:nvSpPr>
+          <p:cNvPr id="3" name="Slide Number Placeholder 2">
+            <a:extLst>
+              <a:ext uri="{FF2B5EF4-FFF2-40B4-BE49-F238E27FC236}">
+                <a16:creationId xmlns:a16="http://schemas.microsoft.com/office/drawing/2014/main" id="{77EB2CD3-3CAD-E403-820A-521344F1FEEB}"/>
+              </a:ext>
+            </a:extLst>
+          </p:cNvPr>
           <p:cNvSpPr>
             <a:spLocks noGrp="1"/>
           </p:cNvSpPr>
@@ -34340,10 +34335,57 @@
           </a:p>
         </p:txBody>
       </p:sp>
+      <p:pic>
+        <p:nvPicPr>
+          <p:cNvPr id="1026" name="Picture 2" descr="Differences Between AI vs. Machine Learning vs. Deep Learning | Simplilearn">
+            <a:extLst>
+              <a:ext uri="{FF2B5EF4-FFF2-40B4-BE49-F238E27FC236}">
+                <a16:creationId xmlns:a16="http://schemas.microsoft.com/office/drawing/2014/main" id="{3FC0BBED-95A1-B4DC-7DEF-69BB1352849A}"/>
+              </a:ext>
+            </a:extLst>
+          </p:cNvPr>
+          <p:cNvPicPr>
+            <a:picLocks noChangeAspect="1" noChangeArrowheads="1"/>
+          </p:cNvPicPr>
+          <p:nvPr/>
+        </p:nvPicPr>
+        <p:blipFill>
+          <a:blip r:embed="rId2">
+            <a:extLst>
+              <a:ext uri="{28A0092B-C50C-407E-A947-70E740481C1C}">
+                <a14:useLocalDpi xmlns:a14="http://schemas.microsoft.com/office/drawing/2010/main" val="0"/>
+              </a:ext>
+            </a:extLst>
+          </a:blip>
+          <a:srcRect/>
+          <a:stretch>
+            <a:fillRect/>
+          </a:stretch>
+        </p:blipFill>
+        <p:spPr bwMode="auto">
+          <a:xfrm>
+            <a:off x="809625" y="1839912"/>
+            <a:ext cx="10572750" cy="4743450"/>
+          </a:xfrm>
+          <a:prstGeom prst="rect">
+            <a:avLst/>
+          </a:prstGeom>
+          <a:noFill/>
+          <a:extLst>
+            <a:ext uri="{909E8E84-426E-40DD-AFC4-6F175D3DCCD1}">
+              <a14:hiddenFill xmlns:a14="http://schemas.microsoft.com/office/drawing/2010/main">
+                <a:solidFill>
+                  <a:srgbClr val="FFFFFF"/>
+                </a:solidFill>
+              </a14:hiddenFill>
+            </a:ext>
+          </a:extLst>
+        </p:spPr>
+      </p:pic>
     </p:spTree>
     <p:extLst>
       <p:ext uri="{BB962C8B-B14F-4D97-AF65-F5344CB8AC3E}">
-        <p14:creationId xmlns:p14="http://schemas.microsoft.com/office/powerpoint/2010/main" val="2777187757"/>
+        <p14:creationId xmlns:p14="http://schemas.microsoft.com/office/powerpoint/2010/main" val="1817866727"/>
       </p:ext>
     </p:extLst>
   </p:cSld>
@@ -34372,146 +34414,47 @@
       </p:grpSpPr>
       <p:sp>
         <p:nvSpPr>
-          <p:cNvPr id="3" name="Content Placeholder 2"/>
+          <p:cNvPr id="2" name="Title 1">
+            <a:extLst>
+              <a:ext uri="{FF2B5EF4-FFF2-40B4-BE49-F238E27FC236}">
+                <a16:creationId xmlns:a16="http://schemas.microsoft.com/office/drawing/2014/main" id="{DC1D8423-9D70-D03D-87C2-60E9491BB510}"/>
+              </a:ext>
+            </a:extLst>
+          </p:cNvPr>
           <p:cNvSpPr>
             <a:spLocks noGrp="1"/>
           </p:cNvSpPr>
           <p:nvPr>
-            <p:ph idx="1"/>
+            <p:ph type="title"/>
           </p:nvPr>
         </p:nvSpPr>
-        <p:spPr>
-          <a:xfrm>
-            <a:off x="1310185" y="1166018"/>
-            <a:ext cx="9298675" cy="4525963"/>
-          </a:xfrm>
-        </p:spPr>
+        <p:spPr/>
         <p:txBody>
           <a:bodyPr>
-            <a:noAutofit/>
+            <a:normAutofit fontScale="90000"/>
           </a:bodyPr>
           <a:lstStyle/>
           <a:p>
-            <a:pPr marL="0" indent="0">
-              <a:buNone/>
-            </a:pPr>
-            <a:r>
-              <a:rPr lang="en-GB" sz="2400" dirty="0"/>
-              <a:t>Efficient matrix and array operations rely on data being located together in a contiguous block of memory addresses</a:t>
-            </a:r>
-          </a:p>
-          <a:p>
-            <a:pPr marL="0" indent="0">
-              <a:buNone/>
-            </a:pPr>
-            <a:endParaRPr lang="en-GB" sz="2400" dirty="0"/>
-          </a:p>
-          <a:p>
-            <a:pPr marL="0" indent="0">
-              <a:buNone/>
-            </a:pPr>
-            <a:r>
-              <a:rPr lang="en-GB" sz="2400" dirty="0"/>
-              <a:t>Create a dummy version of a variable of appropriate size</a:t>
-            </a:r>
-          </a:p>
-          <a:p>
-            <a:pPr marL="0" indent="0">
-              <a:buNone/>
-            </a:pPr>
-            <a:r>
-              <a:rPr lang="en-GB" sz="2400" dirty="0">
-                <a:latin typeface="Courier New" panose="02070309020205020404" pitchFamily="49" charset="0"/>
-                <a:cs typeface="Courier New" panose="02070309020205020404" pitchFamily="49" charset="0"/>
-              </a:rPr>
-              <a:t>&gt;&gt; A = zeros(</a:t>
-            </a:r>
-            <a:r>
-              <a:rPr lang="en-GB" sz="2400" dirty="0" err="1">
-                <a:latin typeface="Courier New" panose="02070309020205020404" pitchFamily="49" charset="0"/>
-                <a:cs typeface="Courier New" panose="02070309020205020404" pitchFamily="49" charset="0"/>
-              </a:rPr>
-              <a:t>m,n</a:t>
-            </a:r>
-            <a:r>
-              <a:rPr lang="en-GB" sz="2400" dirty="0">
-                <a:latin typeface="Courier New" panose="02070309020205020404" pitchFamily="49" charset="0"/>
-                <a:cs typeface="Courier New" panose="02070309020205020404" pitchFamily="49" charset="0"/>
-              </a:rPr>
-              <a:t>)</a:t>
-            </a:r>
-          </a:p>
-          <a:p>
-            <a:pPr marL="0" indent="0">
-              <a:buNone/>
-            </a:pPr>
-            <a:r>
-              <a:rPr lang="en-GB" sz="2400" dirty="0">
-                <a:cs typeface="Courier New" panose="02070309020205020404" pitchFamily="49" charset="0"/>
-              </a:rPr>
-              <a:t>Subsequent operations then overwrite the zeros with the required values</a:t>
-            </a:r>
-          </a:p>
-          <a:p>
-            <a:pPr marL="0" indent="0">
-              <a:buNone/>
-            </a:pPr>
-            <a:endParaRPr lang="en-GB" sz="2400" dirty="0">
-              <a:cs typeface="Courier New" panose="02070309020205020404" pitchFamily="49" charset="0"/>
-            </a:endParaRPr>
-          </a:p>
-          <a:p>
-            <a:pPr marL="0" indent="0">
-              <a:buNone/>
-            </a:pPr>
-            <a:r>
-              <a:rPr lang="en-GB" sz="2400" dirty="0">
-                <a:cs typeface="Courier New" panose="02070309020205020404" pitchFamily="49" charset="0"/>
-              </a:rPr>
-              <a:t>Assigning the last element of an array first creates an array of the appropriate size</a:t>
-            </a:r>
-          </a:p>
-          <a:p>
-            <a:pPr marL="0" indent="0">
-              <a:buNone/>
-            </a:pPr>
-            <a:r>
-              <a:rPr lang="en-GB" sz="2400" dirty="0">
-                <a:latin typeface="Courier New" panose="02070309020205020404" pitchFamily="49" charset="0"/>
-                <a:cs typeface="Courier New" panose="02070309020205020404" pitchFamily="49" charset="0"/>
-              </a:rPr>
-              <a:t>&gt;&gt; x(8) = 3</a:t>
-            </a:r>
-          </a:p>
-          <a:p>
-            <a:pPr marL="0" indent="0">
-              <a:buNone/>
-            </a:pPr>
-            <a:r>
-              <a:rPr lang="en-GB" sz="2400" dirty="0">
-                <a:latin typeface="Courier New" panose="02070309020205020404" pitchFamily="49" charset="0"/>
-                <a:cs typeface="Courier New" panose="02070309020205020404" pitchFamily="49" charset="0"/>
-              </a:rPr>
-              <a:t>x =</a:t>
-            </a:r>
-          </a:p>
-          <a:p>
-            <a:pPr marL="0" indent="0">
-              <a:buNone/>
-            </a:pPr>
-            <a:r>
-              <a:rPr lang="en-GB" sz="2400" dirty="0">
-                <a:latin typeface="Courier New" panose="02070309020205020404" pitchFamily="49" charset="0"/>
-                <a:cs typeface="Courier New" panose="02070309020205020404" pitchFamily="49" charset="0"/>
-              </a:rPr>
-              <a:t>     0     0     0     0     0     0     0     3</a:t>
-            </a:r>
-          </a:p>
-        </p:txBody>
-      </p:sp>
-      <p:sp>
-        <p:nvSpPr>
-          <p:cNvPr id="4" name="Slide Number Placeholder 3"/>
+            <a:r>
+              <a:rPr lang="en-GB" b="1" dirty="0"/>
+              <a:t>Tasks: </a:t>
+            </a:r>
+            <a:r>
+              <a:rPr lang="en-GB" dirty="0"/>
+              <a:t>Supervised learning vs unsupervised learning</a:t>
+            </a:r>
+          </a:p>
+        </p:txBody>
+      </p:sp>
+      <p:sp>
+        <p:nvSpPr>
+          <p:cNvPr id="3" name="Slide Number Placeholder 2">
+            <a:extLst>
+              <a:ext uri="{FF2B5EF4-FFF2-40B4-BE49-F238E27FC236}">
+                <a16:creationId xmlns:a16="http://schemas.microsoft.com/office/drawing/2014/main" id="{09DA5E24-92BE-0BE6-5FA2-4BACAF6E53E2}"/>
+              </a:ext>
+            </a:extLst>
+          </p:cNvPr>
           <p:cNvSpPr>
             <a:spLocks noGrp="1"/>
           </p:cNvSpPr>
@@ -34545,43 +34488,93 @@
           </a:p>
         </p:txBody>
       </p:sp>
-      <p:sp>
-        <p:nvSpPr>
-          <p:cNvPr id="5" name="Title 1"/>
-          <p:cNvSpPr>
-            <a:spLocks noGrp="1"/>
-          </p:cNvSpPr>
-          <p:nvPr>
-            <p:ph type="title"/>
-          </p:nvPr>
-        </p:nvSpPr>
+      <p:pic>
+        <p:nvPicPr>
+          <p:cNvPr id="6" name="Picture 2" descr="Supervised learning and unsupervised learning. Supervised learning uses...  | Download Scientific Diagram">
+            <a:extLst>
+              <a:ext uri="{FF2B5EF4-FFF2-40B4-BE49-F238E27FC236}">
+                <a16:creationId xmlns:a16="http://schemas.microsoft.com/office/drawing/2014/main" id="{2F0A01AF-13F5-53AC-D90E-419AE19C63B9}"/>
+              </a:ext>
+            </a:extLst>
+          </p:cNvPr>
+          <p:cNvPicPr>
+            <a:picLocks noChangeAspect="1" noChangeArrowheads="1"/>
+          </p:cNvPicPr>
+          <p:nvPr/>
+        </p:nvPicPr>
+        <p:blipFill>
+          <a:blip r:embed="rId2">
+            <a:extLst>
+              <a:ext uri="{28A0092B-C50C-407E-A947-70E740481C1C}">
+                <a14:useLocalDpi xmlns:a14="http://schemas.microsoft.com/office/drawing/2010/main" val="0"/>
+              </a:ext>
+            </a:extLst>
+          </a:blip>
+          <a:srcRect/>
+          <a:stretch>
+            <a:fillRect/>
+          </a:stretch>
+        </p:blipFill>
+        <p:spPr bwMode="auto">
+          <a:xfrm>
+            <a:off x="2807666" y="1244723"/>
+            <a:ext cx="6576667" cy="5284545"/>
+          </a:xfrm>
+          <a:prstGeom prst="rect">
+            <a:avLst/>
+          </a:prstGeom>
+          <a:noFill/>
+          <a:extLst>
+            <a:ext uri="{909E8E84-426E-40DD-AFC4-6F175D3DCCD1}">
+              <a14:hiddenFill xmlns:a14="http://schemas.microsoft.com/office/drawing/2010/main">
+                <a:solidFill>
+                  <a:srgbClr val="FFFFFF"/>
+                </a:solidFill>
+              </a14:hiddenFill>
+            </a:ext>
+          </a:extLst>
+        </p:spPr>
+      </p:pic>
+      <p:cxnSp>
+        <p:nvCxnSpPr>
+          <p:cNvPr id="8" name="Straight Connector 7">
+            <a:extLst>
+              <a:ext uri="{FF2B5EF4-FFF2-40B4-BE49-F238E27FC236}">
+                <a16:creationId xmlns:a16="http://schemas.microsoft.com/office/drawing/2014/main" id="{B4479D37-1DAC-D07B-2397-677E7A992403}"/>
+              </a:ext>
+            </a:extLst>
+          </p:cNvPr>
+          <p:cNvCxnSpPr/>
+          <p:nvPr/>
+        </p:nvCxnSpPr>
         <p:spPr>
           <a:xfrm>
-            <a:off x="1981199" y="136522"/>
-            <a:ext cx="8229600" cy="744537"/>
-          </a:xfrm>
-        </p:spPr>
-        <p:txBody>
-          <a:bodyPr>
-            <a:normAutofit/>
-          </a:bodyPr>
-          <a:lstStyle/>
-          <a:p>
-            <a:r>
-              <a:rPr lang="en-GB" sz="3600" dirty="0" err="1"/>
-              <a:t>Preallocation</a:t>
-            </a:r>
-            <a:r>
-              <a:rPr lang="en-GB" sz="3600" dirty="0"/>
-              <a:t> of Memory</a:t>
-            </a:r>
-          </a:p>
-        </p:txBody>
-      </p:sp>
+            <a:off x="265043" y="4412974"/>
+            <a:ext cx="11926957" cy="0"/>
+          </a:xfrm>
+          <a:prstGeom prst="line">
+            <a:avLst/>
+          </a:prstGeom>
+        </p:spPr>
+        <p:style>
+          <a:lnRef idx="1">
+            <a:schemeClr val="accent1"/>
+          </a:lnRef>
+          <a:fillRef idx="0">
+            <a:schemeClr val="accent1"/>
+          </a:fillRef>
+          <a:effectRef idx="0">
+            <a:schemeClr val="accent1"/>
+          </a:effectRef>
+          <a:fontRef idx="minor">
+            <a:schemeClr val="tx1"/>
+          </a:fontRef>
+        </p:style>
+      </p:cxnSp>
     </p:spTree>
     <p:extLst>
       <p:ext uri="{BB962C8B-B14F-4D97-AF65-F5344CB8AC3E}">
-        <p14:creationId xmlns:p14="http://schemas.microsoft.com/office/powerpoint/2010/main" val="72538050"/>
+        <p14:creationId xmlns:p14="http://schemas.microsoft.com/office/powerpoint/2010/main" val="439337608"/>
       </p:ext>
     </p:extLst>
   </p:cSld>
@@ -34767,7 +34760,41 @@
       </p:grpSpPr>
       <p:sp>
         <p:nvSpPr>
-          <p:cNvPr id="2" name="Slide Number Placeholder 1"/>
+          <p:cNvPr id="2" name="Title 1">
+            <a:extLst>
+              <a:ext uri="{FF2B5EF4-FFF2-40B4-BE49-F238E27FC236}">
+                <a16:creationId xmlns:a16="http://schemas.microsoft.com/office/drawing/2014/main" id="{AEBB2F36-10C9-EDC5-5336-33C2A4007BCC}"/>
+              </a:ext>
+            </a:extLst>
+          </p:cNvPr>
+          <p:cNvSpPr>
+            <a:spLocks noGrp="1"/>
+          </p:cNvSpPr>
+          <p:nvPr>
+            <p:ph type="title"/>
+          </p:nvPr>
+        </p:nvSpPr>
+        <p:spPr/>
+        <p:txBody>
+          <a:bodyPr/>
+          <a:lstStyle/>
+          <a:p>
+            <a:r>
+              <a:rPr lang="en-GB" dirty="0"/>
+              <a:t>Regression vs classification vs clustering</a:t>
+            </a:r>
+          </a:p>
+        </p:txBody>
+      </p:sp>
+      <p:sp>
+        <p:nvSpPr>
+          <p:cNvPr id="3" name="Slide Number Placeholder 2">
+            <a:extLst>
+              <a:ext uri="{FF2B5EF4-FFF2-40B4-BE49-F238E27FC236}">
+                <a16:creationId xmlns:a16="http://schemas.microsoft.com/office/drawing/2014/main" id="{220D57C2-4EEF-2E30-E88A-97D7F39E3F7B}"/>
+              </a:ext>
+            </a:extLst>
+          </p:cNvPr>
           <p:cNvSpPr>
             <a:spLocks noGrp="1"/>
           </p:cNvSpPr>
@@ -34790,6 +34817,977 @@
               </a:rPr>
               <a:pPr/>
               <a:t>50</a:t>
+            </a:fld>
+            <a:endParaRPr lang="en-GB">
+              <a:solidFill>
+                <a:prstClr val="black">
+                  <a:tint val="75000"/>
+                </a:prstClr>
+              </a:solidFill>
+            </a:endParaRPr>
+          </a:p>
+        </p:txBody>
+      </p:sp>
+      <p:pic>
+        <p:nvPicPr>
+          <p:cNvPr id="5" name="Picture 4">
+            <a:extLst>
+              <a:ext uri="{FF2B5EF4-FFF2-40B4-BE49-F238E27FC236}">
+                <a16:creationId xmlns:a16="http://schemas.microsoft.com/office/drawing/2014/main" id="{F17224A6-6BB8-233B-5E5A-EFAA90499517}"/>
+              </a:ext>
+            </a:extLst>
+          </p:cNvPr>
+          <p:cNvPicPr>
+            <a:picLocks noChangeAspect="1"/>
+          </p:cNvPicPr>
+          <p:nvPr/>
+        </p:nvPicPr>
+        <p:blipFill>
+          <a:blip r:embed="rId2"/>
+          <a:stretch>
+            <a:fillRect/>
+          </a:stretch>
+        </p:blipFill>
+        <p:spPr>
+          <a:xfrm>
+            <a:off x="917960" y="2542013"/>
+            <a:ext cx="10356080" cy="2997395"/>
+          </a:xfrm>
+          <a:prstGeom prst="rect">
+            <a:avLst/>
+          </a:prstGeom>
+        </p:spPr>
+      </p:pic>
+    </p:spTree>
+    <p:extLst>
+      <p:ext uri="{BB962C8B-B14F-4D97-AF65-F5344CB8AC3E}">
+        <p14:creationId xmlns:p14="http://schemas.microsoft.com/office/powerpoint/2010/main" val="1148636722"/>
+      </p:ext>
+    </p:extLst>
+  </p:cSld>
+  <p:clrMapOvr>
+    <a:masterClrMapping/>
+  </p:clrMapOvr>
+</p:sld>
+</file>
+
+<file path=ppt/slides/slide51.xml><?xml version="1.0" encoding="utf-8"?>
+<p:sld xmlns:a="http://schemas.openxmlformats.org/drawingml/2006/main" xmlns:r="http://schemas.openxmlformats.org/officeDocument/2006/relationships" xmlns:p="http://schemas.openxmlformats.org/presentationml/2006/main">
+  <p:cSld>
+    <p:spTree>
+      <p:nvGrpSpPr>
+        <p:cNvPr id="1" name=""/>
+        <p:cNvGrpSpPr/>
+        <p:nvPr/>
+      </p:nvGrpSpPr>
+      <p:grpSpPr>
+        <a:xfrm>
+          <a:off x="0" y="0"/>
+          <a:ext cx="0" cy="0"/>
+          <a:chOff x="0" y="0"/>
+          <a:chExt cx="0" cy="0"/>
+        </a:xfrm>
+      </p:grpSpPr>
+      <p:sp>
+        <p:nvSpPr>
+          <p:cNvPr id="2" name="Title 1">
+            <a:extLst>
+              <a:ext uri="{FF2B5EF4-FFF2-40B4-BE49-F238E27FC236}">
+                <a16:creationId xmlns:a16="http://schemas.microsoft.com/office/drawing/2014/main" id="{950FB8C2-EECF-60CE-CFAB-362D0588B908}"/>
+              </a:ext>
+            </a:extLst>
+          </p:cNvPr>
+          <p:cNvSpPr>
+            <a:spLocks noGrp="1"/>
+          </p:cNvSpPr>
+          <p:nvPr>
+            <p:ph type="title"/>
+          </p:nvPr>
+        </p:nvSpPr>
+        <p:spPr/>
+        <p:txBody>
+          <a:bodyPr/>
+          <a:lstStyle/>
+          <a:p>
+            <a:r>
+              <a:rPr lang="en-GB" dirty="0"/>
+              <a:t>How to train a model?</a:t>
+            </a:r>
+          </a:p>
+        </p:txBody>
+      </p:sp>
+      <p:sp>
+        <p:nvSpPr>
+          <p:cNvPr id="3" name="Slide Number Placeholder 2">
+            <a:extLst>
+              <a:ext uri="{FF2B5EF4-FFF2-40B4-BE49-F238E27FC236}">
+                <a16:creationId xmlns:a16="http://schemas.microsoft.com/office/drawing/2014/main" id="{F2FC7D40-0227-B62D-22EE-A2CD980D9F76}"/>
+              </a:ext>
+            </a:extLst>
+          </p:cNvPr>
+          <p:cNvSpPr>
+            <a:spLocks noGrp="1"/>
+          </p:cNvSpPr>
+          <p:nvPr>
+            <p:ph type="sldNum" sz="quarter" idx="12"/>
+          </p:nvPr>
+        </p:nvSpPr>
+        <p:spPr/>
+        <p:txBody>
+          <a:bodyPr/>
+          <a:lstStyle/>
+          <a:p>
+            <a:fld id="{83730267-60C2-4514-997F-6A8804439442}" type="slidenum">
+              <a:rPr lang="en-GB" smtClean="0">
+                <a:solidFill>
+                  <a:prstClr val="black">
+                    <a:tint val="75000"/>
+                  </a:prstClr>
+                </a:solidFill>
+              </a:rPr>
+              <a:pPr/>
+              <a:t>51</a:t>
+            </a:fld>
+            <a:endParaRPr lang="en-GB">
+              <a:solidFill>
+                <a:prstClr val="black">
+                  <a:tint val="75000"/>
+                </a:prstClr>
+              </a:solidFill>
+            </a:endParaRPr>
+          </a:p>
+        </p:txBody>
+      </p:sp>
+      <p:pic>
+        <p:nvPicPr>
+          <p:cNvPr id="3074" name="Picture 2" descr="What is Machine Learning Model Training? | Opinosis Analytics">
+            <a:extLst>
+              <a:ext uri="{FF2B5EF4-FFF2-40B4-BE49-F238E27FC236}">
+                <a16:creationId xmlns:a16="http://schemas.microsoft.com/office/drawing/2014/main" id="{E5C9638B-7E4B-784F-0648-151AE8D97C8B}"/>
+              </a:ext>
+            </a:extLst>
+          </p:cNvPr>
+          <p:cNvPicPr>
+            <a:picLocks noChangeAspect="1" noChangeArrowheads="1"/>
+          </p:cNvPicPr>
+          <p:nvPr/>
+        </p:nvPicPr>
+        <p:blipFill>
+          <a:blip r:embed="rId2">
+            <a:extLst>
+              <a:ext uri="{28A0092B-C50C-407E-A947-70E740481C1C}">
+                <a14:useLocalDpi xmlns:a14="http://schemas.microsoft.com/office/drawing/2010/main" val="0"/>
+              </a:ext>
+            </a:extLst>
+          </a:blip>
+          <a:srcRect/>
+          <a:stretch>
+            <a:fillRect/>
+          </a:stretch>
+        </p:blipFill>
+        <p:spPr bwMode="auto">
+          <a:xfrm>
+            <a:off x="2888767" y="1803210"/>
+            <a:ext cx="6878085" cy="4918268"/>
+          </a:xfrm>
+          <a:prstGeom prst="rect">
+            <a:avLst/>
+          </a:prstGeom>
+          <a:noFill/>
+          <a:extLst>
+            <a:ext uri="{909E8E84-426E-40DD-AFC4-6F175D3DCCD1}">
+              <a14:hiddenFill xmlns:a14="http://schemas.microsoft.com/office/drawing/2010/main">
+                <a:solidFill>
+                  <a:srgbClr val="FFFFFF"/>
+                </a:solidFill>
+              </a14:hiddenFill>
+            </a:ext>
+          </a:extLst>
+        </p:spPr>
+      </p:pic>
+    </p:spTree>
+    <p:extLst>
+      <p:ext uri="{BB962C8B-B14F-4D97-AF65-F5344CB8AC3E}">
+        <p14:creationId xmlns:p14="http://schemas.microsoft.com/office/powerpoint/2010/main" val="2024611758"/>
+      </p:ext>
+    </p:extLst>
+  </p:cSld>
+  <p:clrMapOvr>
+    <a:masterClrMapping/>
+  </p:clrMapOvr>
+</p:sld>
+</file>
+
+<file path=ppt/slides/slide52.xml><?xml version="1.0" encoding="utf-8"?>
+<p:sld xmlns:a="http://schemas.openxmlformats.org/drawingml/2006/main" xmlns:r="http://schemas.openxmlformats.org/officeDocument/2006/relationships" xmlns:p="http://schemas.openxmlformats.org/presentationml/2006/main">
+  <p:cSld>
+    <p:spTree>
+      <p:nvGrpSpPr>
+        <p:cNvPr id="1" name=""/>
+        <p:cNvGrpSpPr/>
+        <p:nvPr/>
+      </p:nvGrpSpPr>
+      <p:grpSpPr>
+        <a:xfrm>
+          <a:off x="0" y="0"/>
+          <a:ext cx="0" cy="0"/>
+          <a:chOff x="0" y="0"/>
+          <a:chExt cx="0" cy="0"/>
+        </a:xfrm>
+      </p:grpSpPr>
+      <p:sp>
+        <p:nvSpPr>
+          <p:cNvPr id="2" name="Title 1">
+            <a:extLst>
+              <a:ext uri="{FF2B5EF4-FFF2-40B4-BE49-F238E27FC236}">
+                <a16:creationId xmlns:a16="http://schemas.microsoft.com/office/drawing/2014/main" id="{6526419F-0E68-9C26-274E-F6801E82F293}"/>
+              </a:ext>
+            </a:extLst>
+          </p:cNvPr>
+          <p:cNvSpPr>
+            <a:spLocks noGrp="1"/>
+          </p:cNvSpPr>
+          <p:nvPr>
+            <p:ph type="title"/>
+          </p:nvPr>
+        </p:nvSpPr>
+        <p:spPr/>
+        <p:txBody>
+          <a:bodyPr/>
+          <a:lstStyle/>
+          <a:p>
+            <a:r>
+              <a:rPr lang="en-GB" dirty="0"/>
+              <a:t>Software Testing</a:t>
+            </a:r>
+          </a:p>
+        </p:txBody>
+      </p:sp>
+      <p:sp>
+        <p:nvSpPr>
+          <p:cNvPr id="3" name="Content Placeholder 2">
+            <a:extLst>
+              <a:ext uri="{FF2B5EF4-FFF2-40B4-BE49-F238E27FC236}">
+                <a16:creationId xmlns:a16="http://schemas.microsoft.com/office/drawing/2014/main" id="{4795FF2B-4679-C340-3F12-BED74CA25425}"/>
+              </a:ext>
+            </a:extLst>
+          </p:cNvPr>
+          <p:cNvSpPr>
+            <a:spLocks noGrp="1"/>
+          </p:cNvSpPr>
+          <p:nvPr>
+            <p:ph idx="1"/>
+          </p:nvPr>
+        </p:nvSpPr>
+        <p:spPr/>
+        <p:txBody>
+          <a:bodyPr/>
+          <a:lstStyle/>
+          <a:p>
+            <a:pPr marL="0" indent="0">
+              <a:buNone/>
+            </a:pPr>
+            <a:r>
+              <a:rPr lang="en-GB" dirty="0"/>
+              <a:t>Please take a look at this blog before the session tomorrow:</a:t>
+            </a:r>
+          </a:p>
+          <a:p>
+            <a:pPr marL="0" indent="0">
+              <a:buNone/>
+            </a:pPr>
+            <a:r>
+              <a:rPr lang="en-GB" dirty="0">
+                <a:hlinkClick r:id="rId2"/>
+              </a:rPr>
+              <a:t>A Brief Introduction to Software Testing</a:t>
+            </a:r>
+            <a:endParaRPr lang="en-GB" dirty="0"/>
+          </a:p>
+        </p:txBody>
+      </p:sp>
+      <p:sp>
+        <p:nvSpPr>
+          <p:cNvPr id="4" name="Slide Number Placeholder 3">
+            <a:extLst>
+              <a:ext uri="{FF2B5EF4-FFF2-40B4-BE49-F238E27FC236}">
+                <a16:creationId xmlns:a16="http://schemas.microsoft.com/office/drawing/2014/main" id="{AF86B5FF-55B2-D4F8-CA74-07D9F383239A}"/>
+              </a:ext>
+            </a:extLst>
+          </p:cNvPr>
+          <p:cNvSpPr>
+            <a:spLocks noGrp="1"/>
+          </p:cNvSpPr>
+          <p:nvPr>
+            <p:ph type="sldNum" sz="quarter" idx="12"/>
+          </p:nvPr>
+        </p:nvSpPr>
+        <p:spPr/>
+        <p:txBody>
+          <a:bodyPr/>
+          <a:lstStyle/>
+          <a:p>
+            <a:fld id="{83730267-60C2-4514-997F-6A8804439442}" type="slidenum">
+              <a:rPr lang="en-GB" smtClean="0">
+                <a:solidFill>
+                  <a:prstClr val="black">
+                    <a:tint val="75000"/>
+                  </a:prstClr>
+                </a:solidFill>
+              </a:rPr>
+              <a:pPr/>
+              <a:t>52</a:t>
+            </a:fld>
+            <a:endParaRPr lang="en-GB">
+              <a:solidFill>
+                <a:prstClr val="black">
+                  <a:tint val="75000"/>
+                </a:prstClr>
+              </a:solidFill>
+            </a:endParaRPr>
+          </a:p>
+        </p:txBody>
+      </p:sp>
+    </p:spTree>
+    <p:extLst>
+      <p:ext uri="{BB962C8B-B14F-4D97-AF65-F5344CB8AC3E}">
+        <p14:creationId xmlns:p14="http://schemas.microsoft.com/office/powerpoint/2010/main" val="2224768003"/>
+      </p:ext>
+    </p:extLst>
+  </p:cSld>
+  <p:clrMapOvr>
+    <a:masterClrMapping/>
+  </p:clrMapOvr>
+</p:sld>
+</file>
+
+<file path=ppt/slides/slide53.xml><?xml version="1.0" encoding="utf-8"?>
+<p:sld xmlns:a="http://schemas.openxmlformats.org/drawingml/2006/main" xmlns:r="http://schemas.openxmlformats.org/officeDocument/2006/relationships" xmlns:p="http://schemas.openxmlformats.org/presentationml/2006/main">
+  <p:cSld>
+    <p:spTree>
+      <p:nvGrpSpPr>
+        <p:cNvPr id="1" name=""/>
+        <p:cNvGrpSpPr/>
+        <p:nvPr/>
+      </p:nvGrpSpPr>
+      <p:grpSpPr>
+        <a:xfrm>
+          <a:off x="0" y="0"/>
+          <a:ext cx="0" cy="0"/>
+          <a:chOff x="0" y="0"/>
+          <a:chExt cx="0" cy="0"/>
+        </a:xfrm>
+      </p:grpSpPr>
+      <p:sp>
+        <p:nvSpPr>
+          <p:cNvPr id="2" name="Title 1">
+            <a:extLst>
+              <a:ext uri="{FF2B5EF4-FFF2-40B4-BE49-F238E27FC236}">
+                <a16:creationId xmlns:a16="http://schemas.microsoft.com/office/drawing/2014/main" id="{0205CA92-26BA-C99F-E8BA-840A9551647E}"/>
+              </a:ext>
+            </a:extLst>
+          </p:cNvPr>
+          <p:cNvSpPr>
+            <a:spLocks noGrp="1"/>
+          </p:cNvSpPr>
+          <p:nvPr>
+            <p:ph type="title"/>
+          </p:nvPr>
+        </p:nvSpPr>
+        <p:spPr/>
+        <p:txBody>
+          <a:bodyPr/>
+          <a:lstStyle/>
+          <a:p>
+            <a:r>
+              <a:rPr lang="en-GB" dirty="0"/>
+              <a:t>Software Testing</a:t>
+            </a:r>
+          </a:p>
+        </p:txBody>
+      </p:sp>
+      <p:sp>
+        <p:nvSpPr>
+          <p:cNvPr id="3" name="Slide Number Placeholder 2">
+            <a:extLst>
+              <a:ext uri="{FF2B5EF4-FFF2-40B4-BE49-F238E27FC236}">
+                <a16:creationId xmlns:a16="http://schemas.microsoft.com/office/drawing/2014/main" id="{B6F8BE1A-2466-3F24-2684-11CE2A09FB21}"/>
+              </a:ext>
+            </a:extLst>
+          </p:cNvPr>
+          <p:cNvSpPr>
+            <a:spLocks noGrp="1"/>
+          </p:cNvSpPr>
+          <p:nvPr>
+            <p:ph type="sldNum" sz="quarter" idx="12"/>
+          </p:nvPr>
+        </p:nvSpPr>
+        <p:spPr/>
+        <p:txBody>
+          <a:bodyPr/>
+          <a:lstStyle/>
+          <a:p>
+            <a:fld id="{83730267-60C2-4514-997F-6A8804439442}" type="slidenum">
+              <a:rPr lang="en-GB" smtClean="0">
+                <a:solidFill>
+                  <a:prstClr val="black">
+                    <a:tint val="75000"/>
+                  </a:prstClr>
+                </a:solidFill>
+              </a:rPr>
+              <a:pPr/>
+              <a:t>53</a:t>
+            </a:fld>
+            <a:endParaRPr lang="en-GB">
+              <a:solidFill>
+                <a:prstClr val="black">
+                  <a:tint val="75000"/>
+                </a:prstClr>
+              </a:solidFill>
+            </a:endParaRPr>
+          </a:p>
+        </p:txBody>
+      </p:sp>
+      <p:pic>
+        <p:nvPicPr>
+          <p:cNvPr id="6" name="Picture 5" descr="A qr code with black squares&#10;&#10;Description automatically generated with low confidence">
+            <a:extLst>
+              <a:ext uri="{FF2B5EF4-FFF2-40B4-BE49-F238E27FC236}">
+                <a16:creationId xmlns:a16="http://schemas.microsoft.com/office/drawing/2014/main" id="{3A8A9B7C-999C-A7A8-4CB2-B3C7D2DD3139}"/>
+              </a:ext>
+            </a:extLst>
+          </p:cNvPr>
+          <p:cNvPicPr>
+            <a:picLocks noChangeAspect="1"/>
+          </p:cNvPicPr>
+          <p:nvPr/>
+        </p:nvPicPr>
+        <p:blipFill>
+          <a:blip r:embed="rId2" cstate="print">
+            <a:extLst>
+              <a:ext uri="{28A0092B-C50C-407E-A947-70E740481C1C}">
+                <a14:useLocalDpi xmlns:a14="http://schemas.microsoft.com/office/drawing/2010/main" val="0"/>
+              </a:ext>
+            </a:extLst>
+          </a:blip>
+          <a:stretch>
+            <a:fillRect/>
+          </a:stretch>
+        </p:blipFill>
+        <p:spPr>
+          <a:xfrm>
+            <a:off x="6549452" y="1768839"/>
+            <a:ext cx="3971499" cy="3971499"/>
+          </a:xfrm>
+          <a:prstGeom prst="rect">
+            <a:avLst/>
+          </a:prstGeom>
+        </p:spPr>
+      </p:pic>
+      <p:sp>
+        <p:nvSpPr>
+          <p:cNvPr id="7" name="TextBox 6">
+            <a:extLst>
+              <a:ext uri="{FF2B5EF4-FFF2-40B4-BE49-F238E27FC236}">
+                <a16:creationId xmlns:a16="http://schemas.microsoft.com/office/drawing/2014/main" id="{06D11BCB-D72E-F6D9-DAB5-FF70E2770653}"/>
+              </a:ext>
+            </a:extLst>
+          </p:cNvPr>
+          <p:cNvSpPr txBox="1"/>
+          <p:nvPr/>
+        </p:nvSpPr>
+        <p:spPr>
+          <a:xfrm>
+            <a:off x="609600" y="1768839"/>
+            <a:ext cx="5777552" cy="3416320"/>
+          </a:xfrm>
+          <a:prstGeom prst="rect">
+            <a:avLst/>
+          </a:prstGeom>
+          <a:noFill/>
+        </p:spPr>
+        <p:txBody>
+          <a:bodyPr wrap="square" rtlCol="0">
+            <a:spAutoFit/>
+          </a:bodyPr>
+          <a:lstStyle/>
+          <a:p>
+            <a:r>
+              <a:rPr lang="en-GB" sz="3600" dirty="0"/>
+              <a:t>How do you test your code?</a:t>
+            </a:r>
+          </a:p>
+          <a:p>
+            <a:endParaRPr lang="en-GB" sz="3600" dirty="0"/>
+          </a:p>
+          <a:p>
+            <a:r>
+              <a:rPr lang="en-GB" sz="3600" dirty="0"/>
+              <a:t>How do you know it gives the right answers?</a:t>
+            </a:r>
+          </a:p>
+          <a:p>
+            <a:endParaRPr lang="en-GB" sz="3600" dirty="0"/>
+          </a:p>
+          <a:p>
+            <a:r>
+              <a:rPr lang="en-GB" sz="3600" dirty="0"/>
+              <a:t>Add your ideas to the </a:t>
+            </a:r>
+            <a:r>
+              <a:rPr lang="en-GB" sz="3600" dirty="0" err="1"/>
+              <a:t>padlet</a:t>
+            </a:r>
+            <a:r>
+              <a:rPr lang="en-GB" sz="3600" dirty="0"/>
+              <a:t>:</a:t>
+            </a:r>
+          </a:p>
+        </p:txBody>
+      </p:sp>
+    </p:spTree>
+    <p:extLst>
+      <p:ext uri="{BB962C8B-B14F-4D97-AF65-F5344CB8AC3E}">
+        <p14:creationId xmlns:p14="http://schemas.microsoft.com/office/powerpoint/2010/main" val="441908946"/>
+      </p:ext>
+    </p:extLst>
+  </p:cSld>
+  <p:clrMapOvr>
+    <a:masterClrMapping/>
+  </p:clrMapOvr>
+</p:sld>
+</file>
+
+<file path=ppt/slides/slide54.xml><?xml version="1.0" encoding="utf-8"?>
+<p:sld xmlns:a="http://schemas.openxmlformats.org/drawingml/2006/main" xmlns:r="http://schemas.openxmlformats.org/officeDocument/2006/relationships" xmlns:p="http://schemas.openxmlformats.org/presentationml/2006/main">
+  <p:cSld>
+    <p:spTree>
+      <p:nvGrpSpPr>
+        <p:cNvPr id="1" name=""/>
+        <p:cNvGrpSpPr/>
+        <p:nvPr/>
+      </p:nvGrpSpPr>
+      <p:grpSpPr>
+        <a:xfrm>
+          <a:off x="0" y="0"/>
+          <a:ext cx="0" cy="0"/>
+          <a:chOff x="0" y="0"/>
+          <a:chExt cx="0" cy="0"/>
+        </a:xfrm>
+      </p:grpSpPr>
+      <p:sp>
+        <p:nvSpPr>
+          <p:cNvPr id="2" name="Title 1"/>
+          <p:cNvSpPr>
+            <a:spLocks noGrp="1"/>
+          </p:cNvSpPr>
+          <p:nvPr>
+            <p:ph type="title"/>
+          </p:nvPr>
+        </p:nvSpPr>
+        <p:spPr/>
+        <p:txBody>
+          <a:bodyPr>
+            <a:normAutofit/>
+          </a:bodyPr>
+          <a:lstStyle/>
+          <a:p>
+            <a:r>
+              <a:rPr lang="en-GB" sz="3600" dirty="0"/>
+              <a:t>Debugging and Improving Performance</a:t>
+            </a:r>
+          </a:p>
+        </p:txBody>
+      </p:sp>
+      <p:sp>
+        <p:nvSpPr>
+          <p:cNvPr id="3" name="Content Placeholder 2"/>
+          <p:cNvSpPr>
+            <a:spLocks noGrp="1"/>
+          </p:cNvSpPr>
+          <p:nvPr>
+            <p:ph idx="1"/>
+          </p:nvPr>
+        </p:nvSpPr>
+        <p:spPr/>
+        <p:txBody>
+          <a:bodyPr>
+            <a:normAutofit/>
+          </a:bodyPr>
+          <a:lstStyle/>
+          <a:p>
+            <a:pPr marL="0" indent="0">
+              <a:buNone/>
+            </a:pPr>
+            <a:endParaRPr lang="en-GB" sz="2800" dirty="0"/>
+          </a:p>
+          <a:p>
+            <a:r>
+              <a:rPr lang="en-GB" sz="2800" dirty="0"/>
+              <a:t>Diagnosing problems</a:t>
+            </a:r>
+          </a:p>
+          <a:p>
+            <a:r>
+              <a:rPr lang="en-GB" sz="2800" dirty="0"/>
+              <a:t>Identifying common errors</a:t>
+            </a:r>
+          </a:p>
+          <a:p>
+            <a:r>
+              <a:rPr lang="en-GB" sz="2800" dirty="0"/>
+              <a:t>Evaluation of code performance</a:t>
+            </a:r>
+          </a:p>
+          <a:p>
+            <a:r>
+              <a:rPr lang="en-GB" sz="2800" dirty="0"/>
+              <a:t>Vectorisation techniques</a:t>
+            </a:r>
+          </a:p>
+          <a:p>
+            <a:r>
+              <a:rPr lang="en-GB" sz="2800" dirty="0"/>
+              <a:t>Managing memory effectively</a:t>
+            </a:r>
+          </a:p>
+          <a:p>
+            <a:endParaRPr lang="en-GB" sz="2800" dirty="0"/>
+          </a:p>
+          <a:p>
+            <a:endParaRPr lang="en-GB" sz="2800" dirty="0"/>
+          </a:p>
+        </p:txBody>
+      </p:sp>
+      <p:sp>
+        <p:nvSpPr>
+          <p:cNvPr id="4" name="Slide Number Placeholder 3"/>
+          <p:cNvSpPr>
+            <a:spLocks noGrp="1"/>
+          </p:cNvSpPr>
+          <p:nvPr>
+            <p:ph type="sldNum" sz="quarter" idx="12"/>
+          </p:nvPr>
+        </p:nvSpPr>
+        <p:spPr/>
+        <p:txBody>
+          <a:bodyPr/>
+          <a:lstStyle/>
+          <a:p>
+            <a:fld id="{83730267-60C2-4514-997F-6A8804439442}" type="slidenum">
+              <a:rPr lang="en-GB" smtClean="0">
+                <a:solidFill>
+                  <a:prstClr val="black">
+                    <a:tint val="75000"/>
+                  </a:prstClr>
+                </a:solidFill>
+              </a:rPr>
+              <a:pPr/>
+              <a:t>54</a:t>
+            </a:fld>
+            <a:endParaRPr lang="en-GB">
+              <a:solidFill>
+                <a:prstClr val="black">
+                  <a:tint val="75000"/>
+                </a:prstClr>
+              </a:solidFill>
+            </a:endParaRPr>
+          </a:p>
+        </p:txBody>
+      </p:sp>
+    </p:spTree>
+    <p:extLst>
+      <p:ext uri="{BB962C8B-B14F-4D97-AF65-F5344CB8AC3E}">
+        <p14:creationId xmlns:p14="http://schemas.microsoft.com/office/powerpoint/2010/main" val="2777187757"/>
+      </p:ext>
+    </p:extLst>
+  </p:cSld>
+  <p:clrMapOvr>
+    <a:masterClrMapping/>
+  </p:clrMapOvr>
+</p:sld>
+</file>
+
+<file path=ppt/slides/slide55.xml><?xml version="1.0" encoding="utf-8"?>
+<p:sld xmlns:a="http://schemas.openxmlformats.org/drawingml/2006/main" xmlns:r="http://schemas.openxmlformats.org/officeDocument/2006/relationships" xmlns:p="http://schemas.openxmlformats.org/presentationml/2006/main">
+  <p:cSld>
+    <p:spTree>
+      <p:nvGrpSpPr>
+        <p:cNvPr id="1" name=""/>
+        <p:cNvGrpSpPr/>
+        <p:nvPr/>
+      </p:nvGrpSpPr>
+      <p:grpSpPr>
+        <a:xfrm>
+          <a:off x="0" y="0"/>
+          <a:ext cx="0" cy="0"/>
+          <a:chOff x="0" y="0"/>
+          <a:chExt cx="0" cy="0"/>
+        </a:xfrm>
+      </p:grpSpPr>
+      <p:sp>
+        <p:nvSpPr>
+          <p:cNvPr id="3" name="Content Placeholder 2"/>
+          <p:cNvSpPr>
+            <a:spLocks noGrp="1"/>
+          </p:cNvSpPr>
+          <p:nvPr>
+            <p:ph idx="1"/>
+          </p:nvPr>
+        </p:nvSpPr>
+        <p:spPr>
+          <a:xfrm>
+            <a:off x="1310185" y="1166018"/>
+            <a:ext cx="9298675" cy="4525963"/>
+          </a:xfrm>
+        </p:spPr>
+        <p:txBody>
+          <a:bodyPr>
+            <a:noAutofit/>
+          </a:bodyPr>
+          <a:lstStyle/>
+          <a:p>
+            <a:pPr marL="0" indent="0">
+              <a:buNone/>
+            </a:pPr>
+            <a:r>
+              <a:rPr lang="en-GB" sz="2400" dirty="0"/>
+              <a:t>Efficient matrix and array operations rely on data being located together in a contiguous block of memory addresses</a:t>
+            </a:r>
+          </a:p>
+          <a:p>
+            <a:pPr marL="0" indent="0">
+              <a:buNone/>
+            </a:pPr>
+            <a:endParaRPr lang="en-GB" sz="2400" dirty="0"/>
+          </a:p>
+          <a:p>
+            <a:pPr marL="0" indent="0">
+              <a:buNone/>
+            </a:pPr>
+            <a:r>
+              <a:rPr lang="en-GB" sz="2400" dirty="0"/>
+              <a:t>Create a dummy version of a variable of appropriate size</a:t>
+            </a:r>
+          </a:p>
+          <a:p>
+            <a:pPr marL="0" indent="0">
+              <a:buNone/>
+            </a:pPr>
+            <a:r>
+              <a:rPr lang="en-GB" sz="2400" dirty="0">
+                <a:latin typeface="Courier New" panose="02070309020205020404" pitchFamily="49" charset="0"/>
+                <a:cs typeface="Courier New" panose="02070309020205020404" pitchFamily="49" charset="0"/>
+              </a:rPr>
+              <a:t>&gt;&gt; A = zeros(</a:t>
+            </a:r>
+            <a:r>
+              <a:rPr lang="en-GB" sz="2400" dirty="0" err="1">
+                <a:latin typeface="Courier New" panose="02070309020205020404" pitchFamily="49" charset="0"/>
+                <a:cs typeface="Courier New" panose="02070309020205020404" pitchFamily="49" charset="0"/>
+              </a:rPr>
+              <a:t>m,n</a:t>
+            </a:r>
+            <a:r>
+              <a:rPr lang="en-GB" sz="2400" dirty="0">
+                <a:latin typeface="Courier New" panose="02070309020205020404" pitchFamily="49" charset="0"/>
+                <a:cs typeface="Courier New" panose="02070309020205020404" pitchFamily="49" charset="0"/>
+              </a:rPr>
+              <a:t>)</a:t>
+            </a:r>
+          </a:p>
+          <a:p>
+            <a:pPr marL="0" indent="0">
+              <a:buNone/>
+            </a:pPr>
+            <a:r>
+              <a:rPr lang="en-GB" sz="2400" dirty="0">
+                <a:cs typeface="Courier New" panose="02070309020205020404" pitchFamily="49" charset="0"/>
+              </a:rPr>
+              <a:t>Subsequent operations then overwrite the zeros with the required values</a:t>
+            </a:r>
+          </a:p>
+          <a:p>
+            <a:pPr marL="0" indent="0">
+              <a:buNone/>
+            </a:pPr>
+            <a:endParaRPr lang="en-GB" sz="2400" dirty="0">
+              <a:cs typeface="Courier New" panose="02070309020205020404" pitchFamily="49" charset="0"/>
+            </a:endParaRPr>
+          </a:p>
+          <a:p>
+            <a:pPr marL="0" indent="0">
+              <a:buNone/>
+            </a:pPr>
+            <a:r>
+              <a:rPr lang="en-GB" sz="2400" dirty="0">
+                <a:cs typeface="Courier New" panose="02070309020205020404" pitchFamily="49" charset="0"/>
+              </a:rPr>
+              <a:t>Assigning the last element of an array first creates an array of the appropriate size</a:t>
+            </a:r>
+          </a:p>
+          <a:p>
+            <a:pPr marL="0" indent="0">
+              <a:buNone/>
+            </a:pPr>
+            <a:r>
+              <a:rPr lang="en-GB" sz="2400" dirty="0">
+                <a:latin typeface="Courier New" panose="02070309020205020404" pitchFamily="49" charset="0"/>
+                <a:cs typeface="Courier New" panose="02070309020205020404" pitchFamily="49" charset="0"/>
+              </a:rPr>
+              <a:t>&gt;&gt; x(8) = 3</a:t>
+            </a:r>
+          </a:p>
+          <a:p>
+            <a:pPr marL="0" indent="0">
+              <a:buNone/>
+            </a:pPr>
+            <a:r>
+              <a:rPr lang="en-GB" sz="2400" dirty="0">
+                <a:latin typeface="Courier New" panose="02070309020205020404" pitchFamily="49" charset="0"/>
+                <a:cs typeface="Courier New" panose="02070309020205020404" pitchFamily="49" charset="0"/>
+              </a:rPr>
+              <a:t>x =</a:t>
+            </a:r>
+          </a:p>
+          <a:p>
+            <a:pPr marL="0" indent="0">
+              <a:buNone/>
+            </a:pPr>
+            <a:r>
+              <a:rPr lang="en-GB" sz="2400" dirty="0">
+                <a:latin typeface="Courier New" panose="02070309020205020404" pitchFamily="49" charset="0"/>
+                <a:cs typeface="Courier New" panose="02070309020205020404" pitchFamily="49" charset="0"/>
+              </a:rPr>
+              <a:t>     0     0     0     0     0     0     0     3</a:t>
+            </a:r>
+          </a:p>
+        </p:txBody>
+      </p:sp>
+      <p:sp>
+        <p:nvSpPr>
+          <p:cNvPr id="4" name="Slide Number Placeholder 3"/>
+          <p:cNvSpPr>
+            <a:spLocks noGrp="1"/>
+          </p:cNvSpPr>
+          <p:nvPr>
+            <p:ph type="sldNum" sz="quarter" idx="12"/>
+          </p:nvPr>
+        </p:nvSpPr>
+        <p:spPr/>
+        <p:txBody>
+          <a:bodyPr/>
+          <a:lstStyle/>
+          <a:p>
+            <a:fld id="{83730267-60C2-4514-997F-6A8804439442}" type="slidenum">
+              <a:rPr lang="en-GB" smtClean="0">
+                <a:solidFill>
+                  <a:prstClr val="black">
+                    <a:tint val="75000"/>
+                  </a:prstClr>
+                </a:solidFill>
+              </a:rPr>
+              <a:pPr/>
+              <a:t>55</a:t>
+            </a:fld>
+            <a:endParaRPr lang="en-GB">
+              <a:solidFill>
+                <a:prstClr val="black">
+                  <a:tint val="75000"/>
+                </a:prstClr>
+              </a:solidFill>
+            </a:endParaRPr>
+          </a:p>
+        </p:txBody>
+      </p:sp>
+      <p:sp>
+        <p:nvSpPr>
+          <p:cNvPr id="5" name="Title 1"/>
+          <p:cNvSpPr>
+            <a:spLocks noGrp="1"/>
+          </p:cNvSpPr>
+          <p:nvPr>
+            <p:ph type="title"/>
+          </p:nvPr>
+        </p:nvSpPr>
+        <p:spPr>
+          <a:xfrm>
+            <a:off x="1981199" y="136522"/>
+            <a:ext cx="8229600" cy="744537"/>
+          </a:xfrm>
+        </p:spPr>
+        <p:txBody>
+          <a:bodyPr>
+            <a:normAutofit/>
+          </a:bodyPr>
+          <a:lstStyle/>
+          <a:p>
+            <a:r>
+              <a:rPr lang="en-GB" sz="3600" dirty="0" err="1"/>
+              <a:t>Preallocation</a:t>
+            </a:r>
+            <a:r>
+              <a:rPr lang="en-GB" sz="3600" dirty="0"/>
+              <a:t> of Memory</a:t>
+            </a:r>
+          </a:p>
+        </p:txBody>
+      </p:sp>
+    </p:spTree>
+    <p:extLst>
+      <p:ext uri="{BB962C8B-B14F-4D97-AF65-F5344CB8AC3E}">
+        <p14:creationId xmlns:p14="http://schemas.microsoft.com/office/powerpoint/2010/main" val="72538050"/>
+      </p:ext>
+    </p:extLst>
+  </p:cSld>
+  <p:clrMapOvr>
+    <a:masterClrMapping/>
+  </p:clrMapOvr>
+</p:sld>
+</file>
+
+<file path=ppt/slides/slide56.xml><?xml version="1.0" encoding="utf-8"?>
+<p:sld xmlns:a="http://schemas.openxmlformats.org/drawingml/2006/main" xmlns:r="http://schemas.openxmlformats.org/officeDocument/2006/relationships" xmlns:p="http://schemas.openxmlformats.org/presentationml/2006/main">
+  <p:cSld>
+    <p:spTree>
+      <p:nvGrpSpPr>
+        <p:cNvPr id="1" name=""/>
+        <p:cNvGrpSpPr/>
+        <p:nvPr/>
+      </p:nvGrpSpPr>
+      <p:grpSpPr>
+        <a:xfrm>
+          <a:off x="0" y="0"/>
+          <a:ext cx="0" cy="0"/>
+          <a:chOff x="0" y="0"/>
+          <a:chExt cx="0" cy="0"/>
+        </a:xfrm>
+      </p:grpSpPr>
+      <p:sp>
+        <p:nvSpPr>
+          <p:cNvPr id="2" name="Slide Number Placeholder 1"/>
+          <p:cNvSpPr>
+            <a:spLocks noGrp="1"/>
+          </p:cNvSpPr>
+          <p:nvPr>
+            <p:ph type="sldNum" sz="quarter" idx="12"/>
+          </p:nvPr>
+        </p:nvSpPr>
+        <p:spPr/>
+        <p:txBody>
+          <a:bodyPr/>
+          <a:lstStyle/>
+          <a:p>
+            <a:fld id="{83730267-60C2-4514-997F-6A8804439442}" type="slidenum">
+              <a:rPr lang="en-GB" smtClean="0">
+                <a:solidFill>
+                  <a:prstClr val="black">
+                    <a:tint val="75000"/>
+                  </a:prstClr>
+                </a:solidFill>
+              </a:rPr>
+              <a:pPr/>
+              <a:t>56</a:t>
             </a:fld>
             <a:endParaRPr lang="en-GB">
               <a:solidFill>
@@ -35961,7 +36959,7 @@
 </p:sld>
 </file>
 
-<file path=ppt/slides/slide51.xml><?xml version="1.0" encoding="utf-8"?>
+<file path=ppt/slides/slide57.xml><?xml version="1.0" encoding="utf-8"?>
 <p:sld xmlns:a="http://schemas.openxmlformats.org/drawingml/2006/main" xmlns:r="http://schemas.openxmlformats.org/officeDocument/2006/relationships" xmlns:p="http://schemas.openxmlformats.org/presentationml/2006/main">
   <p:cSld>
     <p:spTree>
@@ -36002,7 +37000,7 @@
                 </a:solidFill>
               </a:rPr>
               <a:pPr/>
-              <a:t>51</a:t>
+              <a:t>57</a:t>
             </a:fld>
             <a:endParaRPr lang="en-GB">
               <a:solidFill>
@@ -37445,7 +38443,7 @@
 </p:sld>
 </file>
 
-<file path=ppt/slides/slide52.xml><?xml version="1.0" encoding="utf-8"?>
+<file path=ppt/slides/slide58.xml><?xml version="1.0" encoding="utf-8"?>
 <p:sld xmlns:a="http://schemas.openxmlformats.org/drawingml/2006/main" xmlns:r="http://schemas.openxmlformats.org/officeDocument/2006/relationships" xmlns:p="http://schemas.openxmlformats.org/presentationml/2006/main">
   <p:cSld>
     <p:spTree>
@@ -37492,7 +38490,7 @@
                 </a:solidFill>
               </a:rPr>
               <a:pPr/>
-              <a:t>52</a:t>
+              <a:t>58</a:t>
             </a:fld>
             <a:endParaRPr lang="en-GB">
               <a:solidFill>
@@ -37555,7 +38553,7 @@
 </p:sld>
 </file>
 
-<file path=ppt/slides/slide53.xml><?xml version="1.0" encoding="utf-8"?>
+<file path=ppt/slides/slide59.xml><?xml version="1.0" encoding="utf-8"?>
 <p:sld xmlns:a="http://schemas.openxmlformats.org/drawingml/2006/main" xmlns:r="http://schemas.openxmlformats.org/officeDocument/2006/relationships" xmlns:p="http://schemas.openxmlformats.org/presentationml/2006/main">
   <p:cSld>
     <p:spTree>
@@ -37630,7 +38628,7 @@
                 </a:solidFill>
               </a:rPr>
               <a:pPr/>
-              <a:t>53</a:t>
+              <a:t>59</a:t>
             </a:fld>
             <a:endParaRPr lang="en-GB">
               <a:solidFill>
@@ -38030,7 +39028,7 @@
 </p:sld>
 </file>
 
-<file path=ppt/slides/slide54.xml><?xml version="1.0" encoding="utf-8"?>
+<file path=ppt/slides/slide6.xml><?xml version="1.0" encoding="utf-8"?>
 <p:sld xmlns:a="http://schemas.openxmlformats.org/drawingml/2006/main" xmlns:r="http://schemas.openxmlformats.org/officeDocument/2006/relationships" xmlns:p="http://schemas.openxmlformats.org/presentationml/2006/main">
   <p:cSld>
     <p:spTree>
@@ -38052,6 +39050,213 @@
           <p:cNvPr id="2" name="Title 1">
             <a:extLst>
               <a:ext uri="{FF2B5EF4-FFF2-40B4-BE49-F238E27FC236}">
+                <a16:creationId xmlns:a16="http://schemas.microsoft.com/office/drawing/2014/main" id="{40D5D897-C18F-B0B5-4CDA-74882944139B}"/>
+              </a:ext>
+            </a:extLst>
+          </p:cNvPr>
+          <p:cNvSpPr>
+            <a:spLocks noGrp="1"/>
+          </p:cNvSpPr>
+          <p:nvPr>
+            <p:ph type="title"/>
+          </p:nvPr>
+        </p:nvSpPr>
+        <p:spPr/>
+        <p:txBody>
+          <a:bodyPr/>
+          <a:lstStyle/>
+          <a:p>
+            <a:pPr algn="ctr"/>
+            <a:r>
+              <a:rPr lang="en-GB" dirty="0"/>
+              <a:t>Multiple users can safely work on one file</a:t>
+            </a:r>
+          </a:p>
+        </p:txBody>
+      </p:sp>
+      <p:sp>
+        <p:nvSpPr>
+          <p:cNvPr id="3" name="TextBox 2">
+            <a:extLst>
+              <a:ext uri="{FF2B5EF4-FFF2-40B4-BE49-F238E27FC236}">
+                <a16:creationId xmlns:a16="http://schemas.microsoft.com/office/drawing/2014/main" id="{6BF671E0-20D7-D764-C7DA-CC6FB292AD44}"/>
+              </a:ext>
+            </a:extLst>
+          </p:cNvPr>
+          <p:cNvSpPr txBox="1"/>
+          <p:nvPr/>
+        </p:nvSpPr>
+        <p:spPr>
+          <a:xfrm>
+            <a:off x="800878" y="4918162"/>
+            <a:ext cx="4008582" cy="646331"/>
+          </a:xfrm>
+          <a:prstGeom prst="rect">
+            <a:avLst/>
+          </a:prstGeom>
+          <a:noFill/>
+        </p:spPr>
+        <p:txBody>
+          <a:bodyPr wrap="square" rtlCol="0">
+            <a:spAutoFit/>
+          </a:bodyPr>
+          <a:lstStyle/>
+          <a:p>
+            <a:r>
+              <a:rPr lang="en-GB" dirty="0"/>
+              <a:t>Multiple users can make independent changes to the same document</a:t>
+            </a:r>
+          </a:p>
+        </p:txBody>
+      </p:sp>
+      <p:pic>
+        <p:nvPicPr>
+          <p:cNvPr id="4" name="Graphic 3" descr="Diagram showing two sets of changes being made to one file by different users&#10;">
+            <a:extLst>
+              <a:ext uri="{FF2B5EF4-FFF2-40B4-BE49-F238E27FC236}">
+                <a16:creationId xmlns:a16="http://schemas.microsoft.com/office/drawing/2014/main" id="{949B2F37-0131-C5B0-2B7B-4ADD0C55B421}"/>
+              </a:ext>
+            </a:extLst>
+          </p:cNvPr>
+          <p:cNvPicPr>
+            <a:picLocks noChangeAspect="1"/>
+          </p:cNvPicPr>
+          <p:nvPr/>
+        </p:nvPicPr>
+        <p:blipFill>
+          <a:blip r:embed="rId2">
+            <a:extLst>
+              <a:ext uri="{28A0092B-C50C-407E-A947-70E740481C1C}">
+                <a14:useLocalDpi xmlns:a14="http://schemas.microsoft.com/office/drawing/2010/main" val="0"/>
+              </a:ext>
+              <a:ext uri="{96DAC541-7B7A-43D3-8B79-37D633B846F1}">
+                <asvg:svgBlip xmlns:asvg="http://schemas.microsoft.com/office/drawing/2016/SVG/main" r:embed="rId3"/>
+              </a:ext>
+            </a:extLst>
+          </a:blip>
+          <a:stretch>
+            <a:fillRect/>
+          </a:stretch>
+        </p:blipFill>
+        <p:spPr>
+          <a:xfrm>
+            <a:off x="1158240" y="1447172"/>
+            <a:ext cx="3718560" cy="3428048"/>
+          </a:xfrm>
+          <a:prstGeom prst="rect">
+            <a:avLst/>
+          </a:prstGeom>
+        </p:spPr>
+      </p:pic>
+      <p:sp>
+        <p:nvSpPr>
+          <p:cNvPr id="5" name="TextBox 4">
+            <a:extLst>
+              <a:ext uri="{FF2B5EF4-FFF2-40B4-BE49-F238E27FC236}">
+                <a16:creationId xmlns:a16="http://schemas.microsoft.com/office/drawing/2014/main" id="{5D0284E0-F847-232E-F4BD-8BF313B35734}"/>
+              </a:ext>
+            </a:extLst>
+          </p:cNvPr>
+          <p:cNvSpPr txBox="1"/>
+          <p:nvPr/>
+        </p:nvSpPr>
+        <p:spPr>
+          <a:xfrm>
+            <a:off x="5468851" y="4875220"/>
+            <a:ext cx="6096000" cy="923330"/>
+          </a:xfrm>
+          <a:prstGeom prst="rect">
+            <a:avLst/>
+          </a:prstGeom>
+          <a:noFill/>
+        </p:spPr>
+        <p:txBody>
+          <a:bodyPr wrap="square">
+            <a:spAutoFit/>
+          </a:bodyPr>
+          <a:lstStyle/>
+          <a:p>
+            <a:r>
+              <a:rPr lang="en-GB" dirty="0"/>
+              <a:t>Unless multiple users make changes to the same section of the document - a conflict - you can incorporate two sets of changes into the same base document.</a:t>
+            </a:r>
+          </a:p>
+        </p:txBody>
+      </p:sp>
+      <p:pic>
+        <p:nvPicPr>
+          <p:cNvPr id="6" name="Graphic 5" descr="Diagram showing 2 sets of file changes being merged into on">
+            <a:extLst>
+              <a:ext uri="{FF2B5EF4-FFF2-40B4-BE49-F238E27FC236}">
+                <a16:creationId xmlns:a16="http://schemas.microsoft.com/office/drawing/2014/main" id="{DF303866-8CCE-802B-0596-C69CACB73179}"/>
+              </a:ext>
+            </a:extLst>
+          </p:cNvPr>
+          <p:cNvPicPr>
+            <a:picLocks noChangeAspect="1"/>
+          </p:cNvPicPr>
+          <p:nvPr/>
+        </p:nvPicPr>
+        <p:blipFill>
+          <a:blip r:embed="rId4">
+            <a:extLst>
+              <a:ext uri="{28A0092B-C50C-407E-A947-70E740481C1C}">
+                <a14:useLocalDpi xmlns:a14="http://schemas.microsoft.com/office/drawing/2010/main" val="0"/>
+              </a:ext>
+              <a:ext uri="{96DAC541-7B7A-43D3-8B79-37D633B846F1}">
+                <asvg:svgBlip xmlns:asvg="http://schemas.microsoft.com/office/drawing/2016/SVG/main" r:embed="rId5"/>
+              </a:ext>
+            </a:extLst>
+          </a:blip>
+          <a:stretch>
+            <a:fillRect/>
+          </a:stretch>
+        </p:blipFill>
+        <p:spPr>
+          <a:xfrm>
+            <a:off x="6787633" y="1308626"/>
+            <a:ext cx="3768043" cy="3616564"/>
+          </a:xfrm>
+          <a:prstGeom prst="rect">
+            <a:avLst/>
+          </a:prstGeom>
+        </p:spPr>
+      </p:pic>
+    </p:spTree>
+    <p:extLst>
+      <p:ext uri="{BB962C8B-B14F-4D97-AF65-F5344CB8AC3E}">
+        <p14:creationId xmlns:p14="http://schemas.microsoft.com/office/powerpoint/2010/main" val="4207908417"/>
+      </p:ext>
+    </p:extLst>
+  </p:cSld>
+  <p:clrMapOvr>
+    <a:masterClrMapping/>
+  </p:clrMapOvr>
+</p:sld>
+</file>
+
+<file path=ppt/slides/slide60.xml><?xml version="1.0" encoding="utf-8"?>
+<p:sld xmlns:a="http://schemas.openxmlformats.org/drawingml/2006/main" xmlns:r="http://schemas.openxmlformats.org/officeDocument/2006/relationships" xmlns:p="http://schemas.openxmlformats.org/presentationml/2006/main">
+  <p:cSld>
+    <p:spTree>
+      <p:nvGrpSpPr>
+        <p:cNvPr id="1" name=""/>
+        <p:cNvGrpSpPr/>
+        <p:nvPr/>
+      </p:nvGrpSpPr>
+      <p:grpSpPr>
+        <a:xfrm>
+          <a:off x="0" y="0"/>
+          <a:ext cx="0" cy="0"/>
+          <a:chOff x="0" y="0"/>
+          <a:chExt cx="0" cy="0"/>
+        </a:xfrm>
+      </p:grpSpPr>
+      <p:sp>
+        <p:nvSpPr>
+          <p:cNvPr id="2" name="Title 1">
+            <a:extLst>
+              <a:ext uri="{FF2B5EF4-FFF2-40B4-BE49-F238E27FC236}">
                 <a16:creationId xmlns:a16="http://schemas.microsoft.com/office/drawing/2014/main" id="{745EDC30-381B-D32C-34A6-349302CE2999}"/>
               </a:ext>
             </a:extLst>
@@ -38105,7 +39310,7 @@
                 </a:solidFill>
               </a:rPr>
               <a:pPr/>
-              <a:t>54</a:t>
+              <a:t>60</a:t>
             </a:fld>
             <a:endParaRPr lang="en-GB">
               <a:solidFill>
@@ -38213,7 +39418,7 @@
 </p:sld>
 </file>
 
-<file path=ppt/slides/slide55.xml><?xml version="1.0" encoding="utf-8"?>
+<file path=ppt/slides/slide61.xml><?xml version="1.0" encoding="utf-8"?>
 <p:sld xmlns:a="http://schemas.openxmlformats.org/drawingml/2006/main" xmlns:r="http://schemas.openxmlformats.org/officeDocument/2006/relationships" xmlns:p="http://schemas.openxmlformats.org/presentationml/2006/main">
   <p:cSld>
     <p:spTree>
@@ -38288,7 +39493,7 @@
                 </a:solidFill>
               </a:rPr>
               <a:pPr/>
-              <a:t>55</a:t>
+              <a:t>61</a:t>
             </a:fld>
             <a:endParaRPr lang="en-GB">
               <a:solidFill>
@@ -38419,7 +39624,7 @@
 </p:sld>
 </file>
 
-<file path=ppt/slides/slide56.xml><?xml version="1.0" encoding="utf-8"?>
+<file path=ppt/slides/slide62.xml><?xml version="1.0" encoding="utf-8"?>
 <p:sld xmlns:a="http://schemas.openxmlformats.org/drawingml/2006/main" xmlns:r="http://schemas.openxmlformats.org/officeDocument/2006/relationships" xmlns:p="http://schemas.openxmlformats.org/presentationml/2006/main">
   <p:cSld>
     <p:spTree>
@@ -38496,7 +39701,7 @@
                 </a:solidFill>
               </a:rPr>
               <a:pPr/>
-              <a:t>56</a:t>
+              <a:t>62</a:t>
             </a:fld>
             <a:endParaRPr lang="en-GB">
               <a:solidFill>
@@ -38743,7 +39948,7 @@
 </p:sld>
 </file>
 
-<file path=ppt/slides/slide57.xml><?xml version="1.0" encoding="utf-8"?>
+<file path=ppt/slides/slide63.xml><?xml version="1.0" encoding="utf-8"?>
 <p:sld xmlns:a="http://schemas.openxmlformats.org/drawingml/2006/main" xmlns:r="http://schemas.openxmlformats.org/officeDocument/2006/relationships" xmlns:p="http://schemas.openxmlformats.org/presentationml/2006/main">
   <p:cSld>
     <p:spTree>
@@ -38853,7 +40058,7 @@
                 </a:solidFill>
               </a:rPr>
               <a:pPr/>
-              <a:t>57</a:t>
+              <a:t>63</a:t>
             </a:fld>
             <a:endParaRPr lang="en-GB">
               <a:solidFill>
@@ -38878,7 +40083,7 @@
 </p:sld>
 </file>
 
-<file path=ppt/slides/slide58.xml><?xml version="1.0" encoding="utf-8"?>
+<file path=ppt/slides/slide64.xml><?xml version="1.0" encoding="utf-8"?>
 <p:sld xmlns:a="http://schemas.openxmlformats.org/drawingml/2006/main" xmlns:r="http://schemas.openxmlformats.org/officeDocument/2006/relationships" xmlns:p="http://schemas.openxmlformats.org/presentationml/2006/main">
   <p:cSld>
     <p:spTree>
@@ -39186,7 +40391,7 @@
                 </a:solidFill>
               </a:rPr>
               <a:pPr/>
-              <a:t>58</a:t>
+              <a:t>64</a:t>
             </a:fld>
             <a:endParaRPr lang="en-GB">
               <a:solidFill>
@@ -39285,7 +40490,7 @@
 </p:sld>
 </file>
 
-<file path=ppt/slides/slide59.xml><?xml version="1.0" encoding="utf-8"?>
+<file path=ppt/slides/slide65.xml><?xml version="1.0" encoding="utf-8"?>
 <p:sld xmlns:a="http://schemas.openxmlformats.org/drawingml/2006/main" xmlns:r="http://schemas.openxmlformats.org/officeDocument/2006/relationships" xmlns:p="http://schemas.openxmlformats.org/presentationml/2006/main">
   <p:cSld>
     <p:spTree>
@@ -39402,7 +40607,7 @@
                 <a:tabLst/>
                 <a:defRPr/>
               </a:pPr>
-              <a:t>59</a:t>
+              <a:t>65</a:t>
             </a:fld>
             <a:endParaRPr kumimoji="0" lang="en-GB" sz="1200" b="0" i="0" u="none" strike="noStrike" kern="1200" cap="none" spc="0" normalizeH="0" baseline="0" noProof="0">
               <a:ln>
@@ -39843,213 +41048,6 @@
     <p:extLst>
       <p:ext uri="{BB962C8B-B14F-4D97-AF65-F5344CB8AC3E}">
         <p14:creationId xmlns:p14="http://schemas.microsoft.com/office/powerpoint/2010/main" val="2365206936"/>
-      </p:ext>
-    </p:extLst>
-  </p:cSld>
-  <p:clrMapOvr>
-    <a:masterClrMapping/>
-  </p:clrMapOvr>
-</p:sld>
-</file>
-
-<file path=ppt/slides/slide6.xml><?xml version="1.0" encoding="utf-8"?>
-<p:sld xmlns:a="http://schemas.openxmlformats.org/drawingml/2006/main" xmlns:r="http://schemas.openxmlformats.org/officeDocument/2006/relationships" xmlns:p="http://schemas.openxmlformats.org/presentationml/2006/main">
-  <p:cSld>
-    <p:spTree>
-      <p:nvGrpSpPr>
-        <p:cNvPr id="1" name=""/>
-        <p:cNvGrpSpPr/>
-        <p:nvPr/>
-      </p:nvGrpSpPr>
-      <p:grpSpPr>
-        <a:xfrm>
-          <a:off x="0" y="0"/>
-          <a:ext cx="0" cy="0"/>
-          <a:chOff x="0" y="0"/>
-          <a:chExt cx="0" cy="0"/>
-        </a:xfrm>
-      </p:grpSpPr>
-      <p:sp>
-        <p:nvSpPr>
-          <p:cNvPr id="2" name="Title 1">
-            <a:extLst>
-              <a:ext uri="{FF2B5EF4-FFF2-40B4-BE49-F238E27FC236}">
-                <a16:creationId xmlns:a16="http://schemas.microsoft.com/office/drawing/2014/main" id="{40D5D897-C18F-B0B5-4CDA-74882944139B}"/>
-              </a:ext>
-            </a:extLst>
-          </p:cNvPr>
-          <p:cNvSpPr>
-            <a:spLocks noGrp="1"/>
-          </p:cNvSpPr>
-          <p:nvPr>
-            <p:ph type="title"/>
-          </p:nvPr>
-        </p:nvSpPr>
-        <p:spPr/>
-        <p:txBody>
-          <a:bodyPr/>
-          <a:lstStyle/>
-          <a:p>
-            <a:pPr algn="ctr"/>
-            <a:r>
-              <a:rPr lang="en-GB" dirty="0"/>
-              <a:t>Multiple users can safely work on one file</a:t>
-            </a:r>
-          </a:p>
-        </p:txBody>
-      </p:sp>
-      <p:sp>
-        <p:nvSpPr>
-          <p:cNvPr id="3" name="TextBox 2">
-            <a:extLst>
-              <a:ext uri="{FF2B5EF4-FFF2-40B4-BE49-F238E27FC236}">
-                <a16:creationId xmlns:a16="http://schemas.microsoft.com/office/drawing/2014/main" id="{6BF671E0-20D7-D764-C7DA-CC6FB292AD44}"/>
-              </a:ext>
-            </a:extLst>
-          </p:cNvPr>
-          <p:cNvSpPr txBox="1"/>
-          <p:nvPr/>
-        </p:nvSpPr>
-        <p:spPr>
-          <a:xfrm>
-            <a:off x="800878" y="4918162"/>
-            <a:ext cx="4008582" cy="646331"/>
-          </a:xfrm>
-          <a:prstGeom prst="rect">
-            <a:avLst/>
-          </a:prstGeom>
-          <a:noFill/>
-        </p:spPr>
-        <p:txBody>
-          <a:bodyPr wrap="square" rtlCol="0">
-            <a:spAutoFit/>
-          </a:bodyPr>
-          <a:lstStyle/>
-          <a:p>
-            <a:r>
-              <a:rPr lang="en-GB" dirty="0"/>
-              <a:t>Multiple users can make independent changes to the same document</a:t>
-            </a:r>
-          </a:p>
-        </p:txBody>
-      </p:sp>
-      <p:pic>
-        <p:nvPicPr>
-          <p:cNvPr id="4" name="Graphic 3" descr="Diagram showing two sets of changes being made to one file by different users&#10;">
-            <a:extLst>
-              <a:ext uri="{FF2B5EF4-FFF2-40B4-BE49-F238E27FC236}">
-                <a16:creationId xmlns:a16="http://schemas.microsoft.com/office/drawing/2014/main" id="{949B2F37-0131-C5B0-2B7B-4ADD0C55B421}"/>
-              </a:ext>
-            </a:extLst>
-          </p:cNvPr>
-          <p:cNvPicPr>
-            <a:picLocks noChangeAspect="1"/>
-          </p:cNvPicPr>
-          <p:nvPr/>
-        </p:nvPicPr>
-        <p:blipFill>
-          <a:blip r:embed="rId2">
-            <a:extLst>
-              <a:ext uri="{28A0092B-C50C-407E-A947-70E740481C1C}">
-                <a14:useLocalDpi xmlns:a14="http://schemas.microsoft.com/office/drawing/2010/main" val="0"/>
-              </a:ext>
-              <a:ext uri="{96DAC541-7B7A-43D3-8B79-37D633B846F1}">
-                <asvg:svgBlip xmlns:asvg="http://schemas.microsoft.com/office/drawing/2016/SVG/main" r:embed="rId3"/>
-              </a:ext>
-            </a:extLst>
-          </a:blip>
-          <a:stretch>
-            <a:fillRect/>
-          </a:stretch>
-        </p:blipFill>
-        <p:spPr>
-          <a:xfrm>
-            <a:off x="1158240" y="1447172"/>
-            <a:ext cx="3718560" cy="3428048"/>
-          </a:xfrm>
-          <a:prstGeom prst="rect">
-            <a:avLst/>
-          </a:prstGeom>
-        </p:spPr>
-      </p:pic>
-      <p:sp>
-        <p:nvSpPr>
-          <p:cNvPr id="5" name="TextBox 4">
-            <a:extLst>
-              <a:ext uri="{FF2B5EF4-FFF2-40B4-BE49-F238E27FC236}">
-                <a16:creationId xmlns:a16="http://schemas.microsoft.com/office/drawing/2014/main" id="{5D0284E0-F847-232E-F4BD-8BF313B35734}"/>
-              </a:ext>
-            </a:extLst>
-          </p:cNvPr>
-          <p:cNvSpPr txBox="1"/>
-          <p:nvPr/>
-        </p:nvSpPr>
-        <p:spPr>
-          <a:xfrm>
-            <a:off x="5468851" y="4875220"/>
-            <a:ext cx="6096000" cy="923330"/>
-          </a:xfrm>
-          <a:prstGeom prst="rect">
-            <a:avLst/>
-          </a:prstGeom>
-          <a:noFill/>
-        </p:spPr>
-        <p:txBody>
-          <a:bodyPr wrap="square">
-            <a:spAutoFit/>
-          </a:bodyPr>
-          <a:lstStyle/>
-          <a:p>
-            <a:r>
-              <a:rPr lang="en-GB" dirty="0"/>
-              <a:t>Unless multiple users make changes to the same section of the document - a conflict - you can incorporate two sets of changes into the same base document.</a:t>
-            </a:r>
-          </a:p>
-        </p:txBody>
-      </p:sp>
-      <p:pic>
-        <p:nvPicPr>
-          <p:cNvPr id="6" name="Graphic 5" descr="Diagram showing 2 sets of file changes being merged into on">
-            <a:extLst>
-              <a:ext uri="{FF2B5EF4-FFF2-40B4-BE49-F238E27FC236}">
-                <a16:creationId xmlns:a16="http://schemas.microsoft.com/office/drawing/2014/main" id="{DF303866-8CCE-802B-0596-C69CACB73179}"/>
-              </a:ext>
-            </a:extLst>
-          </p:cNvPr>
-          <p:cNvPicPr>
-            <a:picLocks noChangeAspect="1"/>
-          </p:cNvPicPr>
-          <p:nvPr/>
-        </p:nvPicPr>
-        <p:blipFill>
-          <a:blip r:embed="rId4">
-            <a:extLst>
-              <a:ext uri="{28A0092B-C50C-407E-A947-70E740481C1C}">
-                <a14:useLocalDpi xmlns:a14="http://schemas.microsoft.com/office/drawing/2010/main" val="0"/>
-              </a:ext>
-              <a:ext uri="{96DAC541-7B7A-43D3-8B79-37D633B846F1}">
-                <asvg:svgBlip xmlns:asvg="http://schemas.microsoft.com/office/drawing/2016/SVG/main" r:embed="rId5"/>
-              </a:ext>
-            </a:extLst>
-          </a:blip>
-          <a:stretch>
-            <a:fillRect/>
-          </a:stretch>
-        </p:blipFill>
-        <p:spPr>
-          <a:xfrm>
-            <a:off x="6787633" y="1308626"/>
-            <a:ext cx="3768043" cy="3616564"/>
-          </a:xfrm>
-          <a:prstGeom prst="rect">
-            <a:avLst/>
-          </a:prstGeom>
-        </p:spPr>
-      </p:pic>
-    </p:spTree>
-    <p:extLst>
-      <p:ext uri="{BB962C8B-B14F-4D97-AF65-F5344CB8AC3E}">
-        <p14:creationId xmlns:p14="http://schemas.microsoft.com/office/powerpoint/2010/main" val="4207908417"/>
       </p:ext>
     </p:extLst>
   </p:cSld>
